--- a/g1/Class 3/Presentation/Database Development and Design - Session 3.pptx
+++ b/g1/Class 3/Presentation/Database Development and Design - Session 3.pptx
@@ -5,29 +5,37 @@
     <p:sldMasterId id="2147483648" r:id="rId1"/>
   </p:sldMasterIdLst>
   <p:notesMasterIdLst>
-    <p:notesMasterId r:id="rId22"/>
+    <p:notesMasterId r:id="rId30"/>
   </p:notesMasterIdLst>
   <p:sldIdLst>
     <p:sldId id="297" r:id="rId2"/>
     <p:sldId id="300" r:id="rId3"/>
     <p:sldId id="358" r:id="rId4"/>
-    <p:sldId id="359" r:id="rId5"/>
-    <p:sldId id="357" r:id="rId6"/>
-    <p:sldId id="390" r:id="rId7"/>
-    <p:sldId id="391" r:id="rId8"/>
-    <p:sldId id="394" r:id="rId9"/>
-    <p:sldId id="392" r:id="rId10"/>
-    <p:sldId id="393" r:id="rId11"/>
-    <p:sldId id="395" r:id="rId12"/>
-    <p:sldId id="396" r:id="rId13"/>
-    <p:sldId id="399" r:id="rId14"/>
-    <p:sldId id="345" r:id="rId15"/>
-    <p:sldId id="281" r:id="rId16"/>
-    <p:sldId id="282" r:id="rId17"/>
-    <p:sldId id="400" r:id="rId18"/>
-    <p:sldId id="402" r:id="rId19"/>
-    <p:sldId id="403" r:id="rId20"/>
-    <p:sldId id="404" r:id="rId21"/>
+    <p:sldId id="386" r:id="rId5"/>
+    <p:sldId id="387" r:id="rId6"/>
+    <p:sldId id="389" r:id="rId7"/>
+    <p:sldId id="388" r:id="rId8"/>
+    <p:sldId id="359" r:id="rId9"/>
+    <p:sldId id="357" r:id="rId10"/>
+    <p:sldId id="390" r:id="rId11"/>
+    <p:sldId id="391" r:id="rId12"/>
+    <p:sldId id="394" r:id="rId13"/>
+    <p:sldId id="392" r:id="rId14"/>
+    <p:sldId id="393" r:id="rId15"/>
+    <p:sldId id="395" r:id="rId16"/>
+    <p:sldId id="396" r:id="rId17"/>
+    <p:sldId id="397" r:id="rId18"/>
+    <p:sldId id="398" r:id="rId19"/>
+    <p:sldId id="399" r:id="rId20"/>
+    <p:sldId id="345" r:id="rId21"/>
+    <p:sldId id="281" r:id="rId22"/>
+    <p:sldId id="282" r:id="rId23"/>
+    <p:sldId id="283" r:id="rId24"/>
+    <p:sldId id="400" r:id="rId25"/>
+    <p:sldId id="401" r:id="rId26"/>
+    <p:sldId id="402" r:id="rId27"/>
+    <p:sldId id="403" r:id="rId28"/>
+    <p:sldId id="404" r:id="rId29"/>
   </p:sldIdLst>
   <p:sldSz cx="12192000" cy="6858000"/>
   <p:notesSz cx="6858000" cy="9144000"/>
@@ -140,6 +148,14 @@
             <p14:sldId id="358"/>
           </p14:sldIdLst>
         </p14:section>
+        <p14:section name="Built-In functions" id="{423DC07A-FCB8-4F39-B50C-BE2467C3633D}">
+          <p14:sldIdLst>
+            <p14:sldId id="386"/>
+            <p14:sldId id="387"/>
+            <p14:sldId id="389"/>
+            <p14:sldId id="388"/>
+          </p14:sldIdLst>
+        </p14:section>
         <p14:section name="Grouping data" id="{BD2188F5-9A77-4138-9EA1-C2C5AE85EC5E}">
           <p14:sldIdLst>
             <p14:sldId id="359"/>
@@ -159,6 +175,8 @@
           <p14:sldIdLst>
             <p14:sldId id="395"/>
             <p14:sldId id="396"/>
+            <p14:sldId id="397"/>
+            <p14:sldId id="398"/>
             <p14:sldId id="399"/>
           </p14:sldIdLst>
         </p14:section>
@@ -167,11 +185,13 @@
             <p14:sldId id="345"/>
             <p14:sldId id="281"/>
             <p14:sldId id="282"/>
+            <p14:sldId id="283"/>
           </p14:sldIdLst>
         </p14:section>
         <p14:section name="Homework" id="{3638468B-2668-4040-841F-6E04CB1EAC2F}">
           <p14:sldIdLst>
             <p14:sldId id="400"/>
+            <p14:sldId id="401"/>
             <p14:sldId id="402"/>
             <p14:sldId id="403"/>
             <p14:sldId id="404"/>
@@ -271,7 +291,7 @@
           <a:p>
             <a:fld id="{080C2AC4-95A3-4C7D-BB88-DA8C525E531F}" type="datetimeFigureOut">
               <a:rPr lang="en-US" smtClean="0"/>
-              <a:t>5/18/2019</a:t>
+              <a:t>5/16/2019</a:t>
             </a:fld>
             <a:endParaRPr lang="en-US"/>
           </a:p>
@@ -1430,7 +1450,7 @@
             <a:fld id="{B61BEF0D-F0BB-DE4B-95CE-6DB70DBA9567}" type="datetimeFigureOut">
               <a:rPr lang="en-US" dirty="0"/>
               <a:pPr/>
-              <a:t>5/18/2019</a:t>
+              <a:t>5/16/2019</a:t>
             </a:fld>
             <a:endParaRPr lang="en-US" dirty="0"/>
           </a:p>
@@ -1678,7 +1698,7 @@
             <a:fld id="{B61BEF0D-F0BB-DE4B-95CE-6DB70DBA9567}" type="datetimeFigureOut">
               <a:rPr lang="en-US" dirty="0"/>
               <a:pPr/>
-              <a:t>5/18/2019</a:t>
+              <a:t>5/16/2019</a:t>
             </a:fld>
             <a:endParaRPr lang="en-US" dirty="0"/>
           </a:p>
@@ -1989,7 +2009,7 @@
             <a:fld id="{B61BEF0D-F0BB-DE4B-95CE-6DB70DBA9567}" type="datetimeFigureOut">
               <a:rPr lang="en-US" dirty="0"/>
               <a:pPr/>
-              <a:t>5/18/2019</a:t>
+              <a:t>5/16/2019</a:t>
             </a:fld>
             <a:endParaRPr lang="en-US" dirty="0"/>
           </a:p>
@@ -2327,7 +2347,7 @@
             <a:fld id="{B61BEF0D-F0BB-DE4B-95CE-6DB70DBA9567}" type="datetimeFigureOut">
               <a:rPr lang="en-US" dirty="0"/>
               <a:pPr/>
-              <a:t>5/18/2019</a:t>
+              <a:t>5/16/2019</a:t>
             </a:fld>
             <a:endParaRPr lang="en-US" dirty="0"/>
           </a:p>
@@ -2638,7 +2658,7 @@
             <a:fld id="{B61BEF0D-F0BB-DE4B-95CE-6DB70DBA9567}" type="datetimeFigureOut">
               <a:rPr lang="en-US" dirty="0"/>
               <a:pPr/>
-              <a:t>5/18/2019</a:t>
+              <a:t>5/16/2019</a:t>
             </a:fld>
             <a:endParaRPr lang="en-US" dirty="0"/>
           </a:p>
@@ -3028,7 +3048,7 @@
             <a:fld id="{B61BEF0D-F0BB-DE4B-95CE-6DB70DBA9567}" type="datetimeFigureOut">
               <a:rPr lang="en-US" dirty="0"/>
               <a:pPr/>
-              <a:t>5/18/2019</a:t>
+              <a:t>5/16/2019</a:t>
             </a:fld>
             <a:endParaRPr lang="en-US" dirty="0"/>
           </a:p>
@@ -3194,7 +3214,7 @@
           <a:p>
             <a:fld id="{55C6B4A9-1611-4792-9094-5F34BCA07E0B}" type="datetimeFigureOut">
               <a:rPr lang="en-US" dirty="0"/>
-              <a:t>5/18/2019</a:t>
+              <a:t>5/16/2019</a:t>
             </a:fld>
             <a:endParaRPr lang="en-US" dirty="0"/>
           </a:p>
@@ -3370,7 +3390,7 @@
             <a:fld id="{B61BEF0D-F0BB-DE4B-95CE-6DB70DBA9567}" type="datetimeFigureOut">
               <a:rPr lang="en-US" dirty="0"/>
               <a:pPr/>
-              <a:t>5/18/2019</a:t>
+              <a:t>5/16/2019</a:t>
             </a:fld>
             <a:endParaRPr lang="en-US" dirty="0"/>
           </a:p>
@@ -3543,7 +3563,7 @@
             <a:fld id="{B61BEF0D-F0BB-DE4B-95CE-6DB70DBA9567}" type="datetimeFigureOut">
               <a:rPr lang="en-US" dirty="0"/>
               <a:pPr/>
-              <a:t>5/18/2019</a:t>
+              <a:t>5/16/2019</a:t>
             </a:fld>
             <a:endParaRPr lang="en-US" dirty="0"/>
           </a:p>
@@ -3787,7 +3807,7 @@
             <a:fld id="{B61BEF0D-F0BB-DE4B-95CE-6DB70DBA9567}" type="datetimeFigureOut">
               <a:rPr lang="en-US" dirty="0"/>
               <a:pPr/>
-              <a:t>5/18/2019</a:t>
+              <a:t>5/16/2019</a:t>
             </a:fld>
             <a:endParaRPr lang="en-US" dirty="0"/>
           </a:p>
@@ -4015,7 +4035,7 @@
           <a:p>
             <a:fld id="{EB712588-04B1-427B-82EE-E8DB90309F08}" type="datetimeFigureOut">
               <a:rPr lang="en-US" dirty="0"/>
-              <a:t>5/18/2019</a:t>
+              <a:t>5/16/2019</a:t>
             </a:fld>
             <a:endParaRPr lang="en-US" dirty="0"/>
           </a:p>
@@ -4385,7 +4405,7 @@
             <a:fld id="{B61BEF0D-F0BB-DE4B-95CE-6DB70DBA9567}" type="datetimeFigureOut">
               <a:rPr lang="en-US" dirty="0"/>
               <a:pPr/>
-              <a:t>5/18/2019</a:t>
+              <a:t>5/16/2019</a:t>
             </a:fld>
             <a:endParaRPr lang="en-US" dirty="0"/>
           </a:p>
@@ -4505,7 +4525,7 @@
             <a:fld id="{B61BEF0D-F0BB-DE4B-95CE-6DB70DBA9567}" type="datetimeFigureOut">
               <a:rPr lang="en-US" dirty="0"/>
               <a:pPr/>
-              <a:t>5/18/2019</a:t>
+              <a:t>5/16/2019</a:t>
             </a:fld>
             <a:endParaRPr lang="en-US" dirty="0"/>
           </a:p>
@@ -4597,7 +4617,7 @@
             <a:fld id="{B61BEF0D-F0BB-DE4B-95CE-6DB70DBA9567}" type="datetimeFigureOut">
               <a:rPr lang="en-US" dirty="0"/>
               <a:pPr/>
-              <a:t>5/18/2019</a:t>
+              <a:t>5/16/2019</a:t>
             </a:fld>
             <a:endParaRPr lang="en-US" dirty="0"/>
           </a:p>
@@ -4848,7 +4868,7 @@
           <a:p>
             <a:fld id="{42A54C80-263E-416B-A8E0-580EDEADCBDC}" type="datetimeFigureOut">
               <a:rPr lang="en-US" dirty="0"/>
-              <a:t>5/18/2019</a:t>
+              <a:t>5/16/2019</a:t>
             </a:fld>
             <a:endParaRPr lang="en-US" dirty="0"/>
           </a:p>
@@ -5107,7 +5127,7 @@
             <a:fld id="{B61BEF0D-F0BB-DE4B-95CE-6DB70DBA9567}" type="datetimeFigureOut">
               <a:rPr lang="en-US" dirty="0"/>
               <a:pPr/>
-              <a:t>5/18/2019</a:t>
+              <a:t>5/16/2019</a:t>
             </a:fld>
             <a:endParaRPr lang="en-US" dirty="0"/>
           </a:p>
@@ -5847,7 +5867,7 @@
             <a:fld id="{B61BEF0D-F0BB-DE4B-95CE-6DB70DBA9567}" type="datetimeFigureOut">
               <a:rPr lang="en-US" dirty="0"/>
               <a:pPr/>
-              <a:t>5/18/2019</a:t>
+              <a:t>5/16/2019</a:t>
             </a:fld>
             <a:endParaRPr lang="en-US" dirty="0"/>
           </a:p>
@@ -6496,6 +6516,1093 @@
           <a:p>
             <a:r>
               <a:rPr lang="en-US" dirty="0" smtClean="0"/>
+              <a:t>Grouping functions</a:t>
+            </a:r>
+            <a:endParaRPr lang="en-US" dirty="0"/>
+          </a:p>
+        </p:txBody>
+      </p:sp>
+      <p:sp>
+        <p:nvSpPr>
+          <p:cNvPr id="3" name="Content Placeholder 2"/>
+          <p:cNvSpPr>
+            <a:spLocks noGrp="1"/>
+          </p:cNvSpPr>
+          <p:nvPr>
+            <p:ph idx="1"/>
+          </p:nvPr>
+        </p:nvSpPr>
+        <p:spPr/>
+        <p:txBody>
+          <a:bodyPr/>
+          <a:lstStyle/>
+          <a:p>
+            <a:r>
+              <a:rPr lang="en-US" dirty="0" smtClean="0"/>
+              <a:t>Numeric aggregation functions</a:t>
+            </a:r>
+          </a:p>
+          <a:p>
+            <a:pPr lvl="1"/>
+            <a:r>
+              <a:rPr lang="en-US" b="1" dirty="0" smtClean="0"/>
+              <a:t>COUNT</a:t>
+            </a:r>
+            <a:endParaRPr lang="en-US" b="1" dirty="0"/>
+          </a:p>
+          <a:p>
+            <a:pPr lvl="1"/>
+            <a:r>
+              <a:rPr lang="en-US" b="1" dirty="0"/>
+              <a:t>SUM</a:t>
+            </a:r>
+          </a:p>
+          <a:p>
+            <a:pPr lvl="1"/>
+            <a:r>
+              <a:rPr lang="en-US" b="1" dirty="0"/>
+              <a:t>AVG</a:t>
+            </a:r>
+          </a:p>
+          <a:p>
+            <a:pPr lvl="1"/>
+            <a:r>
+              <a:rPr lang="en-US" b="1" dirty="0"/>
+              <a:t>MIN</a:t>
+            </a:r>
+          </a:p>
+          <a:p>
+            <a:pPr lvl="1"/>
+            <a:r>
+              <a:rPr lang="en-US" b="1" dirty="0"/>
+              <a:t>MAX</a:t>
+            </a:r>
+          </a:p>
+          <a:p>
+            <a:r>
+              <a:rPr lang="en-US" dirty="0" smtClean="0"/>
+              <a:t>String aggregation functions</a:t>
+            </a:r>
+          </a:p>
+          <a:p>
+            <a:pPr lvl="1"/>
+            <a:r>
+              <a:rPr lang="en-US" b="1" dirty="0" smtClean="0"/>
+              <a:t>STRING_AGG</a:t>
+            </a:r>
+          </a:p>
+          <a:p>
+            <a:pPr lvl="1"/>
+            <a:endParaRPr lang="en-US" b="1" dirty="0"/>
+          </a:p>
+        </p:txBody>
+      </p:sp>
+    </p:spTree>
+    <p:extLst>
+      <p:ext uri="{BB962C8B-B14F-4D97-AF65-F5344CB8AC3E}">
+        <p14:creationId xmlns:p14="http://schemas.microsoft.com/office/powerpoint/2010/main" val="2860826218"/>
+      </p:ext>
+    </p:extLst>
+  </p:cSld>
+  <p:clrMapOvr>
+    <a:masterClrMapping/>
+  </p:clrMapOvr>
+</p:sld>
+</file>
+
+<file path=ppt/slides/slide11.xml><?xml version="1.0" encoding="utf-8"?>
+<p:sld xmlns:a="http://schemas.openxmlformats.org/drawingml/2006/main" xmlns:r="http://schemas.openxmlformats.org/officeDocument/2006/relationships" xmlns:p="http://schemas.openxmlformats.org/presentationml/2006/main">
+  <p:cSld>
+    <p:spTree>
+      <p:nvGrpSpPr>
+        <p:cNvPr id="1" name=""/>
+        <p:cNvGrpSpPr/>
+        <p:nvPr/>
+      </p:nvGrpSpPr>
+      <p:grpSpPr>
+        <a:xfrm>
+          <a:off x="0" y="0"/>
+          <a:ext cx="0" cy="0"/>
+          <a:chOff x="0" y="0"/>
+          <a:chExt cx="0" cy="0"/>
+        </a:xfrm>
+      </p:grpSpPr>
+      <p:sp>
+        <p:nvSpPr>
+          <p:cNvPr id="2" name="Title 1"/>
+          <p:cNvSpPr>
+            <a:spLocks noGrp="1"/>
+          </p:cNvSpPr>
+          <p:nvPr>
+            <p:ph type="title"/>
+          </p:nvPr>
+        </p:nvSpPr>
+        <p:spPr/>
+        <p:txBody>
+          <a:bodyPr/>
+          <a:lstStyle/>
+          <a:p>
+            <a:r>
+              <a:rPr lang="en-US" dirty="0" smtClean="0"/>
+              <a:t>Grouping functions - Workshop</a:t>
+            </a:r>
+            <a:endParaRPr lang="en-US" dirty="0"/>
+          </a:p>
+        </p:txBody>
+      </p:sp>
+      <p:sp>
+        <p:nvSpPr>
+          <p:cNvPr id="3" name="Content Placeholder 2"/>
+          <p:cNvSpPr>
+            <a:spLocks noGrp="1"/>
+          </p:cNvSpPr>
+          <p:nvPr>
+            <p:ph idx="1"/>
+          </p:nvPr>
+        </p:nvSpPr>
+        <p:spPr/>
+        <p:txBody>
+          <a:bodyPr/>
+          <a:lstStyle/>
+          <a:p>
+            <a:r>
+              <a:rPr lang="en-US" dirty="0" smtClean="0"/>
+              <a:t>Calculate </a:t>
+            </a:r>
+            <a:r>
+              <a:rPr lang="en-US" dirty="0"/>
+              <a:t>the total amount on all orders in the system</a:t>
+            </a:r>
+          </a:p>
+          <a:p>
+            <a:r>
+              <a:rPr lang="en-US" dirty="0"/>
+              <a:t>Calculate the total amount per </a:t>
+            </a:r>
+            <a:r>
+              <a:rPr lang="en-US" dirty="0" err="1"/>
+              <a:t>BusinessEntity</a:t>
+            </a:r>
+            <a:r>
+              <a:rPr lang="en-US" dirty="0"/>
+              <a:t> on all orders in the system</a:t>
+            </a:r>
+          </a:p>
+          <a:p>
+            <a:r>
+              <a:rPr lang="en-US" dirty="0"/>
+              <a:t>Calculate the total amount per </a:t>
+            </a:r>
+            <a:r>
+              <a:rPr lang="en-US" dirty="0" err="1"/>
+              <a:t>BusinessEntity</a:t>
+            </a:r>
+            <a:r>
+              <a:rPr lang="en-US" dirty="0"/>
+              <a:t> on all orders in the system from Customers with ID &lt; 20</a:t>
+            </a:r>
+          </a:p>
+          <a:p>
+            <a:r>
+              <a:rPr lang="en-US" dirty="0"/>
+              <a:t>Find the Maximal Order amount, and the Average Order amount per </a:t>
+            </a:r>
+            <a:r>
+              <a:rPr lang="en-US" dirty="0" err="1"/>
+              <a:t>BusinessEntity</a:t>
+            </a:r>
+            <a:r>
+              <a:rPr lang="en-US" dirty="0"/>
+              <a:t> on all orders in the system</a:t>
+            </a:r>
+          </a:p>
+          <a:p>
+            <a:r>
+              <a:rPr lang="en-US" dirty="0" smtClean="0">
+                <a:solidFill>
+                  <a:srgbClr val="0070C0"/>
+                </a:solidFill>
+              </a:rPr>
+              <a:t>Suggest a question about some information that needs to be extracted from the Orders table</a:t>
+            </a:r>
+          </a:p>
+        </p:txBody>
+      </p:sp>
+      <p:pic>
+        <p:nvPicPr>
+          <p:cNvPr id="4" name="Picture 3"/>
+          <p:cNvPicPr>
+            <a:picLocks noChangeAspect="1"/>
+          </p:cNvPicPr>
+          <p:nvPr/>
+        </p:nvPicPr>
+        <p:blipFill>
+          <a:blip r:embed="rId2"/>
+          <a:stretch>
+            <a:fillRect/>
+          </a:stretch>
+        </p:blipFill>
+        <p:spPr>
+          <a:xfrm>
+            <a:off x="9400984" y="2331148"/>
+            <a:ext cx="2314575" cy="2543175"/>
+          </a:xfrm>
+          <a:prstGeom prst="rect">
+            <a:avLst/>
+          </a:prstGeom>
+        </p:spPr>
+      </p:pic>
+    </p:spTree>
+    <p:extLst>
+      <p:ext uri="{BB962C8B-B14F-4D97-AF65-F5344CB8AC3E}">
+        <p14:creationId xmlns:p14="http://schemas.microsoft.com/office/powerpoint/2010/main" val="244215408"/>
+      </p:ext>
+    </p:extLst>
+  </p:cSld>
+  <p:clrMapOvr>
+    <a:masterClrMapping/>
+  </p:clrMapOvr>
+</p:sld>
+</file>
+
+<file path=ppt/slides/slide12.xml><?xml version="1.0" encoding="utf-8"?>
+<p:sld xmlns:a="http://schemas.openxmlformats.org/drawingml/2006/main" xmlns:r="http://schemas.openxmlformats.org/officeDocument/2006/relationships" xmlns:p="http://schemas.openxmlformats.org/presentationml/2006/main">
+  <p:cSld>
+    <p:spTree>
+      <p:nvGrpSpPr>
+        <p:cNvPr id="1" name=""/>
+        <p:cNvGrpSpPr/>
+        <p:nvPr/>
+      </p:nvGrpSpPr>
+      <p:grpSpPr>
+        <a:xfrm>
+          <a:off x="0" y="0"/>
+          <a:ext cx="0" cy="0"/>
+          <a:chOff x="0" y="0"/>
+          <a:chExt cx="0" cy="0"/>
+        </a:xfrm>
+      </p:grpSpPr>
+      <p:sp>
+        <p:nvSpPr>
+          <p:cNvPr id="4" name="Title 3"/>
+          <p:cNvSpPr>
+            <a:spLocks noGrp="1"/>
+          </p:cNvSpPr>
+          <p:nvPr>
+            <p:ph type="title"/>
+          </p:nvPr>
+        </p:nvSpPr>
+        <p:spPr/>
+        <p:txBody>
+          <a:bodyPr/>
+          <a:lstStyle/>
+          <a:p>
+            <a:r>
+              <a:rPr lang="en-US" dirty="0" smtClean="0"/>
+              <a:t>Filtering by grouped data</a:t>
+            </a:r>
+            <a:endParaRPr lang="en-US" dirty="0"/>
+          </a:p>
+        </p:txBody>
+      </p:sp>
+      <p:sp>
+        <p:nvSpPr>
+          <p:cNvPr id="2" name="Text Placeholder 1"/>
+          <p:cNvSpPr>
+            <a:spLocks noGrp="1"/>
+          </p:cNvSpPr>
+          <p:nvPr>
+            <p:ph type="body" idx="1"/>
+          </p:nvPr>
+        </p:nvSpPr>
+        <p:spPr/>
+        <p:txBody>
+          <a:bodyPr/>
+          <a:lstStyle/>
+          <a:p>
+            <a:r>
+              <a:rPr lang="en-US" dirty="0" smtClean="0"/>
+              <a:t>HAVING operator</a:t>
+            </a:r>
+            <a:endParaRPr lang="en-US" dirty="0"/>
+          </a:p>
+        </p:txBody>
+      </p:sp>
+    </p:spTree>
+    <p:extLst>
+      <p:ext uri="{BB962C8B-B14F-4D97-AF65-F5344CB8AC3E}">
+        <p14:creationId xmlns:p14="http://schemas.microsoft.com/office/powerpoint/2010/main" val="3469038484"/>
+      </p:ext>
+    </p:extLst>
+  </p:cSld>
+  <p:clrMapOvr>
+    <a:masterClrMapping/>
+  </p:clrMapOvr>
+  <p:timing>
+    <p:tnLst>
+      <p:par>
+        <p:cTn id="1" dur="indefinite" restart="never" nodeType="tmRoot"/>
+      </p:par>
+    </p:tnLst>
+  </p:timing>
+</p:sld>
+</file>
+
+<file path=ppt/slides/slide13.xml><?xml version="1.0" encoding="utf-8"?>
+<p:sld xmlns:a="http://schemas.openxmlformats.org/drawingml/2006/main" xmlns:r="http://schemas.openxmlformats.org/officeDocument/2006/relationships" xmlns:p="http://schemas.openxmlformats.org/presentationml/2006/main">
+  <p:cSld>
+    <p:spTree>
+      <p:nvGrpSpPr>
+        <p:cNvPr id="1" name=""/>
+        <p:cNvGrpSpPr/>
+        <p:nvPr/>
+      </p:nvGrpSpPr>
+      <p:grpSpPr>
+        <a:xfrm>
+          <a:off x="0" y="0"/>
+          <a:ext cx="0" cy="0"/>
+          <a:chOff x="0" y="0"/>
+          <a:chExt cx="0" cy="0"/>
+        </a:xfrm>
+      </p:grpSpPr>
+      <p:sp>
+        <p:nvSpPr>
+          <p:cNvPr id="2" name="Title 1"/>
+          <p:cNvSpPr>
+            <a:spLocks noGrp="1"/>
+          </p:cNvSpPr>
+          <p:nvPr>
+            <p:ph type="title"/>
+          </p:nvPr>
+        </p:nvSpPr>
+        <p:spPr/>
+        <p:txBody>
+          <a:bodyPr/>
+          <a:lstStyle/>
+          <a:p>
+            <a:r>
+              <a:rPr lang="en-US" dirty="0" smtClean="0"/>
+              <a:t>Grouping functions – filtering by grouped data</a:t>
+            </a:r>
+            <a:endParaRPr lang="en-US" dirty="0"/>
+          </a:p>
+        </p:txBody>
+      </p:sp>
+      <p:sp>
+        <p:nvSpPr>
+          <p:cNvPr id="3" name="Content Placeholder 2"/>
+          <p:cNvSpPr>
+            <a:spLocks noGrp="1"/>
+          </p:cNvSpPr>
+          <p:nvPr>
+            <p:ph idx="1"/>
+          </p:nvPr>
+        </p:nvSpPr>
+        <p:spPr/>
+        <p:txBody>
+          <a:bodyPr/>
+          <a:lstStyle/>
+          <a:p>
+            <a:r>
+              <a:rPr lang="en-US" dirty="0" smtClean="0"/>
+              <a:t>Many often we need to perform search operations on already aggregated data</a:t>
+            </a:r>
+          </a:p>
+          <a:p>
+            <a:r>
+              <a:rPr lang="en-US" dirty="0" smtClean="0"/>
+              <a:t>WHERE expression filter the resultset before grouping</a:t>
+            </a:r>
+          </a:p>
+          <a:p>
+            <a:r>
+              <a:rPr lang="en-US" dirty="0" smtClean="0"/>
+              <a:t>HAVING operator is used to filter data after grouping</a:t>
+            </a:r>
+          </a:p>
+          <a:p>
+            <a:r>
+              <a:rPr lang="en-US" dirty="0" smtClean="0"/>
+              <a:t>example:</a:t>
+            </a:r>
+            <a:endParaRPr lang="en-US" dirty="0"/>
+          </a:p>
+        </p:txBody>
+      </p:sp>
+      <p:sp>
+        <p:nvSpPr>
+          <p:cNvPr id="5" name="Rectangle 4"/>
+          <p:cNvSpPr/>
+          <p:nvPr/>
+        </p:nvSpPr>
+        <p:spPr>
+          <a:xfrm>
+            <a:off x="4593336" y="4287036"/>
+            <a:ext cx="6928104" cy="1477328"/>
+          </a:xfrm>
+          <a:prstGeom prst="rect">
+            <a:avLst/>
+          </a:prstGeom>
+        </p:spPr>
+        <p:txBody>
+          <a:bodyPr wrap="square">
+            <a:spAutoFit/>
+          </a:bodyPr>
+          <a:lstStyle/>
+          <a:p>
+            <a:r>
+              <a:rPr lang="en-US" dirty="0">
+                <a:solidFill>
+                  <a:srgbClr val="0000FF"/>
+                </a:solidFill>
+                <a:latin typeface="Consolas" panose="020B0609020204030204" pitchFamily="49" charset="0"/>
+              </a:rPr>
+              <a:t>SELECT</a:t>
+            </a:r>
+            <a:r>
+              <a:rPr lang="en-US" dirty="0">
+                <a:solidFill>
+                  <a:srgbClr val="000000"/>
+                </a:solidFill>
+                <a:latin typeface="Consolas" panose="020B0609020204030204" pitchFamily="49" charset="0"/>
+              </a:rPr>
+              <a:t> </a:t>
+            </a:r>
+            <a:r>
+              <a:rPr lang="en-US" dirty="0" err="1">
+                <a:solidFill>
+                  <a:srgbClr val="000000"/>
+                </a:solidFill>
+                <a:latin typeface="Consolas" panose="020B0609020204030204" pitchFamily="49" charset="0"/>
+              </a:rPr>
+              <a:t>BusinessEntityId</a:t>
+            </a:r>
+            <a:r>
+              <a:rPr lang="en-US" dirty="0">
+                <a:solidFill>
+                  <a:srgbClr val="808080"/>
+                </a:solidFill>
+                <a:latin typeface="Consolas" panose="020B0609020204030204" pitchFamily="49" charset="0"/>
+              </a:rPr>
+              <a:t>,</a:t>
+            </a:r>
+            <a:r>
+              <a:rPr lang="en-US" dirty="0">
+                <a:solidFill>
+                  <a:srgbClr val="000000"/>
+                </a:solidFill>
+                <a:latin typeface="Consolas" panose="020B0609020204030204" pitchFamily="49" charset="0"/>
+              </a:rPr>
+              <a:t> </a:t>
+            </a:r>
+            <a:r>
+              <a:rPr lang="en-US" dirty="0">
+                <a:solidFill>
+                  <a:srgbClr val="FF00FF"/>
+                </a:solidFill>
+                <a:latin typeface="Consolas" panose="020B0609020204030204" pitchFamily="49" charset="0"/>
+              </a:rPr>
+              <a:t>SUM</a:t>
+            </a:r>
+            <a:r>
+              <a:rPr lang="en-US" dirty="0">
+                <a:solidFill>
+                  <a:srgbClr val="808080"/>
+                </a:solidFill>
+                <a:latin typeface="Consolas" panose="020B0609020204030204" pitchFamily="49" charset="0"/>
+              </a:rPr>
+              <a:t>(</a:t>
+            </a:r>
+            <a:r>
+              <a:rPr lang="en-US" dirty="0" err="1">
+                <a:solidFill>
+                  <a:srgbClr val="000000"/>
+                </a:solidFill>
+                <a:latin typeface="Consolas" panose="020B0609020204030204" pitchFamily="49" charset="0"/>
+              </a:rPr>
+              <a:t>TotalPrice</a:t>
+            </a:r>
+            <a:r>
+              <a:rPr lang="en-US" dirty="0">
+                <a:solidFill>
+                  <a:srgbClr val="808080"/>
+                </a:solidFill>
+                <a:latin typeface="Consolas" panose="020B0609020204030204" pitchFamily="49" charset="0"/>
+              </a:rPr>
+              <a:t>)</a:t>
+            </a:r>
+            <a:r>
+              <a:rPr lang="en-US" dirty="0">
+                <a:solidFill>
+                  <a:srgbClr val="000000"/>
+                </a:solidFill>
+                <a:latin typeface="Consolas" panose="020B0609020204030204" pitchFamily="49" charset="0"/>
+              </a:rPr>
+              <a:t> </a:t>
+            </a:r>
+            <a:r>
+              <a:rPr lang="en-US" dirty="0">
+                <a:solidFill>
+                  <a:srgbClr val="0000FF"/>
+                </a:solidFill>
+                <a:latin typeface="Consolas" panose="020B0609020204030204" pitchFamily="49" charset="0"/>
+              </a:rPr>
+              <a:t>as</a:t>
+            </a:r>
+            <a:r>
+              <a:rPr lang="en-US" dirty="0">
+                <a:solidFill>
+                  <a:srgbClr val="000000"/>
+                </a:solidFill>
+                <a:latin typeface="Consolas" panose="020B0609020204030204" pitchFamily="49" charset="0"/>
+              </a:rPr>
+              <a:t> Total</a:t>
+            </a:r>
+          </a:p>
+          <a:p>
+            <a:r>
+              <a:rPr lang="en-US" dirty="0">
+                <a:solidFill>
+                  <a:srgbClr val="0000FF"/>
+                </a:solidFill>
+                <a:latin typeface="Consolas" panose="020B0609020204030204" pitchFamily="49" charset="0"/>
+              </a:rPr>
+              <a:t>FROM</a:t>
+            </a:r>
+            <a:r>
+              <a:rPr lang="en-US" dirty="0">
+                <a:solidFill>
+                  <a:srgbClr val="000000"/>
+                </a:solidFill>
+                <a:latin typeface="Consolas" panose="020B0609020204030204" pitchFamily="49" charset="0"/>
+              </a:rPr>
+              <a:t> dbo</a:t>
+            </a:r>
+            <a:r>
+              <a:rPr lang="en-US" dirty="0">
+                <a:solidFill>
+                  <a:srgbClr val="808080"/>
+                </a:solidFill>
+                <a:latin typeface="Consolas" panose="020B0609020204030204" pitchFamily="49" charset="0"/>
+              </a:rPr>
+              <a:t>.</a:t>
+            </a:r>
+            <a:r>
+              <a:rPr lang="en-US" dirty="0">
+                <a:solidFill>
+                  <a:srgbClr val="000000"/>
+                </a:solidFill>
+                <a:latin typeface="Consolas" panose="020B0609020204030204" pitchFamily="49" charset="0"/>
+              </a:rPr>
+              <a:t>[Order]</a:t>
+            </a:r>
+          </a:p>
+          <a:p>
+            <a:r>
+              <a:rPr lang="en-US" dirty="0">
+                <a:solidFill>
+                  <a:srgbClr val="0000FF"/>
+                </a:solidFill>
+                <a:latin typeface="Consolas" panose="020B0609020204030204" pitchFamily="49" charset="0"/>
+              </a:rPr>
+              <a:t>WHERE</a:t>
+            </a:r>
+            <a:r>
+              <a:rPr lang="en-US" dirty="0">
+                <a:solidFill>
+                  <a:srgbClr val="000000"/>
+                </a:solidFill>
+                <a:latin typeface="Consolas" panose="020B0609020204030204" pitchFamily="49" charset="0"/>
+              </a:rPr>
+              <a:t> </a:t>
+            </a:r>
+            <a:r>
+              <a:rPr lang="en-US" dirty="0" err="1">
+                <a:solidFill>
+                  <a:srgbClr val="000000"/>
+                </a:solidFill>
+                <a:latin typeface="Consolas" panose="020B0609020204030204" pitchFamily="49" charset="0"/>
+              </a:rPr>
+              <a:t>CustomerId</a:t>
+            </a:r>
+            <a:r>
+              <a:rPr lang="en-US" dirty="0">
+                <a:solidFill>
+                  <a:srgbClr val="000000"/>
+                </a:solidFill>
+                <a:latin typeface="Consolas" panose="020B0609020204030204" pitchFamily="49" charset="0"/>
+              </a:rPr>
+              <a:t> </a:t>
+            </a:r>
+            <a:r>
+              <a:rPr lang="en-US" dirty="0">
+                <a:solidFill>
+                  <a:srgbClr val="808080"/>
+                </a:solidFill>
+                <a:latin typeface="Consolas" panose="020B0609020204030204" pitchFamily="49" charset="0"/>
+              </a:rPr>
+              <a:t>&lt;</a:t>
+            </a:r>
+            <a:r>
+              <a:rPr lang="en-US" dirty="0">
+                <a:solidFill>
+                  <a:srgbClr val="000000"/>
+                </a:solidFill>
+                <a:latin typeface="Consolas" panose="020B0609020204030204" pitchFamily="49" charset="0"/>
+              </a:rPr>
+              <a:t> 20</a:t>
+            </a:r>
+          </a:p>
+          <a:p>
+            <a:r>
+              <a:rPr lang="en-US" dirty="0">
+                <a:solidFill>
+                  <a:srgbClr val="0000FF"/>
+                </a:solidFill>
+                <a:latin typeface="Consolas" panose="020B0609020204030204" pitchFamily="49" charset="0"/>
+              </a:rPr>
+              <a:t>GROUP</a:t>
+            </a:r>
+            <a:r>
+              <a:rPr lang="en-US" dirty="0">
+                <a:solidFill>
+                  <a:srgbClr val="000000"/>
+                </a:solidFill>
+                <a:latin typeface="Consolas" panose="020B0609020204030204" pitchFamily="49" charset="0"/>
+              </a:rPr>
+              <a:t> </a:t>
+            </a:r>
+            <a:r>
+              <a:rPr lang="en-US" dirty="0">
+                <a:solidFill>
+                  <a:srgbClr val="0000FF"/>
+                </a:solidFill>
+                <a:latin typeface="Consolas" panose="020B0609020204030204" pitchFamily="49" charset="0"/>
+              </a:rPr>
+              <a:t>BY</a:t>
+            </a:r>
+            <a:r>
+              <a:rPr lang="en-US" dirty="0">
+                <a:solidFill>
+                  <a:srgbClr val="000000"/>
+                </a:solidFill>
+                <a:latin typeface="Consolas" panose="020B0609020204030204" pitchFamily="49" charset="0"/>
+              </a:rPr>
+              <a:t> </a:t>
+            </a:r>
+            <a:r>
+              <a:rPr lang="en-US" dirty="0" err="1">
+                <a:solidFill>
+                  <a:srgbClr val="000000"/>
+                </a:solidFill>
+                <a:latin typeface="Consolas" panose="020B0609020204030204" pitchFamily="49" charset="0"/>
+              </a:rPr>
+              <a:t>BusinessEntityId</a:t>
+            </a:r>
+            <a:endParaRPr lang="en-US" dirty="0">
+              <a:solidFill>
+                <a:srgbClr val="000000"/>
+              </a:solidFill>
+              <a:latin typeface="Consolas" panose="020B0609020204030204" pitchFamily="49" charset="0"/>
+            </a:endParaRPr>
+          </a:p>
+          <a:p>
+            <a:r>
+              <a:rPr lang="en-US" dirty="0">
+                <a:solidFill>
+                  <a:srgbClr val="0000FF"/>
+                </a:solidFill>
+                <a:latin typeface="Consolas" panose="020B0609020204030204" pitchFamily="49" charset="0"/>
+              </a:rPr>
+              <a:t>HAVING</a:t>
+            </a:r>
+            <a:r>
+              <a:rPr lang="en-US" dirty="0">
+                <a:solidFill>
+                  <a:srgbClr val="000000"/>
+                </a:solidFill>
+                <a:latin typeface="Consolas" panose="020B0609020204030204" pitchFamily="49" charset="0"/>
+              </a:rPr>
+              <a:t> </a:t>
+            </a:r>
+            <a:r>
+              <a:rPr lang="en-US" dirty="0">
+                <a:solidFill>
+                  <a:srgbClr val="FF00FF"/>
+                </a:solidFill>
+                <a:latin typeface="Consolas" panose="020B0609020204030204" pitchFamily="49" charset="0"/>
+              </a:rPr>
+              <a:t>SUM</a:t>
+            </a:r>
+            <a:r>
+              <a:rPr lang="en-US" dirty="0">
+                <a:solidFill>
+                  <a:srgbClr val="808080"/>
+                </a:solidFill>
+                <a:latin typeface="Consolas" panose="020B0609020204030204" pitchFamily="49" charset="0"/>
+              </a:rPr>
+              <a:t>(</a:t>
+            </a:r>
+            <a:r>
+              <a:rPr lang="en-US" dirty="0" err="1">
+                <a:solidFill>
+                  <a:srgbClr val="000000"/>
+                </a:solidFill>
+                <a:latin typeface="Consolas" panose="020B0609020204030204" pitchFamily="49" charset="0"/>
+              </a:rPr>
+              <a:t>TotalPrice</a:t>
+            </a:r>
+            <a:r>
+              <a:rPr lang="en-US" dirty="0">
+                <a:solidFill>
+                  <a:srgbClr val="808080"/>
+                </a:solidFill>
+                <a:latin typeface="Consolas" panose="020B0609020204030204" pitchFamily="49" charset="0"/>
+              </a:rPr>
+              <a:t>)</a:t>
+            </a:r>
+            <a:r>
+              <a:rPr lang="en-US" dirty="0">
+                <a:solidFill>
+                  <a:srgbClr val="000000"/>
+                </a:solidFill>
+                <a:latin typeface="Consolas" panose="020B0609020204030204" pitchFamily="49" charset="0"/>
+              </a:rPr>
+              <a:t> </a:t>
+            </a:r>
+            <a:r>
+              <a:rPr lang="en-US" dirty="0">
+                <a:solidFill>
+                  <a:srgbClr val="808080"/>
+                </a:solidFill>
+                <a:latin typeface="Consolas" panose="020B0609020204030204" pitchFamily="49" charset="0"/>
+              </a:rPr>
+              <a:t>&gt;</a:t>
+            </a:r>
+            <a:r>
+              <a:rPr lang="en-US" dirty="0">
+                <a:solidFill>
+                  <a:srgbClr val="000000"/>
+                </a:solidFill>
+                <a:latin typeface="Consolas" panose="020B0609020204030204" pitchFamily="49" charset="0"/>
+              </a:rPr>
+              <a:t> 628920</a:t>
+            </a:r>
+            <a:endParaRPr lang="en-US" dirty="0"/>
+          </a:p>
+        </p:txBody>
+      </p:sp>
+      <p:sp>
+        <p:nvSpPr>
+          <p:cNvPr id="6" name="Rectangle 5"/>
+          <p:cNvSpPr/>
+          <p:nvPr/>
+        </p:nvSpPr>
+        <p:spPr>
+          <a:xfrm>
+            <a:off x="295656" y="4287036"/>
+            <a:ext cx="6096000" cy="1477328"/>
+          </a:xfrm>
+          <a:prstGeom prst="rect">
+            <a:avLst/>
+          </a:prstGeom>
+        </p:spPr>
+        <p:txBody>
+          <a:bodyPr>
+            <a:spAutoFit/>
+          </a:bodyPr>
+          <a:lstStyle/>
+          <a:p>
+            <a:r>
+              <a:rPr lang="en-US" dirty="0">
+                <a:solidFill>
+                  <a:srgbClr val="0000FF"/>
+                </a:solidFill>
+                <a:latin typeface="Consolas" panose="020B0609020204030204" pitchFamily="49" charset="0"/>
+              </a:rPr>
+              <a:t>SELECT</a:t>
+            </a:r>
+            <a:r>
+              <a:rPr lang="en-US" dirty="0">
+                <a:solidFill>
+                  <a:srgbClr val="000000"/>
+                </a:solidFill>
+                <a:latin typeface="Consolas" panose="020B0609020204030204" pitchFamily="49" charset="0"/>
+              </a:rPr>
+              <a:t> Column1</a:t>
+            </a:r>
+            <a:r>
+              <a:rPr lang="en-US" dirty="0">
+                <a:solidFill>
+                  <a:srgbClr val="808080"/>
+                </a:solidFill>
+                <a:latin typeface="Consolas" panose="020B0609020204030204" pitchFamily="49" charset="0"/>
+              </a:rPr>
+              <a:t>,</a:t>
+            </a:r>
+            <a:r>
+              <a:rPr lang="en-US" dirty="0">
+                <a:solidFill>
+                  <a:srgbClr val="000000"/>
+                </a:solidFill>
+                <a:latin typeface="Consolas" panose="020B0609020204030204" pitchFamily="49" charset="0"/>
+              </a:rPr>
+              <a:t> </a:t>
+            </a:r>
+            <a:r>
+              <a:rPr lang="en-US" dirty="0" err="1">
+                <a:solidFill>
+                  <a:srgbClr val="000000"/>
+                </a:solidFill>
+                <a:latin typeface="Consolas" panose="020B0609020204030204" pitchFamily="49" charset="0"/>
+              </a:rPr>
+              <a:t>fn</a:t>
+            </a:r>
+            <a:r>
+              <a:rPr lang="en-US" dirty="0">
+                <a:solidFill>
+                  <a:srgbClr val="808080"/>
+                </a:solidFill>
+                <a:latin typeface="Consolas" panose="020B0609020204030204" pitchFamily="49" charset="0"/>
+              </a:rPr>
+              <a:t>(</a:t>
+            </a:r>
+            <a:r>
+              <a:rPr lang="en-US" dirty="0" err="1">
+                <a:solidFill>
+                  <a:srgbClr val="000000"/>
+                </a:solidFill>
+                <a:latin typeface="Consolas" panose="020B0609020204030204" pitchFamily="49" charset="0"/>
+              </a:rPr>
+              <a:t>ColumnN</a:t>
+            </a:r>
+            <a:r>
+              <a:rPr lang="en-US" dirty="0">
+                <a:solidFill>
+                  <a:srgbClr val="808080"/>
+                </a:solidFill>
+                <a:latin typeface="Consolas" panose="020B0609020204030204" pitchFamily="49" charset="0"/>
+              </a:rPr>
+              <a:t>)</a:t>
+            </a:r>
+            <a:endParaRPr lang="en-US" dirty="0">
+              <a:solidFill>
+                <a:srgbClr val="000000"/>
+              </a:solidFill>
+              <a:latin typeface="Consolas" panose="020B0609020204030204" pitchFamily="49" charset="0"/>
+            </a:endParaRPr>
+          </a:p>
+          <a:p>
+            <a:r>
+              <a:rPr lang="en-US" dirty="0">
+                <a:solidFill>
+                  <a:srgbClr val="0000FF"/>
+                </a:solidFill>
+                <a:latin typeface="Consolas" panose="020B0609020204030204" pitchFamily="49" charset="0"/>
+              </a:rPr>
+              <a:t>FROM</a:t>
+            </a:r>
+            <a:r>
+              <a:rPr lang="en-US" dirty="0">
+                <a:solidFill>
+                  <a:srgbClr val="000000"/>
+                </a:solidFill>
+                <a:latin typeface="Consolas" panose="020B0609020204030204" pitchFamily="49" charset="0"/>
+              </a:rPr>
+              <a:t> Table1</a:t>
+            </a:r>
+          </a:p>
+          <a:p>
+            <a:r>
+              <a:rPr lang="en-US" dirty="0">
+                <a:solidFill>
+                  <a:srgbClr val="0000FF"/>
+                </a:solidFill>
+                <a:latin typeface="Consolas" panose="020B0609020204030204" pitchFamily="49" charset="0"/>
+              </a:rPr>
+              <a:t>WHERE</a:t>
+            </a:r>
+            <a:r>
+              <a:rPr lang="en-US" dirty="0">
+                <a:solidFill>
+                  <a:srgbClr val="000000"/>
+                </a:solidFill>
+                <a:latin typeface="Consolas" panose="020B0609020204030204" pitchFamily="49" charset="0"/>
+              </a:rPr>
+              <a:t> </a:t>
+            </a:r>
+            <a:r>
+              <a:rPr lang="en-US" dirty="0" err="1">
+                <a:solidFill>
+                  <a:srgbClr val="000000"/>
+                </a:solidFill>
+                <a:latin typeface="Consolas" panose="020B0609020204030204" pitchFamily="49" charset="0"/>
+              </a:rPr>
+              <a:t>ColumnN</a:t>
+            </a:r>
+            <a:r>
+              <a:rPr lang="en-US" dirty="0">
+                <a:solidFill>
+                  <a:srgbClr val="000000"/>
+                </a:solidFill>
+                <a:latin typeface="Consolas" panose="020B0609020204030204" pitchFamily="49" charset="0"/>
+              </a:rPr>
+              <a:t> condition</a:t>
+            </a:r>
+          </a:p>
+          <a:p>
+            <a:r>
+              <a:rPr lang="en-US" dirty="0">
+                <a:solidFill>
+                  <a:srgbClr val="0000FF"/>
+                </a:solidFill>
+                <a:latin typeface="Consolas" panose="020B0609020204030204" pitchFamily="49" charset="0"/>
+              </a:rPr>
+              <a:t>GROUP</a:t>
+            </a:r>
+            <a:r>
+              <a:rPr lang="en-US" dirty="0">
+                <a:solidFill>
+                  <a:srgbClr val="000000"/>
+                </a:solidFill>
+                <a:latin typeface="Consolas" panose="020B0609020204030204" pitchFamily="49" charset="0"/>
+              </a:rPr>
+              <a:t> </a:t>
+            </a:r>
+            <a:r>
+              <a:rPr lang="en-US" dirty="0">
+                <a:solidFill>
+                  <a:srgbClr val="0000FF"/>
+                </a:solidFill>
+                <a:latin typeface="Consolas" panose="020B0609020204030204" pitchFamily="49" charset="0"/>
+              </a:rPr>
+              <a:t>BY</a:t>
+            </a:r>
+            <a:r>
+              <a:rPr lang="en-US" dirty="0">
+                <a:solidFill>
+                  <a:srgbClr val="000000"/>
+                </a:solidFill>
+                <a:latin typeface="Consolas" panose="020B0609020204030204" pitchFamily="49" charset="0"/>
+              </a:rPr>
+              <a:t> Column1</a:t>
+            </a:r>
+          </a:p>
+          <a:p>
+            <a:r>
+              <a:rPr lang="en-US" dirty="0">
+                <a:solidFill>
+                  <a:srgbClr val="0000FF"/>
+                </a:solidFill>
+                <a:latin typeface="Consolas" panose="020B0609020204030204" pitchFamily="49" charset="0"/>
+              </a:rPr>
+              <a:t>HAVING</a:t>
+            </a:r>
+            <a:r>
+              <a:rPr lang="en-US" dirty="0">
+                <a:solidFill>
+                  <a:srgbClr val="000000"/>
+                </a:solidFill>
+                <a:latin typeface="Consolas" panose="020B0609020204030204" pitchFamily="49" charset="0"/>
+              </a:rPr>
+              <a:t> </a:t>
+            </a:r>
+            <a:r>
+              <a:rPr lang="en-US" dirty="0" err="1">
+                <a:solidFill>
+                  <a:srgbClr val="000000"/>
+                </a:solidFill>
+                <a:latin typeface="Consolas" panose="020B0609020204030204" pitchFamily="49" charset="0"/>
+              </a:rPr>
+              <a:t>fn</a:t>
+            </a:r>
+            <a:r>
+              <a:rPr lang="en-US" dirty="0">
+                <a:solidFill>
+                  <a:srgbClr val="808080"/>
+                </a:solidFill>
+                <a:latin typeface="Consolas" panose="020B0609020204030204" pitchFamily="49" charset="0"/>
+              </a:rPr>
+              <a:t>(</a:t>
+            </a:r>
+            <a:r>
+              <a:rPr lang="en-US" dirty="0" err="1">
+                <a:solidFill>
+                  <a:srgbClr val="000000"/>
+                </a:solidFill>
+                <a:latin typeface="Consolas" panose="020B0609020204030204" pitchFamily="49" charset="0"/>
+              </a:rPr>
+              <a:t>ColumnN</a:t>
+            </a:r>
+            <a:r>
+              <a:rPr lang="en-US" dirty="0">
+                <a:solidFill>
+                  <a:srgbClr val="808080"/>
+                </a:solidFill>
+                <a:latin typeface="Consolas" panose="020B0609020204030204" pitchFamily="49" charset="0"/>
+              </a:rPr>
+              <a:t>)</a:t>
+            </a:r>
+            <a:r>
+              <a:rPr lang="en-US" dirty="0">
+                <a:solidFill>
+                  <a:srgbClr val="000000"/>
+                </a:solidFill>
+                <a:latin typeface="Consolas" panose="020B0609020204030204" pitchFamily="49" charset="0"/>
+              </a:rPr>
+              <a:t> condition</a:t>
+            </a:r>
+            <a:endParaRPr lang="en-US" dirty="0"/>
+          </a:p>
+        </p:txBody>
+      </p:sp>
+    </p:spTree>
+    <p:extLst>
+      <p:ext uri="{BB962C8B-B14F-4D97-AF65-F5344CB8AC3E}">
+        <p14:creationId xmlns:p14="http://schemas.microsoft.com/office/powerpoint/2010/main" val="3837776098"/>
+      </p:ext>
+    </p:extLst>
+  </p:cSld>
+  <p:clrMapOvr>
+    <a:masterClrMapping/>
+  </p:clrMapOvr>
+</p:sld>
+</file>
+
+<file path=ppt/slides/slide14.xml><?xml version="1.0" encoding="utf-8"?>
+<p:sld xmlns:a="http://schemas.openxmlformats.org/drawingml/2006/main" xmlns:r="http://schemas.openxmlformats.org/officeDocument/2006/relationships" xmlns:p="http://schemas.openxmlformats.org/presentationml/2006/main">
+  <p:cSld>
+    <p:spTree>
+      <p:nvGrpSpPr>
+        <p:cNvPr id="1" name=""/>
+        <p:cNvGrpSpPr/>
+        <p:nvPr/>
+      </p:nvGrpSpPr>
+      <p:grpSpPr>
+        <a:xfrm>
+          <a:off x="0" y="0"/>
+          <a:ext cx="0" cy="0"/>
+          <a:chOff x="0" y="0"/>
+          <a:chExt cx="0" cy="0"/>
+        </a:xfrm>
+      </p:grpSpPr>
+      <p:sp>
+        <p:nvSpPr>
+          <p:cNvPr id="2" name="Title 1"/>
+          <p:cNvSpPr>
+            <a:spLocks noGrp="1"/>
+          </p:cNvSpPr>
+          <p:nvPr>
+            <p:ph type="title"/>
+          </p:nvPr>
+        </p:nvSpPr>
+        <p:spPr/>
+        <p:txBody>
+          <a:bodyPr/>
+          <a:lstStyle/>
+          <a:p>
+            <a:r>
+              <a:rPr lang="en-US" dirty="0" smtClean="0"/>
               <a:t>Grouping functions filtering - Workshop</a:t>
             </a:r>
             <a:endParaRPr lang="en-US" dirty="0"/>
@@ -6625,7 +7732,7 @@
 </p:sld>
 </file>
 
-<file path=ppt/slides/slide11.xml><?xml version="1.0" encoding="utf-8"?>
+<file path=ppt/slides/slide15.xml><?xml version="1.0" encoding="utf-8"?>
 <p:sld xmlns:a="http://schemas.openxmlformats.org/drawingml/2006/main" xmlns:r="http://schemas.openxmlformats.org/officeDocument/2006/relationships" xmlns:p="http://schemas.openxmlformats.org/presentationml/2006/main">
   <p:cSld>
     <p:spTree>
@@ -6685,7 +7792,7 @@
 </p:sld>
 </file>
 
-<file path=ppt/slides/slide12.xml><?xml version="1.0" encoding="utf-8"?>
+<file path=ppt/slides/slide16.xml><?xml version="1.0" encoding="utf-8"?>
 <p:sld xmlns:a="http://schemas.openxmlformats.org/drawingml/2006/main" xmlns:r="http://schemas.openxmlformats.org/officeDocument/2006/relationships" xmlns:p="http://schemas.openxmlformats.org/presentationml/2006/main">
   <p:cSld>
     <p:spTree>
@@ -7344,7 +8451,786 @@
 </p:sld>
 </file>
 
-<file path=ppt/slides/slide13.xml><?xml version="1.0" encoding="utf-8"?>
+<file path=ppt/slides/slide17.xml><?xml version="1.0" encoding="utf-8"?>
+<p:sld xmlns:a="http://schemas.openxmlformats.org/drawingml/2006/main" xmlns:r="http://schemas.openxmlformats.org/officeDocument/2006/relationships" xmlns:p="http://schemas.openxmlformats.org/presentationml/2006/main">
+  <p:cSld>
+    <p:spTree>
+      <p:nvGrpSpPr>
+        <p:cNvPr id="1" name=""/>
+        <p:cNvGrpSpPr/>
+        <p:nvPr/>
+      </p:nvGrpSpPr>
+      <p:grpSpPr>
+        <a:xfrm>
+          <a:off x="0" y="0"/>
+          <a:ext cx="0" cy="0"/>
+          <a:chOff x="0" y="0"/>
+          <a:chExt cx="0" cy="0"/>
+        </a:xfrm>
+      </p:grpSpPr>
+      <p:sp>
+        <p:nvSpPr>
+          <p:cNvPr id="2" name="Title 1"/>
+          <p:cNvSpPr>
+            <a:spLocks noGrp="1"/>
+          </p:cNvSpPr>
+          <p:nvPr>
+            <p:ph type="title"/>
+          </p:nvPr>
+        </p:nvSpPr>
+        <p:spPr/>
+        <p:txBody>
+          <a:bodyPr/>
+          <a:lstStyle/>
+          <a:p>
+            <a:r>
+              <a:rPr lang="en-US" dirty="0" smtClean="0"/>
+              <a:t>View additional settings</a:t>
+            </a:r>
+            <a:endParaRPr lang="en-US" dirty="0"/>
+          </a:p>
+        </p:txBody>
+      </p:sp>
+      <p:sp>
+        <p:nvSpPr>
+          <p:cNvPr id="3" name="Content Placeholder 2"/>
+          <p:cNvSpPr>
+            <a:spLocks noGrp="1"/>
+          </p:cNvSpPr>
+          <p:nvPr>
+            <p:ph idx="1"/>
+          </p:nvPr>
+        </p:nvSpPr>
+        <p:spPr>
+          <a:xfrm>
+            <a:off x="677334" y="1474789"/>
+            <a:ext cx="8596668" cy="3880773"/>
+          </a:xfrm>
+        </p:spPr>
+        <p:txBody>
+          <a:bodyPr/>
+          <a:lstStyle/>
+          <a:p>
+            <a:r>
+              <a:rPr lang="en-US" b="1" dirty="0" smtClean="0"/>
+              <a:t>WITH </a:t>
+            </a:r>
+            <a:r>
+              <a:rPr lang="en-US" b="1" dirty="0"/>
+              <a:t>SCHEMABINDING </a:t>
+            </a:r>
+            <a:r>
+              <a:rPr lang="en-US" dirty="0" smtClean="0"/>
+              <a:t>– option guarantees that </a:t>
+            </a:r>
+            <a:r>
+              <a:rPr lang="en-US" dirty="0"/>
+              <a:t>the underlying table structures cannot be altered without dropping the view</a:t>
+            </a:r>
+          </a:p>
+          <a:p>
+            <a:r>
+              <a:rPr lang="en-US" dirty="0" smtClean="0"/>
+              <a:t>To </a:t>
+            </a:r>
+            <a:r>
+              <a:rPr lang="en-US" dirty="0"/>
+              <a:t>create a view, you name the view and then specify the SELECT statement that </a:t>
+            </a:r>
+            <a:r>
+              <a:rPr lang="en-US" dirty="0" smtClean="0"/>
+              <a:t>will constitute </a:t>
+            </a:r>
+            <a:r>
+              <a:rPr lang="en-US" dirty="0"/>
+              <a:t>the view</a:t>
+            </a:r>
+            <a:r>
+              <a:rPr lang="en-US" dirty="0" smtClean="0"/>
+              <a:t>.</a:t>
+            </a:r>
+          </a:p>
+          <a:p>
+            <a:r>
+              <a:rPr lang="en-US" dirty="0" smtClean="0"/>
+              <a:t>Example:</a:t>
+            </a:r>
+          </a:p>
+          <a:p>
+            <a:endParaRPr lang="en-US" dirty="0" smtClean="0"/>
+          </a:p>
+          <a:p>
+            <a:endParaRPr lang="en-US" dirty="0"/>
+          </a:p>
+        </p:txBody>
+      </p:sp>
+      <p:sp>
+        <p:nvSpPr>
+          <p:cNvPr id="6" name="Rectangle 5"/>
+          <p:cNvSpPr/>
+          <p:nvPr/>
+        </p:nvSpPr>
+        <p:spPr>
+          <a:xfrm>
+            <a:off x="1027176" y="3182773"/>
+            <a:ext cx="6096000" cy="1754326"/>
+          </a:xfrm>
+          <a:prstGeom prst="rect">
+            <a:avLst/>
+          </a:prstGeom>
+        </p:spPr>
+        <p:txBody>
+          <a:bodyPr>
+            <a:spAutoFit/>
+          </a:bodyPr>
+          <a:lstStyle/>
+          <a:p>
+            <a:r>
+              <a:rPr lang="en-US" dirty="0">
+                <a:solidFill>
+                  <a:srgbClr val="0000FF"/>
+                </a:solidFill>
+                <a:latin typeface="Consolas" panose="020B0609020204030204" pitchFamily="49" charset="0"/>
+              </a:rPr>
+              <a:t>CREATE</a:t>
+            </a:r>
+            <a:r>
+              <a:rPr lang="en-US" dirty="0">
+                <a:solidFill>
+                  <a:srgbClr val="000000"/>
+                </a:solidFill>
+                <a:latin typeface="Consolas" panose="020B0609020204030204" pitchFamily="49" charset="0"/>
+              </a:rPr>
+              <a:t> </a:t>
+            </a:r>
+            <a:r>
+              <a:rPr lang="en-US" dirty="0">
+                <a:solidFill>
+                  <a:srgbClr val="0000FF"/>
+                </a:solidFill>
+                <a:latin typeface="Consolas" panose="020B0609020204030204" pitchFamily="49" charset="0"/>
+              </a:rPr>
+              <a:t>VIEW</a:t>
+            </a:r>
+            <a:r>
+              <a:rPr lang="en-US" dirty="0">
+                <a:solidFill>
+                  <a:srgbClr val="000000"/>
+                </a:solidFill>
+                <a:latin typeface="Consolas" panose="020B0609020204030204" pitchFamily="49" charset="0"/>
+              </a:rPr>
+              <a:t> </a:t>
+            </a:r>
+            <a:r>
+              <a:rPr lang="en-US" dirty="0" err="1">
+                <a:solidFill>
+                  <a:srgbClr val="000000"/>
+                </a:solidFill>
+                <a:latin typeface="Consolas" panose="020B0609020204030204" pitchFamily="49" charset="0"/>
+              </a:rPr>
+              <a:t>MaleEmployees</a:t>
+            </a:r>
+            <a:endParaRPr lang="en-US" dirty="0">
+              <a:solidFill>
+                <a:srgbClr val="000000"/>
+              </a:solidFill>
+              <a:latin typeface="Consolas" panose="020B0609020204030204" pitchFamily="49" charset="0"/>
+            </a:endParaRPr>
+          </a:p>
+          <a:p>
+            <a:r>
+              <a:rPr lang="en-US" dirty="0">
+                <a:solidFill>
+                  <a:srgbClr val="0000FF"/>
+                </a:solidFill>
+                <a:latin typeface="Consolas" panose="020B0609020204030204" pitchFamily="49" charset="0"/>
+              </a:rPr>
+              <a:t>WITH</a:t>
+            </a:r>
+            <a:r>
+              <a:rPr lang="en-US" dirty="0">
+                <a:solidFill>
+                  <a:srgbClr val="000000"/>
+                </a:solidFill>
+                <a:latin typeface="Consolas" panose="020B0609020204030204" pitchFamily="49" charset="0"/>
+              </a:rPr>
+              <a:t> </a:t>
+            </a:r>
+            <a:r>
+              <a:rPr lang="en-US" dirty="0">
+                <a:solidFill>
+                  <a:srgbClr val="0000FF"/>
+                </a:solidFill>
+                <a:latin typeface="Consolas" panose="020B0609020204030204" pitchFamily="49" charset="0"/>
+              </a:rPr>
+              <a:t>SCHEMABINDING</a:t>
+            </a:r>
+            <a:endParaRPr lang="en-US" dirty="0">
+              <a:solidFill>
+                <a:srgbClr val="000000"/>
+              </a:solidFill>
+              <a:latin typeface="Consolas" panose="020B0609020204030204" pitchFamily="49" charset="0"/>
+            </a:endParaRPr>
+          </a:p>
+          <a:p>
+            <a:r>
+              <a:rPr lang="en-US" dirty="0">
+                <a:solidFill>
+                  <a:srgbClr val="0000FF"/>
+                </a:solidFill>
+                <a:latin typeface="Consolas" panose="020B0609020204030204" pitchFamily="49" charset="0"/>
+              </a:rPr>
+              <a:t>AS</a:t>
+            </a:r>
+            <a:endParaRPr lang="en-US" dirty="0">
+              <a:solidFill>
+                <a:srgbClr val="000000"/>
+              </a:solidFill>
+              <a:latin typeface="Consolas" panose="020B0609020204030204" pitchFamily="49" charset="0"/>
+            </a:endParaRPr>
+          </a:p>
+          <a:p>
+            <a:r>
+              <a:rPr lang="en-US" dirty="0">
+                <a:solidFill>
+                  <a:srgbClr val="0000FF"/>
+                </a:solidFill>
+                <a:latin typeface="Consolas" panose="020B0609020204030204" pitchFamily="49" charset="0"/>
+              </a:rPr>
+              <a:t>SELECT</a:t>
+            </a:r>
+            <a:r>
+              <a:rPr lang="en-US" dirty="0">
+                <a:solidFill>
+                  <a:srgbClr val="000000"/>
+                </a:solidFill>
+                <a:latin typeface="Consolas" panose="020B0609020204030204" pitchFamily="49" charset="0"/>
+              </a:rPr>
+              <a:t> </a:t>
+            </a:r>
+            <a:r>
+              <a:rPr lang="en-US" dirty="0"/>
+              <a:t>Id</a:t>
+            </a:r>
+            <a:r>
+              <a:rPr lang="en-US" dirty="0" smtClean="0"/>
+              <a:t>, </a:t>
+            </a:r>
+            <a:r>
+              <a:rPr lang="en-US" dirty="0" err="1" smtClean="0">
+                <a:solidFill>
+                  <a:srgbClr val="000000"/>
+                </a:solidFill>
+                <a:latin typeface="Consolas" panose="020B0609020204030204" pitchFamily="49" charset="0"/>
+              </a:rPr>
+              <a:t>FirstName</a:t>
+            </a:r>
+            <a:r>
+              <a:rPr lang="en-US" dirty="0" err="1" smtClean="0">
+                <a:solidFill>
+                  <a:srgbClr val="808080"/>
+                </a:solidFill>
+                <a:latin typeface="Consolas" panose="020B0609020204030204" pitchFamily="49" charset="0"/>
+              </a:rPr>
+              <a:t>,</a:t>
+            </a:r>
+            <a:r>
+              <a:rPr lang="en-US" dirty="0" err="1" smtClean="0">
+                <a:solidFill>
+                  <a:srgbClr val="000000"/>
+                </a:solidFill>
+                <a:latin typeface="Consolas" panose="020B0609020204030204" pitchFamily="49" charset="0"/>
+              </a:rPr>
+              <a:t>LastName</a:t>
+            </a:r>
+            <a:r>
+              <a:rPr lang="en-US" dirty="0" err="1" smtClean="0">
+                <a:solidFill>
+                  <a:srgbClr val="808080"/>
+                </a:solidFill>
+                <a:latin typeface="Consolas" panose="020B0609020204030204" pitchFamily="49" charset="0"/>
+              </a:rPr>
+              <a:t>,</a:t>
+            </a:r>
+            <a:r>
+              <a:rPr lang="en-US" dirty="0" err="1" smtClean="0">
+                <a:solidFill>
+                  <a:srgbClr val="000000"/>
+                </a:solidFill>
+                <a:latin typeface="Consolas" panose="020B0609020204030204" pitchFamily="49" charset="0"/>
+              </a:rPr>
+              <a:t>HireDate</a:t>
+            </a:r>
+            <a:r>
+              <a:rPr lang="en-US" dirty="0" smtClean="0">
+                <a:solidFill>
+                  <a:srgbClr val="000000"/>
+                </a:solidFill>
+                <a:latin typeface="Consolas" panose="020B0609020204030204" pitchFamily="49" charset="0"/>
+              </a:rPr>
+              <a:t> </a:t>
+            </a:r>
+            <a:endParaRPr lang="en-US" dirty="0">
+              <a:solidFill>
+                <a:srgbClr val="000000"/>
+              </a:solidFill>
+              <a:latin typeface="Consolas" panose="020B0609020204030204" pitchFamily="49" charset="0"/>
+            </a:endParaRPr>
+          </a:p>
+          <a:p>
+            <a:r>
+              <a:rPr lang="en-US" dirty="0">
+                <a:solidFill>
+                  <a:srgbClr val="0000FF"/>
+                </a:solidFill>
+                <a:latin typeface="Consolas" panose="020B0609020204030204" pitchFamily="49" charset="0"/>
+              </a:rPr>
+              <a:t>FROM</a:t>
+            </a:r>
+            <a:r>
+              <a:rPr lang="en-US" dirty="0">
+                <a:solidFill>
+                  <a:srgbClr val="000000"/>
+                </a:solidFill>
+                <a:latin typeface="Consolas" panose="020B0609020204030204" pitchFamily="49" charset="0"/>
+              </a:rPr>
+              <a:t> </a:t>
+            </a:r>
+            <a:r>
+              <a:rPr lang="en-US" dirty="0" err="1">
+                <a:solidFill>
+                  <a:srgbClr val="000000"/>
+                </a:solidFill>
+                <a:latin typeface="Consolas" panose="020B0609020204030204" pitchFamily="49" charset="0"/>
+              </a:rPr>
+              <a:t>dbo</a:t>
+            </a:r>
+            <a:r>
+              <a:rPr lang="en-US" dirty="0" err="1">
+                <a:solidFill>
+                  <a:srgbClr val="808080"/>
+                </a:solidFill>
+                <a:latin typeface="Consolas" panose="020B0609020204030204" pitchFamily="49" charset="0"/>
+              </a:rPr>
+              <a:t>.</a:t>
+            </a:r>
+            <a:r>
+              <a:rPr lang="en-US" dirty="0" err="1">
+                <a:solidFill>
+                  <a:srgbClr val="000000"/>
+                </a:solidFill>
+                <a:latin typeface="Consolas" panose="020B0609020204030204" pitchFamily="49" charset="0"/>
+              </a:rPr>
+              <a:t>Employee</a:t>
+            </a:r>
+            <a:endParaRPr lang="en-US" dirty="0">
+              <a:solidFill>
+                <a:srgbClr val="000000"/>
+              </a:solidFill>
+              <a:latin typeface="Consolas" panose="020B0609020204030204" pitchFamily="49" charset="0"/>
+            </a:endParaRPr>
+          </a:p>
+          <a:p>
+            <a:r>
+              <a:rPr lang="en-US" dirty="0">
+                <a:solidFill>
+                  <a:srgbClr val="0000FF"/>
+                </a:solidFill>
+                <a:latin typeface="Consolas" panose="020B0609020204030204" pitchFamily="49" charset="0"/>
+              </a:rPr>
+              <a:t>WHERE</a:t>
+            </a:r>
+            <a:r>
+              <a:rPr lang="en-US" dirty="0">
+                <a:solidFill>
+                  <a:srgbClr val="000000"/>
+                </a:solidFill>
+                <a:latin typeface="Consolas" panose="020B0609020204030204" pitchFamily="49" charset="0"/>
+              </a:rPr>
+              <a:t> Gender </a:t>
+            </a:r>
+            <a:r>
+              <a:rPr lang="en-US" dirty="0">
+                <a:solidFill>
+                  <a:srgbClr val="808080"/>
+                </a:solidFill>
+                <a:latin typeface="Consolas" panose="020B0609020204030204" pitchFamily="49" charset="0"/>
+              </a:rPr>
+              <a:t>=</a:t>
+            </a:r>
+            <a:r>
+              <a:rPr lang="en-US" dirty="0">
+                <a:solidFill>
+                  <a:srgbClr val="000000"/>
+                </a:solidFill>
+                <a:latin typeface="Consolas" panose="020B0609020204030204" pitchFamily="49" charset="0"/>
+              </a:rPr>
+              <a:t> </a:t>
+            </a:r>
+            <a:r>
+              <a:rPr lang="en-US" dirty="0">
+                <a:solidFill>
+                  <a:srgbClr val="FF0000"/>
+                </a:solidFill>
+                <a:latin typeface="Consolas" panose="020B0609020204030204" pitchFamily="49" charset="0"/>
+              </a:rPr>
+              <a:t>'M'</a:t>
+            </a:r>
+            <a:endParaRPr lang="en-US" dirty="0"/>
+          </a:p>
+        </p:txBody>
+      </p:sp>
+    </p:spTree>
+    <p:extLst>
+      <p:ext uri="{BB962C8B-B14F-4D97-AF65-F5344CB8AC3E}">
+        <p14:creationId xmlns:p14="http://schemas.microsoft.com/office/powerpoint/2010/main" val="4031006431"/>
+      </p:ext>
+    </p:extLst>
+  </p:cSld>
+  <p:clrMapOvr>
+    <a:masterClrMapping/>
+  </p:clrMapOvr>
+</p:sld>
+</file>
+
+<file path=ppt/slides/slide18.xml><?xml version="1.0" encoding="utf-8"?>
+<p:sld xmlns:a="http://schemas.openxmlformats.org/drawingml/2006/main" xmlns:r="http://schemas.openxmlformats.org/officeDocument/2006/relationships" xmlns:p="http://schemas.openxmlformats.org/presentationml/2006/main">
+  <p:cSld>
+    <p:spTree>
+      <p:nvGrpSpPr>
+        <p:cNvPr id="1" name=""/>
+        <p:cNvGrpSpPr/>
+        <p:nvPr/>
+      </p:nvGrpSpPr>
+      <p:grpSpPr>
+        <a:xfrm>
+          <a:off x="0" y="0"/>
+          <a:ext cx="0" cy="0"/>
+          <a:chOff x="0" y="0"/>
+          <a:chExt cx="0" cy="0"/>
+        </a:xfrm>
+      </p:grpSpPr>
+      <p:sp>
+        <p:nvSpPr>
+          <p:cNvPr id="2" name="Title 1"/>
+          <p:cNvSpPr>
+            <a:spLocks noGrp="1"/>
+          </p:cNvSpPr>
+          <p:nvPr>
+            <p:ph type="title"/>
+          </p:nvPr>
+        </p:nvSpPr>
+        <p:spPr/>
+        <p:txBody>
+          <a:bodyPr/>
+          <a:lstStyle/>
+          <a:p>
+            <a:r>
+              <a:rPr lang="en-GB" dirty="0" smtClean="0"/>
+              <a:t>Indexed </a:t>
+            </a:r>
+            <a:r>
+              <a:rPr lang="en-US" dirty="0" smtClean="0"/>
+              <a:t>View</a:t>
+            </a:r>
+            <a:endParaRPr lang="en-US" dirty="0"/>
+          </a:p>
+        </p:txBody>
+      </p:sp>
+      <p:sp>
+        <p:nvSpPr>
+          <p:cNvPr id="3" name="Content Placeholder 2"/>
+          <p:cNvSpPr>
+            <a:spLocks noGrp="1"/>
+          </p:cNvSpPr>
+          <p:nvPr>
+            <p:ph idx="1"/>
+          </p:nvPr>
+        </p:nvSpPr>
+        <p:spPr>
+          <a:xfrm>
+            <a:off x="677334" y="1474789"/>
+            <a:ext cx="8596668" cy="3880773"/>
+          </a:xfrm>
+        </p:spPr>
+        <p:txBody>
+          <a:bodyPr>
+            <a:normAutofit/>
+          </a:bodyPr>
+          <a:lstStyle/>
+          <a:p>
+            <a:r>
+              <a:rPr lang="en-US" dirty="0" smtClean="0"/>
+              <a:t>View </a:t>
+            </a:r>
+            <a:r>
+              <a:rPr lang="en-US" dirty="0"/>
+              <a:t>is just a definition by a SELECT statement of how the results should be </a:t>
+            </a:r>
+            <a:r>
+              <a:rPr lang="en-US" dirty="0" smtClean="0"/>
+              <a:t>built - no </a:t>
+            </a:r>
+            <a:r>
+              <a:rPr lang="en-US" dirty="0"/>
+              <a:t>data is </a:t>
+            </a:r>
+            <a:r>
+              <a:rPr lang="en-US" dirty="0" smtClean="0"/>
+              <a:t>stored</a:t>
+            </a:r>
+          </a:p>
+          <a:p>
+            <a:r>
+              <a:rPr lang="en-GB" dirty="0" smtClean="0"/>
+              <a:t>It is possible to create view that will keep copy of the data included in the view – it is called indexed view</a:t>
+            </a:r>
+          </a:p>
+          <a:p>
+            <a:r>
+              <a:rPr lang="en-GB" dirty="0" smtClean="0"/>
+              <a:t>Reasons for indexing view:</a:t>
+            </a:r>
+          </a:p>
+          <a:p>
+            <a:pPr lvl="1"/>
+            <a:r>
+              <a:rPr lang="en-GB" dirty="0" smtClean="0"/>
+              <a:t>Improve performance of the query</a:t>
+            </a:r>
+          </a:p>
+          <a:p>
+            <a:r>
+              <a:rPr lang="en-GB" dirty="0" smtClean="0"/>
+              <a:t>Limitations:</a:t>
+            </a:r>
+          </a:p>
+          <a:p>
+            <a:pPr lvl="1"/>
+            <a:r>
+              <a:rPr lang="en-US" dirty="0" smtClean="0"/>
+              <a:t>T-SQL can’t contain COUNT</a:t>
+            </a:r>
+            <a:r>
+              <a:rPr lang="en-US" dirty="0"/>
+              <a:t>, MIN, MAX, TOP, outer </a:t>
+            </a:r>
+            <a:r>
+              <a:rPr lang="en-US" dirty="0" smtClean="0"/>
+              <a:t>joins</a:t>
+            </a:r>
+            <a:endParaRPr lang="en-US" dirty="0"/>
+          </a:p>
+          <a:p>
+            <a:endParaRPr lang="en-US" dirty="0" smtClean="0"/>
+          </a:p>
+          <a:p>
+            <a:r>
+              <a:rPr lang="en-US" dirty="0" smtClean="0"/>
+              <a:t>How to index the view:</a:t>
+            </a:r>
+          </a:p>
+          <a:p>
+            <a:endParaRPr lang="en-US" dirty="0" smtClean="0"/>
+          </a:p>
+          <a:p>
+            <a:endParaRPr lang="en-US" dirty="0" smtClean="0"/>
+          </a:p>
+          <a:p>
+            <a:endParaRPr lang="en-US" dirty="0"/>
+          </a:p>
+        </p:txBody>
+      </p:sp>
+      <p:sp>
+        <p:nvSpPr>
+          <p:cNvPr id="4" name="Rectangle 3"/>
+          <p:cNvSpPr/>
+          <p:nvPr/>
+        </p:nvSpPr>
+        <p:spPr>
+          <a:xfrm>
+            <a:off x="1036320" y="4893897"/>
+            <a:ext cx="6096000" cy="923330"/>
+          </a:xfrm>
+          <a:prstGeom prst="rect">
+            <a:avLst/>
+          </a:prstGeom>
+        </p:spPr>
+        <p:txBody>
+          <a:bodyPr>
+            <a:spAutoFit/>
+          </a:bodyPr>
+          <a:lstStyle/>
+          <a:p>
+            <a:endParaRPr lang="en-US" dirty="0">
+              <a:solidFill>
+                <a:srgbClr val="000000"/>
+              </a:solidFill>
+              <a:latin typeface="Consolas" panose="020B0609020204030204" pitchFamily="49" charset="0"/>
+            </a:endParaRPr>
+          </a:p>
+          <a:p>
+            <a:r>
+              <a:rPr lang="en-US" dirty="0">
+                <a:solidFill>
+                  <a:srgbClr val="0000FF"/>
+                </a:solidFill>
+                <a:latin typeface="Consolas" panose="020B0609020204030204" pitchFamily="49" charset="0"/>
+              </a:rPr>
+              <a:t>CREATE</a:t>
+            </a:r>
+            <a:r>
+              <a:rPr lang="en-US" dirty="0">
+                <a:solidFill>
+                  <a:srgbClr val="000000"/>
+                </a:solidFill>
+                <a:latin typeface="Consolas" panose="020B0609020204030204" pitchFamily="49" charset="0"/>
+              </a:rPr>
+              <a:t> </a:t>
+            </a:r>
+            <a:r>
+              <a:rPr lang="en-US" dirty="0">
+                <a:solidFill>
+                  <a:srgbClr val="0000FF"/>
+                </a:solidFill>
+                <a:latin typeface="Consolas" panose="020B0609020204030204" pitchFamily="49" charset="0"/>
+              </a:rPr>
+              <a:t>UNIQUE</a:t>
+            </a:r>
+            <a:r>
+              <a:rPr lang="en-US" dirty="0">
+                <a:solidFill>
+                  <a:srgbClr val="000000"/>
+                </a:solidFill>
+                <a:latin typeface="Consolas" panose="020B0609020204030204" pitchFamily="49" charset="0"/>
+              </a:rPr>
+              <a:t> </a:t>
+            </a:r>
+            <a:r>
+              <a:rPr lang="en-US" dirty="0">
+                <a:solidFill>
+                  <a:srgbClr val="0000FF"/>
+                </a:solidFill>
+                <a:latin typeface="Consolas" panose="020B0609020204030204" pitchFamily="49" charset="0"/>
+              </a:rPr>
+              <a:t>CLUSTERED</a:t>
+            </a:r>
+            <a:r>
+              <a:rPr lang="en-US" dirty="0">
+                <a:solidFill>
+                  <a:srgbClr val="000000"/>
+                </a:solidFill>
+                <a:latin typeface="Consolas" panose="020B0609020204030204" pitchFamily="49" charset="0"/>
+              </a:rPr>
+              <a:t> </a:t>
+            </a:r>
+            <a:r>
+              <a:rPr lang="en-US" dirty="0">
+                <a:solidFill>
+                  <a:srgbClr val="0000FF"/>
+                </a:solidFill>
+                <a:latin typeface="Consolas" panose="020B0609020204030204" pitchFamily="49" charset="0"/>
+              </a:rPr>
+              <a:t>INDEX</a:t>
+            </a:r>
+            <a:r>
+              <a:rPr lang="en-US" dirty="0">
+                <a:solidFill>
+                  <a:srgbClr val="000000"/>
+                </a:solidFill>
+                <a:latin typeface="Consolas" panose="020B0609020204030204" pitchFamily="49" charset="0"/>
+              </a:rPr>
+              <a:t> </a:t>
+            </a:r>
+            <a:r>
+              <a:rPr lang="en-US" dirty="0" err="1">
+                <a:solidFill>
+                  <a:srgbClr val="000000"/>
+                </a:solidFill>
+                <a:latin typeface="Consolas" panose="020B0609020204030204" pitchFamily="49" charset="0"/>
+              </a:rPr>
+              <a:t>ix_MaleEmployees</a:t>
+            </a:r>
+            <a:endParaRPr lang="en-US" dirty="0">
+              <a:solidFill>
+                <a:srgbClr val="000000"/>
+              </a:solidFill>
+              <a:latin typeface="Consolas" panose="020B0609020204030204" pitchFamily="49" charset="0"/>
+            </a:endParaRPr>
+          </a:p>
+          <a:p>
+            <a:r>
+              <a:rPr lang="en-US" dirty="0">
+                <a:solidFill>
+                  <a:srgbClr val="0000FF"/>
+                </a:solidFill>
+                <a:latin typeface="Consolas" panose="020B0609020204030204" pitchFamily="49" charset="0"/>
+              </a:rPr>
+              <a:t>ON</a:t>
+            </a:r>
+            <a:r>
+              <a:rPr lang="en-US" dirty="0">
+                <a:solidFill>
+                  <a:srgbClr val="000000"/>
+                </a:solidFill>
+                <a:latin typeface="Consolas" panose="020B0609020204030204" pitchFamily="49" charset="0"/>
+              </a:rPr>
+              <a:t> </a:t>
+            </a:r>
+            <a:r>
+              <a:rPr lang="en-US" dirty="0" err="1">
+                <a:solidFill>
+                  <a:srgbClr val="000000"/>
+                </a:solidFill>
+                <a:latin typeface="Consolas" panose="020B0609020204030204" pitchFamily="49" charset="0"/>
+              </a:rPr>
+              <a:t>MaleEmployees</a:t>
+            </a:r>
+            <a:r>
+              <a:rPr lang="en-US" dirty="0">
+                <a:solidFill>
+                  <a:srgbClr val="808080"/>
+                </a:solidFill>
+                <a:latin typeface="Consolas" panose="020B0609020204030204" pitchFamily="49" charset="0"/>
+              </a:rPr>
+              <a:t>(</a:t>
+            </a:r>
+            <a:r>
+              <a:rPr lang="en-US" dirty="0">
+                <a:solidFill>
+                  <a:srgbClr val="000000"/>
+                </a:solidFill>
+                <a:latin typeface="Consolas" panose="020B0609020204030204" pitchFamily="49" charset="0"/>
+              </a:rPr>
+              <a:t>Id</a:t>
+            </a:r>
+            <a:r>
+              <a:rPr lang="en-US" dirty="0">
+                <a:solidFill>
+                  <a:srgbClr val="808080"/>
+                </a:solidFill>
+                <a:latin typeface="Consolas" panose="020B0609020204030204" pitchFamily="49" charset="0"/>
+              </a:rPr>
+              <a:t>)</a:t>
+            </a:r>
+            <a:endParaRPr lang="en-US" dirty="0"/>
+          </a:p>
+        </p:txBody>
+      </p:sp>
+    </p:spTree>
+    <p:extLst>
+      <p:ext uri="{BB962C8B-B14F-4D97-AF65-F5344CB8AC3E}">
+        <p14:creationId xmlns:p14="http://schemas.microsoft.com/office/powerpoint/2010/main" val="906236389"/>
+      </p:ext>
+    </p:extLst>
+  </p:cSld>
+  <p:clrMapOvr>
+    <a:masterClrMapping/>
+  </p:clrMapOvr>
+</p:sld>
+</file>
+
+<file path=ppt/slides/slide19.xml><?xml version="1.0" encoding="utf-8"?>
 <p:sld xmlns:a="http://schemas.openxmlformats.org/drawingml/2006/main" xmlns:r="http://schemas.openxmlformats.org/officeDocument/2006/relationships" xmlns:p="http://schemas.openxmlformats.org/presentationml/2006/main">
   <p:cSld>
     <p:spTree>
@@ -7554,860 +9440,6 @@
   <p:clrMapOvr>
     <a:masterClrMapping/>
   </p:clrMapOvr>
-  <mc:AlternateContent xmlns:mc="http://schemas.openxmlformats.org/markup-compatibility/2006" xmlns:p14="http://schemas.microsoft.com/office/powerpoint/2010/main">
-    <mc:Choice Requires="p14">
-      <p:transition spd="slow" p14:dur="2000"/>
-    </mc:Choice>
-    <mc:Fallback xmlns="">
-      <p:transition spd="slow"/>
-    </mc:Fallback>
-  </mc:AlternateContent>
-</p:sld>
-</file>
-
-<file path=ppt/slides/slide14.xml><?xml version="1.0" encoding="utf-8"?>
-<p:sld xmlns:a="http://schemas.openxmlformats.org/drawingml/2006/main" xmlns:r="http://schemas.openxmlformats.org/officeDocument/2006/relationships" xmlns:p="http://schemas.openxmlformats.org/presentationml/2006/main">
-  <p:cSld>
-    <p:spTree>
-      <p:nvGrpSpPr>
-        <p:cNvPr id="1" name=""/>
-        <p:cNvGrpSpPr/>
-        <p:nvPr/>
-      </p:nvGrpSpPr>
-      <p:grpSpPr>
-        <a:xfrm>
-          <a:off x="0" y="0"/>
-          <a:ext cx="0" cy="0"/>
-          <a:chOff x="0" y="0"/>
-          <a:chExt cx="0" cy="0"/>
-        </a:xfrm>
-      </p:grpSpPr>
-      <p:sp>
-        <p:nvSpPr>
-          <p:cNvPr id="4" name="Title 3"/>
-          <p:cNvSpPr>
-            <a:spLocks noGrp="1"/>
-          </p:cNvSpPr>
-          <p:nvPr>
-            <p:ph type="title"/>
-          </p:nvPr>
-        </p:nvSpPr>
-        <p:spPr/>
-        <p:txBody>
-          <a:bodyPr/>
-          <a:lstStyle/>
-          <a:p>
-            <a:r>
-              <a:rPr lang="en-US" dirty="0" smtClean="0"/>
-              <a:t>Knowledge check</a:t>
-            </a:r>
-            <a:endParaRPr lang="en-US" dirty="0"/>
-          </a:p>
-        </p:txBody>
-      </p:sp>
-      <p:sp>
-        <p:nvSpPr>
-          <p:cNvPr id="2" name="Text Placeholder 1"/>
-          <p:cNvSpPr>
-            <a:spLocks noGrp="1"/>
-          </p:cNvSpPr>
-          <p:nvPr>
-            <p:ph type="body" idx="1"/>
-          </p:nvPr>
-        </p:nvSpPr>
-        <p:spPr/>
-        <p:txBody>
-          <a:bodyPr/>
-          <a:lstStyle/>
-          <a:p>
-            <a:r>
-              <a:rPr lang="en-US" dirty="0"/>
-              <a:t>Quiz, Discussion, Homework</a:t>
-            </a:r>
-          </a:p>
-        </p:txBody>
-      </p:sp>
-    </p:spTree>
-    <p:extLst>
-      <p:ext uri="{BB962C8B-B14F-4D97-AF65-F5344CB8AC3E}">
-        <p14:creationId xmlns:p14="http://schemas.microsoft.com/office/powerpoint/2010/main" val="2257886123"/>
-      </p:ext>
-    </p:extLst>
-  </p:cSld>
-  <p:clrMapOvr>
-    <a:masterClrMapping/>
-  </p:clrMapOvr>
-  <p:timing>
-    <p:tnLst>
-      <p:par>
-        <p:cTn id="1" dur="indefinite" restart="never" nodeType="tmRoot"/>
-      </p:par>
-    </p:tnLst>
-  </p:timing>
-</p:sld>
-</file>
-
-<file path=ppt/slides/slide15.xml><?xml version="1.0" encoding="utf-8"?>
-<p:sld xmlns:a="http://schemas.openxmlformats.org/drawingml/2006/main" xmlns:r="http://schemas.openxmlformats.org/officeDocument/2006/relationships" xmlns:p="http://schemas.openxmlformats.org/presentationml/2006/main">
-  <p:cSld>
-    <p:spTree>
-      <p:nvGrpSpPr>
-        <p:cNvPr id="1" name=""/>
-        <p:cNvGrpSpPr/>
-        <p:nvPr/>
-      </p:nvGrpSpPr>
-      <p:grpSpPr>
-        <a:xfrm>
-          <a:off x="0" y="0"/>
-          <a:ext cx="0" cy="0"/>
-          <a:chOff x="0" y="0"/>
-          <a:chExt cx="0" cy="0"/>
-        </a:xfrm>
-      </p:grpSpPr>
-      <p:sp>
-        <p:nvSpPr>
-          <p:cNvPr id="2" name="Title 1"/>
-          <p:cNvSpPr>
-            <a:spLocks noGrp="1"/>
-          </p:cNvSpPr>
-          <p:nvPr>
-            <p:ph type="title"/>
-          </p:nvPr>
-        </p:nvSpPr>
-        <p:spPr>
-          <a:xfrm>
-            <a:off x="677334" y="609600"/>
-            <a:ext cx="8596668" cy="768439"/>
-          </a:xfrm>
-        </p:spPr>
-        <p:txBody>
-          <a:bodyPr/>
-          <a:lstStyle/>
-          <a:p>
-            <a:r>
-              <a:rPr lang="en-US" dirty="0" smtClean="0"/>
-              <a:t>Quiz</a:t>
-            </a:r>
-            <a:endParaRPr lang="en-US" dirty="0"/>
-          </a:p>
-        </p:txBody>
-      </p:sp>
-      <p:sp>
-        <p:nvSpPr>
-          <p:cNvPr id="3" name="Content Placeholder 2"/>
-          <p:cNvSpPr>
-            <a:spLocks noGrp="1"/>
-          </p:cNvSpPr>
-          <p:nvPr>
-            <p:ph idx="1"/>
-          </p:nvPr>
-        </p:nvSpPr>
-        <p:spPr>
-          <a:xfrm>
-            <a:off x="677334" y="1378039"/>
-            <a:ext cx="8596668" cy="5203065"/>
-          </a:xfrm>
-        </p:spPr>
-        <p:txBody>
-          <a:bodyPr>
-            <a:normAutofit/>
-          </a:bodyPr>
-          <a:lstStyle/>
-          <a:p>
-            <a:pPr marL="457200" lvl="1" indent="0">
-              <a:buNone/>
-            </a:pPr>
-            <a:endParaRPr lang="en-US" dirty="0" smtClean="0"/>
-          </a:p>
-          <a:p>
-            <a:r>
-              <a:rPr lang="en-US" dirty="0" smtClean="0"/>
-              <a:t>Can </a:t>
-            </a:r>
-            <a:r>
-              <a:rPr lang="en-US" dirty="0"/>
-              <a:t>we </a:t>
-            </a:r>
-            <a:r>
-              <a:rPr lang="en-US" dirty="0" smtClean="0"/>
-              <a:t>have WHERE operator in the same statement with GROUP BY operator?</a:t>
-            </a:r>
-          </a:p>
-          <a:p>
-            <a:pPr marL="0" indent="0">
-              <a:buNone/>
-            </a:pPr>
-            <a:r>
-              <a:rPr lang="en-US" dirty="0"/>
-              <a:t>	</a:t>
-            </a:r>
-            <a:r>
-              <a:rPr lang="en-US" b="1" dirty="0" smtClean="0"/>
-              <a:t>a</a:t>
-            </a:r>
-            <a:r>
-              <a:rPr lang="en-US" b="1" dirty="0"/>
-              <a:t>.</a:t>
-            </a:r>
-            <a:r>
-              <a:rPr lang="en-US" dirty="0"/>
-              <a:t> Yes</a:t>
-            </a:r>
-          </a:p>
-          <a:p>
-            <a:pPr marL="457200" lvl="1" indent="0">
-              <a:buNone/>
-            </a:pPr>
-            <a:r>
-              <a:rPr lang="en-US" b="1" dirty="0"/>
-              <a:t>b. </a:t>
-            </a:r>
-            <a:r>
-              <a:rPr lang="en-US" dirty="0"/>
-              <a:t>No</a:t>
-            </a:r>
-          </a:p>
-          <a:p>
-            <a:r>
-              <a:rPr lang="en-US" dirty="0" smtClean="0"/>
-              <a:t>Which SQL function is used to concatenate multiple string records into single value?</a:t>
-            </a:r>
-          </a:p>
-          <a:p>
-            <a:pPr marL="0" indent="0">
-              <a:buNone/>
-            </a:pPr>
-            <a:r>
-              <a:rPr lang="en-US" dirty="0"/>
-              <a:t> </a:t>
-            </a:r>
-            <a:r>
-              <a:rPr lang="en-US" dirty="0" smtClean="0"/>
-              <a:t>      </a:t>
-            </a:r>
-            <a:r>
-              <a:rPr lang="en-US" b="1" dirty="0" smtClean="0"/>
-              <a:t>a</a:t>
-            </a:r>
-            <a:r>
-              <a:rPr lang="en-US" b="1" dirty="0"/>
-              <a:t>.</a:t>
-            </a:r>
-            <a:r>
-              <a:rPr lang="en-US" dirty="0"/>
-              <a:t> </a:t>
-            </a:r>
-            <a:r>
-              <a:rPr lang="en-US" dirty="0" smtClean="0"/>
-              <a:t>AGG</a:t>
-            </a:r>
-          </a:p>
-          <a:p>
-            <a:pPr marL="0" indent="0">
-              <a:buNone/>
-            </a:pPr>
-            <a:r>
-              <a:rPr lang="en-US" b="1" dirty="0"/>
-              <a:t>	</a:t>
-            </a:r>
-            <a:r>
-              <a:rPr lang="en-US" b="1" dirty="0" smtClean="0"/>
-              <a:t>b</a:t>
-            </a:r>
-            <a:r>
-              <a:rPr lang="en-US" b="1" dirty="0"/>
-              <a:t>. </a:t>
-            </a:r>
-            <a:r>
-              <a:rPr lang="en-US" dirty="0" smtClean="0"/>
-              <a:t>CONCAT </a:t>
-            </a:r>
-            <a:endParaRPr lang="en-US" dirty="0"/>
-          </a:p>
-          <a:p>
-            <a:pPr marL="457200" lvl="1" indent="0">
-              <a:buNone/>
-            </a:pPr>
-            <a:r>
-              <a:rPr lang="en-US" b="1" dirty="0"/>
-              <a:t>c. </a:t>
-            </a:r>
-            <a:r>
-              <a:rPr lang="en-US" dirty="0" smtClean="0"/>
-              <a:t>STRING_AGG</a:t>
-            </a:r>
-            <a:endParaRPr lang="en-US" dirty="0"/>
-          </a:p>
-          <a:p>
-            <a:pPr marL="457200" lvl="1" indent="0">
-              <a:buNone/>
-            </a:pPr>
-            <a:r>
-              <a:rPr lang="en-US" b="1" dirty="0"/>
-              <a:t>d. </a:t>
-            </a:r>
-            <a:r>
-              <a:rPr lang="en-US" dirty="0" smtClean="0"/>
-              <a:t>MERGE</a:t>
-            </a:r>
-            <a:endParaRPr lang="en-US" dirty="0"/>
-          </a:p>
-          <a:p>
-            <a:endParaRPr lang="en-US" dirty="0"/>
-          </a:p>
-        </p:txBody>
-      </p:sp>
-    </p:spTree>
-    <p:extLst>
-      <p:ext uri="{BB962C8B-B14F-4D97-AF65-F5344CB8AC3E}">
-        <p14:creationId xmlns:p14="http://schemas.microsoft.com/office/powerpoint/2010/main" val="36163417"/>
-      </p:ext>
-    </p:extLst>
-  </p:cSld>
-  <p:clrMapOvr>
-    <a:masterClrMapping/>
-  </p:clrMapOvr>
-  <p:timing>
-    <p:tnLst>
-      <p:par>
-        <p:cTn id="1" dur="indefinite" restart="never" nodeType="tmRoot"/>
-      </p:par>
-    </p:tnLst>
-  </p:timing>
-</p:sld>
-</file>
-
-<file path=ppt/slides/slide16.xml><?xml version="1.0" encoding="utf-8"?>
-<p:sld xmlns:a="http://schemas.openxmlformats.org/drawingml/2006/main" xmlns:r="http://schemas.openxmlformats.org/officeDocument/2006/relationships" xmlns:p="http://schemas.openxmlformats.org/presentationml/2006/main">
-  <p:cSld>
-    <p:spTree>
-      <p:nvGrpSpPr>
-        <p:cNvPr id="1" name=""/>
-        <p:cNvGrpSpPr/>
-        <p:nvPr/>
-      </p:nvGrpSpPr>
-      <p:grpSpPr>
-        <a:xfrm>
-          <a:off x="0" y="0"/>
-          <a:ext cx="0" cy="0"/>
-          <a:chOff x="0" y="0"/>
-          <a:chExt cx="0" cy="0"/>
-        </a:xfrm>
-      </p:grpSpPr>
-      <p:sp>
-        <p:nvSpPr>
-          <p:cNvPr id="2" name="Title 1"/>
-          <p:cNvSpPr>
-            <a:spLocks noGrp="1"/>
-          </p:cNvSpPr>
-          <p:nvPr>
-            <p:ph type="title"/>
-          </p:nvPr>
-        </p:nvSpPr>
-        <p:spPr>
-          <a:xfrm>
-            <a:off x="677334" y="609600"/>
-            <a:ext cx="8596668" cy="781318"/>
-          </a:xfrm>
-        </p:spPr>
-        <p:txBody>
-          <a:bodyPr/>
-          <a:lstStyle/>
-          <a:p>
-            <a:r>
-              <a:rPr lang="en-US" dirty="0"/>
-              <a:t>Quiz</a:t>
-            </a:r>
-          </a:p>
-        </p:txBody>
-      </p:sp>
-      <p:sp>
-        <p:nvSpPr>
-          <p:cNvPr id="3" name="Content Placeholder 2"/>
-          <p:cNvSpPr>
-            <a:spLocks noGrp="1"/>
-          </p:cNvSpPr>
-          <p:nvPr>
-            <p:ph idx="1"/>
-          </p:nvPr>
-        </p:nvSpPr>
-        <p:spPr>
-          <a:xfrm>
-            <a:off x="677334" y="1390919"/>
-            <a:ext cx="8596668" cy="5254580"/>
-          </a:xfrm>
-        </p:spPr>
-        <p:txBody>
-          <a:bodyPr>
-            <a:normAutofit/>
-          </a:bodyPr>
-          <a:lstStyle/>
-          <a:p>
-            <a:r>
-              <a:rPr lang="en-US" dirty="0" smtClean="0"/>
-              <a:t>Can we group data from multiple records without using GROUP BY function?</a:t>
-            </a:r>
-          </a:p>
-          <a:p>
-            <a:pPr marL="0" indent="0">
-              <a:buNone/>
-            </a:pPr>
-            <a:r>
-              <a:rPr lang="en-US" b="1" dirty="0"/>
-              <a:t> </a:t>
-            </a:r>
-            <a:r>
-              <a:rPr lang="en-US" b="1" dirty="0" smtClean="0"/>
-              <a:t>      a</a:t>
-            </a:r>
-            <a:r>
-              <a:rPr lang="en-US" b="1" dirty="0"/>
-              <a:t>. </a:t>
-            </a:r>
-            <a:r>
-              <a:rPr lang="en-US" dirty="0" smtClean="0"/>
-              <a:t>Yes</a:t>
-            </a:r>
-            <a:endParaRPr lang="en-US" dirty="0"/>
-          </a:p>
-          <a:p>
-            <a:pPr marL="457200" lvl="1" indent="0">
-              <a:buNone/>
-            </a:pPr>
-            <a:r>
-              <a:rPr lang="en-US" b="1" dirty="0"/>
-              <a:t>b. </a:t>
-            </a:r>
-            <a:r>
-              <a:rPr lang="en-US" dirty="0" smtClean="0"/>
-              <a:t>No</a:t>
-            </a:r>
-            <a:endParaRPr lang="en-US" dirty="0"/>
-          </a:p>
-          <a:p>
-            <a:r>
-              <a:rPr lang="en-US" dirty="0" smtClean="0"/>
-              <a:t>Which operator is used to filter the resultset by the result of aggregate function?</a:t>
-            </a:r>
-            <a:endParaRPr lang="en-US" dirty="0"/>
-          </a:p>
-          <a:p>
-            <a:pPr marL="457200" lvl="1" indent="0">
-              <a:buNone/>
-            </a:pPr>
-            <a:r>
-              <a:rPr lang="en-US" b="1" dirty="0" smtClean="0"/>
-              <a:t>a. </a:t>
-            </a:r>
-            <a:r>
-              <a:rPr lang="en-US" dirty="0" smtClean="0"/>
-              <a:t>FILTER</a:t>
-            </a:r>
-          </a:p>
-          <a:p>
-            <a:pPr marL="457200" lvl="1" indent="0">
-              <a:buNone/>
-            </a:pPr>
-            <a:r>
-              <a:rPr lang="en-US" b="1" dirty="0" smtClean="0"/>
-              <a:t>b</a:t>
-            </a:r>
-            <a:r>
-              <a:rPr lang="en-US" b="1" dirty="0"/>
-              <a:t>. </a:t>
-            </a:r>
-            <a:r>
-              <a:rPr lang="en-US" dirty="0" smtClean="0"/>
-              <a:t>CHECK</a:t>
-            </a:r>
-            <a:endParaRPr lang="en-US" dirty="0"/>
-          </a:p>
-          <a:p>
-            <a:pPr marL="457200" lvl="1" indent="0">
-              <a:buNone/>
-            </a:pPr>
-            <a:r>
-              <a:rPr lang="en-US" b="1" dirty="0"/>
-              <a:t>c. </a:t>
-            </a:r>
-            <a:r>
-              <a:rPr lang="en-US" dirty="0" smtClean="0"/>
-              <a:t>WHERE</a:t>
-            </a:r>
-            <a:endParaRPr lang="en-US" dirty="0"/>
-          </a:p>
-          <a:p>
-            <a:pPr marL="457200" lvl="1" indent="0">
-              <a:buNone/>
-            </a:pPr>
-            <a:r>
-              <a:rPr lang="en-US" b="1" dirty="0"/>
-              <a:t>d. </a:t>
-            </a:r>
-            <a:r>
-              <a:rPr lang="en-US" dirty="0" smtClean="0"/>
-              <a:t>HAVING</a:t>
-            </a:r>
-            <a:endParaRPr lang="en-US" dirty="0"/>
-          </a:p>
-          <a:p>
-            <a:r>
-              <a:rPr lang="en-US" dirty="0" smtClean="0"/>
-              <a:t>Can we have ORDER BY and HAVING operator in the same statement?</a:t>
-            </a:r>
-          </a:p>
-          <a:p>
-            <a:pPr marL="457200" lvl="1" indent="0">
-              <a:buNone/>
-            </a:pPr>
-            <a:r>
-              <a:rPr lang="en-US" b="1" dirty="0" smtClean="0"/>
-              <a:t>a</a:t>
-            </a:r>
-            <a:r>
-              <a:rPr lang="en-US" b="1" dirty="0"/>
-              <a:t>. </a:t>
-            </a:r>
-            <a:r>
-              <a:rPr lang="en-US" dirty="0" smtClean="0"/>
-              <a:t>Yes</a:t>
-            </a:r>
-            <a:endParaRPr lang="en-US" dirty="0"/>
-          </a:p>
-          <a:p>
-            <a:pPr marL="457200" lvl="1" indent="0">
-              <a:buNone/>
-            </a:pPr>
-            <a:r>
-              <a:rPr lang="en-US" b="1" dirty="0"/>
-              <a:t>b. </a:t>
-            </a:r>
-            <a:r>
-              <a:rPr lang="en-US" dirty="0" smtClean="0"/>
-              <a:t>No</a:t>
-            </a:r>
-            <a:endParaRPr lang="en-US" dirty="0"/>
-          </a:p>
-        </p:txBody>
-      </p:sp>
-    </p:spTree>
-    <p:extLst>
-      <p:ext uri="{BB962C8B-B14F-4D97-AF65-F5344CB8AC3E}">
-        <p14:creationId xmlns:p14="http://schemas.microsoft.com/office/powerpoint/2010/main" val="761919073"/>
-      </p:ext>
-    </p:extLst>
-  </p:cSld>
-  <p:clrMapOvr>
-    <a:masterClrMapping/>
-  </p:clrMapOvr>
-  <p:timing>
-    <p:tnLst>
-      <p:par>
-        <p:cTn id="1" dur="indefinite" restart="never" nodeType="tmRoot"/>
-      </p:par>
-    </p:tnLst>
-  </p:timing>
-</p:sld>
-</file>
-
-<file path=ppt/slides/slide17.xml><?xml version="1.0" encoding="utf-8"?>
-<p:sld xmlns:a="http://schemas.openxmlformats.org/drawingml/2006/main" xmlns:r="http://schemas.openxmlformats.org/officeDocument/2006/relationships" xmlns:p="http://schemas.openxmlformats.org/presentationml/2006/main">
-  <p:cSld>
-    <p:spTree>
-      <p:nvGrpSpPr>
-        <p:cNvPr id="1" name=""/>
-        <p:cNvGrpSpPr/>
-        <p:nvPr/>
-      </p:nvGrpSpPr>
-      <p:grpSpPr>
-        <a:xfrm>
-          <a:off x="0" y="0"/>
-          <a:ext cx="0" cy="0"/>
-          <a:chOff x="0" y="0"/>
-          <a:chExt cx="0" cy="0"/>
-        </a:xfrm>
-      </p:grpSpPr>
-      <p:sp>
-        <p:nvSpPr>
-          <p:cNvPr id="4" name="Title 3"/>
-          <p:cNvSpPr>
-            <a:spLocks noGrp="1"/>
-          </p:cNvSpPr>
-          <p:nvPr>
-            <p:ph type="title"/>
-          </p:nvPr>
-        </p:nvSpPr>
-        <p:spPr/>
-        <p:txBody>
-          <a:bodyPr>
-            <a:normAutofit fontScale="90000"/>
-          </a:bodyPr>
-          <a:lstStyle/>
-          <a:p>
-            <a:r>
-              <a:rPr lang="en-US" dirty="0"/>
-              <a:t/>
-            </a:r>
-            <a:br>
-              <a:rPr lang="en-US" dirty="0"/>
-            </a:br>
-            <a:r>
-              <a:rPr lang="en-US" dirty="0"/>
-              <a:t>Homework</a:t>
-            </a:r>
-            <a:br>
-              <a:rPr lang="en-US" dirty="0"/>
-            </a:br>
-            <a:endParaRPr lang="en-US" dirty="0"/>
-          </a:p>
-        </p:txBody>
-      </p:sp>
-    </p:spTree>
-    <p:extLst>
-      <p:ext uri="{BB962C8B-B14F-4D97-AF65-F5344CB8AC3E}">
-        <p14:creationId xmlns:p14="http://schemas.microsoft.com/office/powerpoint/2010/main" val="3948046820"/>
-      </p:ext>
-    </p:extLst>
-  </p:cSld>
-  <p:clrMapOvr>
-    <a:masterClrMapping/>
-  </p:clrMapOvr>
-</p:sld>
-</file>
-
-<file path=ppt/slides/slide18.xml><?xml version="1.0" encoding="utf-8"?>
-<p:sld xmlns:a="http://schemas.openxmlformats.org/drawingml/2006/main" xmlns:r="http://schemas.openxmlformats.org/officeDocument/2006/relationships" xmlns:p="http://schemas.openxmlformats.org/presentationml/2006/main">
-  <p:cSld>
-    <p:spTree>
-      <p:nvGrpSpPr>
-        <p:cNvPr id="1" name=""/>
-        <p:cNvGrpSpPr/>
-        <p:nvPr/>
-      </p:nvGrpSpPr>
-      <p:grpSpPr>
-        <a:xfrm>
-          <a:off x="0" y="0"/>
-          <a:ext cx="0" cy="0"/>
-          <a:chOff x="0" y="0"/>
-          <a:chExt cx="0" cy="0"/>
-        </a:xfrm>
-      </p:grpSpPr>
-      <p:sp>
-        <p:nvSpPr>
-          <p:cNvPr id="2" name="Title 1">
-            <a:extLst>
-              <a:ext uri="{FF2B5EF4-FFF2-40B4-BE49-F238E27FC236}">
-                <a16:creationId xmlns:a16="http://schemas.microsoft.com/office/drawing/2014/main" xmlns="" id="{FE5624F9-B711-4FC6-8E9F-742526A0CCC1}"/>
-              </a:ext>
-            </a:extLst>
-          </p:cNvPr>
-          <p:cNvSpPr>
-            <a:spLocks noGrp="1"/>
-          </p:cNvSpPr>
-          <p:nvPr>
-            <p:ph type="title"/>
-          </p:nvPr>
-        </p:nvSpPr>
-        <p:spPr/>
-        <p:txBody>
-          <a:bodyPr/>
-          <a:lstStyle/>
-          <a:p>
-            <a:r>
-              <a:rPr lang="en-US" dirty="0"/>
-              <a:t>Homework requirement</a:t>
-            </a:r>
-            <a:r>
-              <a:rPr lang="mk-MK" dirty="0"/>
-              <a:t> </a:t>
-            </a:r>
-            <a:r>
-              <a:rPr lang="en-US" dirty="0" smtClean="0"/>
-              <a:t>1</a:t>
-            </a:r>
-            <a:r>
-              <a:rPr lang="mk-MK" dirty="0" smtClean="0"/>
-              <a:t>/</a:t>
-            </a:r>
-            <a:r>
-              <a:rPr lang="en-US" dirty="0" smtClean="0"/>
-              <a:t>3</a:t>
-            </a:r>
-            <a:endParaRPr lang="mk-MK" dirty="0"/>
-          </a:p>
-        </p:txBody>
-      </p:sp>
-      <p:sp>
-        <p:nvSpPr>
-          <p:cNvPr id="3" name="Content Placeholder 2">
-            <a:extLst>
-              <a:ext uri="{FF2B5EF4-FFF2-40B4-BE49-F238E27FC236}">
-                <a16:creationId xmlns:a16="http://schemas.microsoft.com/office/drawing/2014/main" xmlns="" id="{F419AFA7-0A3C-4606-9F32-1D2D20C9BD88}"/>
-              </a:ext>
-            </a:extLst>
-          </p:cNvPr>
-          <p:cNvSpPr>
-            <a:spLocks noGrp="1"/>
-          </p:cNvSpPr>
-          <p:nvPr>
-            <p:ph idx="1"/>
-          </p:nvPr>
-        </p:nvSpPr>
-        <p:spPr/>
-        <p:txBody>
-          <a:bodyPr/>
-          <a:lstStyle/>
-          <a:p>
-            <a:r>
-              <a:rPr lang="en-US" dirty="0"/>
-              <a:t>Calculate the count of all grades in the system</a:t>
-            </a:r>
-          </a:p>
-          <a:p>
-            <a:r>
-              <a:rPr lang="en-US" dirty="0"/>
-              <a:t>Calculate the count of all grades per Teacher in the system</a:t>
-            </a:r>
-          </a:p>
-          <a:p>
-            <a:r>
-              <a:rPr lang="en-US" dirty="0"/>
-              <a:t>Calculate the count of all grades per Teacher in the system for first 100 Students (ID &lt; 100)</a:t>
-            </a:r>
-          </a:p>
-          <a:p>
-            <a:r>
-              <a:rPr lang="en-US" dirty="0"/>
-              <a:t>Find the Maximal Grade, and the Average Grade per Student on all grades in the system</a:t>
-            </a:r>
-            <a:endParaRPr lang="mk-MK" dirty="0"/>
-          </a:p>
-        </p:txBody>
-      </p:sp>
-    </p:spTree>
-    <p:extLst>
-      <p:ext uri="{BB962C8B-B14F-4D97-AF65-F5344CB8AC3E}">
-        <p14:creationId xmlns:p14="http://schemas.microsoft.com/office/powerpoint/2010/main" val="3391648878"/>
-      </p:ext>
-    </p:extLst>
-  </p:cSld>
-  <p:clrMapOvr>
-    <a:masterClrMapping/>
-  </p:clrMapOvr>
-</p:sld>
-</file>
-
-<file path=ppt/slides/slide19.xml><?xml version="1.0" encoding="utf-8"?>
-<p:sld xmlns:a="http://schemas.openxmlformats.org/drawingml/2006/main" xmlns:r="http://schemas.openxmlformats.org/officeDocument/2006/relationships" xmlns:p="http://schemas.openxmlformats.org/presentationml/2006/main">
-  <p:cSld>
-    <p:spTree>
-      <p:nvGrpSpPr>
-        <p:cNvPr id="1" name=""/>
-        <p:cNvGrpSpPr/>
-        <p:nvPr/>
-      </p:nvGrpSpPr>
-      <p:grpSpPr>
-        <a:xfrm>
-          <a:off x="0" y="0"/>
-          <a:ext cx="0" cy="0"/>
-          <a:chOff x="0" y="0"/>
-          <a:chExt cx="0" cy="0"/>
-        </a:xfrm>
-      </p:grpSpPr>
-      <p:sp>
-        <p:nvSpPr>
-          <p:cNvPr id="2" name="Title 1">
-            <a:extLst>
-              <a:ext uri="{FF2B5EF4-FFF2-40B4-BE49-F238E27FC236}">
-                <a16:creationId xmlns:a16="http://schemas.microsoft.com/office/drawing/2014/main" xmlns="" id="{FE5624F9-B711-4FC6-8E9F-742526A0CCC1}"/>
-              </a:ext>
-            </a:extLst>
-          </p:cNvPr>
-          <p:cNvSpPr>
-            <a:spLocks noGrp="1"/>
-          </p:cNvSpPr>
-          <p:nvPr>
-            <p:ph type="title"/>
-          </p:nvPr>
-        </p:nvSpPr>
-        <p:spPr/>
-        <p:txBody>
-          <a:bodyPr/>
-          <a:lstStyle/>
-          <a:p>
-            <a:r>
-              <a:rPr lang="en-US" dirty="0"/>
-              <a:t>Homework requirement</a:t>
-            </a:r>
-            <a:r>
-              <a:rPr lang="mk-MK" dirty="0"/>
-              <a:t> </a:t>
-            </a:r>
-            <a:r>
-              <a:rPr lang="en-US" dirty="0" smtClean="0"/>
-              <a:t>2/3</a:t>
-            </a:r>
-            <a:endParaRPr lang="mk-MK" dirty="0"/>
-          </a:p>
-        </p:txBody>
-      </p:sp>
-      <p:sp>
-        <p:nvSpPr>
-          <p:cNvPr id="3" name="Content Placeholder 2">
-            <a:extLst>
-              <a:ext uri="{FF2B5EF4-FFF2-40B4-BE49-F238E27FC236}">
-                <a16:creationId xmlns:a16="http://schemas.microsoft.com/office/drawing/2014/main" xmlns="" id="{F419AFA7-0A3C-4606-9F32-1D2D20C9BD88}"/>
-              </a:ext>
-            </a:extLst>
-          </p:cNvPr>
-          <p:cNvSpPr>
-            <a:spLocks noGrp="1"/>
-          </p:cNvSpPr>
-          <p:nvPr>
-            <p:ph idx="1"/>
-          </p:nvPr>
-        </p:nvSpPr>
-        <p:spPr/>
-        <p:txBody>
-          <a:bodyPr/>
-          <a:lstStyle/>
-          <a:p>
-            <a:r>
-              <a:rPr lang="en-US" dirty="0"/>
-              <a:t>Calculate the count of all grades per Teacher in the system and filter only grade count greater then 200</a:t>
-            </a:r>
-          </a:p>
-          <a:p>
-            <a:r>
-              <a:rPr lang="en-US" dirty="0"/>
-              <a:t>Calculate the count of all grades per Teacher in the system for first 100 Students (ID &lt; 100) and filter teachers with more than 50 Grade count</a:t>
-            </a:r>
-          </a:p>
-          <a:p>
-            <a:r>
-              <a:rPr lang="en-US" dirty="0"/>
-              <a:t>Find the Grade Count, Maximal Grade, and the Average Grade per Student on all grades in the system. Filter only records where Maximal Grade is equal to Average Grade</a:t>
-            </a:r>
-          </a:p>
-          <a:p>
-            <a:r>
-              <a:rPr lang="en-US" dirty="0"/>
-              <a:t>List Student First Name and Last Name next to the other details from previous query</a:t>
-            </a:r>
-            <a:endParaRPr lang="mk-MK" dirty="0"/>
-          </a:p>
-        </p:txBody>
-      </p:sp>
-    </p:spTree>
-    <p:extLst>
-      <p:ext uri="{BB962C8B-B14F-4D97-AF65-F5344CB8AC3E}">
-        <p14:creationId xmlns:p14="http://schemas.microsoft.com/office/powerpoint/2010/main" val="3034517589"/>
-      </p:ext>
-    </p:extLst>
-  </p:cSld>
-  <p:clrMapOvr>
-    <a:masterClrMapping/>
-  </p:clrMapOvr>
 </p:sld>
 </file>
 
@@ -8474,7 +9506,7 @@
         </p:spPr>
         <p:txBody>
           <a:bodyPr>
-            <a:normAutofit fontScale="70000" lnSpcReduction="20000"/>
+            <a:normAutofit fontScale="55000" lnSpcReduction="20000"/>
           </a:bodyPr>
           <a:lstStyle/>
           <a:p>
@@ -8503,6 +9535,26 @@
             <a:r>
               <a:rPr lang="en-US" sz="2900" dirty="0"/>
               <a:t>Homework discussion</a:t>
+            </a:r>
+          </a:p>
+          <a:p>
+            <a:pPr lvl="1">
+              <a:buFont typeface="Wingdings" panose="05000000000000000000" pitchFamily="2" charset="2"/>
+              <a:buChar char="§"/>
+            </a:pPr>
+            <a:r>
+              <a:rPr lang="en-US" sz="3200" dirty="0"/>
+              <a:t>Built-In functions </a:t>
+            </a:r>
+          </a:p>
+          <a:p>
+            <a:pPr lvl="2">
+              <a:buFont typeface="Wingdings" panose="05000000000000000000" pitchFamily="2" charset="2"/>
+              <a:buChar char="§"/>
+            </a:pPr>
+            <a:r>
+              <a:rPr lang="en-US" sz="2900" dirty="0"/>
+              <a:t>Workshop</a:t>
             </a:r>
           </a:p>
           <a:p>
@@ -8671,10 +9723,1014 @@
       </p:grpSpPr>
       <p:sp>
         <p:nvSpPr>
+          <p:cNvPr id="4" name="Title 3"/>
+          <p:cNvSpPr>
+            <a:spLocks noGrp="1"/>
+          </p:cNvSpPr>
+          <p:nvPr>
+            <p:ph type="title"/>
+          </p:nvPr>
+        </p:nvSpPr>
+        <p:spPr/>
+        <p:txBody>
+          <a:bodyPr/>
+          <a:lstStyle/>
+          <a:p>
+            <a:r>
+              <a:rPr lang="en-US" dirty="0" smtClean="0"/>
+              <a:t>Knowledge check</a:t>
+            </a:r>
+            <a:endParaRPr lang="en-US" dirty="0"/>
+          </a:p>
+        </p:txBody>
+      </p:sp>
+      <p:sp>
+        <p:nvSpPr>
+          <p:cNvPr id="2" name="Text Placeholder 1"/>
+          <p:cNvSpPr>
+            <a:spLocks noGrp="1"/>
+          </p:cNvSpPr>
+          <p:nvPr>
+            <p:ph type="body" idx="1"/>
+          </p:nvPr>
+        </p:nvSpPr>
+        <p:spPr/>
+        <p:txBody>
+          <a:bodyPr/>
+          <a:lstStyle/>
+          <a:p>
+            <a:r>
+              <a:rPr lang="en-US" dirty="0"/>
+              <a:t>Quiz, Discussion, Homework</a:t>
+            </a:r>
+          </a:p>
+        </p:txBody>
+      </p:sp>
+    </p:spTree>
+    <p:extLst>
+      <p:ext uri="{BB962C8B-B14F-4D97-AF65-F5344CB8AC3E}">
+        <p14:creationId xmlns:p14="http://schemas.microsoft.com/office/powerpoint/2010/main" val="2257886123"/>
+      </p:ext>
+    </p:extLst>
+  </p:cSld>
+  <p:clrMapOvr>
+    <a:masterClrMapping/>
+  </p:clrMapOvr>
+  <p:timing>
+    <p:tnLst>
+      <p:par>
+        <p:cTn id="1" dur="indefinite" restart="never" nodeType="tmRoot"/>
+      </p:par>
+    </p:tnLst>
+  </p:timing>
+</p:sld>
+</file>
+
+<file path=ppt/slides/slide21.xml><?xml version="1.0" encoding="utf-8"?>
+<p:sld xmlns:a="http://schemas.openxmlformats.org/drawingml/2006/main" xmlns:r="http://schemas.openxmlformats.org/officeDocument/2006/relationships" xmlns:p="http://schemas.openxmlformats.org/presentationml/2006/main">
+  <p:cSld>
+    <p:spTree>
+      <p:nvGrpSpPr>
+        <p:cNvPr id="1" name=""/>
+        <p:cNvGrpSpPr/>
+        <p:nvPr/>
+      </p:nvGrpSpPr>
+      <p:grpSpPr>
+        <a:xfrm>
+          <a:off x="0" y="0"/>
+          <a:ext cx="0" cy="0"/>
+          <a:chOff x="0" y="0"/>
+          <a:chExt cx="0" cy="0"/>
+        </a:xfrm>
+      </p:grpSpPr>
+      <p:sp>
+        <p:nvSpPr>
+          <p:cNvPr id="2" name="Title 1"/>
+          <p:cNvSpPr>
+            <a:spLocks noGrp="1"/>
+          </p:cNvSpPr>
+          <p:nvPr>
+            <p:ph type="title"/>
+          </p:nvPr>
+        </p:nvSpPr>
+        <p:spPr>
+          <a:xfrm>
+            <a:off x="677334" y="609600"/>
+            <a:ext cx="8596668" cy="768439"/>
+          </a:xfrm>
+        </p:spPr>
+        <p:txBody>
+          <a:bodyPr/>
+          <a:lstStyle/>
+          <a:p>
+            <a:r>
+              <a:rPr lang="en-US" dirty="0" smtClean="0"/>
+              <a:t>Quiz</a:t>
+            </a:r>
+            <a:endParaRPr lang="en-US" dirty="0"/>
+          </a:p>
+        </p:txBody>
+      </p:sp>
+      <p:sp>
+        <p:nvSpPr>
+          <p:cNvPr id="3" name="Content Placeholder 2"/>
+          <p:cNvSpPr>
+            <a:spLocks noGrp="1"/>
+          </p:cNvSpPr>
+          <p:nvPr>
+            <p:ph idx="1"/>
+          </p:nvPr>
+        </p:nvSpPr>
+        <p:spPr>
+          <a:xfrm>
+            <a:off x="677334" y="1378039"/>
+            <a:ext cx="8596668" cy="5203065"/>
+          </a:xfrm>
+        </p:spPr>
+        <p:txBody>
+          <a:bodyPr>
+            <a:normAutofit fontScale="85000" lnSpcReduction="10000"/>
+          </a:bodyPr>
+          <a:lstStyle/>
+          <a:p>
+            <a:r>
+              <a:rPr lang="en-US" dirty="0" smtClean="0"/>
+              <a:t>Can we assign multiple values to scalar variable?</a:t>
+            </a:r>
+            <a:endParaRPr lang="en-US" dirty="0"/>
+          </a:p>
+          <a:p>
+            <a:pPr marL="457200" lvl="1" indent="0">
+              <a:buNone/>
+            </a:pPr>
+            <a:r>
+              <a:rPr lang="en-US" b="1" dirty="0" smtClean="0"/>
+              <a:t>a.</a:t>
+            </a:r>
+            <a:r>
+              <a:rPr lang="en-US" dirty="0"/>
+              <a:t> </a:t>
+            </a:r>
+            <a:r>
+              <a:rPr lang="en-US" dirty="0" smtClean="0"/>
+              <a:t>Yes</a:t>
+            </a:r>
+            <a:endParaRPr lang="en-US" dirty="0"/>
+          </a:p>
+          <a:p>
+            <a:pPr marL="457200" lvl="1" indent="0">
+              <a:buNone/>
+            </a:pPr>
+            <a:r>
+              <a:rPr lang="en-US" b="1" dirty="0" smtClean="0"/>
+              <a:t>b. </a:t>
+            </a:r>
+            <a:r>
+              <a:rPr lang="en-US" dirty="0" smtClean="0"/>
+              <a:t>No</a:t>
+            </a:r>
+          </a:p>
+          <a:p>
+            <a:r>
+              <a:rPr lang="en-US" dirty="0"/>
+              <a:t>Can we </a:t>
+            </a:r>
+            <a:r>
+              <a:rPr lang="en-US" dirty="0" smtClean="0"/>
+              <a:t>have WHERE operator in the same statement with GROUP BY operator?</a:t>
+            </a:r>
+          </a:p>
+          <a:p>
+            <a:pPr marL="0" indent="0">
+              <a:buNone/>
+            </a:pPr>
+            <a:r>
+              <a:rPr lang="en-US" dirty="0"/>
+              <a:t>	</a:t>
+            </a:r>
+            <a:r>
+              <a:rPr lang="en-US" b="1" dirty="0" smtClean="0"/>
+              <a:t>a</a:t>
+            </a:r>
+            <a:r>
+              <a:rPr lang="en-US" b="1" dirty="0"/>
+              <a:t>.</a:t>
+            </a:r>
+            <a:r>
+              <a:rPr lang="en-US" dirty="0"/>
+              <a:t> Yes</a:t>
+            </a:r>
+          </a:p>
+          <a:p>
+            <a:pPr marL="457200" lvl="1" indent="0">
+              <a:buNone/>
+            </a:pPr>
+            <a:r>
+              <a:rPr lang="en-US" b="1" dirty="0"/>
+              <a:t>b. </a:t>
+            </a:r>
+            <a:r>
+              <a:rPr lang="en-US" dirty="0"/>
+              <a:t>No</a:t>
+            </a:r>
+          </a:p>
+          <a:p>
+            <a:r>
+              <a:rPr lang="en-US" dirty="0" smtClean="0"/>
+              <a:t>Which SQL function is used to determine number of characters in the string?</a:t>
+            </a:r>
+          </a:p>
+          <a:p>
+            <a:pPr marL="457200" lvl="1" indent="0">
+              <a:buNone/>
+            </a:pPr>
+            <a:r>
+              <a:rPr lang="en-US" b="1" dirty="0" smtClean="0"/>
+              <a:t>a</a:t>
+            </a:r>
+            <a:r>
+              <a:rPr lang="en-US" b="1" dirty="0"/>
+              <a:t>. </a:t>
+            </a:r>
+            <a:r>
+              <a:rPr lang="en-US" dirty="0" smtClean="0"/>
+              <a:t>LEFT</a:t>
+            </a:r>
+            <a:endParaRPr lang="en-US" dirty="0"/>
+          </a:p>
+          <a:p>
+            <a:pPr marL="457200" lvl="1" indent="0">
+              <a:buNone/>
+            </a:pPr>
+            <a:r>
+              <a:rPr lang="en-US" b="1" dirty="0"/>
+              <a:t>b. </a:t>
+            </a:r>
+            <a:r>
+              <a:rPr lang="en-US" dirty="0" smtClean="0"/>
+              <a:t>STRING</a:t>
+            </a:r>
+          </a:p>
+          <a:p>
+            <a:pPr marL="457200" lvl="1" indent="0">
+              <a:buNone/>
+            </a:pPr>
+            <a:r>
+              <a:rPr lang="en-US" b="1" dirty="0" smtClean="0"/>
+              <a:t>c. </a:t>
+            </a:r>
+            <a:r>
+              <a:rPr lang="en-US" dirty="0" smtClean="0"/>
+              <a:t>STRING_SIZE</a:t>
+            </a:r>
+          </a:p>
+          <a:p>
+            <a:pPr marL="457200" lvl="1" indent="0">
+              <a:buNone/>
+            </a:pPr>
+            <a:r>
+              <a:rPr lang="en-US" b="1" dirty="0" smtClean="0"/>
+              <a:t>d</a:t>
+            </a:r>
+            <a:r>
+              <a:rPr lang="en-US" b="1" dirty="0"/>
+              <a:t>. </a:t>
+            </a:r>
+            <a:r>
+              <a:rPr lang="en-US" dirty="0" smtClean="0"/>
+              <a:t>LEN</a:t>
+            </a:r>
+          </a:p>
+          <a:p>
+            <a:r>
+              <a:rPr lang="en-US" dirty="0" smtClean="0"/>
+              <a:t>Which SQL function is used to concatenate multiple string records into single value?</a:t>
+            </a:r>
+          </a:p>
+          <a:p>
+            <a:pPr marL="0" indent="0">
+              <a:buNone/>
+            </a:pPr>
+            <a:r>
+              <a:rPr lang="en-US" dirty="0"/>
+              <a:t> </a:t>
+            </a:r>
+            <a:r>
+              <a:rPr lang="en-US" dirty="0" smtClean="0"/>
+              <a:t>      </a:t>
+            </a:r>
+            <a:r>
+              <a:rPr lang="en-US" b="1" dirty="0" smtClean="0"/>
+              <a:t>a</a:t>
+            </a:r>
+            <a:r>
+              <a:rPr lang="en-US" b="1" dirty="0"/>
+              <a:t>.</a:t>
+            </a:r>
+            <a:r>
+              <a:rPr lang="en-US" dirty="0"/>
+              <a:t> </a:t>
+            </a:r>
+            <a:r>
+              <a:rPr lang="en-US" dirty="0" smtClean="0"/>
+              <a:t>AGG</a:t>
+            </a:r>
+          </a:p>
+          <a:p>
+            <a:pPr marL="0" indent="0">
+              <a:buNone/>
+            </a:pPr>
+            <a:r>
+              <a:rPr lang="en-US" b="1" dirty="0"/>
+              <a:t>	</a:t>
+            </a:r>
+            <a:r>
+              <a:rPr lang="en-US" b="1" dirty="0" smtClean="0"/>
+              <a:t>b</a:t>
+            </a:r>
+            <a:r>
+              <a:rPr lang="en-US" b="1" dirty="0"/>
+              <a:t>. </a:t>
+            </a:r>
+            <a:r>
+              <a:rPr lang="en-US" dirty="0" smtClean="0"/>
+              <a:t>CONCAT </a:t>
+            </a:r>
+            <a:endParaRPr lang="en-US" dirty="0"/>
+          </a:p>
+          <a:p>
+            <a:pPr marL="457200" lvl="1" indent="0">
+              <a:buNone/>
+            </a:pPr>
+            <a:r>
+              <a:rPr lang="en-US" b="1" dirty="0"/>
+              <a:t>c. </a:t>
+            </a:r>
+            <a:r>
+              <a:rPr lang="en-US" dirty="0" smtClean="0"/>
+              <a:t>STRING_AGG</a:t>
+            </a:r>
+            <a:endParaRPr lang="en-US" dirty="0"/>
+          </a:p>
+          <a:p>
+            <a:pPr marL="457200" lvl="1" indent="0">
+              <a:buNone/>
+            </a:pPr>
+            <a:r>
+              <a:rPr lang="en-US" b="1" dirty="0"/>
+              <a:t>d. </a:t>
+            </a:r>
+            <a:r>
+              <a:rPr lang="en-US" dirty="0" smtClean="0"/>
+              <a:t>MERGE</a:t>
+            </a:r>
+            <a:endParaRPr lang="en-US" dirty="0"/>
+          </a:p>
+          <a:p>
+            <a:endParaRPr lang="en-US" dirty="0"/>
+          </a:p>
+        </p:txBody>
+      </p:sp>
+    </p:spTree>
+    <p:extLst>
+      <p:ext uri="{BB962C8B-B14F-4D97-AF65-F5344CB8AC3E}">
+        <p14:creationId xmlns:p14="http://schemas.microsoft.com/office/powerpoint/2010/main" val="36163417"/>
+      </p:ext>
+    </p:extLst>
+  </p:cSld>
+  <p:clrMapOvr>
+    <a:masterClrMapping/>
+  </p:clrMapOvr>
+  <p:timing>
+    <p:tnLst>
+      <p:par>
+        <p:cTn id="1" dur="indefinite" restart="never" nodeType="tmRoot"/>
+      </p:par>
+    </p:tnLst>
+  </p:timing>
+</p:sld>
+</file>
+
+<file path=ppt/slides/slide22.xml><?xml version="1.0" encoding="utf-8"?>
+<p:sld xmlns:a="http://schemas.openxmlformats.org/drawingml/2006/main" xmlns:r="http://schemas.openxmlformats.org/officeDocument/2006/relationships" xmlns:p="http://schemas.openxmlformats.org/presentationml/2006/main">
+  <p:cSld>
+    <p:spTree>
+      <p:nvGrpSpPr>
+        <p:cNvPr id="1" name=""/>
+        <p:cNvGrpSpPr/>
+        <p:nvPr/>
+      </p:nvGrpSpPr>
+      <p:grpSpPr>
+        <a:xfrm>
+          <a:off x="0" y="0"/>
+          <a:ext cx="0" cy="0"/>
+          <a:chOff x="0" y="0"/>
+          <a:chExt cx="0" cy="0"/>
+        </a:xfrm>
+      </p:grpSpPr>
+      <p:sp>
+        <p:nvSpPr>
+          <p:cNvPr id="2" name="Title 1"/>
+          <p:cNvSpPr>
+            <a:spLocks noGrp="1"/>
+          </p:cNvSpPr>
+          <p:nvPr>
+            <p:ph type="title"/>
+          </p:nvPr>
+        </p:nvSpPr>
+        <p:spPr>
+          <a:xfrm>
+            <a:off x="677334" y="609600"/>
+            <a:ext cx="8596668" cy="781318"/>
+          </a:xfrm>
+        </p:spPr>
+        <p:txBody>
+          <a:bodyPr/>
+          <a:lstStyle/>
+          <a:p>
+            <a:r>
+              <a:rPr lang="en-US" dirty="0"/>
+              <a:t>Quiz</a:t>
+            </a:r>
+          </a:p>
+        </p:txBody>
+      </p:sp>
+      <p:sp>
+        <p:nvSpPr>
+          <p:cNvPr id="3" name="Content Placeholder 2"/>
+          <p:cNvSpPr>
+            <a:spLocks noGrp="1"/>
+          </p:cNvSpPr>
+          <p:nvPr>
+            <p:ph idx="1"/>
+          </p:nvPr>
+        </p:nvSpPr>
+        <p:spPr>
+          <a:xfrm>
+            <a:off x="677334" y="1390919"/>
+            <a:ext cx="8596668" cy="5254580"/>
+          </a:xfrm>
+        </p:spPr>
+        <p:txBody>
+          <a:bodyPr>
+            <a:normAutofit/>
+          </a:bodyPr>
+          <a:lstStyle/>
+          <a:p>
+            <a:r>
+              <a:rPr lang="en-US" dirty="0" smtClean="0"/>
+              <a:t>Can we group data from multiple records without using GROUP BY function?</a:t>
+            </a:r>
+          </a:p>
+          <a:p>
+            <a:pPr marL="0" indent="0">
+              <a:buNone/>
+            </a:pPr>
+            <a:r>
+              <a:rPr lang="en-US" b="1" dirty="0"/>
+              <a:t> </a:t>
+            </a:r>
+            <a:r>
+              <a:rPr lang="en-US" b="1" dirty="0" smtClean="0"/>
+              <a:t>      a</a:t>
+            </a:r>
+            <a:r>
+              <a:rPr lang="en-US" b="1" dirty="0"/>
+              <a:t>. </a:t>
+            </a:r>
+            <a:r>
+              <a:rPr lang="en-US" dirty="0" smtClean="0"/>
+              <a:t>Yes</a:t>
+            </a:r>
+            <a:endParaRPr lang="en-US" dirty="0"/>
+          </a:p>
+          <a:p>
+            <a:pPr marL="457200" lvl="1" indent="0">
+              <a:buNone/>
+            </a:pPr>
+            <a:r>
+              <a:rPr lang="en-US" b="1" dirty="0"/>
+              <a:t>b. </a:t>
+            </a:r>
+            <a:r>
+              <a:rPr lang="en-US" dirty="0" smtClean="0"/>
+              <a:t>No</a:t>
+            </a:r>
+            <a:endParaRPr lang="en-US" dirty="0"/>
+          </a:p>
+          <a:p>
+            <a:r>
+              <a:rPr lang="en-US" dirty="0" smtClean="0"/>
+              <a:t>Which operator is used to filter the resultset by the result of aggregate function?</a:t>
+            </a:r>
+            <a:endParaRPr lang="en-US" dirty="0"/>
+          </a:p>
+          <a:p>
+            <a:pPr marL="457200" lvl="1" indent="0">
+              <a:buNone/>
+            </a:pPr>
+            <a:r>
+              <a:rPr lang="en-US" b="1" dirty="0" smtClean="0"/>
+              <a:t>a. </a:t>
+            </a:r>
+            <a:r>
+              <a:rPr lang="en-US" dirty="0" smtClean="0"/>
+              <a:t>FILTER</a:t>
+            </a:r>
+          </a:p>
+          <a:p>
+            <a:pPr marL="457200" lvl="1" indent="0">
+              <a:buNone/>
+            </a:pPr>
+            <a:r>
+              <a:rPr lang="en-US" b="1" dirty="0" smtClean="0"/>
+              <a:t>b</a:t>
+            </a:r>
+            <a:r>
+              <a:rPr lang="en-US" b="1" dirty="0"/>
+              <a:t>. </a:t>
+            </a:r>
+            <a:r>
+              <a:rPr lang="en-US" dirty="0" smtClean="0"/>
+              <a:t>CHECK</a:t>
+            </a:r>
+            <a:endParaRPr lang="en-US" dirty="0"/>
+          </a:p>
+          <a:p>
+            <a:pPr marL="457200" lvl="1" indent="0">
+              <a:buNone/>
+            </a:pPr>
+            <a:r>
+              <a:rPr lang="en-US" b="1" dirty="0"/>
+              <a:t>c. </a:t>
+            </a:r>
+            <a:r>
+              <a:rPr lang="en-US" dirty="0" smtClean="0"/>
+              <a:t>WHERE</a:t>
+            </a:r>
+            <a:endParaRPr lang="en-US" dirty="0"/>
+          </a:p>
+          <a:p>
+            <a:pPr marL="457200" lvl="1" indent="0">
+              <a:buNone/>
+            </a:pPr>
+            <a:r>
+              <a:rPr lang="en-US" b="1" dirty="0"/>
+              <a:t>d. </a:t>
+            </a:r>
+            <a:r>
+              <a:rPr lang="en-US" dirty="0" smtClean="0"/>
+              <a:t>HAVING</a:t>
+            </a:r>
+            <a:endParaRPr lang="en-US" dirty="0"/>
+          </a:p>
+          <a:p>
+            <a:r>
+              <a:rPr lang="en-US" dirty="0" smtClean="0"/>
+              <a:t>Can we have ORDER BY and HAVING operator in the same statement?</a:t>
+            </a:r>
+          </a:p>
+          <a:p>
+            <a:pPr marL="457200" lvl="1" indent="0">
+              <a:buNone/>
+            </a:pPr>
+            <a:r>
+              <a:rPr lang="en-US" b="1" dirty="0" smtClean="0"/>
+              <a:t>a</a:t>
+            </a:r>
+            <a:r>
+              <a:rPr lang="en-US" b="1" dirty="0"/>
+              <a:t>. </a:t>
+            </a:r>
+            <a:r>
+              <a:rPr lang="en-US" dirty="0" smtClean="0"/>
+              <a:t>Yes</a:t>
+            </a:r>
+            <a:endParaRPr lang="en-US" dirty="0"/>
+          </a:p>
+          <a:p>
+            <a:pPr marL="457200" lvl="1" indent="0">
+              <a:buNone/>
+            </a:pPr>
+            <a:r>
+              <a:rPr lang="en-US" b="1" dirty="0"/>
+              <a:t>b. </a:t>
+            </a:r>
+            <a:r>
+              <a:rPr lang="en-US" dirty="0" smtClean="0"/>
+              <a:t>No</a:t>
+            </a:r>
+            <a:endParaRPr lang="en-US" dirty="0"/>
+          </a:p>
+        </p:txBody>
+      </p:sp>
+    </p:spTree>
+    <p:extLst>
+      <p:ext uri="{BB962C8B-B14F-4D97-AF65-F5344CB8AC3E}">
+        <p14:creationId xmlns:p14="http://schemas.microsoft.com/office/powerpoint/2010/main" val="761919073"/>
+      </p:ext>
+    </p:extLst>
+  </p:cSld>
+  <p:clrMapOvr>
+    <a:masterClrMapping/>
+  </p:clrMapOvr>
+  <p:timing>
+    <p:tnLst>
+      <p:par>
+        <p:cTn id="1" dur="indefinite" restart="never" nodeType="tmRoot"/>
+      </p:par>
+    </p:tnLst>
+  </p:timing>
+</p:sld>
+</file>
+
+<file path=ppt/slides/slide23.xml><?xml version="1.0" encoding="utf-8"?>
+<p:sld xmlns:a="http://schemas.openxmlformats.org/drawingml/2006/main" xmlns:r="http://schemas.openxmlformats.org/officeDocument/2006/relationships" xmlns:p="http://schemas.openxmlformats.org/presentationml/2006/main">
+  <p:cSld>
+    <p:spTree>
+      <p:nvGrpSpPr>
+        <p:cNvPr id="1" name=""/>
+        <p:cNvGrpSpPr/>
+        <p:nvPr/>
+      </p:nvGrpSpPr>
+      <p:grpSpPr>
+        <a:xfrm>
+          <a:off x="0" y="0"/>
+          <a:ext cx="0" cy="0"/>
+          <a:chOff x="0" y="0"/>
+          <a:chExt cx="0" cy="0"/>
+        </a:xfrm>
+      </p:grpSpPr>
+      <p:sp>
+        <p:nvSpPr>
+          <p:cNvPr id="2" name="Title 1"/>
+          <p:cNvSpPr>
+            <a:spLocks noGrp="1"/>
+          </p:cNvSpPr>
+          <p:nvPr>
+            <p:ph type="title"/>
+          </p:nvPr>
+        </p:nvSpPr>
+        <p:spPr>
+          <a:xfrm>
+            <a:off x="677334" y="609599"/>
+            <a:ext cx="8596668" cy="678288"/>
+          </a:xfrm>
+        </p:spPr>
+        <p:txBody>
+          <a:bodyPr>
+            <a:normAutofit/>
+          </a:bodyPr>
+          <a:lstStyle/>
+          <a:p>
+            <a:r>
+              <a:rPr lang="en-US" dirty="0"/>
+              <a:t>Quiz</a:t>
+            </a:r>
+          </a:p>
+        </p:txBody>
+      </p:sp>
+      <p:sp>
+        <p:nvSpPr>
+          <p:cNvPr id="3" name="Content Placeholder 2"/>
+          <p:cNvSpPr>
+            <a:spLocks noGrp="1"/>
+          </p:cNvSpPr>
+          <p:nvPr>
+            <p:ph idx="1"/>
+          </p:nvPr>
+        </p:nvSpPr>
+        <p:spPr>
+          <a:xfrm>
+            <a:off x="677334" y="1378039"/>
+            <a:ext cx="8596668" cy="5479961"/>
+          </a:xfrm>
+        </p:spPr>
+        <p:txBody>
+          <a:bodyPr>
+            <a:normAutofit/>
+          </a:bodyPr>
+          <a:lstStyle/>
+          <a:p>
+            <a:r>
+              <a:rPr lang="en-US" dirty="0" smtClean="0"/>
+              <a:t>What is the main difference between View and Indexed View?</a:t>
+            </a:r>
+          </a:p>
+          <a:p>
+            <a:r>
+              <a:rPr lang="en-US" dirty="0" smtClean="0"/>
+              <a:t>What is the purpose of SCHEMABINDING option in View creation?</a:t>
+            </a:r>
+          </a:p>
+          <a:p>
+            <a:endParaRPr lang="en-US" dirty="0"/>
+          </a:p>
+        </p:txBody>
+      </p:sp>
+    </p:spTree>
+    <p:extLst>
+      <p:ext uri="{BB962C8B-B14F-4D97-AF65-F5344CB8AC3E}">
+        <p14:creationId xmlns:p14="http://schemas.microsoft.com/office/powerpoint/2010/main" val="3605728360"/>
+      </p:ext>
+    </p:extLst>
+  </p:cSld>
+  <p:clrMapOvr>
+    <a:masterClrMapping/>
+  </p:clrMapOvr>
+  <p:timing>
+    <p:tnLst>
+      <p:par>
+        <p:cTn id="1" dur="indefinite" restart="never" nodeType="tmRoot"/>
+      </p:par>
+    </p:tnLst>
+  </p:timing>
+</p:sld>
+</file>
+
+<file path=ppt/slides/slide24.xml><?xml version="1.0" encoding="utf-8"?>
+<p:sld xmlns:a="http://schemas.openxmlformats.org/drawingml/2006/main" xmlns:r="http://schemas.openxmlformats.org/officeDocument/2006/relationships" xmlns:p="http://schemas.openxmlformats.org/presentationml/2006/main">
+  <p:cSld>
+    <p:spTree>
+      <p:nvGrpSpPr>
+        <p:cNvPr id="1" name=""/>
+        <p:cNvGrpSpPr/>
+        <p:nvPr/>
+      </p:nvGrpSpPr>
+      <p:grpSpPr>
+        <a:xfrm>
+          <a:off x="0" y="0"/>
+          <a:ext cx="0" cy="0"/>
+          <a:chOff x="0" y="0"/>
+          <a:chExt cx="0" cy="0"/>
+        </a:xfrm>
+      </p:grpSpPr>
+      <p:sp>
+        <p:nvSpPr>
+          <p:cNvPr id="4" name="Title 3"/>
+          <p:cNvSpPr>
+            <a:spLocks noGrp="1"/>
+          </p:cNvSpPr>
+          <p:nvPr>
+            <p:ph type="title"/>
+          </p:nvPr>
+        </p:nvSpPr>
+        <p:spPr/>
+        <p:txBody>
+          <a:bodyPr>
+            <a:normAutofit fontScale="90000"/>
+          </a:bodyPr>
+          <a:lstStyle/>
+          <a:p>
+            <a:r>
+              <a:rPr lang="en-US" dirty="0"/>
+              <a:t/>
+            </a:r>
+            <a:br>
+              <a:rPr lang="en-US" dirty="0"/>
+            </a:br>
+            <a:r>
+              <a:rPr lang="en-US" dirty="0"/>
+              <a:t>Homework</a:t>
+            </a:r>
+            <a:br>
+              <a:rPr lang="en-US" dirty="0"/>
+            </a:br>
+            <a:endParaRPr lang="en-US" dirty="0"/>
+          </a:p>
+        </p:txBody>
+      </p:sp>
+    </p:spTree>
+    <p:extLst>
+      <p:ext uri="{BB962C8B-B14F-4D97-AF65-F5344CB8AC3E}">
+        <p14:creationId xmlns:p14="http://schemas.microsoft.com/office/powerpoint/2010/main" val="3948046820"/>
+      </p:ext>
+    </p:extLst>
+  </p:cSld>
+  <p:clrMapOvr>
+    <a:masterClrMapping/>
+  </p:clrMapOvr>
+</p:sld>
+</file>
+
+<file path=ppt/slides/slide25.xml><?xml version="1.0" encoding="utf-8"?>
+<p:sld xmlns:a="http://schemas.openxmlformats.org/drawingml/2006/main" xmlns:r="http://schemas.openxmlformats.org/officeDocument/2006/relationships" xmlns:p="http://schemas.openxmlformats.org/presentationml/2006/main">
+  <p:cSld>
+    <p:spTree>
+      <p:nvGrpSpPr>
+        <p:cNvPr id="1" name=""/>
+        <p:cNvGrpSpPr/>
+        <p:nvPr/>
+      </p:nvGrpSpPr>
+      <p:grpSpPr>
+        <a:xfrm>
+          <a:off x="0" y="0"/>
+          <a:ext cx="0" cy="0"/>
+          <a:chOff x="0" y="0"/>
+          <a:chExt cx="0" cy="0"/>
+        </a:xfrm>
+      </p:grpSpPr>
+      <p:sp>
+        <p:nvSpPr>
+          <p:cNvPr id="4" name="Title 3"/>
+          <p:cNvSpPr>
+            <a:spLocks noGrp="1"/>
+          </p:cNvSpPr>
+          <p:nvPr>
+            <p:ph type="title"/>
+          </p:nvPr>
+        </p:nvSpPr>
+        <p:spPr/>
+        <p:txBody>
+          <a:bodyPr/>
+          <a:lstStyle/>
+          <a:p>
+            <a:r>
+              <a:rPr lang="en-US" dirty="0"/>
+              <a:t>Homework requirement</a:t>
+            </a:r>
+            <a:r>
+              <a:rPr lang="mk-MK" dirty="0"/>
+              <a:t> 1/4</a:t>
+            </a:r>
+            <a:endParaRPr lang="en-US" dirty="0"/>
+          </a:p>
+        </p:txBody>
+      </p:sp>
+      <p:sp>
+        <p:nvSpPr>
+          <p:cNvPr id="5" name="Content Placeholder 4"/>
+          <p:cNvSpPr>
+            <a:spLocks noGrp="1"/>
+          </p:cNvSpPr>
+          <p:nvPr>
+            <p:ph idx="1"/>
+          </p:nvPr>
+        </p:nvSpPr>
+        <p:spPr>
+          <a:xfrm>
+            <a:off x="677333" y="2160589"/>
+            <a:ext cx="9424610" cy="4505387"/>
+          </a:xfrm>
+        </p:spPr>
+        <p:txBody>
+          <a:bodyPr>
+            <a:normAutofit fontScale="92500" lnSpcReduction="10000"/>
+          </a:bodyPr>
+          <a:lstStyle/>
+          <a:p>
+            <a:r>
+              <a:rPr lang="en-US" dirty="0"/>
+              <a:t>Declare scalar variable for storing FirstName values</a:t>
+            </a:r>
+          </a:p>
+          <a:p>
+            <a:r>
+              <a:rPr lang="en-US" dirty="0"/>
+              <a:t>	Assign value 'Antonio' to the FirstName variable</a:t>
+            </a:r>
+          </a:p>
+          <a:p>
+            <a:r>
+              <a:rPr lang="en-US" dirty="0"/>
+              <a:t>	Find all Students having FirstName same as the variable</a:t>
+            </a:r>
+          </a:p>
+          <a:p>
+            <a:endParaRPr lang="en-US" dirty="0"/>
+          </a:p>
+          <a:p>
+            <a:r>
+              <a:rPr lang="en-US" dirty="0"/>
+              <a:t>Declare table variable @</a:t>
+            </a:r>
+            <a:r>
+              <a:rPr lang="en-US" dirty="0" err="1"/>
+              <a:t>StudentList</a:t>
+            </a:r>
+            <a:r>
+              <a:rPr lang="en-US" dirty="0"/>
+              <a:t> that will contain </a:t>
+            </a:r>
+            <a:r>
+              <a:rPr lang="en-US" dirty="0" err="1"/>
+              <a:t>StudentId</a:t>
+            </a:r>
+            <a:r>
+              <a:rPr lang="en-US" dirty="0"/>
+              <a:t>, FirstName and </a:t>
+            </a:r>
+            <a:r>
+              <a:rPr lang="en-US" dirty="0" err="1"/>
+              <a:t>DateOfBirth</a:t>
+            </a:r>
+            <a:endParaRPr lang="en-US" dirty="0"/>
+          </a:p>
+          <a:p>
+            <a:r>
+              <a:rPr lang="en-US" dirty="0"/>
+              <a:t>	Fill the table variable with all Female students</a:t>
+            </a:r>
+          </a:p>
+          <a:p>
+            <a:r>
+              <a:rPr lang="en-US" dirty="0"/>
+              <a:t>	List all Students from table variable</a:t>
+            </a:r>
+          </a:p>
+          <a:p>
+            <a:r>
+              <a:rPr lang="en-US" dirty="0"/>
+              <a:t>	List all Students from table variable younger than 1992-02-22</a:t>
+            </a:r>
+          </a:p>
+          <a:p>
+            <a:endParaRPr lang="en-US" dirty="0"/>
+          </a:p>
+          <a:p>
+            <a:r>
+              <a:rPr lang="en-US" dirty="0"/>
+              <a:t>Declare temp table #</a:t>
+            </a:r>
+            <a:r>
+              <a:rPr lang="en-US" dirty="0" err="1"/>
+              <a:t>StudentList</a:t>
+            </a:r>
+            <a:r>
+              <a:rPr lang="mk-MK" dirty="0"/>
+              <a:t> </a:t>
+            </a:r>
+            <a:r>
+              <a:rPr lang="en-US" dirty="0"/>
+              <a:t>that will contain </a:t>
+            </a:r>
+            <a:r>
+              <a:rPr lang="en-US" dirty="0" err="1"/>
+              <a:t>LastName</a:t>
+            </a:r>
+            <a:r>
+              <a:rPr lang="en-US" dirty="0"/>
+              <a:t> and </a:t>
+            </a:r>
+            <a:r>
+              <a:rPr lang="en-US" dirty="0" err="1"/>
+              <a:t>EnrolledDate</a:t>
+            </a:r>
+            <a:r>
+              <a:rPr lang="en-US" dirty="0"/>
+              <a:t> columns</a:t>
+            </a:r>
+          </a:p>
+          <a:p>
+            <a:r>
+              <a:rPr lang="en-US" dirty="0"/>
+              <a:t>	Fill the temp table with all Male students having First Name starting with ‘A’</a:t>
+            </a:r>
+          </a:p>
+          <a:p>
+            <a:r>
+              <a:rPr lang="en-US" dirty="0"/>
+              <a:t>	List all Students from temp table who have Last Name with length greater than 5</a:t>
+            </a:r>
+          </a:p>
+        </p:txBody>
+      </p:sp>
+    </p:spTree>
+    <p:extLst>
+      <p:ext uri="{BB962C8B-B14F-4D97-AF65-F5344CB8AC3E}">
+        <p14:creationId xmlns:p14="http://schemas.microsoft.com/office/powerpoint/2010/main" val="157966401"/>
+      </p:ext>
+    </p:extLst>
+  </p:cSld>
+  <p:clrMapOvr>
+    <a:masterClrMapping/>
+  </p:clrMapOvr>
+</p:sld>
+</file>
+
+<file path=ppt/slides/slide26.xml><?xml version="1.0" encoding="utf-8"?>
+<p:sld xmlns:a="http://schemas.openxmlformats.org/drawingml/2006/main" xmlns:r="http://schemas.openxmlformats.org/officeDocument/2006/relationships" xmlns:p="http://schemas.openxmlformats.org/presentationml/2006/main">
+  <p:cSld>
+    <p:spTree>
+      <p:nvGrpSpPr>
+        <p:cNvPr id="1" name=""/>
+        <p:cNvGrpSpPr/>
+        <p:nvPr/>
+      </p:nvGrpSpPr>
+      <p:grpSpPr>
+        <a:xfrm>
+          <a:off x="0" y="0"/>
+          <a:ext cx="0" cy="0"/>
+          <a:chOff x="0" y="0"/>
+          <a:chExt cx="0" cy="0"/>
+        </a:xfrm>
+      </p:grpSpPr>
+      <p:sp>
+        <p:nvSpPr>
           <p:cNvPr id="2" name="Title 1">
             <a:extLst>
               <a:ext uri="{FF2B5EF4-FFF2-40B4-BE49-F238E27FC236}">
-                <a16:creationId xmlns:a16="http://schemas.microsoft.com/office/drawing/2014/main" xmlns="" id="{0FF7738A-FD6F-49D4-B79B-FD3113CEF07C}"/>
+                <a16:creationId xmlns:a16="http://schemas.microsoft.com/office/drawing/2014/main" id="{FE5624F9-B711-4FC6-8E9F-742526A0CCC1}"/>
               </a:ext>
             </a:extLst>
           </p:cNvPr>
@@ -8696,13 +10752,8 @@
             </a:r>
             <a:r>
               <a:rPr lang="mk-MK" dirty="0"/>
-              <a:t> </a:t>
-            </a:r>
-            <a:r>
-              <a:rPr lang="en-US" dirty="0" smtClean="0"/>
-              <a:t>3/3</a:t>
-            </a:r>
-            <a:endParaRPr lang="mk-MK" dirty="0"/>
+              <a:t> 2/4</a:t>
+            </a:r>
           </a:p>
         </p:txBody>
       </p:sp>
@@ -8711,7 +10762,225 @@
           <p:cNvPr id="3" name="Content Placeholder 2">
             <a:extLst>
               <a:ext uri="{FF2B5EF4-FFF2-40B4-BE49-F238E27FC236}">
-                <a16:creationId xmlns:a16="http://schemas.microsoft.com/office/drawing/2014/main" xmlns="" id="{41722F95-08C4-464F-A600-DC9066329272}"/>
+                <a16:creationId xmlns:a16="http://schemas.microsoft.com/office/drawing/2014/main" id="{F419AFA7-0A3C-4606-9F32-1D2D20C9BD88}"/>
+              </a:ext>
+            </a:extLst>
+          </p:cNvPr>
+          <p:cNvSpPr>
+            <a:spLocks noGrp="1"/>
+          </p:cNvSpPr>
+          <p:nvPr>
+            <p:ph idx="1"/>
+          </p:nvPr>
+        </p:nvSpPr>
+        <p:spPr/>
+        <p:txBody>
+          <a:bodyPr/>
+          <a:lstStyle/>
+          <a:p>
+            <a:r>
+              <a:rPr lang="en-US" dirty="0"/>
+              <a:t>Calculate the count of all grades in the system</a:t>
+            </a:r>
+          </a:p>
+          <a:p>
+            <a:r>
+              <a:rPr lang="en-US" dirty="0"/>
+              <a:t>Calculate the count of all grades per Teacher in the system</a:t>
+            </a:r>
+          </a:p>
+          <a:p>
+            <a:r>
+              <a:rPr lang="en-US" dirty="0"/>
+              <a:t>Calculate the count of all grades per Teacher in the system for first 100 Students (ID &lt; 100)</a:t>
+            </a:r>
+          </a:p>
+          <a:p>
+            <a:r>
+              <a:rPr lang="en-US" dirty="0"/>
+              <a:t>Find the Maximal Grade, and the Average Grade per Student on all grades in the system</a:t>
+            </a:r>
+            <a:endParaRPr lang="mk-MK" dirty="0"/>
+          </a:p>
+        </p:txBody>
+      </p:sp>
+    </p:spTree>
+    <p:extLst>
+      <p:ext uri="{BB962C8B-B14F-4D97-AF65-F5344CB8AC3E}">
+        <p14:creationId xmlns:p14="http://schemas.microsoft.com/office/powerpoint/2010/main" val="3391648878"/>
+      </p:ext>
+    </p:extLst>
+  </p:cSld>
+  <p:clrMapOvr>
+    <a:masterClrMapping/>
+  </p:clrMapOvr>
+</p:sld>
+</file>
+
+<file path=ppt/slides/slide27.xml><?xml version="1.0" encoding="utf-8"?>
+<p:sld xmlns:a="http://schemas.openxmlformats.org/drawingml/2006/main" xmlns:r="http://schemas.openxmlformats.org/officeDocument/2006/relationships" xmlns:p="http://schemas.openxmlformats.org/presentationml/2006/main">
+  <p:cSld>
+    <p:spTree>
+      <p:nvGrpSpPr>
+        <p:cNvPr id="1" name=""/>
+        <p:cNvGrpSpPr/>
+        <p:nvPr/>
+      </p:nvGrpSpPr>
+      <p:grpSpPr>
+        <a:xfrm>
+          <a:off x="0" y="0"/>
+          <a:ext cx="0" cy="0"/>
+          <a:chOff x="0" y="0"/>
+          <a:chExt cx="0" cy="0"/>
+        </a:xfrm>
+      </p:grpSpPr>
+      <p:sp>
+        <p:nvSpPr>
+          <p:cNvPr id="2" name="Title 1">
+            <a:extLst>
+              <a:ext uri="{FF2B5EF4-FFF2-40B4-BE49-F238E27FC236}">
+                <a16:creationId xmlns:a16="http://schemas.microsoft.com/office/drawing/2014/main" id="{FE5624F9-B711-4FC6-8E9F-742526A0CCC1}"/>
+              </a:ext>
+            </a:extLst>
+          </p:cNvPr>
+          <p:cNvSpPr>
+            <a:spLocks noGrp="1"/>
+          </p:cNvSpPr>
+          <p:nvPr>
+            <p:ph type="title"/>
+          </p:nvPr>
+        </p:nvSpPr>
+        <p:spPr/>
+        <p:txBody>
+          <a:bodyPr/>
+          <a:lstStyle/>
+          <a:p>
+            <a:r>
+              <a:rPr lang="en-US" dirty="0"/>
+              <a:t>Homework requirement</a:t>
+            </a:r>
+            <a:r>
+              <a:rPr lang="mk-MK" dirty="0"/>
+              <a:t> 3/4</a:t>
+            </a:r>
+          </a:p>
+        </p:txBody>
+      </p:sp>
+      <p:sp>
+        <p:nvSpPr>
+          <p:cNvPr id="3" name="Content Placeholder 2">
+            <a:extLst>
+              <a:ext uri="{FF2B5EF4-FFF2-40B4-BE49-F238E27FC236}">
+                <a16:creationId xmlns:a16="http://schemas.microsoft.com/office/drawing/2014/main" id="{F419AFA7-0A3C-4606-9F32-1D2D20C9BD88}"/>
+              </a:ext>
+            </a:extLst>
+          </p:cNvPr>
+          <p:cNvSpPr>
+            <a:spLocks noGrp="1"/>
+          </p:cNvSpPr>
+          <p:nvPr>
+            <p:ph idx="1"/>
+          </p:nvPr>
+        </p:nvSpPr>
+        <p:spPr/>
+        <p:txBody>
+          <a:bodyPr/>
+          <a:lstStyle/>
+          <a:p>
+            <a:r>
+              <a:rPr lang="en-US" dirty="0"/>
+              <a:t>Calculate the count of all grades per Teacher in the system and filter only grade count greater then 200</a:t>
+            </a:r>
+          </a:p>
+          <a:p>
+            <a:r>
+              <a:rPr lang="en-US" dirty="0"/>
+              <a:t>Calculate the count of all grades per Teacher in the system for first 100 Students (ID &lt; 100) and filter teachers with more than 50 Grade count</a:t>
+            </a:r>
+          </a:p>
+          <a:p>
+            <a:r>
+              <a:rPr lang="en-US" dirty="0"/>
+              <a:t>Find the Grade Count, Maximal Grade, and the Average Grade per Student on all grades in the system. Filter only records where Maximal Grade is equal to Average Grade</a:t>
+            </a:r>
+          </a:p>
+          <a:p>
+            <a:r>
+              <a:rPr lang="en-US" dirty="0"/>
+              <a:t>List Student First Name and Last Name next to the other details from previous query</a:t>
+            </a:r>
+            <a:endParaRPr lang="mk-MK" dirty="0"/>
+          </a:p>
+        </p:txBody>
+      </p:sp>
+    </p:spTree>
+    <p:extLst>
+      <p:ext uri="{BB962C8B-B14F-4D97-AF65-F5344CB8AC3E}">
+        <p14:creationId xmlns:p14="http://schemas.microsoft.com/office/powerpoint/2010/main" val="3034517589"/>
+      </p:ext>
+    </p:extLst>
+  </p:cSld>
+  <p:clrMapOvr>
+    <a:masterClrMapping/>
+  </p:clrMapOvr>
+</p:sld>
+</file>
+
+<file path=ppt/slides/slide28.xml><?xml version="1.0" encoding="utf-8"?>
+<p:sld xmlns:a="http://schemas.openxmlformats.org/drawingml/2006/main" xmlns:r="http://schemas.openxmlformats.org/officeDocument/2006/relationships" xmlns:p="http://schemas.openxmlformats.org/presentationml/2006/main">
+  <p:cSld>
+    <p:spTree>
+      <p:nvGrpSpPr>
+        <p:cNvPr id="1" name=""/>
+        <p:cNvGrpSpPr/>
+        <p:nvPr/>
+      </p:nvGrpSpPr>
+      <p:grpSpPr>
+        <a:xfrm>
+          <a:off x="0" y="0"/>
+          <a:ext cx="0" cy="0"/>
+          <a:chOff x="0" y="0"/>
+          <a:chExt cx="0" cy="0"/>
+        </a:xfrm>
+      </p:grpSpPr>
+      <p:sp>
+        <p:nvSpPr>
+          <p:cNvPr id="2" name="Title 1">
+            <a:extLst>
+              <a:ext uri="{FF2B5EF4-FFF2-40B4-BE49-F238E27FC236}">
+                <a16:creationId xmlns:a16="http://schemas.microsoft.com/office/drawing/2014/main" id="{0FF7738A-FD6F-49D4-B79B-FD3113CEF07C}"/>
+              </a:ext>
+            </a:extLst>
+          </p:cNvPr>
+          <p:cNvSpPr>
+            <a:spLocks noGrp="1"/>
+          </p:cNvSpPr>
+          <p:nvPr>
+            <p:ph type="title"/>
+          </p:nvPr>
+        </p:nvSpPr>
+        <p:spPr/>
+        <p:txBody>
+          <a:bodyPr/>
+          <a:lstStyle/>
+          <a:p>
+            <a:r>
+              <a:rPr lang="en-US" dirty="0"/>
+              <a:t>Homework requirement</a:t>
+            </a:r>
+            <a:r>
+              <a:rPr lang="mk-MK" dirty="0"/>
+              <a:t> 4/4</a:t>
+            </a:r>
+          </a:p>
+        </p:txBody>
+      </p:sp>
+      <p:sp>
+        <p:nvSpPr>
+          <p:cNvPr id="3" name="Content Placeholder 2">
+            <a:extLst>
+              <a:ext uri="{FF2B5EF4-FFF2-40B4-BE49-F238E27FC236}">
+                <a16:creationId xmlns:a16="http://schemas.microsoft.com/office/drawing/2014/main" id="{41722F95-08C4-464F-A600-DC9066329272}"/>
               </a:ext>
             </a:extLst>
           </p:cNvPr>
@@ -8843,46 +11112,12 @@
         </p:nvSpPr>
         <p:spPr/>
         <p:txBody>
-          <a:bodyPr>
-            <a:normAutofit fontScale="90000"/>
-          </a:bodyPr>
+          <a:bodyPr/>
           <a:lstStyle/>
           <a:p>
             <a:r>
               <a:rPr lang="en-US" dirty="0" smtClean="0"/>
               <a:t>Homework discussion</a:t>
-            </a:r>
-            <a:br>
-              <a:rPr lang="en-US" dirty="0" smtClean="0"/>
-            </a:br>
-            <a:r>
-              <a:rPr lang="en-US" sz="2200" dirty="0" smtClean="0">
-                <a:solidFill>
-                  <a:schemeClr val="bg1">
-                    <a:lumMod val="75000"/>
-                  </a:schemeClr>
-                </a:solidFill>
-              </a:rPr>
-              <a:t> Session 1</a:t>
-            </a:r>
-            <a:br>
-              <a:rPr lang="en-US" sz="2200" dirty="0" smtClean="0">
-                <a:solidFill>
-                  <a:schemeClr val="bg1">
-                    <a:lumMod val="75000"/>
-                  </a:schemeClr>
-                </a:solidFill>
-              </a:rPr>
-            </a:br>
-            <a:r>
-              <a:rPr lang="en-US" sz="2200" dirty="0" smtClean="0">
-                <a:solidFill>
-                  <a:schemeClr val="bg1">
-                    <a:lumMod val="75000"/>
-                  </a:schemeClr>
-                </a:solidFill>
-              </a:rPr>
-              <a:t> Session 2</a:t>
             </a:r>
             <a:r>
               <a:rPr lang="en-US" dirty="0"/>
@@ -8949,42 +11184,7 @@
           <a:p>
             <a:r>
               <a:rPr lang="en-US" dirty="0" smtClean="0"/>
-              <a:t>Grouping functions</a:t>
-            </a:r>
-            <a:endParaRPr lang="en-US" dirty="0"/>
-          </a:p>
-        </p:txBody>
-      </p:sp>
-      <p:sp>
-        <p:nvSpPr>
-          <p:cNvPr id="2" name="Text Placeholder 1"/>
-          <p:cNvSpPr>
-            <a:spLocks noGrp="1"/>
-          </p:cNvSpPr>
-          <p:nvPr>
-            <p:ph type="body" idx="1"/>
-          </p:nvPr>
-        </p:nvSpPr>
-        <p:spPr/>
-        <p:txBody>
-          <a:bodyPr/>
-          <a:lstStyle/>
-          <a:p>
-            <a:r>
-              <a:rPr lang="en-US" dirty="0" smtClean="0"/>
-              <a:t>Min, Max, Sum, </a:t>
-            </a:r>
-            <a:r>
-              <a:rPr lang="en-US" dirty="0" err="1" smtClean="0"/>
-              <a:t>Avg</a:t>
-            </a:r>
-            <a:r>
-              <a:rPr lang="en-US" dirty="0" smtClean="0"/>
-              <a:t>, Count, </a:t>
-            </a:r>
-            <a:r>
-              <a:rPr lang="en-US" dirty="0" err="1" smtClean="0"/>
-              <a:t>String_agg</a:t>
+              <a:t>Built-In functions</a:t>
             </a:r>
             <a:endParaRPr lang="en-US" dirty="0"/>
           </a:p>
@@ -8993,7 +11193,7 @@
     </p:spTree>
     <p:extLst>
       <p:ext uri="{BB962C8B-B14F-4D97-AF65-F5344CB8AC3E}">
-        <p14:creationId xmlns:p14="http://schemas.microsoft.com/office/powerpoint/2010/main" val="2757019588"/>
+        <p14:creationId xmlns:p14="http://schemas.microsoft.com/office/powerpoint/2010/main" val="62803469"/>
       </p:ext>
     </p:extLst>
   </p:cSld>
@@ -9043,8 +11243,12 @@
           <a:lstStyle/>
           <a:p>
             <a:r>
+              <a:rPr lang="en-US" dirty="0"/>
+              <a:t>Built-In </a:t>
+            </a:r>
+            <a:r>
               <a:rPr lang="en-US" dirty="0" smtClean="0"/>
-              <a:t>Grouping functions</a:t>
+              <a:t>functions - Declarations</a:t>
             </a:r>
             <a:endParaRPr lang="en-US" dirty="0"/>
           </a:p>
@@ -9060,85 +11264,73 @@
             <p:ph idx="1"/>
           </p:nvPr>
         </p:nvSpPr>
-        <p:spPr/>
+        <p:spPr>
+          <a:xfrm>
+            <a:off x="677334" y="1520509"/>
+            <a:ext cx="8596668" cy="3880773"/>
+          </a:xfrm>
+        </p:spPr>
         <p:txBody>
           <a:bodyPr/>
           <a:lstStyle/>
           <a:p>
             <a:r>
-              <a:rPr lang="en-US" dirty="0"/>
-              <a:t>With grouped queries, you can arrange the rows you’re querying in groups and apply </a:t>
-            </a:r>
-            <a:r>
               <a:rPr lang="en-US" dirty="0" smtClean="0"/>
-              <a:t>data analysis </a:t>
-            </a:r>
-            <a:r>
-              <a:rPr lang="en-US" dirty="0"/>
-              <a:t>computations like aggregate functions against those groups. </a:t>
-            </a:r>
+              <a:t>Scalar variable</a:t>
+            </a:r>
+          </a:p>
+          <a:p>
+            <a:endParaRPr lang="en-US" dirty="0"/>
+          </a:p>
+          <a:p>
             <a:endParaRPr lang="en-US" dirty="0" smtClean="0"/>
           </a:p>
           <a:p>
             <a:r>
               <a:rPr lang="en-US" dirty="0" smtClean="0"/>
-              <a:t>A </a:t>
-            </a:r>
-            <a:r>
-              <a:rPr lang="en-US" dirty="0"/>
-              <a:t>query becomes </a:t>
-            </a:r>
+              <a:t>Table variable</a:t>
+            </a:r>
+          </a:p>
+          <a:p>
+            <a:endParaRPr lang="en-GB" dirty="0"/>
+          </a:p>
+          <a:p>
+            <a:endParaRPr lang="en-GB" dirty="0" smtClean="0"/>
+          </a:p>
+          <a:p>
+            <a:endParaRPr lang="en-GB" dirty="0"/>
+          </a:p>
+          <a:p>
+            <a:endParaRPr lang="en-US" dirty="0" smtClean="0"/>
+          </a:p>
+          <a:p>
             <a:r>
               <a:rPr lang="en-US" dirty="0" smtClean="0"/>
-              <a:t>a grouped </a:t>
-            </a:r>
-            <a:r>
-              <a:rPr lang="en-US" dirty="0"/>
-              <a:t>query when you use a group function, a GROUP BY clause, or both</a:t>
-            </a:r>
-            <a:r>
-              <a:rPr lang="en-US" dirty="0" smtClean="0"/>
-              <a:t>.</a:t>
-            </a:r>
-          </a:p>
-          <a:p>
-            <a:r>
-              <a:rPr lang="en-US" dirty="0"/>
-              <a:t>A query that invokes a group function but doesn’t have an explicit GROUP BY clause </a:t>
-            </a:r>
-            <a:r>
-              <a:rPr lang="en-US" dirty="0" smtClean="0"/>
-              <a:t>arranges all </a:t>
-            </a:r>
-            <a:r>
-              <a:rPr lang="en-US" dirty="0"/>
-              <a:t>rows in one group. Consider the following query as an </a:t>
-            </a:r>
-            <a:r>
-              <a:rPr lang="en-US" dirty="0" smtClean="0"/>
-              <a:t>example:</a:t>
-            </a:r>
-            <a:endParaRPr lang="en-US" dirty="0"/>
-          </a:p>
-        </p:txBody>
-      </p:sp>
-      <p:sp>
-        <p:nvSpPr>
-          <p:cNvPr id="4" name="Rectangle 3"/>
+              <a:t>Temp table</a:t>
+            </a:r>
+          </a:p>
+          <a:p>
+            <a:endParaRPr lang="en-US" dirty="0"/>
+          </a:p>
+        </p:txBody>
+      </p:sp>
+      <p:sp>
+        <p:nvSpPr>
+          <p:cNvPr id="5" name="Rectangle 4"/>
           <p:cNvSpPr/>
           <p:nvPr/>
         </p:nvSpPr>
         <p:spPr>
           <a:xfrm>
-            <a:off x="1008888" y="4810405"/>
-            <a:ext cx="6096000" cy="1754326"/>
+            <a:off x="1074228" y="2998554"/>
+            <a:ext cx="8714232" cy="1477328"/>
           </a:xfrm>
           <a:prstGeom prst="rect">
             <a:avLst/>
           </a:prstGeom>
         </p:spPr>
         <p:txBody>
-          <a:bodyPr>
+          <a:bodyPr wrap="square">
             <a:spAutoFit/>
           </a:bodyPr>
           <a:lstStyle/>
@@ -9150,7 +11342,25 @@
                 </a:solidFill>
                 <a:latin typeface="Consolas" panose="020B0609020204030204" pitchFamily="49" charset="0"/>
               </a:rPr>
-              <a:t>SELECT</a:t>
+              <a:t>DECLARE</a:t>
+            </a:r>
+            <a:r>
+              <a:rPr lang="en-US" dirty="0">
+                <a:solidFill>
+                  <a:srgbClr val="000000"/>
+                </a:solidFill>
+                <a:latin typeface="Consolas" panose="020B0609020204030204" pitchFamily="49" charset="0"/>
+              </a:rPr>
+              <a:t> @</a:t>
+            </a:r>
+            <a:r>
+              <a:rPr lang="en-US" dirty="0" err="1">
+                <a:solidFill>
+                  <a:srgbClr val="000000"/>
+                </a:solidFill>
+                <a:latin typeface="Consolas" panose="020B0609020204030204" pitchFamily="49" charset="0"/>
+              </a:rPr>
+              <a:t>EmployeeList</a:t>
             </a:r>
             <a:r>
               <a:rPr lang="en-US" dirty="0">
@@ -9164,12 +11374,20 @@
             <a:r>
               <a:rPr lang="en-US" dirty="0">
                 <a:solidFill>
-                  <a:srgbClr val="FF00FF"/>
-                </a:solidFill>
-                <a:latin typeface="Consolas" panose="020B0609020204030204" pitchFamily="49" charset="0"/>
-              </a:rPr>
-              <a:t>COUNT</a:t>
-            </a:r>
+                  <a:srgbClr val="0000FF"/>
+                </a:solidFill>
+                <a:latin typeface="Consolas" panose="020B0609020204030204" pitchFamily="49" charset="0"/>
+              </a:rPr>
+              <a:t>TABLE </a:t>
+            </a:r>
+            <a:endParaRPr lang="en-US" dirty="0" smtClean="0">
+              <a:solidFill>
+                <a:srgbClr val="0000FF"/>
+              </a:solidFill>
+              <a:latin typeface="Consolas" panose="020B0609020204030204" pitchFamily="49" charset="0"/>
+            </a:endParaRPr>
+          </a:p>
+          <a:p>
             <a:r>
               <a:rPr lang="en-US" dirty="0" smtClean="0">
                 <a:solidFill>
@@ -9177,39 +11395,109 @@
                 </a:solidFill>
                 <a:latin typeface="Consolas" panose="020B0609020204030204" pitchFamily="49" charset="0"/>
               </a:rPr>
-              <a:t>(*) </a:t>
-            </a:r>
-            <a:r>
-              <a:rPr lang="en-US" dirty="0">
+              <a:t>(</a:t>
+            </a:r>
+            <a:r>
+              <a:rPr lang="en-US" dirty="0" err="1">
+                <a:solidFill>
+                  <a:srgbClr val="000000"/>
+                </a:solidFill>
+                <a:latin typeface="Consolas" panose="020B0609020204030204" pitchFamily="49" charset="0"/>
+              </a:rPr>
+              <a:t>EmployeeId</a:t>
+            </a:r>
+            <a:r>
+              <a:rPr lang="en-US" dirty="0">
+                <a:solidFill>
+                  <a:srgbClr val="000000"/>
+                </a:solidFill>
+                <a:latin typeface="Consolas" panose="020B0609020204030204" pitchFamily="49" charset="0"/>
+              </a:rPr>
+              <a:t> </a:t>
+            </a:r>
+            <a:r>
+              <a:rPr lang="en-US" dirty="0" err="1">
                 <a:solidFill>
                   <a:srgbClr val="0000FF"/>
                 </a:solidFill>
                 <a:latin typeface="Consolas" panose="020B0609020204030204" pitchFamily="49" charset="0"/>
               </a:rPr>
-              <a:t>as</a:t>
-            </a:r>
-            <a:r>
-              <a:rPr lang="en-US" dirty="0">
-                <a:solidFill>
-                  <a:srgbClr val="000000"/>
-                </a:solidFill>
-                <a:latin typeface="Consolas" panose="020B0609020204030204" pitchFamily="49" charset="0"/>
-              </a:rPr>
-              <a:t> Total</a:t>
-            </a:r>
-          </a:p>
-          <a:p>
-            <a:r>
-              <a:rPr lang="en-US" dirty="0" smtClean="0">
+              <a:t>int</a:t>
+            </a:r>
+            <a:r>
+              <a:rPr lang="en-US" dirty="0">
+                <a:solidFill>
+                  <a:srgbClr val="808080"/>
+                </a:solidFill>
+                <a:latin typeface="Consolas" panose="020B0609020204030204" pitchFamily="49" charset="0"/>
+              </a:rPr>
+              <a:t>,</a:t>
+            </a:r>
+            <a:r>
+              <a:rPr lang="en-US" dirty="0">
+                <a:solidFill>
+                  <a:srgbClr val="000000"/>
+                </a:solidFill>
+                <a:latin typeface="Consolas" panose="020B0609020204030204" pitchFamily="49" charset="0"/>
+              </a:rPr>
+              <a:t> </a:t>
+            </a:r>
+            <a:r>
+              <a:rPr lang="en-US" dirty="0" err="1">
+                <a:solidFill>
+                  <a:srgbClr val="000000"/>
+                </a:solidFill>
+                <a:latin typeface="Consolas" panose="020B0609020204030204" pitchFamily="49" charset="0"/>
+              </a:rPr>
+              <a:t>FirstName</a:t>
+            </a:r>
+            <a:r>
+              <a:rPr lang="en-US" dirty="0">
+                <a:solidFill>
+                  <a:srgbClr val="000000"/>
+                </a:solidFill>
+                <a:latin typeface="Consolas" panose="020B0609020204030204" pitchFamily="49" charset="0"/>
+              </a:rPr>
+              <a:t> </a:t>
+            </a:r>
+            <a:r>
+              <a:rPr lang="en-US" dirty="0">
                 <a:solidFill>
                   <a:srgbClr val="0000FF"/>
                 </a:solidFill>
                 <a:latin typeface="Consolas" panose="020B0609020204030204" pitchFamily="49" charset="0"/>
               </a:rPr>
-              <a:t>FROM</a:t>
-            </a:r>
-            <a:r>
-              <a:rPr lang="en-US" dirty="0" smtClean="0">
+              <a:t>NVARCHAR</a:t>
+            </a:r>
+            <a:r>
+              <a:rPr lang="en-US" dirty="0">
+                <a:solidFill>
+                  <a:srgbClr val="808080"/>
+                </a:solidFill>
+                <a:latin typeface="Consolas" panose="020B0609020204030204" pitchFamily="49" charset="0"/>
+              </a:rPr>
+              <a:t>(</a:t>
+            </a:r>
+            <a:r>
+              <a:rPr lang="en-US" dirty="0">
+                <a:solidFill>
+                  <a:srgbClr val="000000"/>
+                </a:solidFill>
+                <a:latin typeface="Consolas" panose="020B0609020204030204" pitchFamily="49" charset="0"/>
+              </a:rPr>
+              <a:t>100</a:t>
+            </a:r>
+            <a:r>
+              <a:rPr lang="en-US" dirty="0">
+                <a:solidFill>
+                  <a:srgbClr val="808080"/>
+                </a:solidFill>
+                <a:latin typeface="Consolas" panose="020B0609020204030204" pitchFamily="49" charset="0"/>
+              </a:rPr>
+              <a:t>),</a:t>
+            </a:r>
+            <a:r>
+              <a:rPr lang="en-US" dirty="0">
                 <a:solidFill>
                   <a:srgbClr val="000000"/>
                 </a:solidFill>
@@ -9224,25 +11512,52 @@
                 </a:solidFill>
                 <a:latin typeface="Consolas" panose="020B0609020204030204" pitchFamily="49" charset="0"/>
               </a:rPr>
-              <a:t>dbo</a:t>
-            </a:r>
-            <a:r>
-              <a:rPr lang="en-US" dirty="0" err="1">
+              <a:t>LastName</a:t>
+            </a:r>
+            <a:r>
+              <a:rPr lang="en-US" dirty="0">
+                <a:solidFill>
+                  <a:srgbClr val="000000"/>
+                </a:solidFill>
+                <a:latin typeface="Consolas" panose="020B0609020204030204" pitchFamily="49" charset="0"/>
+              </a:rPr>
+              <a:t> </a:t>
+            </a:r>
+            <a:r>
+              <a:rPr lang="en-US" dirty="0">
+                <a:solidFill>
+                  <a:srgbClr val="0000FF"/>
+                </a:solidFill>
+                <a:latin typeface="Consolas" panose="020B0609020204030204" pitchFamily="49" charset="0"/>
+              </a:rPr>
+              <a:t>NVARCHAR</a:t>
+            </a:r>
+            <a:r>
+              <a:rPr lang="en-US" dirty="0">
                 <a:solidFill>
                   <a:srgbClr val="808080"/>
                 </a:solidFill>
                 <a:latin typeface="Consolas" panose="020B0609020204030204" pitchFamily="49" charset="0"/>
               </a:rPr>
-              <a:t>.</a:t>
-            </a:r>
-            <a:r>
-              <a:rPr lang="en-US" dirty="0" err="1">
-                <a:solidFill>
-                  <a:srgbClr val="000000"/>
-                </a:solidFill>
-                <a:latin typeface="Consolas" panose="020B0609020204030204" pitchFamily="49" charset="0"/>
-              </a:rPr>
-              <a:t>Employee</a:t>
+              <a:t>(</a:t>
+            </a:r>
+            <a:r>
+              <a:rPr lang="en-US" dirty="0">
+                <a:solidFill>
+                  <a:srgbClr val="000000"/>
+                </a:solidFill>
+                <a:latin typeface="Consolas" panose="020B0609020204030204" pitchFamily="49" charset="0"/>
+              </a:rPr>
+              <a:t>100</a:t>
+            </a:r>
+            <a:r>
+              <a:rPr lang="en-US" dirty="0">
+                <a:solidFill>
+                  <a:srgbClr val="808080"/>
+                </a:solidFill>
+                <a:latin typeface="Consolas" panose="020B0609020204030204" pitchFamily="49" charset="0"/>
+              </a:rPr>
+              <a:t>));</a:t>
             </a:r>
             <a:endParaRPr lang="en-US" dirty="0">
               <a:solidFill>
@@ -9267,25 +11582,7 @@
                 </a:solidFill>
                 <a:latin typeface="Consolas" panose="020B0609020204030204" pitchFamily="49" charset="0"/>
               </a:rPr>
-              <a:t>SELECT</a:t>
-            </a:r>
-            <a:r>
-              <a:rPr lang="en-US" dirty="0">
-                <a:solidFill>
-                  <a:srgbClr val="000000"/>
-                </a:solidFill>
-                <a:latin typeface="Consolas" panose="020B0609020204030204" pitchFamily="49" charset="0"/>
-              </a:rPr>
-              <a:t> Gender</a:t>
-            </a:r>
-            <a:r>
-              <a:rPr lang="en-US" dirty="0">
-                <a:solidFill>
-                  <a:srgbClr val="808080"/>
-                </a:solidFill>
-                <a:latin typeface="Consolas" panose="020B0609020204030204" pitchFamily="49" charset="0"/>
-              </a:rPr>
-              <a:t>,</a:t>
+              <a:t>INSERT</a:t>
             </a:r>
             <a:r>
               <a:rPr lang="en-US" dirty="0">
@@ -9299,67 +11596,20 @@
             <a:r>
               <a:rPr lang="en-US" dirty="0">
                 <a:solidFill>
-                  <a:srgbClr val="FF00FF"/>
-                </a:solidFill>
-                <a:latin typeface="Consolas" panose="020B0609020204030204" pitchFamily="49" charset="0"/>
-              </a:rPr>
-              <a:t>COUNT</a:t>
-            </a:r>
-            <a:r>
-              <a:rPr lang="en-US" dirty="0">
-                <a:solidFill>
-                  <a:srgbClr val="808080"/>
-                </a:solidFill>
-                <a:latin typeface="Consolas" panose="020B0609020204030204" pitchFamily="49" charset="0"/>
-              </a:rPr>
-              <a:t>(*)</a:t>
-            </a:r>
-            <a:r>
-              <a:rPr lang="en-US" dirty="0">
-                <a:solidFill>
-                  <a:srgbClr val="000000"/>
-                </a:solidFill>
-                <a:latin typeface="Consolas" panose="020B0609020204030204" pitchFamily="49" charset="0"/>
-              </a:rPr>
-              <a:t> </a:t>
-            </a:r>
-            <a:r>
-              <a:rPr lang="en-US" dirty="0">
-                <a:solidFill>
                   <a:srgbClr val="0000FF"/>
                 </a:solidFill>
                 <a:latin typeface="Consolas" panose="020B0609020204030204" pitchFamily="49" charset="0"/>
               </a:rPr>
-              <a:t>as</a:t>
-            </a:r>
-            <a:r>
-              <a:rPr lang="en-US" dirty="0">
-                <a:solidFill>
-                  <a:srgbClr val="000000"/>
-                </a:solidFill>
-                <a:latin typeface="Consolas" panose="020B0609020204030204" pitchFamily="49" charset="0"/>
-              </a:rPr>
-              <a:t> Total</a:t>
-            </a:r>
-          </a:p>
-          <a:p>
-            <a:r>
-              <a:rPr lang="en-US" dirty="0">
-                <a:solidFill>
-                  <a:srgbClr val="0000FF"/>
-                </a:solidFill>
-                <a:latin typeface="Consolas" panose="020B0609020204030204" pitchFamily="49" charset="0"/>
-              </a:rPr>
-              <a:t>FROM</a:t>
-            </a:r>
-            <a:r>
-              <a:rPr lang="en-US" dirty="0">
-                <a:solidFill>
-                  <a:srgbClr val="000000"/>
-                </a:solidFill>
-                <a:latin typeface="Consolas" panose="020B0609020204030204" pitchFamily="49" charset="0"/>
-              </a:rPr>
-              <a:t> </a:t>
+              <a:t>INTO</a:t>
+            </a:r>
+            <a:r>
+              <a:rPr lang="en-US" dirty="0">
+                <a:solidFill>
+                  <a:srgbClr val="000000"/>
+                </a:solidFill>
+                <a:latin typeface="Consolas" panose="020B0609020204030204" pitchFamily="49" charset="0"/>
+              </a:rPr>
+              <a:t> @</a:t>
             </a:r>
             <a:r>
               <a:rPr lang="en-US" dirty="0" err="1">
@@ -9368,25 +11618,7 @@
                 </a:solidFill>
                 <a:latin typeface="Consolas" panose="020B0609020204030204" pitchFamily="49" charset="0"/>
               </a:rPr>
-              <a:t>dbo</a:t>
-            </a:r>
-            <a:r>
-              <a:rPr lang="en-US" dirty="0" err="1">
-                <a:solidFill>
-                  <a:srgbClr val="808080"/>
-                </a:solidFill>
-                <a:latin typeface="Consolas" panose="020B0609020204030204" pitchFamily="49" charset="0"/>
-              </a:rPr>
-              <a:t>.</a:t>
-            </a:r>
-            <a:r>
-              <a:rPr lang="en-US" dirty="0" err="1">
-                <a:solidFill>
-                  <a:srgbClr val="000000"/>
-                </a:solidFill>
-                <a:latin typeface="Consolas" panose="020B0609020204030204" pitchFamily="49" charset="0"/>
-              </a:rPr>
-              <a:t>Employee</a:t>
+              <a:t>EmployeeList</a:t>
             </a:r>
             <a:endParaRPr lang="en-US" dirty="0">
               <a:solidFill>
@@ -9403,7 +11635,25 @@
                 </a:solidFill>
                 <a:latin typeface="Consolas" panose="020B0609020204030204" pitchFamily="49" charset="0"/>
               </a:rPr>
-              <a:t>GROUP</a:t>
+              <a:t>SELECT</a:t>
+            </a:r>
+            <a:r>
+              <a:rPr lang="en-US" dirty="0">
+                <a:solidFill>
+                  <a:srgbClr val="000000"/>
+                </a:solidFill>
+                <a:latin typeface="Consolas" panose="020B0609020204030204" pitchFamily="49" charset="0"/>
+              </a:rPr>
+              <a:t> Id</a:t>
+            </a:r>
+            <a:r>
+              <a:rPr lang="en-US" dirty="0">
+                <a:solidFill>
+                  <a:srgbClr val="808080"/>
+                </a:solidFill>
+                <a:latin typeface="Consolas" panose="020B0609020204030204" pitchFamily="49" charset="0"/>
+              </a:rPr>
+              <a:t>,</a:t>
             </a:r>
             <a:r>
               <a:rPr lang="en-US" dirty="0">
@@ -9415,22 +11665,673 @@
               <a:t> </a:t>
             </a:r>
             <a:r>
+              <a:rPr lang="en-US" dirty="0" err="1">
+                <a:solidFill>
+                  <a:srgbClr val="000000"/>
+                </a:solidFill>
+                <a:latin typeface="Consolas" panose="020B0609020204030204" pitchFamily="49" charset="0"/>
+              </a:rPr>
+              <a:t>FirstName</a:t>
+            </a:r>
+            <a:r>
+              <a:rPr lang="en-US" dirty="0">
+                <a:solidFill>
+                  <a:srgbClr val="808080"/>
+                </a:solidFill>
+                <a:latin typeface="Consolas" panose="020B0609020204030204" pitchFamily="49" charset="0"/>
+              </a:rPr>
+              <a:t>,</a:t>
+            </a:r>
+            <a:r>
+              <a:rPr lang="en-US" dirty="0">
+                <a:solidFill>
+                  <a:srgbClr val="000000"/>
+                </a:solidFill>
+                <a:latin typeface="Consolas" panose="020B0609020204030204" pitchFamily="49" charset="0"/>
+              </a:rPr>
+              <a:t> </a:t>
+            </a:r>
+            <a:r>
+              <a:rPr lang="en-US" dirty="0" err="1">
+                <a:solidFill>
+                  <a:srgbClr val="000000"/>
+                </a:solidFill>
+                <a:latin typeface="Consolas" panose="020B0609020204030204" pitchFamily="49" charset="0"/>
+              </a:rPr>
+              <a:t>LastName</a:t>
+            </a:r>
+            <a:r>
+              <a:rPr lang="en-US" dirty="0">
+                <a:solidFill>
+                  <a:srgbClr val="000000"/>
+                </a:solidFill>
+                <a:latin typeface="Consolas" panose="020B0609020204030204" pitchFamily="49" charset="0"/>
+              </a:rPr>
+              <a:t> </a:t>
+            </a:r>
+            <a:r>
               <a:rPr lang="en-US" dirty="0">
                 <a:solidFill>
                   <a:srgbClr val="0000FF"/>
                 </a:solidFill>
                 <a:latin typeface="Consolas" panose="020B0609020204030204" pitchFamily="49" charset="0"/>
               </a:rPr>
-              <a:t>BY</a:t>
-            </a:r>
-            <a:r>
-              <a:rPr lang="en-US" dirty="0">
-                <a:solidFill>
-                  <a:srgbClr val="000000"/>
-                </a:solidFill>
-                <a:latin typeface="Consolas" panose="020B0609020204030204" pitchFamily="49" charset="0"/>
-              </a:rPr>
-              <a:t> Gender</a:t>
+              <a:t>from</a:t>
+            </a:r>
+            <a:r>
+              <a:rPr lang="en-US" dirty="0">
+                <a:solidFill>
+                  <a:srgbClr val="000000"/>
+                </a:solidFill>
+                <a:latin typeface="Consolas" panose="020B0609020204030204" pitchFamily="49" charset="0"/>
+              </a:rPr>
+              <a:t> </a:t>
+            </a:r>
+            <a:r>
+              <a:rPr lang="en-US" dirty="0" err="1">
+                <a:solidFill>
+                  <a:srgbClr val="000000"/>
+                </a:solidFill>
+                <a:latin typeface="Consolas" panose="020B0609020204030204" pitchFamily="49" charset="0"/>
+              </a:rPr>
+              <a:t>dbo</a:t>
+            </a:r>
+            <a:r>
+              <a:rPr lang="en-US" dirty="0" err="1">
+                <a:solidFill>
+                  <a:srgbClr val="808080"/>
+                </a:solidFill>
+                <a:latin typeface="Consolas" panose="020B0609020204030204" pitchFamily="49" charset="0"/>
+              </a:rPr>
+              <a:t>.</a:t>
+            </a:r>
+            <a:r>
+              <a:rPr lang="en-US" dirty="0" err="1">
+                <a:solidFill>
+                  <a:srgbClr val="000000"/>
+                </a:solidFill>
+                <a:latin typeface="Consolas" panose="020B0609020204030204" pitchFamily="49" charset="0"/>
+              </a:rPr>
+              <a:t>Employee</a:t>
+            </a:r>
+            <a:endParaRPr lang="en-US" dirty="0"/>
+          </a:p>
+        </p:txBody>
+      </p:sp>
+      <p:sp>
+        <p:nvSpPr>
+          <p:cNvPr id="6" name="Rectangle 5"/>
+          <p:cNvSpPr/>
+          <p:nvPr/>
+        </p:nvSpPr>
+        <p:spPr>
+          <a:xfrm>
+            <a:off x="1074228" y="5045853"/>
+            <a:ext cx="9057324" cy="1477328"/>
+          </a:xfrm>
+          <a:prstGeom prst="rect">
+            <a:avLst/>
+          </a:prstGeom>
+        </p:spPr>
+        <p:txBody>
+          <a:bodyPr wrap="square">
+            <a:spAutoFit/>
+          </a:bodyPr>
+          <a:lstStyle/>
+          <a:p>
+            <a:r>
+              <a:rPr lang="en-US" dirty="0">
+                <a:solidFill>
+                  <a:srgbClr val="0000FF"/>
+                </a:solidFill>
+                <a:latin typeface="Consolas" panose="020B0609020204030204" pitchFamily="49" charset="0"/>
+              </a:rPr>
+              <a:t>CREATE</a:t>
+            </a:r>
+            <a:r>
+              <a:rPr lang="en-US" dirty="0">
+                <a:solidFill>
+                  <a:srgbClr val="000000"/>
+                </a:solidFill>
+                <a:latin typeface="Consolas" panose="020B0609020204030204" pitchFamily="49" charset="0"/>
+              </a:rPr>
+              <a:t> </a:t>
+            </a:r>
+            <a:r>
+              <a:rPr lang="en-US" dirty="0">
+                <a:solidFill>
+                  <a:srgbClr val="0000FF"/>
+                </a:solidFill>
+                <a:latin typeface="Consolas" panose="020B0609020204030204" pitchFamily="49" charset="0"/>
+              </a:rPr>
+              <a:t>TABLE</a:t>
+            </a:r>
+            <a:r>
+              <a:rPr lang="en-US" dirty="0">
+                <a:solidFill>
+                  <a:srgbClr val="000000"/>
+                </a:solidFill>
+                <a:latin typeface="Consolas" panose="020B0609020204030204" pitchFamily="49" charset="0"/>
+              </a:rPr>
+              <a:t> #</a:t>
+            </a:r>
+            <a:r>
+              <a:rPr lang="en-US" dirty="0" err="1">
+                <a:solidFill>
+                  <a:srgbClr val="000000"/>
+                </a:solidFill>
+                <a:latin typeface="Consolas" panose="020B0609020204030204" pitchFamily="49" charset="0"/>
+              </a:rPr>
+              <a:t>EmployeeList</a:t>
+            </a:r>
+            <a:r>
+              <a:rPr lang="en-US" dirty="0">
+                <a:solidFill>
+                  <a:srgbClr val="0000FF"/>
+                </a:solidFill>
+                <a:latin typeface="Consolas" panose="020B0609020204030204" pitchFamily="49" charset="0"/>
+              </a:rPr>
+              <a:t> </a:t>
+            </a:r>
+            <a:endParaRPr lang="en-US" dirty="0" smtClean="0">
+              <a:solidFill>
+                <a:srgbClr val="0000FF"/>
+              </a:solidFill>
+              <a:latin typeface="Consolas" panose="020B0609020204030204" pitchFamily="49" charset="0"/>
+            </a:endParaRPr>
+          </a:p>
+          <a:p>
+            <a:r>
+              <a:rPr lang="en-US" dirty="0" smtClean="0">
+                <a:solidFill>
+                  <a:srgbClr val="808080"/>
+                </a:solidFill>
+                <a:latin typeface="Consolas" panose="020B0609020204030204" pitchFamily="49" charset="0"/>
+              </a:rPr>
+              <a:t>(</a:t>
+            </a:r>
+            <a:r>
+              <a:rPr lang="en-US" dirty="0" err="1">
+                <a:solidFill>
+                  <a:srgbClr val="000000"/>
+                </a:solidFill>
+                <a:latin typeface="Consolas" panose="020B0609020204030204" pitchFamily="49" charset="0"/>
+              </a:rPr>
+              <a:t>EmployeeId</a:t>
+            </a:r>
+            <a:r>
+              <a:rPr lang="en-US" dirty="0">
+                <a:solidFill>
+                  <a:srgbClr val="000000"/>
+                </a:solidFill>
+                <a:latin typeface="Consolas" panose="020B0609020204030204" pitchFamily="49" charset="0"/>
+              </a:rPr>
+              <a:t> </a:t>
+            </a:r>
+            <a:r>
+              <a:rPr lang="en-US" dirty="0" err="1">
+                <a:solidFill>
+                  <a:srgbClr val="0000FF"/>
+                </a:solidFill>
+                <a:latin typeface="Consolas" panose="020B0609020204030204" pitchFamily="49" charset="0"/>
+              </a:rPr>
+              <a:t>int</a:t>
+            </a:r>
+            <a:r>
+              <a:rPr lang="en-US" dirty="0">
+                <a:solidFill>
+                  <a:srgbClr val="808080"/>
+                </a:solidFill>
+                <a:latin typeface="Consolas" panose="020B0609020204030204" pitchFamily="49" charset="0"/>
+              </a:rPr>
+              <a:t>,</a:t>
+            </a:r>
+            <a:r>
+              <a:rPr lang="en-US" dirty="0">
+                <a:solidFill>
+                  <a:srgbClr val="000000"/>
+                </a:solidFill>
+                <a:latin typeface="Consolas" panose="020B0609020204030204" pitchFamily="49" charset="0"/>
+              </a:rPr>
+              <a:t> </a:t>
+            </a:r>
+            <a:r>
+              <a:rPr lang="en-US" dirty="0" err="1">
+                <a:solidFill>
+                  <a:srgbClr val="000000"/>
+                </a:solidFill>
+                <a:latin typeface="Consolas" panose="020B0609020204030204" pitchFamily="49" charset="0"/>
+              </a:rPr>
+              <a:t>FirstName</a:t>
+            </a:r>
+            <a:r>
+              <a:rPr lang="en-US" dirty="0">
+                <a:solidFill>
+                  <a:srgbClr val="000000"/>
+                </a:solidFill>
+                <a:latin typeface="Consolas" panose="020B0609020204030204" pitchFamily="49" charset="0"/>
+              </a:rPr>
+              <a:t> </a:t>
+            </a:r>
+            <a:r>
+              <a:rPr lang="en-US" dirty="0">
+                <a:solidFill>
+                  <a:srgbClr val="0000FF"/>
+                </a:solidFill>
+                <a:latin typeface="Consolas" panose="020B0609020204030204" pitchFamily="49" charset="0"/>
+              </a:rPr>
+              <a:t>NVARCHAR</a:t>
+            </a:r>
+            <a:r>
+              <a:rPr lang="en-US" dirty="0">
+                <a:solidFill>
+                  <a:srgbClr val="808080"/>
+                </a:solidFill>
+                <a:latin typeface="Consolas" panose="020B0609020204030204" pitchFamily="49" charset="0"/>
+              </a:rPr>
+              <a:t>(</a:t>
+            </a:r>
+            <a:r>
+              <a:rPr lang="en-US" dirty="0">
+                <a:solidFill>
+                  <a:srgbClr val="000000"/>
+                </a:solidFill>
+                <a:latin typeface="Consolas" panose="020B0609020204030204" pitchFamily="49" charset="0"/>
+              </a:rPr>
+              <a:t>100</a:t>
+            </a:r>
+            <a:r>
+              <a:rPr lang="en-US" dirty="0">
+                <a:solidFill>
+                  <a:srgbClr val="808080"/>
+                </a:solidFill>
+                <a:latin typeface="Consolas" panose="020B0609020204030204" pitchFamily="49" charset="0"/>
+              </a:rPr>
+              <a:t>),</a:t>
+            </a:r>
+            <a:r>
+              <a:rPr lang="en-US" dirty="0">
+                <a:solidFill>
+                  <a:srgbClr val="000000"/>
+                </a:solidFill>
+                <a:latin typeface="Consolas" panose="020B0609020204030204" pitchFamily="49" charset="0"/>
+              </a:rPr>
+              <a:t> </a:t>
+            </a:r>
+            <a:r>
+              <a:rPr lang="en-US" dirty="0" err="1">
+                <a:solidFill>
+                  <a:srgbClr val="000000"/>
+                </a:solidFill>
+                <a:latin typeface="Consolas" panose="020B0609020204030204" pitchFamily="49" charset="0"/>
+              </a:rPr>
+              <a:t>LastName</a:t>
+            </a:r>
+            <a:r>
+              <a:rPr lang="en-US" dirty="0">
+                <a:solidFill>
+                  <a:srgbClr val="000000"/>
+                </a:solidFill>
+                <a:latin typeface="Consolas" panose="020B0609020204030204" pitchFamily="49" charset="0"/>
+              </a:rPr>
+              <a:t> </a:t>
+            </a:r>
+            <a:r>
+              <a:rPr lang="en-US" dirty="0">
+                <a:solidFill>
+                  <a:srgbClr val="0000FF"/>
+                </a:solidFill>
+                <a:latin typeface="Consolas" panose="020B0609020204030204" pitchFamily="49" charset="0"/>
+              </a:rPr>
+              <a:t>NVARCHAR</a:t>
+            </a:r>
+            <a:r>
+              <a:rPr lang="en-US" dirty="0">
+                <a:solidFill>
+                  <a:srgbClr val="808080"/>
+                </a:solidFill>
+                <a:latin typeface="Consolas" panose="020B0609020204030204" pitchFamily="49" charset="0"/>
+              </a:rPr>
+              <a:t>(</a:t>
+            </a:r>
+            <a:r>
+              <a:rPr lang="en-US" dirty="0">
+                <a:solidFill>
+                  <a:srgbClr val="000000"/>
+                </a:solidFill>
+                <a:latin typeface="Consolas" panose="020B0609020204030204" pitchFamily="49" charset="0"/>
+              </a:rPr>
+              <a:t>100</a:t>
+            </a:r>
+            <a:r>
+              <a:rPr lang="en-US" dirty="0" smtClean="0">
+                <a:solidFill>
+                  <a:srgbClr val="808080"/>
+                </a:solidFill>
+                <a:latin typeface="Consolas" panose="020B0609020204030204" pitchFamily="49" charset="0"/>
+              </a:rPr>
+              <a:t>));</a:t>
+            </a:r>
+          </a:p>
+          <a:p>
+            <a:endParaRPr lang="en-US" dirty="0">
+              <a:solidFill>
+                <a:srgbClr val="000000"/>
+              </a:solidFill>
+              <a:latin typeface="Consolas" panose="020B0609020204030204" pitchFamily="49" charset="0"/>
+            </a:endParaRPr>
+          </a:p>
+          <a:p>
+            <a:r>
+              <a:rPr lang="en-US" dirty="0">
+                <a:solidFill>
+                  <a:srgbClr val="0000FF"/>
+                </a:solidFill>
+                <a:latin typeface="Consolas" panose="020B0609020204030204" pitchFamily="49" charset="0"/>
+              </a:rPr>
+              <a:t>INSERT</a:t>
+            </a:r>
+            <a:r>
+              <a:rPr lang="en-US" dirty="0">
+                <a:solidFill>
+                  <a:srgbClr val="000000"/>
+                </a:solidFill>
+                <a:latin typeface="Consolas" panose="020B0609020204030204" pitchFamily="49" charset="0"/>
+              </a:rPr>
+              <a:t> </a:t>
+            </a:r>
+            <a:r>
+              <a:rPr lang="en-US" dirty="0">
+                <a:solidFill>
+                  <a:srgbClr val="0000FF"/>
+                </a:solidFill>
+                <a:latin typeface="Consolas" panose="020B0609020204030204" pitchFamily="49" charset="0"/>
+              </a:rPr>
+              <a:t>INTO</a:t>
+            </a:r>
+            <a:r>
+              <a:rPr lang="en-US" dirty="0">
+                <a:solidFill>
+                  <a:srgbClr val="000000"/>
+                </a:solidFill>
+                <a:latin typeface="Consolas" panose="020B0609020204030204" pitchFamily="49" charset="0"/>
+              </a:rPr>
+              <a:t> #</a:t>
+            </a:r>
+            <a:r>
+              <a:rPr lang="en-US" dirty="0" err="1">
+                <a:solidFill>
+                  <a:srgbClr val="000000"/>
+                </a:solidFill>
+                <a:latin typeface="Consolas" panose="020B0609020204030204" pitchFamily="49" charset="0"/>
+              </a:rPr>
+              <a:t>EmployeeList</a:t>
+            </a:r>
+            <a:endParaRPr lang="en-US" dirty="0">
+              <a:solidFill>
+                <a:srgbClr val="000000"/>
+              </a:solidFill>
+              <a:latin typeface="Consolas" panose="020B0609020204030204" pitchFamily="49" charset="0"/>
+            </a:endParaRPr>
+          </a:p>
+          <a:p>
+            <a:r>
+              <a:rPr lang="en-US" dirty="0">
+                <a:solidFill>
+                  <a:srgbClr val="0000FF"/>
+                </a:solidFill>
+                <a:latin typeface="Consolas" panose="020B0609020204030204" pitchFamily="49" charset="0"/>
+              </a:rPr>
+              <a:t>SELECT</a:t>
+            </a:r>
+            <a:r>
+              <a:rPr lang="en-US" dirty="0">
+                <a:solidFill>
+                  <a:srgbClr val="000000"/>
+                </a:solidFill>
+                <a:latin typeface="Consolas" panose="020B0609020204030204" pitchFamily="49" charset="0"/>
+              </a:rPr>
+              <a:t> Id</a:t>
+            </a:r>
+            <a:r>
+              <a:rPr lang="en-US" dirty="0">
+                <a:solidFill>
+                  <a:srgbClr val="808080"/>
+                </a:solidFill>
+                <a:latin typeface="Consolas" panose="020B0609020204030204" pitchFamily="49" charset="0"/>
+              </a:rPr>
+              <a:t>,</a:t>
+            </a:r>
+            <a:r>
+              <a:rPr lang="en-US" dirty="0">
+                <a:solidFill>
+                  <a:srgbClr val="000000"/>
+                </a:solidFill>
+                <a:latin typeface="Consolas" panose="020B0609020204030204" pitchFamily="49" charset="0"/>
+              </a:rPr>
+              <a:t> </a:t>
+            </a:r>
+            <a:r>
+              <a:rPr lang="en-US" dirty="0" err="1">
+                <a:solidFill>
+                  <a:srgbClr val="000000"/>
+                </a:solidFill>
+                <a:latin typeface="Consolas" panose="020B0609020204030204" pitchFamily="49" charset="0"/>
+              </a:rPr>
+              <a:t>FirstName</a:t>
+            </a:r>
+            <a:r>
+              <a:rPr lang="en-US" dirty="0">
+                <a:solidFill>
+                  <a:srgbClr val="808080"/>
+                </a:solidFill>
+                <a:latin typeface="Consolas" panose="020B0609020204030204" pitchFamily="49" charset="0"/>
+              </a:rPr>
+              <a:t>,</a:t>
+            </a:r>
+            <a:r>
+              <a:rPr lang="en-US" dirty="0">
+                <a:solidFill>
+                  <a:srgbClr val="000000"/>
+                </a:solidFill>
+                <a:latin typeface="Consolas" panose="020B0609020204030204" pitchFamily="49" charset="0"/>
+              </a:rPr>
+              <a:t> </a:t>
+            </a:r>
+            <a:r>
+              <a:rPr lang="en-US" dirty="0" err="1">
+                <a:solidFill>
+                  <a:srgbClr val="000000"/>
+                </a:solidFill>
+                <a:latin typeface="Consolas" panose="020B0609020204030204" pitchFamily="49" charset="0"/>
+              </a:rPr>
+              <a:t>LastName</a:t>
+            </a:r>
+            <a:r>
+              <a:rPr lang="en-US" dirty="0">
+                <a:solidFill>
+                  <a:srgbClr val="000000"/>
+                </a:solidFill>
+                <a:latin typeface="Consolas" panose="020B0609020204030204" pitchFamily="49" charset="0"/>
+              </a:rPr>
+              <a:t> </a:t>
+            </a:r>
+            <a:r>
+              <a:rPr lang="en-US" dirty="0">
+                <a:solidFill>
+                  <a:srgbClr val="0000FF"/>
+                </a:solidFill>
+                <a:latin typeface="Consolas" panose="020B0609020204030204" pitchFamily="49" charset="0"/>
+              </a:rPr>
+              <a:t>from</a:t>
+            </a:r>
+            <a:r>
+              <a:rPr lang="en-US" dirty="0">
+                <a:solidFill>
+                  <a:srgbClr val="000000"/>
+                </a:solidFill>
+                <a:latin typeface="Consolas" panose="020B0609020204030204" pitchFamily="49" charset="0"/>
+              </a:rPr>
+              <a:t> </a:t>
+            </a:r>
+            <a:r>
+              <a:rPr lang="en-US" dirty="0" err="1">
+                <a:solidFill>
+                  <a:srgbClr val="000000"/>
+                </a:solidFill>
+                <a:latin typeface="Consolas" panose="020B0609020204030204" pitchFamily="49" charset="0"/>
+              </a:rPr>
+              <a:t>dbo</a:t>
+            </a:r>
+            <a:r>
+              <a:rPr lang="en-US" dirty="0" err="1">
+                <a:solidFill>
+                  <a:srgbClr val="808080"/>
+                </a:solidFill>
+                <a:latin typeface="Consolas" panose="020B0609020204030204" pitchFamily="49" charset="0"/>
+              </a:rPr>
+              <a:t>.</a:t>
+            </a:r>
+            <a:r>
+              <a:rPr lang="en-US" dirty="0" err="1">
+                <a:solidFill>
+                  <a:srgbClr val="000000"/>
+                </a:solidFill>
+                <a:latin typeface="Consolas" panose="020B0609020204030204" pitchFamily="49" charset="0"/>
+              </a:rPr>
+              <a:t>Employee</a:t>
+            </a:r>
+            <a:endParaRPr lang="en-US" dirty="0"/>
+          </a:p>
+        </p:txBody>
+      </p:sp>
+      <p:sp>
+        <p:nvSpPr>
+          <p:cNvPr id="7" name="Rectangle 6"/>
+          <p:cNvSpPr/>
+          <p:nvPr/>
+        </p:nvSpPr>
+        <p:spPr>
+          <a:xfrm>
+            <a:off x="1074228" y="1845018"/>
+            <a:ext cx="6096000" cy="646331"/>
+          </a:xfrm>
+          <a:prstGeom prst="rect">
+            <a:avLst/>
+          </a:prstGeom>
+        </p:spPr>
+        <p:txBody>
+          <a:bodyPr>
+            <a:spAutoFit/>
+          </a:bodyPr>
+          <a:lstStyle/>
+          <a:p>
+            <a:r>
+              <a:rPr lang="en-US" dirty="0">
+                <a:solidFill>
+                  <a:srgbClr val="0000FF"/>
+                </a:solidFill>
+                <a:latin typeface="Consolas" panose="020B0609020204030204" pitchFamily="49" charset="0"/>
+              </a:rPr>
+              <a:t>DECLARE</a:t>
+            </a:r>
+            <a:r>
+              <a:rPr lang="en-US" dirty="0">
+                <a:solidFill>
+                  <a:srgbClr val="000000"/>
+                </a:solidFill>
+                <a:latin typeface="Consolas" panose="020B0609020204030204" pitchFamily="49" charset="0"/>
+              </a:rPr>
+              <a:t> @</a:t>
+            </a:r>
+            <a:r>
+              <a:rPr lang="en-US" dirty="0" err="1">
+                <a:solidFill>
+                  <a:srgbClr val="000000"/>
+                </a:solidFill>
+                <a:latin typeface="Consolas" panose="020B0609020204030204" pitchFamily="49" charset="0"/>
+              </a:rPr>
+              <a:t>EmployeeId</a:t>
+            </a:r>
+            <a:r>
+              <a:rPr lang="en-US" dirty="0">
+                <a:solidFill>
+                  <a:srgbClr val="000000"/>
+                </a:solidFill>
+                <a:latin typeface="Consolas" panose="020B0609020204030204" pitchFamily="49" charset="0"/>
+              </a:rPr>
+              <a:t> </a:t>
+            </a:r>
+            <a:r>
+              <a:rPr lang="en-US" dirty="0">
+                <a:solidFill>
+                  <a:srgbClr val="0000FF"/>
+                </a:solidFill>
+                <a:latin typeface="Consolas" panose="020B0609020204030204" pitchFamily="49" charset="0"/>
+              </a:rPr>
+              <a:t>INT</a:t>
+            </a:r>
+            <a:endParaRPr lang="en-US" dirty="0">
+              <a:solidFill>
+                <a:srgbClr val="000000"/>
+              </a:solidFill>
+              <a:latin typeface="Consolas" panose="020B0609020204030204" pitchFamily="49" charset="0"/>
+            </a:endParaRPr>
+          </a:p>
+          <a:p>
+            <a:r>
+              <a:rPr lang="en-US" dirty="0">
+                <a:solidFill>
+                  <a:srgbClr val="0000FF"/>
+                </a:solidFill>
+                <a:latin typeface="Consolas" panose="020B0609020204030204" pitchFamily="49" charset="0"/>
+              </a:rPr>
+              <a:t>SET</a:t>
+            </a:r>
+            <a:r>
+              <a:rPr lang="en-US" dirty="0">
+                <a:solidFill>
+                  <a:srgbClr val="000000"/>
+                </a:solidFill>
+                <a:latin typeface="Consolas" panose="020B0609020204030204" pitchFamily="49" charset="0"/>
+              </a:rPr>
+              <a:t> @</a:t>
+            </a:r>
+            <a:r>
+              <a:rPr lang="en-US" dirty="0" err="1">
+                <a:solidFill>
+                  <a:srgbClr val="000000"/>
+                </a:solidFill>
+                <a:latin typeface="Consolas" panose="020B0609020204030204" pitchFamily="49" charset="0"/>
+              </a:rPr>
+              <a:t>EmployeeId</a:t>
+            </a:r>
+            <a:r>
+              <a:rPr lang="en-US" dirty="0">
+                <a:solidFill>
+                  <a:srgbClr val="000000"/>
+                </a:solidFill>
+                <a:latin typeface="Consolas" panose="020B0609020204030204" pitchFamily="49" charset="0"/>
+              </a:rPr>
+              <a:t> </a:t>
+            </a:r>
+            <a:r>
+              <a:rPr lang="en-US" dirty="0">
+                <a:solidFill>
+                  <a:srgbClr val="808080"/>
+                </a:solidFill>
+                <a:latin typeface="Consolas" panose="020B0609020204030204" pitchFamily="49" charset="0"/>
+              </a:rPr>
+              <a:t>=</a:t>
+            </a:r>
+            <a:r>
+              <a:rPr lang="en-US" dirty="0">
+                <a:solidFill>
+                  <a:srgbClr val="000000"/>
+                </a:solidFill>
+                <a:latin typeface="Consolas" panose="020B0609020204030204" pitchFamily="49" charset="0"/>
+              </a:rPr>
+              <a:t> 1</a:t>
             </a:r>
             <a:endParaRPr lang="en-US" dirty="0"/>
           </a:p>
@@ -9439,7 +12340,7 @@
     </p:spTree>
     <p:extLst>
       <p:ext uri="{BB962C8B-B14F-4D97-AF65-F5344CB8AC3E}">
-        <p14:creationId xmlns:p14="http://schemas.microsoft.com/office/powerpoint/2010/main" val="2683524337"/>
+        <p14:creationId xmlns:p14="http://schemas.microsoft.com/office/powerpoint/2010/main" val="3705778836"/>
       </p:ext>
     </p:extLst>
   </p:cSld>
@@ -9482,8 +12383,12 @@
           <a:lstStyle/>
           <a:p>
             <a:r>
+              <a:rPr lang="en-US" dirty="0"/>
+              <a:t>Built-In </a:t>
+            </a:r>
+            <a:r>
               <a:rPr lang="en-US" dirty="0" smtClean="0"/>
-              <a:t>Grouping functions</a:t>
+              <a:t>functions – String functions</a:t>
             </a:r>
             <a:endParaRPr lang="en-US" dirty="0"/>
           </a:p>
@@ -9499,75 +12404,816 @@
             <p:ph idx="1"/>
           </p:nvPr>
         </p:nvSpPr>
-        <p:spPr/>
-        <p:txBody>
-          <a:bodyPr/>
+        <p:spPr>
+          <a:xfrm>
+            <a:off x="677334" y="1849693"/>
+            <a:ext cx="8596668" cy="3880773"/>
+          </a:xfrm>
+        </p:spPr>
+        <p:txBody>
+          <a:bodyPr>
+            <a:normAutofit/>
+          </a:bodyPr>
           <a:lstStyle/>
           <a:p>
             <a:r>
+              <a:rPr lang="en-US" dirty="0"/>
+              <a:t>LEFT(), RIGHT(), LEN</a:t>
+            </a:r>
+            <a:r>
               <a:rPr lang="en-US" dirty="0" smtClean="0"/>
-              <a:t>Numeric aggregation functions</a:t>
-            </a:r>
+              <a:t>()</a:t>
+            </a:r>
+          </a:p>
+          <a:p>
+            <a:r>
+              <a:rPr lang="en-US" dirty="0" smtClean="0"/>
+              <a:t>SUBSTRING</a:t>
+            </a:r>
+            <a:endParaRPr lang="en-US" dirty="0"/>
           </a:p>
           <a:p>
             <a:pPr lvl="1"/>
             <a:r>
-              <a:rPr lang="en-US" b="1" dirty="0" smtClean="0"/>
-              <a:t>COUNT</a:t>
-            </a:r>
-            <a:endParaRPr lang="en-US" b="1" dirty="0"/>
+              <a:rPr lang="en-US" dirty="0"/>
+              <a:t>SUBSTRING ( expression ,start , length )</a:t>
+            </a:r>
+          </a:p>
+          <a:p>
+            <a:r>
+              <a:rPr lang="en-US" dirty="0"/>
+              <a:t>REPLACE</a:t>
+            </a:r>
           </a:p>
           <a:p>
             <a:pPr lvl="1"/>
             <a:r>
-              <a:rPr lang="en-US" b="1" dirty="0"/>
-              <a:t>SUM</a:t>
-            </a:r>
-          </a:p>
-          <a:p>
-            <a:pPr lvl="1"/>
-            <a:r>
-              <a:rPr lang="en-US" b="1" dirty="0"/>
-              <a:t>AVG</a:t>
-            </a:r>
-          </a:p>
-          <a:p>
-            <a:pPr lvl="1"/>
-            <a:r>
-              <a:rPr lang="en-US" b="1" dirty="0"/>
-              <a:t>MIN</a:t>
-            </a:r>
-          </a:p>
-          <a:p>
-            <a:pPr lvl="1"/>
-            <a:r>
-              <a:rPr lang="en-US" b="1" dirty="0"/>
-              <a:t>MAX</a:t>
-            </a:r>
-          </a:p>
-          <a:p>
+              <a:rPr lang="en-US" dirty="0"/>
+              <a:t>REPLACE ( </a:t>
+            </a:r>
+            <a:r>
+              <a:rPr lang="en-US" dirty="0" err="1"/>
+              <a:t>string_expression</a:t>
+            </a:r>
+            <a:r>
+              <a:rPr lang="en-US" dirty="0"/>
+              <a:t> , </a:t>
+            </a:r>
+            <a:r>
+              <a:rPr lang="en-US" dirty="0" err="1"/>
+              <a:t>string_pattern</a:t>
+            </a:r>
+            <a:r>
+              <a:rPr lang="en-US" dirty="0"/>
+              <a:t> , </a:t>
+            </a:r>
+            <a:r>
+              <a:rPr lang="en-US" dirty="0" err="1"/>
+              <a:t>string_replacement</a:t>
+            </a:r>
+            <a:r>
+              <a:rPr lang="en-US" dirty="0"/>
+              <a:t> </a:t>
+            </a:r>
             <a:r>
               <a:rPr lang="en-US" dirty="0" smtClean="0"/>
-              <a:t>String aggregation functions</a:t>
-            </a:r>
-          </a:p>
-          <a:p>
-            <a:pPr lvl="1"/>
-            <a:r>
-              <a:rPr lang="en-US" b="1" dirty="0" smtClean="0"/>
-              <a:t>STRING_AGG</a:t>
-            </a:r>
-          </a:p>
-          <a:p>
-            <a:pPr lvl="1"/>
-            <a:endParaRPr lang="en-US" b="1" dirty="0"/>
+              <a:t>)</a:t>
+            </a:r>
+          </a:p>
+          <a:p>
+            <a:r>
+              <a:rPr lang="en-US" dirty="0" smtClean="0"/>
+              <a:t>Example: </a:t>
+            </a:r>
+            <a:endParaRPr lang="en-US" dirty="0"/>
+          </a:p>
+          <a:p>
+            <a:endParaRPr lang="en-GB" dirty="0" smtClean="0"/>
+          </a:p>
+          <a:p>
+            <a:endParaRPr lang="en-US" dirty="0" smtClean="0"/>
+          </a:p>
+          <a:p>
+            <a:endParaRPr lang="en-US" dirty="0"/>
+          </a:p>
+        </p:txBody>
+      </p:sp>
+      <p:sp>
+        <p:nvSpPr>
+          <p:cNvPr id="4" name="Rectangle 3"/>
+          <p:cNvSpPr/>
+          <p:nvPr/>
+        </p:nvSpPr>
+        <p:spPr>
+          <a:xfrm>
+            <a:off x="1283208" y="4120587"/>
+            <a:ext cx="8903208" cy="2031325"/>
+          </a:xfrm>
+          <a:prstGeom prst="rect">
+            <a:avLst/>
+          </a:prstGeom>
+        </p:spPr>
+        <p:txBody>
+          <a:bodyPr wrap="square">
+            <a:spAutoFit/>
+          </a:bodyPr>
+          <a:lstStyle/>
+          <a:p>
+            <a:r>
+              <a:rPr lang="en-US" dirty="0">
+                <a:solidFill>
+                  <a:srgbClr val="0000FF"/>
+                </a:solidFill>
+                <a:latin typeface="Consolas" panose="020B0609020204030204" pitchFamily="49" charset="0"/>
+              </a:rPr>
+              <a:t>select</a:t>
+            </a:r>
+            <a:r>
+              <a:rPr lang="en-US" dirty="0">
+                <a:solidFill>
+                  <a:srgbClr val="000000"/>
+                </a:solidFill>
+                <a:latin typeface="Consolas" panose="020B0609020204030204" pitchFamily="49" charset="0"/>
+              </a:rPr>
+              <a:t> </a:t>
+            </a:r>
+            <a:r>
+              <a:rPr lang="en-US" dirty="0" err="1">
+                <a:solidFill>
+                  <a:srgbClr val="000000"/>
+                </a:solidFill>
+                <a:latin typeface="Consolas" panose="020B0609020204030204" pitchFamily="49" charset="0"/>
+              </a:rPr>
+              <a:t>FirstName</a:t>
+            </a:r>
+            <a:r>
+              <a:rPr lang="en-US" dirty="0">
+                <a:solidFill>
+                  <a:srgbClr val="808080"/>
+                </a:solidFill>
+                <a:latin typeface="Consolas" panose="020B0609020204030204" pitchFamily="49" charset="0"/>
+              </a:rPr>
+              <a:t>,</a:t>
+            </a:r>
+            <a:r>
+              <a:rPr lang="en-US" dirty="0">
+                <a:solidFill>
+                  <a:srgbClr val="000000"/>
+                </a:solidFill>
+                <a:latin typeface="Consolas" panose="020B0609020204030204" pitchFamily="49" charset="0"/>
+              </a:rPr>
+              <a:t> </a:t>
+            </a:r>
+          </a:p>
+          <a:p>
+            <a:r>
+              <a:rPr lang="en-US" dirty="0">
+                <a:solidFill>
+                  <a:srgbClr val="000000"/>
+                </a:solidFill>
+                <a:latin typeface="Consolas" panose="020B0609020204030204" pitchFamily="49" charset="0"/>
+              </a:rPr>
+              <a:t>   </a:t>
+            </a:r>
+            <a:r>
+              <a:rPr lang="en-US" dirty="0">
+                <a:solidFill>
+                  <a:srgbClr val="808080"/>
+                </a:solidFill>
+                <a:latin typeface="Consolas" panose="020B0609020204030204" pitchFamily="49" charset="0"/>
+              </a:rPr>
+              <a:t>LEFT(</a:t>
+            </a:r>
+            <a:r>
+              <a:rPr lang="en-US" dirty="0">
+                <a:solidFill>
+                  <a:srgbClr val="000000"/>
+                </a:solidFill>
+                <a:latin typeface="Consolas" panose="020B0609020204030204" pitchFamily="49" charset="0"/>
+              </a:rPr>
+              <a:t>FirstName</a:t>
+            </a:r>
+            <a:r>
+              <a:rPr lang="en-US" dirty="0">
+                <a:solidFill>
+                  <a:srgbClr val="808080"/>
+                </a:solidFill>
+                <a:latin typeface="Consolas" panose="020B0609020204030204" pitchFamily="49" charset="0"/>
+              </a:rPr>
+              <a:t>,</a:t>
+            </a:r>
+            <a:r>
+              <a:rPr lang="en-US" dirty="0">
+                <a:solidFill>
+                  <a:srgbClr val="000000"/>
+                </a:solidFill>
+                <a:latin typeface="Consolas" panose="020B0609020204030204" pitchFamily="49" charset="0"/>
+              </a:rPr>
+              <a:t>3</a:t>
+            </a:r>
+            <a:r>
+              <a:rPr lang="en-US" dirty="0">
+                <a:solidFill>
+                  <a:srgbClr val="808080"/>
+                </a:solidFill>
+                <a:latin typeface="Consolas" panose="020B0609020204030204" pitchFamily="49" charset="0"/>
+              </a:rPr>
+              <a:t>)</a:t>
+            </a:r>
+            <a:r>
+              <a:rPr lang="en-US" dirty="0">
+                <a:solidFill>
+                  <a:srgbClr val="000000"/>
+                </a:solidFill>
+                <a:latin typeface="Consolas" panose="020B0609020204030204" pitchFamily="49" charset="0"/>
+              </a:rPr>
+              <a:t> </a:t>
+            </a:r>
+            <a:r>
+              <a:rPr lang="en-US" dirty="0">
+                <a:solidFill>
+                  <a:srgbClr val="0000FF"/>
+                </a:solidFill>
+                <a:latin typeface="Consolas" panose="020B0609020204030204" pitchFamily="49" charset="0"/>
+              </a:rPr>
+              <a:t>as</a:t>
+            </a:r>
+            <a:r>
+              <a:rPr lang="en-US" dirty="0">
+                <a:solidFill>
+                  <a:srgbClr val="000000"/>
+                </a:solidFill>
+                <a:latin typeface="Consolas" panose="020B0609020204030204" pitchFamily="49" charset="0"/>
+              </a:rPr>
+              <a:t> </a:t>
+            </a:r>
+            <a:r>
+              <a:rPr lang="en-US" dirty="0" err="1">
+                <a:solidFill>
+                  <a:srgbClr val="000000"/>
+                </a:solidFill>
+                <a:latin typeface="Consolas" panose="020B0609020204030204" pitchFamily="49" charset="0"/>
+              </a:rPr>
+              <a:t>LeftFunction</a:t>
+            </a:r>
+            <a:r>
+              <a:rPr lang="en-US" dirty="0">
+                <a:solidFill>
+                  <a:srgbClr val="808080"/>
+                </a:solidFill>
+                <a:latin typeface="Consolas" panose="020B0609020204030204" pitchFamily="49" charset="0"/>
+              </a:rPr>
+              <a:t>,</a:t>
+            </a:r>
+            <a:r>
+              <a:rPr lang="en-US" dirty="0">
+                <a:solidFill>
+                  <a:srgbClr val="000000"/>
+                </a:solidFill>
+                <a:latin typeface="Consolas" panose="020B0609020204030204" pitchFamily="49" charset="0"/>
+              </a:rPr>
+              <a:t> </a:t>
+            </a:r>
+          </a:p>
+          <a:p>
+            <a:r>
+              <a:rPr lang="en-US" dirty="0">
+                <a:solidFill>
+                  <a:srgbClr val="000000"/>
+                </a:solidFill>
+                <a:latin typeface="Consolas" panose="020B0609020204030204" pitchFamily="49" charset="0"/>
+              </a:rPr>
+              <a:t>   </a:t>
+            </a:r>
+            <a:r>
+              <a:rPr lang="en-US" dirty="0">
+                <a:solidFill>
+                  <a:srgbClr val="808080"/>
+                </a:solidFill>
+                <a:latin typeface="Consolas" panose="020B0609020204030204" pitchFamily="49" charset="0"/>
+              </a:rPr>
+              <a:t>RIGHT(</a:t>
+            </a:r>
+            <a:r>
+              <a:rPr lang="en-US" dirty="0">
+                <a:solidFill>
+                  <a:srgbClr val="000000"/>
+                </a:solidFill>
+                <a:latin typeface="Consolas" panose="020B0609020204030204" pitchFamily="49" charset="0"/>
+              </a:rPr>
+              <a:t>FirstName</a:t>
+            </a:r>
+            <a:r>
+              <a:rPr lang="en-US" dirty="0">
+                <a:solidFill>
+                  <a:srgbClr val="808080"/>
+                </a:solidFill>
+                <a:latin typeface="Consolas" panose="020B0609020204030204" pitchFamily="49" charset="0"/>
+              </a:rPr>
+              <a:t>,</a:t>
+            </a:r>
+            <a:r>
+              <a:rPr lang="en-US" dirty="0">
+                <a:solidFill>
+                  <a:srgbClr val="000000"/>
+                </a:solidFill>
+                <a:latin typeface="Consolas" panose="020B0609020204030204" pitchFamily="49" charset="0"/>
+              </a:rPr>
+              <a:t>3</a:t>
+            </a:r>
+            <a:r>
+              <a:rPr lang="en-US" dirty="0">
+                <a:solidFill>
+                  <a:srgbClr val="808080"/>
+                </a:solidFill>
+                <a:latin typeface="Consolas" panose="020B0609020204030204" pitchFamily="49" charset="0"/>
+              </a:rPr>
+              <a:t>)</a:t>
+            </a:r>
+            <a:r>
+              <a:rPr lang="en-US" dirty="0">
+                <a:solidFill>
+                  <a:srgbClr val="000000"/>
+                </a:solidFill>
+                <a:latin typeface="Consolas" panose="020B0609020204030204" pitchFamily="49" charset="0"/>
+              </a:rPr>
+              <a:t> </a:t>
+            </a:r>
+            <a:r>
+              <a:rPr lang="en-US" dirty="0">
+                <a:solidFill>
+                  <a:srgbClr val="0000FF"/>
+                </a:solidFill>
+                <a:latin typeface="Consolas" panose="020B0609020204030204" pitchFamily="49" charset="0"/>
+              </a:rPr>
+              <a:t>as</a:t>
+            </a:r>
+            <a:r>
+              <a:rPr lang="en-US" dirty="0">
+                <a:solidFill>
+                  <a:srgbClr val="000000"/>
+                </a:solidFill>
+                <a:latin typeface="Consolas" panose="020B0609020204030204" pitchFamily="49" charset="0"/>
+              </a:rPr>
+              <a:t> </a:t>
+            </a:r>
+            <a:r>
+              <a:rPr lang="en-US" dirty="0" err="1">
+                <a:solidFill>
+                  <a:srgbClr val="000000"/>
+                </a:solidFill>
+                <a:latin typeface="Consolas" panose="020B0609020204030204" pitchFamily="49" charset="0"/>
+              </a:rPr>
+              <a:t>RightFunction</a:t>
+            </a:r>
+            <a:r>
+              <a:rPr lang="en-US" dirty="0">
+                <a:solidFill>
+                  <a:srgbClr val="808080"/>
+                </a:solidFill>
+                <a:latin typeface="Consolas" panose="020B0609020204030204" pitchFamily="49" charset="0"/>
+              </a:rPr>
+              <a:t>,</a:t>
+            </a:r>
+            <a:r>
+              <a:rPr lang="en-US" dirty="0">
+                <a:solidFill>
+                  <a:srgbClr val="000000"/>
+                </a:solidFill>
+                <a:latin typeface="Consolas" panose="020B0609020204030204" pitchFamily="49" charset="0"/>
+              </a:rPr>
+              <a:t> </a:t>
+            </a:r>
+          </a:p>
+          <a:p>
+            <a:r>
+              <a:rPr lang="en-US" dirty="0">
+                <a:solidFill>
+                  <a:srgbClr val="000000"/>
+                </a:solidFill>
+                <a:latin typeface="Consolas" panose="020B0609020204030204" pitchFamily="49" charset="0"/>
+              </a:rPr>
+              <a:t>   </a:t>
+            </a:r>
+            <a:r>
+              <a:rPr lang="en-US" dirty="0">
+                <a:solidFill>
+                  <a:srgbClr val="FF00FF"/>
+                </a:solidFill>
+                <a:latin typeface="Consolas" panose="020B0609020204030204" pitchFamily="49" charset="0"/>
+              </a:rPr>
+              <a:t>LEN</a:t>
+            </a:r>
+            <a:r>
+              <a:rPr lang="en-US" dirty="0">
+                <a:solidFill>
+                  <a:srgbClr val="808080"/>
+                </a:solidFill>
+                <a:latin typeface="Consolas" panose="020B0609020204030204" pitchFamily="49" charset="0"/>
+              </a:rPr>
+              <a:t>(</a:t>
+            </a:r>
+            <a:r>
+              <a:rPr lang="en-US" dirty="0" err="1">
+                <a:solidFill>
+                  <a:srgbClr val="000000"/>
+                </a:solidFill>
+                <a:latin typeface="Consolas" panose="020B0609020204030204" pitchFamily="49" charset="0"/>
+              </a:rPr>
+              <a:t>FirstName</a:t>
+            </a:r>
+            <a:r>
+              <a:rPr lang="en-US" dirty="0">
+                <a:solidFill>
+                  <a:srgbClr val="808080"/>
+                </a:solidFill>
+                <a:latin typeface="Consolas" panose="020B0609020204030204" pitchFamily="49" charset="0"/>
+              </a:rPr>
+              <a:t>)</a:t>
+            </a:r>
+            <a:r>
+              <a:rPr lang="en-US" dirty="0">
+                <a:solidFill>
+                  <a:srgbClr val="000000"/>
+                </a:solidFill>
+                <a:latin typeface="Consolas" panose="020B0609020204030204" pitchFamily="49" charset="0"/>
+              </a:rPr>
+              <a:t> </a:t>
+            </a:r>
+            <a:r>
+              <a:rPr lang="en-US" dirty="0">
+                <a:solidFill>
+                  <a:srgbClr val="0000FF"/>
+                </a:solidFill>
+                <a:latin typeface="Consolas" panose="020B0609020204030204" pitchFamily="49" charset="0"/>
+              </a:rPr>
+              <a:t>as</a:t>
+            </a:r>
+            <a:r>
+              <a:rPr lang="en-US" dirty="0">
+                <a:solidFill>
+                  <a:srgbClr val="000000"/>
+                </a:solidFill>
+                <a:latin typeface="Consolas" panose="020B0609020204030204" pitchFamily="49" charset="0"/>
+              </a:rPr>
+              <a:t> </a:t>
+            </a:r>
+            <a:r>
+              <a:rPr lang="en-US" dirty="0" err="1">
+                <a:solidFill>
+                  <a:srgbClr val="000000"/>
+                </a:solidFill>
+                <a:latin typeface="Consolas" panose="020B0609020204030204" pitchFamily="49" charset="0"/>
+              </a:rPr>
+              <a:t>LenFunction</a:t>
+            </a:r>
+            <a:r>
+              <a:rPr lang="en-US" dirty="0">
+                <a:solidFill>
+                  <a:srgbClr val="808080"/>
+                </a:solidFill>
+                <a:latin typeface="Consolas" panose="020B0609020204030204" pitchFamily="49" charset="0"/>
+              </a:rPr>
+              <a:t>,</a:t>
+            </a:r>
+            <a:endParaRPr lang="en-US" dirty="0">
+              <a:solidFill>
+                <a:srgbClr val="000000"/>
+              </a:solidFill>
+              <a:latin typeface="Consolas" panose="020B0609020204030204" pitchFamily="49" charset="0"/>
+            </a:endParaRPr>
+          </a:p>
+          <a:p>
+            <a:r>
+              <a:rPr lang="en-US" dirty="0">
+                <a:solidFill>
+                  <a:srgbClr val="000000"/>
+                </a:solidFill>
+                <a:latin typeface="Consolas" panose="020B0609020204030204" pitchFamily="49" charset="0"/>
+              </a:rPr>
+              <a:t>   </a:t>
+            </a:r>
+            <a:r>
+              <a:rPr lang="en-US" dirty="0">
+                <a:solidFill>
+                  <a:srgbClr val="FF00FF"/>
+                </a:solidFill>
+                <a:latin typeface="Consolas" panose="020B0609020204030204" pitchFamily="49" charset="0"/>
+              </a:rPr>
+              <a:t>SUBSTRING</a:t>
+            </a:r>
+            <a:r>
+              <a:rPr lang="en-US" dirty="0">
+                <a:solidFill>
+                  <a:srgbClr val="808080"/>
+                </a:solidFill>
+                <a:latin typeface="Consolas" panose="020B0609020204030204" pitchFamily="49" charset="0"/>
+              </a:rPr>
+              <a:t>(</a:t>
+            </a:r>
+            <a:r>
+              <a:rPr lang="en-US" dirty="0">
+                <a:solidFill>
+                  <a:srgbClr val="000000"/>
+                </a:solidFill>
+                <a:latin typeface="Consolas" panose="020B0609020204030204" pitchFamily="49" charset="0"/>
+              </a:rPr>
+              <a:t>FirstName</a:t>
+            </a:r>
+            <a:r>
+              <a:rPr lang="en-US" dirty="0">
+                <a:solidFill>
+                  <a:srgbClr val="808080"/>
+                </a:solidFill>
+                <a:latin typeface="Consolas" panose="020B0609020204030204" pitchFamily="49" charset="0"/>
+              </a:rPr>
+              <a:t>,</a:t>
+            </a:r>
+            <a:r>
+              <a:rPr lang="en-US" dirty="0">
+                <a:solidFill>
+                  <a:srgbClr val="000000"/>
+                </a:solidFill>
+                <a:latin typeface="Consolas" panose="020B0609020204030204" pitchFamily="49" charset="0"/>
+              </a:rPr>
+              <a:t>1</a:t>
+            </a:r>
+            <a:r>
+              <a:rPr lang="en-US" dirty="0">
+                <a:solidFill>
+                  <a:srgbClr val="808080"/>
+                </a:solidFill>
+                <a:latin typeface="Consolas" panose="020B0609020204030204" pitchFamily="49" charset="0"/>
+              </a:rPr>
+              <a:t>,</a:t>
+            </a:r>
+            <a:r>
+              <a:rPr lang="en-US" dirty="0">
+                <a:solidFill>
+                  <a:srgbClr val="000000"/>
+                </a:solidFill>
+                <a:latin typeface="Consolas" panose="020B0609020204030204" pitchFamily="49" charset="0"/>
+              </a:rPr>
+              <a:t>3</a:t>
+            </a:r>
+            <a:r>
+              <a:rPr lang="en-US" dirty="0">
+                <a:solidFill>
+                  <a:srgbClr val="808080"/>
+                </a:solidFill>
+                <a:latin typeface="Consolas" panose="020B0609020204030204" pitchFamily="49" charset="0"/>
+              </a:rPr>
+              <a:t>)</a:t>
+            </a:r>
+            <a:r>
+              <a:rPr lang="en-US" dirty="0">
+                <a:solidFill>
+                  <a:srgbClr val="000000"/>
+                </a:solidFill>
+                <a:latin typeface="Consolas" panose="020B0609020204030204" pitchFamily="49" charset="0"/>
+              </a:rPr>
+              <a:t> </a:t>
+            </a:r>
+            <a:r>
+              <a:rPr lang="en-US" dirty="0">
+                <a:solidFill>
+                  <a:srgbClr val="0000FF"/>
+                </a:solidFill>
+                <a:latin typeface="Consolas" panose="020B0609020204030204" pitchFamily="49" charset="0"/>
+              </a:rPr>
+              <a:t>as</a:t>
+            </a:r>
+            <a:r>
+              <a:rPr lang="en-US" dirty="0">
+                <a:solidFill>
+                  <a:srgbClr val="000000"/>
+                </a:solidFill>
+                <a:latin typeface="Consolas" panose="020B0609020204030204" pitchFamily="49" charset="0"/>
+              </a:rPr>
+              <a:t> </a:t>
+            </a:r>
+            <a:r>
+              <a:rPr lang="en-US" dirty="0" err="1">
+                <a:solidFill>
+                  <a:srgbClr val="000000"/>
+                </a:solidFill>
+                <a:latin typeface="Consolas" panose="020B0609020204030204" pitchFamily="49" charset="0"/>
+              </a:rPr>
+              <a:t>SubstringFunction</a:t>
+            </a:r>
+            <a:r>
+              <a:rPr lang="en-US" dirty="0">
+                <a:solidFill>
+                  <a:srgbClr val="808080"/>
+                </a:solidFill>
+                <a:latin typeface="Consolas" panose="020B0609020204030204" pitchFamily="49" charset="0"/>
+              </a:rPr>
+              <a:t>,</a:t>
+            </a:r>
+            <a:endParaRPr lang="en-US" dirty="0">
+              <a:solidFill>
+                <a:srgbClr val="000000"/>
+              </a:solidFill>
+              <a:latin typeface="Consolas" panose="020B0609020204030204" pitchFamily="49" charset="0"/>
+            </a:endParaRPr>
+          </a:p>
+          <a:p>
+            <a:r>
+              <a:rPr lang="en-US" dirty="0">
+                <a:solidFill>
+                  <a:srgbClr val="000000"/>
+                </a:solidFill>
+                <a:latin typeface="Consolas" panose="020B0609020204030204" pitchFamily="49" charset="0"/>
+              </a:rPr>
+              <a:t>   </a:t>
+            </a:r>
+            <a:r>
+              <a:rPr lang="en-US" dirty="0">
+                <a:solidFill>
+                  <a:srgbClr val="FF00FF"/>
+                </a:solidFill>
+                <a:latin typeface="Consolas" panose="020B0609020204030204" pitchFamily="49" charset="0"/>
+              </a:rPr>
+              <a:t>REPLACE</a:t>
+            </a:r>
+            <a:r>
+              <a:rPr lang="en-US" dirty="0">
+                <a:solidFill>
+                  <a:srgbClr val="808080"/>
+                </a:solidFill>
+                <a:latin typeface="Consolas" panose="020B0609020204030204" pitchFamily="49" charset="0"/>
+              </a:rPr>
+              <a:t>(</a:t>
+            </a:r>
+            <a:r>
+              <a:rPr lang="en-US" dirty="0" err="1">
+                <a:solidFill>
+                  <a:srgbClr val="000000"/>
+                </a:solidFill>
+                <a:latin typeface="Consolas" panose="020B0609020204030204" pitchFamily="49" charset="0"/>
+              </a:rPr>
+              <a:t>FirstName</a:t>
+            </a:r>
+            <a:r>
+              <a:rPr lang="en-US" dirty="0">
+                <a:solidFill>
+                  <a:srgbClr val="808080"/>
+                </a:solidFill>
+                <a:latin typeface="Consolas" panose="020B0609020204030204" pitchFamily="49" charset="0"/>
+              </a:rPr>
+              <a:t>,</a:t>
+            </a:r>
+            <a:r>
+              <a:rPr lang="en-US" dirty="0">
+                <a:solidFill>
+                  <a:srgbClr val="FF0000"/>
+                </a:solidFill>
+                <a:latin typeface="Consolas" panose="020B0609020204030204" pitchFamily="49" charset="0"/>
+              </a:rPr>
+              <a:t>'</a:t>
+            </a:r>
+            <a:r>
+              <a:rPr lang="en-US" dirty="0" err="1">
+                <a:solidFill>
+                  <a:srgbClr val="FF0000"/>
+                </a:solidFill>
+                <a:latin typeface="Consolas" panose="020B0609020204030204" pitchFamily="49" charset="0"/>
+              </a:rPr>
+              <a:t>Ale'</a:t>
+            </a:r>
+            <a:r>
+              <a:rPr lang="en-US" dirty="0" err="1">
+                <a:solidFill>
+                  <a:srgbClr val="808080"/>
+                </a:solidFill>
+                <a:latin typeface="Consolas" panose="020B0609020204030204" pitchFamily="49" charset="0"/>
+              </a:rPr>
+              <a:t>,</a:t>
+            </a:r>
+            <a:r>
+              <a:rPr lang="en-US" dirty="0" err="1">
+                <a:solidFill>
+                  <a:srgbClr val="FF0000"/>
+                </a:solidFill>
+                <a:latin typeface="Consolas" panose="020B0609020204030204" pitchFamily="49" charset="0"/>
+              </a:rPr>
+              <a:t>'X</a:t>
+            </a:r>
+            <a:r>
+              <a:rPr lang="en-US" dirty="0">
+                <a:solidFill>
+                  <a:srgbClr val="FF0000"/>
+                </a:solidFill>
+                <a:latin typeface="Consolas" panose="020B0609020204030204" pitchFamily="49" charset="0"/>
+              </a:rPr>
+              <a:t>-'</a:t>
+            </a:r>
+            <a:r>
+              <a:rPr lang="en-US" dirty="0">
+                <a:solidFill>
+                  <a:srgbClr val="808080"/>
+                </a:solidFill>
+                <a:latin typeface="Consolas" panose="020B0609020204030204" pitchFamily="49" charset="0"/>
+              </a:rPr>
+              <a:t>)</a:t>
+            </a:r>
+            <a:r>
+              <a:rPr lang="en-US" dirty="0">
+                <a:solidFill>
+                  <a:srgbClr val="000000"/>
+                </a:solidFill>
+                <a:latin typeface="Consolas" panose="020B0609020204030204" pitchFamily="49" charset="0"/>
+              </a:rPr>
+              <a:t> </a:t>
+            </a:r>
+            <a:r>
+              <a:rPr lang="en-US" dirty="0">
+                <a:solidFill>
+                  <a:srgbClr val="0000FF"/>
+                </a:solidFill>
+                <a:latin typeface="Consolas" panose="020B0609020204030204" pitchFamily="49" charset="0"/>
+              </a:rPr>
+              <a:t>as</a:t>
+            </a:r>
+            <a:r>
+              <a:rPr lang="en-US" dirty="0">
+                <a:solidFill>
+                  <a:srgbClr val="000000"/>
+                </a:solidFill>
+                <a:latin typeface="Consolas" panose="020B0609020204030204" pitchFamily="49" charset="0"/>
+              </a:rPr>
+              <a:t> </a:t>
+            </a:r>
+            <a:r>
+              <a:rPr lang="en-US" dirty="0" err="1">
+                <a:solidFill>
+                  <a:srgbClr val="000000"/>
+                </a:solidFill>
+                <a:latin typeface="Consolas" panose="020B0609020204030204" pitchFamily="49" charset="0"/>
+              </a:rPr>
+              <a:t>ReplaceFunction</a:t>
+            </a:r>
+            <a:endParaRPr lang="en-US" dirty="0">
+              <a:solidFill>
+                <a:srgbClr val="000000"/>
+              </a:solidFill>
+              <a:latin typeface="Consolas" panose="020B0609020204030204" pitchFamily="49" charset="0"/>
+            </a:endParaRPr>
+          </a:p>
+          <a:p>
+            <a:r>
+              <a:rPr lang="en-US" dirty="0">
+                <a:solidFill>
+                  <a:srgbClr val="0000FF"/>
+                </a:solidFill>
+                <a:latin typeface="Consolas" panose="020B0609020204030204" pitchFamily="49" charset="0"/>
+              </a:rPr>
+              <a:t>from</a:t>
+            </a:r>
+            <a:r>
+              <a:rPr lang="en-US" dirty="0">
+                <a:solidFill>
+                  <a:srgbClr val="000000"/>
+                </a:solidFill>
+                <a:latin typeface="Consolas" panose="020B0609020204030204" pitchFamily="49" charset="0"/>
+              </a:rPr>
+              <a:t> </a:t>
+            </a:r>
+            <a:r>
+              <a:rPr lang="en-US" dirty="0" err="1">
+                <a:solidFill>
+                  <a:srgbClr val="000000"/>
+                </a:solidFill>
+                <a:latin typeface="Consolas" panose="020B0609020204030204" pitchFamily="49" charset="0"/>
+              </a:rPr>
+              <a:t>dbo</a:t>
+            </a:r>
+            <a:r>
+              <a:rPr lang="en-US" dirty="0" err="1">
+                <a:solidFill>
+                  <a:srgbClr val="808080"/>
+                </a:solidFill>
+                <a:latin typeface="Consolas" panose="020B0609020204030204" pitchFamily="49" charset="0"/>
+              </a:rPr>
+              <a:t>.</a:t>
+            </a:r>
+            <a:r>
+              <a:rPr lang="en-US" dirty="0" err="1">
+                <a:solidFill>
+                  <a:srgbClr val="000000"/>
+                </a:solidFill>
+                <a:latin typeface="Consolas" panose="020B0609020204030204" pitchFamily="49" charset="0"/>
+              </a:rPr>
+              <a:t>Employee</a:t>
+            </a:r>
+            <a:endParaRPr lang="en-US" dirty="0"/>
           </a:p>
         </p:txBody>
       </p:sp>
     </p:spTree>
     <p:extLst>
       <p:ext uri="{BB962C8B-B14F-4D97-AF65-F5344CB8AC3E}">
-        <p14:creationId xmlns:p14="http://schemas.microsoft.com/office/powerpoint/2010/main" val="2860826218"/>
+        <p14:creationId xmlns:p14="http://schemas.microsoft.com/office/powerpoint/2010/main" val="1915810282"/>
       </p:ext>
     </p:extLst>
   </p:cSld>
@@ -9611,7 +13257,7 @@
           <a:p>
             <a:r>
               <a:rPr lang="en-US" dirty="0" smtClean="0"/>
-              <a:t>Grouping functions - Workshop</a:t>
+              <a:t>Built-in functions - Workshop</a:t>
             </a:r>
             <a:endParaRPr lang="en-US" dirty="0"/>
           </a:p>
@@ -9627,71 +13273,129 @@
             <p:ph idx="1"/>
           </p:nvPr>
         </p:nvSpPr>
-        <p:spPr/>
-        <p:txBody>
-          <a:bodyPr/>
+        <p:spPr>
+          <a:xfrm>
+            <a:off x="677334" y="2066002"/>
+            <a:ext cx="8596668" cy="3880773"/>
+          </a:xfrm>
+        </p:spPr>
+        <p:txBody>
+          <a:bodyPr>
+            <a:normAutofit/>
+          </a:bodyPr>
           <a:lstStyle/>
           <a:p>
             <a:r>
               <a:rPr lang="en-US" dirty="0" smtClean="0"/>
-              <a:t>Calculate </a:t>
-            </a:r>
-            <a:r>
-              <a:rPr lang="en-US" dirty="0"/>
-              <a:t>the total amount on all orders in the system</a:t>
-            </a:r>
-          </a:p>
-          <a:p>
-            <a:r>
-              <a:rPr lang="en-US" dirty="0"/>
-              <a:t>Calculate the total amount per </a:t>
-            </a:r>
-            <a:r>
-              <a:rPr lang="en-US" dirty="0" err="1"/>
-              <a:t>BusinessEntity</a:t>
-            </a:r>
-            <a:r>
-              <a:rPr lang="en-US" dirty="0"/>
-              <a:t> on all orders in the system</a:t>
-            </a:r>
-          </a:p>
-          <a:p>
-            <a:r>
-              <a:rPr lang="en-US" dirty="0"/>
-              <a:t>Calculate the total amount per </a:t>
-            </a:r>
-            <a:r>
-              <a:rPr lang="en-US" dirty="0" err="1"/>
-              <a:t>BusinessEntity</a:t>
-            </a:r>
-            <a:r>
-              <a:rPr lang="en-US" dirty="0"/>
-              <a:t> on all orders in the system from Customers with ID &lt; 20</a:t>
-            </a:r>
-          </a:p>
-          <a:p>
-            <a:r>
-              <a:rPr lang="en-US" dirty="0"/>
-              <a:t>Find the Maximal Order amount, and the Average Order amount per </a:t>
-            </a:r>
-            <a:r>
-              <a:rPr lang="en-US" dirty="0" err="1"/>
-              <a:t>BusinessEntity</a:t>
-            </a:r>
-            <a:r>
-              <a:rPr lang="en-US" dirty="0"/>
-              <a:t> on all orders in the system</a:t>
-            </a:r>
-          </a:p>
-          <a:p>
-            <a:r>
-              <a:rPr lang="en-US" dirty="0" smtClean="0">
-                <a:solidFill>
-                  <a:srgbClr val="0070C0"/>
-                </a:solidFill>
-              </a:rPr>
-              <a:t>Suggest a question about some information that needs to be extracted from the Orders table</a:t>
-            </a:r>
+              <a:t>Declare scalar variable for storing </a:t>
+            </a:r>
+            <a:r>
+              <a:rPr lang="en-US" dirty="0" err="1" smtClean="0"/>
+              <a:t>FirstName</a:t>
+            </a:r>
+            <a:r>
+              <a:rPr lang="en-US" dirty="0" smtClean="0"/>
+              <a:t> values</a:t>
+            </a:r>
+          </a:p>
+          <a:p>
+            <a:pPr lvl="1"/>
+            <a:r>
+              <a:rPr lang="en-US" dirty="0" smtClean="0"/>
+              <a:t>Assign value ‘Aleksandar’ to the </a:t>
+            </a:r>
+            <a:r>
+              <a:rPr lang="en-US" dirty="0" err="1" smtClean="0"/>
+              <a:t>FirstName</a:t>
+            </a:r>
+            <a:r>
+              <a:rPr lang="en-US" dirty="0" smtClean="0"/>
+              <a:t> variable</a:t>
+            </a:r>
+          </a:p>
+          <a:p>
+            <a:pPr lvl="1"/>
+            <a:r>
+              <a:rPr lang="en-US" dirty="0" smtClean="0"/>
+              <a:t>Find all Employees having </a:t>
+            </a:r>
+            <a:r>
+              <a:rPr lang="en-US" dirty="0" err="1" smtClean="0"/>
+              <a:t>FirstName</a:t>
+            </a:r>
+            <a:r>
+              <a:rPr lang="en-US" dirty="0" smtClean="0"/>
+              <a:t> same as the variable</a:t>
+            </a:r>
+          </a:p>
+          <a:p>
+            <a:r>
+              <a:rPr lang="en-US" dirty="0" smtClean="0"/>
+              <a:t>Declare table variable that will contain </a:t>
+            </a:r>
+            <a:r>
+              <a:rPr lang="en-US" dirty="0" err="1" smtClean="0"/>
+              <a:t>EmployeeId</a:t>
+            </a:r>
+            <a:r>
+              <a:rPr lang="en-US" dirty="0" smtClean="0"/>
+              <a:t> and </a:t>
+            </a:r>
+            <a:r>
+              <a:rPr lang="en-US" dirty="0" err="1" smtClean="0"/>
+              <a:t>DateOfBirth</a:t>
+            </a:r>
+            <a:endParaRPr lang="en-US" dirty="0" smtClean="0"/>
+          </a:p>
+          <a:p>
+            <a:pPr lvl="1"/>
+            <a:r>
+              <a:rPr lang="en-US" dirty="0" smtClean="0"/>
+              <a:t>Fill the table variable with all Female employees</a:t>
+            </a:r>
+          </a:p>
+          <a:p>
+            <a:r>
+              <a:rPr lang="en-US" dirty="0" smtClean="0"/>
+              <a:t>Declare temp table that will contain </a:t>
+            </a:r>
+            <a:r>
+              <a:rPr lang="en-US" dirty="0" err="1" smtClean="0"/>
+              <a:t>LastName</a:t>
+            </a:r>
+            <a:r>
+              <a:rPr lang="en-US" dirty="0" smtClean="0"/>
+              <a:t> and </a:t>
+            </a:r>
+            <a:r>
+              <a:rPr lang="en-US" dirty="0" err="1" smtClean="0"/>
+              <a:t>HireDate</a:t>
+            </a:r>
+            <a:r>
+              <a:rPr lang="en-US" dirty="0" smtClean="0"/>
+              <a:t> columns</a:t>
+            </a:r>
+          </a:p>
+          <a:p>
+            <a:pPr lvl="1"/>
+            <a:r>
+              <a:rPr lang="en-US" dirty="0" smtClean="0"/>
+              <a:t>Fill the temp table with all Male employees having First Name starting with ‘A’</a:t>
+            </a:r>
+          </a:p>
+          <a:p>
+            <a:pPr lvl="1"/>
+            <a:r>
+              <a:rPr lang="en-GB" dirty="0" smtClean="0"/>
+              <a:t>Retrieve the employees from the table which last name is with 7 characters</a:t>
+            </a:r>
+            <a:endParaRPr lang="en-US" dirty="0" smtClean="0"/>
+          </a:p>
+          <a:p>
+            <a:endParaRPr lang="en-US" dirty="0" smtClean="0"/>
+          </a:p>
+          <a:p>
+            <a:endParaRPr lang="en-US" dirty="0"/>
           </a:p>
         </p:txBody>
       </p:sp>
@@ -9711,8 +13415,8 @@
         </p:blipFill>
         <p:spPr>
           <a:xfrm>
-            <a:off x="9400984" y="2331148"/>
-            <a:ext cx="2314575" cy="2543175"/>
+            <a:off x="7998714" y="274320"/>
+            <a:ext cx="4019550" cy="2695575"/>
           </a:xfrm>
           <a:prstGeom prst="rect">
             <a:avLst/>
@@ -9722,7 +13426,7 @@
     </p:spTree>
     <p:extLst>
       <p:ext uri="{BB962C8B-B14F-4D97-AF65-F5344CB8AC3E}">
-        <p14:creationId xmlns:p14="http://schemas.microsoft.com/office/powerpoint/2010/main" val="244215408"/>
+        <p14:creationId xmlns:p14="http://schemas.microsoft.com/office/powerpoint/2010/main" val="4274458514"/>
       </p:ext>
     </p:extLst>
   </p:cSld>
@@ -9766,7 +13470,7 @@
           <a:p>
             <a:r>
               <a:rPr lang="en-US" dirty="0" smtClean="0"/>
-              <a:t>Filtering by grouped data</a:t>
+              <a:t>Grouping functions</a:t>
             </a:r>
             <a:endParaRPr lang="en-US" dirty="0"/>
           </a:p>
@@ -9789,7 +13493,19 @@
           <a:p>
             <a:r>
               <a:rPr lang="en-US" dirty="0" smtClean="0"/>
-              <a:t>HAVING operator</a:t>
+              <a:t>Min, Max, Sum, </a:t>
+            </a:r>
+            <a:r>
+              <a:rPr lang="en-US" dirty="0" err="1" smtClean="0"/>
+              <a:t>Avg</a:t>
+            </a:r>
+            <a:r>
+              <a:rPr lang="en-US" dirty="0" smtClean="0"/>
+              <a:t>, Count, </a:t>
+            </a:r>
+            <a:r>
+              <a:rPr lang="en-US" dirty="0" err="1" smtClean="0"/>
+              <a:t>String_agg</a:t>
             </a:r>
             <a:endParaRPr lang="en-US" dirty="0"/>
           </a:p>
@@ -9798,7 +13514,7 @@
     </p:spTree>
     <p:extLst>
       <p:ext uri="{BB962C8B-B14F-4D97-AF65-F5344CB8AC3E}">
-        <p14:creationId xmlns:p14="http://schemas.microsoft.com/office/powerpoint/2010/main" val="3469038484"/>
+        <p14:creationId xmlns:p14="http://schemas.microsoft.com/office/powerpoint/2010/main" val="2757019588"/>
       </p:ext>
     </p:extLst>
   </p:cSld>
@@ -9849,7 +13565,7 @@
           <a:p>
             <a:r>
               <a:rPr lang="en-US" dirty="0" smtClean="0"/>
-              <a:t>Grouping functions – filtering by grouped data</a:t>
+              <a:t>Grouping functions</a:t>
             </a:r>
             <a:endParaRPr lang="en-US" dirty="0"/>
           </a:p>
@@ -9871,23 +13587,54 @@
           <a:lstStyle/>
           <a:p>
             <a:r>
+              <a:rPr lang="en-US" dirty="0"/>
+              <a:t>With grouped queries, you can arrange the rows you’re querying in groups and apply </a:t>
+            </a:r>
+            <a:r>
               <a:rPr lang="en-US" dirty="0" smtClean="0"/>
-              <a:t>Many often we need to perform search operations on already aggregated data</a:t>
-            </a:r>
+              <a:t>data analysis </a:t>
+            </a:r>
+            <a:r>
+              <a:rPr lang="en-US" dirty="0"/>
+              <a:t>computations like aggregate functions against those groups. </a:t>
+            </a:r>
+            <a:endParaRPr lang="en-US" dirty="0" smtClean="0"/>
           </a:p>
           <a:p>
             <a:r>
               <a:rPr lang="en-US" dirty="0" smtClean="0"/>
-              <a:t>WHERE expression filter the resultset before grouping</a:t>
-            </a:r>
-          </a:p>
-          <a:p>
+              <a:t>A </a:t>
+            </a:r>
+            <a:r>
+              <a:rPr lang="en-US" dirty="0"/>
+              <a:t>query becomes </a:t>
+            </a:r>
             <a:r>
               <a:rPr lang="en-US" dirty="0" smtClean="0"/>
-              <a:t>HAVING operator is used to filter data after grouping</a:t>
-            </a:r>
-          </a:p>
-          <a:p>
+              <a:t>a grouped </a:t>
+            </a:r>
+            <a:r>
+              <a:rPr lang="en-US" dirty="0"/>
+              <a:t>query when you use a group function, a GROUP BY clause, or both</a:t>
+            </a:r>
+            <a:r>
+              <a:rPr lang="en-US" dirty="0" smtClean="0"/>
+              <a:t>.</a:t>
+            </a:r>
+          </a:p>
+          <a:p>
+            <a:r>
+              <a:rPr lang="en-US" dirty="0"/>
+              <a:t>A query that invokes a group function but doesn’t have an explicit GROUP BY clause </a:t>
+            </a:r>
+            <a:r>
+              <a:rPr lang="en-US" dirty="0" smtClean="0"/>
+              <a:t>arranges all </a:t>
+            </a:r>
+            <a:r>
+              <a:rPr lang="en-US" dirty="0"/>
+              <a:t>rows in one group. Consider the following query as an </a:t>
+            </a:r>
             <a:r>
               <a:rPr lang="en-US" dirty="0" smtClean="0"/>
               <a:t>example:</a:t>
@@ -9898,21 +13645,21 @@
       </p:sp>
       <p:sp>
         <p:nvSpPr>
-          <p:cNvPr id="5" name="Rectangle 4"/>
+          <p:cNvPr id="4" name="Rectangle 3"/>
           <p:cNvSpPr/>
           <p:nvPr/>
         </p:nvSpPr>
         <p:spPr>
           <a:xfrm>
-            <a:off x="4593336" y="4287036"/>
-            <a:ext cx="6928104" cy="1477328"/>
+            <a:off x="1008888" y="4810405"/>
+            <a:ext cx="6096000" cy="1754326"/>
           </a:xfrm>
           <a:prstGeom prst="rect">
             <a:avLst/>
           </a:prstGeom>
         </p:spPr>
         <p:txBody>
-          <a:bodyPr wrap="square">
+          <a:bodyPr>
             <a:spAutoFit/>
           </a:bodyPr>
           <a:lstStyle/>
@@ -9936,49 +13683,78 @@
               <a:t> </a:t>
             </a:r>
             <a:r>
+              <a:rPr lang="en-US" dirty="0">
+                <a:solidFill>
+                  <a:srgbClr val="FF00FF"/>
+                </a:solidFill>
+                <a:latin typeface="Consolas" panose="020B0609020204030204" pitchFamily="49" charset="0"/>
+              </a:rPr>
+              <a:t>COUNT</a:t>
+            </a:r>
+            <a:r>
+              <a:rPr lang="en-US" dirty="0" smtClean="0">
+                <a:solidFill>
+                  <a:srgbClr val="808080"/>
+                </a:solidFill>
+                <a:latin typeface="Consolas" panose="020B0609020204030204" pitchFamily="49" charset="0"/>
+              </a:rPr>
+              <a:t>(*) </a:t>
+            </a:r>
+            <a:r>
+              <a:rPr lang="en-US" dirty="0">
+                <a:solidFill>
+                  <a:srgbClr val="0000FF"/>
+                </a:solidFill>
+                <a:latin typeface="Consolas" panose="020B0609020204030204" pitchFamily="49" charset="0"/>
+              </a:rPr>
+              <a:t>as</a:t>
+            </a:r>
+            <a:r>
+              <a:rPr lang="en-US" dirty="0">
+                <a:solidFill>
+                  <a:srgbClr val="000000"/>
+                </a:solidFill>
+                <a:latin typeface="Consolas" panose="020B0609020204030204" pitchFamily="49" charset="0"/>
+              </a:rPr>
+              <a:t> Total</a:t>
+            </a:r>
+          </a:p>
+          <a:p>
+            <a:r>
+              <a:rPr lang="en-US" dirty="0" smtClean="0">
+                <a:solidFill>
+                  <a:srgbClr val="0000FF"/>
+                </a:solidFill>
+                <a:latin typeface="Consolas" panose="020B0609020204030204" pitchFamily="49" charset="0"/>
+              </a:rPr>
+              <a:t>FROM</a:t>
+            </a:r>
+            <a:r>
+              <a:rPr lang="en-US" dirty="0" smtClean="0">
+                <a:solidFill>
+                  <a:srgbClr val="000000"/>
+                </a:solidFill>
+                <a:latin typeface="Consolas" panose="020B0609020204030204" pitchFamily="49" charset="0"/>
+              </a:rPr>
+              <a:t> </a:t>
+            </a:r>
+            <a:r>
               <a:rPr lang="en-US" dirty="0" err="1">
                 <a:solidFill>
                   <a:srgbClr val="000000"/>
                 </a:solidFill>
                 <a:latin typeface="Consolas" panose="020B0609020204030204" pitchFamily="49" charset="0"/>
               </a:rPr>
-              <a:t>BusinessEntityId</a:t>
-            </a:r>
-            <a:r>
-              <a:rPr lang="en-US" dirty="0">
+              <a:t>dbo</a:t>
+            </a:r>
+            <a:r>
+              <a:rPr lang="en-US" dirty="0" err="1">
                 <a:solidFill>
                   <a:srgbClr val="808080"/>
                 </a:solidFill>
                 <a:latin typeface="Consolas" panose="020B0609020204030204" pitchFamily="49" charset="0"/>
               </a:rPr>
-              <a:t>,</a:t>
-            </a:r>
-            <a:r>
-              <a:rPr lang="en-US" dirty="0">
-                <a:solidFill>
-                  <a:srgbClr val="000000"/>
-                </a:solidFill>
-                <a:latin typeface="Consolas" panose="020B0609020204030204" pitchFamily="49" charset="0"/>
-              </a:rPr>
-              <a:t> </a:t>
-            </a:r>
-            <a:r>
-              <a:rPr lang="en-US" dirty="0">
-                <a:solidFill>
-                  <a:srgbClr val="FF00FF"/>
-                </a:solidFill>
-                <a:latin typeface="Consolas" panose="020B0609020204030204" pitchFamily="49" charset="0"/>
-              </a:rPr>
-              <a:t>SUM</a:t>
-            </a:r>
-            <a:r>
-              <a:rPr lang="en-US" dirty="0">
-                <a:solidFill>
-                  <a:srgbClr val="808080"/>
-                </a:solidFill>
-                <a:latin typeface="Consolas" panose="020B0609020204030204" pitchFamily="49" charset="0"/>
-              </a:rPr>
-              <a:t>(</a:t>
+              <a:t>.</a:t>
             </a:r>
             <a:r>
               <a:rPr lang="en-US" dirty="0" err="1">
@@ -9987,184 +13763,7 @@
                 </a:solidFill>
                 <a:latin typeface="Consolas" panose="020B0609020204030204" pitchFamily="49" charset="0"/>
               </a:rPr>
-              <a:t>TotalPrice</a:t>
-            </a:r>
-            <a:r>
-              <a:rPr lang="en-US" dirty="0">
-                <a:solidFill>
-                  <a:srgbClr val="808080"/>
-                </a:solidFill>
-                <a:latin typeface="Consolas" panose="020B0609020204030204" pitchFamily="49" charset="0"/>
-              </a:rPr>
-              <a:t>)</a:t>
-            </a:r>
-            <a:r>
-              <a:rPr lang="en-US" dirty="0">
-                <a:solidFill>
-                  <a:srgbClr val="000000"/>
-                </a:solidFill>
-                <a:latin typeface="Consolas" panose="020B0609020204030204" pitchFamily="49" charset="0"/>
-              </a:rPr>
-              <a:t> </a:t>
-            </a:r>
-            <a:r>
-              <a:rPr lang="en-US" dirty="0">
-                <a:solidFill>
-                  <a:srgbClr val="0000FF"/>
-                </a:solidFill>
-                <a:latin typeface="Consolas" panose="020B0609020204030204" pitchFamily="49" charset="0"/>
-              </a:rPr>
-              <a:t>as</a:t>
-            </a:r>
-            <a:r>
-              <a:rPr lang="en-US" dirty="0">
-                <a:solidFill>
-                  <a:srgbClr val="000000"/>
-                </a:solidFill>
-                <a:latin typeface="Consolas" panose="020B0609020204030204" pitchFamily="49" charset="0"/>
-              </a:rPr>
-              <a:t> Total</a:t>
-            </a:r>
-          </a:p>
-          <a:p>
-            <a:r>
-              <a:rPr lang="en-US" dirty="0">
-                <a:solidFill>
-                  <a:srgbClr val="0000FF"/>
-                </a:solidFill>
-                <a:latin typeface="Consolas" panose="020B0609020204030204" pitchFamily="49" charset="0"/>
-              </a:rPr>
-              <a:t>FROM</a:t>
-            </a:r>
-            <a:r>
-              <a:rPr lang="en-US" dirty="0">
-                <a:solidFill>
-                  <a:srgbClr val="000000"/>
-                </a:solidFill>
-                <a:latin typeface="Consolas" panose="020B0609020204030204" pitchFamily="49" charset="0"/>
-              </a:rPr>
-              <a:t> dbo</a:t>
-            </a:r>
-            <a:r>
-              <a:rPr lang="en-US" dirty="0">
-                <a:solidFill>
-                  <a:srgbClr val="808080"/>
-                </a:solidFill>
-                <a:latin typeface="Consolas" panose="020B0609020204030204" pitchFamily="49" charset="0"/>
-              </a:rPr>
-              <a:t>.</a:t>
-            </a:r>
-            <a:r>
-              <a:rPr lang="en-US" dirty="0">
-                <a:solidFill>
-                  <a:srgbClr val="000000"/>
-                </a:solidFill>
-                <a:latin typeface="Consolas" panose="020B0609020204030204" pitchFamily="49" charset="0"/>
-              </a:rPr>
-              <a:t>[Order]</a:t>
-            </a:r>
-          </a:p>
-          <a:p>
-            <a:r>
-              <a:rPr lang="en-US" dirty="0">
-                <a:solidFill>
-                  <a:srgbClr val="0000FF"/>
-                </a:solidFill>
-                <a:latin typeface="Consolas" panose="020B0609020204030204" pitchFamily="49" charset="0"/>
-              </a:rPr>
-              <a:t>WHERE</a:t>
-            </a:r>
-            <a:r>
-              <a:rPr lang="en-US" dirty="0">
-                <a:solidFill>
-                  <a:srgbClr val="000000"/>
-                </a:solidFill>
-                <a:latin typeface="Consolas" panose="020B0609020204030204" pitchFamily="49" charset="0"/>
-              </a:rPr>
-              <a:t> </a:t>
-            </a:r>
-            <a:r>
-              <a:rPr lang="en-US" dirty="0" err="1">
-                <a:solidFill>
-                  <a:srgbClr val="000000"/>
-                </a:solidFill>
-                <a:latin typeface="Consolas" panose="020B0609020204030204" pitchFamily="49" charset="0"/>
-              </a:rPr>
-              <a:t>CustomerId</a:t>
-            </a:r>
-            <a:r>
-              <a:rPr lang="en-US" dirty="0">
-                <a:solidFill>
-                  <a:srgbClr val="000000"/>
-                </a:solidFill>
-                <a:latin typeface="Consolas" panose="020B0609020204030204" pitchFamily="49" charset="0"/>
-              </a:rPr>
-              <a:t> </a:t>
-            </a:r>
-            <a:r>
-              <a:rPr lang="en-US" dirty="0">
-                <a:solidFill>
-                  <a:srgbClr val="808080"/>
-                </a:solidFill>
-                <a:latin typeface="Consolas" panose="020B0609020204030204" pitchFamily="49" charset="0"/>
-              </a:rPr>
-              <a:t>&lt;</a:t>
-            </a:r>
-            <a:r>
-              <a:rPr lang="en-US" dirty="0">
-                <a:solidFill>
-                  <a:srgbClr val="000000"/>
-                </a:solidFill>
-                <a:latin typeface="Consolas" panose="020B0609020204030204" pitchFamily="49" charset="0"/>
-              </a:rPr>
-              <a:t> 20</a:t>
-            </a:r>
-          </a:p>
-          <a:p>
-            <a:r>
-              <a:rPr lang="en-US" dirty="0">
-                <a:solidFill>
-                  <a:srgbClr val="0000FF"/>
-                </a:solidFill>
-                <a:latin typeface="Consolas" panose="020B0609020204030204" pitchFamily="49" charset="0"/>
-              </a:rPr>
-              <a:t>GROUP</a:t>
-            </a:r>
-            <a:r>
-              <a:rPr lang="en-US" dirty="0">
-                <a:solidFill>
-                  <a:srgbClr val="000000"/>
-                </a:solidFill>
-                <a:latin typeface="Consolas" panose="020B0609020204030204" pitchFamily="49" charset="0"/>
-              </a:rPr>
-              <a:t> </a:t>
-            </a:r>
-            <a:r>
-              <a:rPr lang="en-US" dirty="0">
-                <a:solidFill>
-                  <a:srgbClr val="0000FF"/>
-                </a:solidFill>
-                <a:latin typeface="Consolas" panose="020B0609020204030204" pitchFamily="49" charset="0"/>
-              </a:rPr>
-              <a:t>BY</a:t>
-            </a:r>
-            <a:r>
-              <a:rPr lang="en-US" dirty="0">
-                <a:solidFill>
-                  <a:srgbClr val="000000"/>
-                </a:solidFill>
-                <a:latin typeface="Consolas" panose="020B0609020204030204" pitchFamily="49" charset="0"/>
-              </a:rPr>
-              <a:t> </a:t>
-            </a:r>
-            <a:r>
-              <a:rPr lang="en-US" dirty="0" err="1">
-                <a:solidFill>
-                  <a:srgbClr val="000000"/>
-                </a:solidFill>
-                <a:latin typeface="Consolas" panose="020B0609020204030204" pitchFamily="49" charset="0"/>
-              </a:rPr>
-              <a:t>BusinessEntityId</a:t>
+              <a:t>Employee</a:t>
             </a:r>
             <a:endParaRPr lang="en-US" dirty="0">
               <a:solidFill>
@@ -10174,184 +13773,6 @@
             </a:endParaRPr>
           </a:p>
           <a:p>
-            <a:r>
-              <a:rPr lang="en-US" dirty="0">
-                <a:solidFill>
-                  <a:srgbClr val="0000FF"/>
-                </a:solidFill>
-                <a:latin typeface="Consolas" panose="020B0609020204030204" pitchFamily="49" charset="0"/>
-              </a:rPr>
-              <a:t>HAVING</a:t>
-            </a:r>
-            <a:r>
-              <a:rPr lang="en-US" dirty="0">
-                <a:solidFill>
-                  <a:srgbClr val="000000"/>
-                </a:solidFill>
-                <a:latin typeface="Consolas" panose="020B0609020204030204" pitchFamily="49" charset="0"/>
-              </a:rPr>
-              <a:t> </a:t>
-            </a:r>
-            <a:r>
-              <a:rPr lang="en-US" dirty="0">
-                <a:solidFill>
-                  <a:srgbClr val="FF00FF"/>
-                </a:solidFill>
-                <a:latin typeface="Consolas" panose="020B0609020204030204" pitchFamily="49" charset="0"/>
-              </a:rPr>
-              <a:t>SUM</a:t>
-            </a:r>
-            <a:r>
-              <a:rPr lang="en-US" dirty="0">
-                <a:solidFill>
-                  <a:srgbClr val="808080"/>
-                </a:solidFill>
-                <a:latin typeface="Consolas" panose="020B0609020204030204" pitchFamily="49" charset="0"/>
-              </a:rPr>
-              <a:t>(</a:t>
-            </a:r>
-            <a:r>
-              <a:rPr lang="en-US" dirty="0" err="1">
-                <a:solidFill>
-                  <a:srgbClr val="000000"/>
-                </a:solidFill>
-                <a:latin typeface="Consolas" panose="020B0609020204030204" pitchFamily="49" charset="0"/>
-              </a:rPr>
-              <a:t>TotalPrice</a:t>
-            </a:r>
-            <a:r>
-              <a:rPr lang="en-US" dirty="0">
-                <a:solidFill>
-                  <a:srgbClr val="808080"/>
-                </a:solidFill>
-                <a:latin typeface="Consolas" panose="020B0609020204030204" pitchFamily="49" charset="0"/>
-              </a:rPr>
-              <a:t>)</a:t>
-            </a:r>
-            <a:r>
-              <a:rPr lang="en-US" dirty="0">
-                <a:solidFill>
-                  <a:srgbClr val="000000"/>
-                </a:solidFill>
-                <a:latin typeface="Consolas" panose="020B0609020204030204" pitchFamily="49" charset="0"/>
-              </a:rPr>
-              <a:t> </a:t>
-            </a:r>
-            <a:r>
-              <a:rPr lang="en-US" dirty="0">
-                <a:solidFill>
-                  <a:srgbClr val="808080"/>
-                </a:solidFill>
-                <a:latin typeface="Consolas" panose="020B0609020204030204" pitchFamily="49" charset="0"/>
-              </a:rPr>
-              <a:t>&gt;</a:t>
-            </a:r>
-            <a:r>
-              <a:rPr lang="en-US" dirty="0">
-                <a:solidFill>
-                  <a:srgbClr val="000000"/>
-                </a:solidFill>
-                <a:latin typeface="Consolas" panose="020B0609020204030204" pitchFamily="49" charset="0"/>
-              </a:rPr>
-              <a:t> 628920</a:t>
-            </a:r>
-            <a:endParaRPr lang="en-US" dirty="0"/>
-          </a:p>
-        </p:txBody>
-      </p:sp>
-      <p:sp>
-        <p:nvSpPr>
-          <p:cNvPr id="6" name="Rectangle 5"/>
-          <p:cNvSpPr/>
-          <p:nvPr/>
-        </p:nvSpPr>
-        <p:spPr>
-          <a:xfrm>
-            <a:off x="295656" y="4287036"/>
-            <a:ext cx="6096000" cy="1477328"/>
-          </a:xfrm>
-          <a:prstGeom prst="rect">
-            <a:avLst/>
-          </a:prstGeom>
-        </p:spPr>
-        <p:txBody>
-          <a:bodyPr>
-            <a:spAutoFit/>
-          </a:bodyPr>
-          <a:lstStyle/>
-          <a:p>
-            <a:r>
-              <a:rPr lang="en-US" dirty="0">
-                <a:solidFill>
-                  <a:srgbClr val="0000FF"/>
-                </a:solidFill>
-                <a:latin typeface="Consolas" panose="020B0609020204030204" pitchFamily="49" charset="0"/>
-              </a:rPr>
-              <a:t>SELECT</a:t>
-            </a:r>
-            <a:r>
-              <a:rPr lang="en-US" dirty="0">
-                <a:solidFill>
-                  <a:srgbClr val="000000"/>
-                </a:solidFill>
-                <a:latin typeface="Consolas" panose="020B0609020204030204" pitchFamily="49" charset="0"/>
-              </a:rPr>
-              <a:t> Column1</a:t>
-            </a:r>
-            <a:r>
-              <a:rPr lang="en-US" dirty="0">
-                <a:solidFill>
-                  <a:srgbClr val="808080"/>
-                </a:solidFill>
-                <a:latin typeface="Consolas" panose="020B0609020204030204" pitchFamily="49" charset="0"/>
-              </a:rPr>
-              <a:t>,</a:t>
-            </a:r>
-            <a:r>
-              <a:rPr lang="en-US" dirty="0">
-                <a:solidFill>
-                  <a:srgbClr val="000000"/>
-                </a:solidFill>
-                <a:latin typeface="Consolas" panose="020B0609020204030204" pitchFamily="49" charset="0"/>
-              </a:rPr>
-              <a:t> </a:t>
-            </a:r>
-            <a:r>
-              <a:rPr lang="en-US" dirty="0" err="1">
-                <a:solidFill>
-                  <a:srgbClr val="000000"/>
-                </a:solidFill>
-                <a:latin typeface="Consolas" panose="020B0609020204030204" pitchFamily="49" charset="0"/>
-              </a:rPr>
-              <a:t>fn</a:t>
-            </a:r>
-            <a:r>
-              <a:rPr lang="en-US" dirty="0">
-                <a:solidFill>
-                  <a:srgbClr val="808080"/>
-                </a:solidFill>
-                <a:latin typeface="Consolas" panose="020B0609020204030204" pitchFamily="49" charset="0"/>
-              </a:rPr>
-              <a:t>(</a:t>
-            </a:r>
-            <a:r>
-              <a:rPr lang="en-US" dirty="0" err="1">
-                <a:solidFill>
-                  <a:srgbClr val="000000"/>
-                </a:solidFill>
-                <a:latin typeface="Consolas" panose="020B0609020204030204" pitchFamily="49" charset="0"/>
-              </a:rPr>
-              <a:t>ColumnN</a:t>
-            </a:r>
-            <a:r>
-              <a:rPr lang="en-US" dirty="0">
-                <a:solidFill>
-                  <a:srgbClr val="808080"/>
-                </a:solidFill>
-                <a:latin typeface="Consolas" panose="020B0609020204030204" pitchFamily="49" charset="0"/>
-              </a:rPr>
-              <a:t>)</a:t>
-            </a:r>
             <a:endParaRPr lang="en-US" dirty="0">
               <a:solidFill>
                 <a:srgbClr val="000000"/>
@@ -10367,6 +13788,89 @@
                 </a:solidFill>
                 <a:latin typeface="Consolas" panose="020B0609020204030204" pitchFamily="49" charset="0"/>
               </a:rPr>
+              <a:t>SELECT</a:t>
+            </a:r>
+            <a:r>
+              <a:rPr lang="en-US" dirty="0">
+                <a:solidFill>
+                  <a:srgbClr val="000000"/>
+                </a:solidFill>
+                <a:latin typeface="Consolas" panose="020B0609020204030204" pitchFamily="49" charset="0"/>
+              </a:rPr>
+              <a:t> Gender</a:t>
+            </a:r>
+            <a:r>
+              <a:rPr lang="en-US" dirty="0">
+                <a:solidFill>
+                  <a:srgbClr val="808080"/>
+                </a:solidFill>
+                <a:latin typeface="Consolas" panose="020B0609020204030204" pitchFamily="49" charset="0"/>
+              </a:rPr>
+              <a:t>,</a:t>
+            </a:r>
+            <a:r>
+              <a:rPr lang="en-US" dirty="0">
+                <a:solidFill>
+                  <a:srgbClr val="000000"/>
+                </a:solidFill>
+                <a:latin typeface="Consolas" panose="020B0609020204030204" pitchFamily="49" charset="0"/>
+              </a:rPr>
+              <a:t> </a:t>
+            </a:r>
+            <a:r>
+              <a:rPr lang="en-US" dirty="0">
+                <a:solidFill>
+                  <a:srgbClr val="FF00FF"/>
+                </a:solidFill>
+                <a:latin typeface="Consolas" panose="020B0609020204030204" pitchFamily="49" charset="0"/>
+              </a:rPr>
+              <a:t>COUNT</a:t>
+            </a:r>
+            <a:r>
+              <a:rPr lang="en-US" dirty="0">
+                <a:solidFill>
+                  <a:srgbClr val="808080"/>
+                </a:solidFill>
+                <a:latin typeface="Consolas" panose="020B0609020204030204" pitchFamily="49" charset="0"/>
+              </a:rPr>
+              <a:t>(*)</a:t>
+            </a:r>
+            <a:r>
+              <a:rPr lang="en-US" dirty="0">
+                <a:solidFill>
+                  <a:srgbClr val="000000"/>
+                </a:solidFill>
+                <a:latin typeface="Consolas" panose="020B0609020204030204" pitchFamily="49" charset="0"/>
+              </a:rPr>
+              <a:t> </a:t>
+            </a:r>
+            <a:r>
+              <a:rPr lang="en-US" dirty="0">
+                <a:solidFill>
+                  <a:srgbClr val="0000FF"/>
+                </a:solidFill>
+                <a:latin typeface="Consolas" panose="020B0609020204030204" pitchFamily="49" charset="0"/>
+              </a:rPr>
+              <a:t>as</a:t>
+            </a:r>
+            <a:r>
+              <a:rPr lang="en-US" dirty="0">
+                <a:solidFill>
+                  <a:srgbClr val="000000"/>
+                </a:solidFill>
+                <a:latin typeface="Consolas" panose="020B0609020204030204" pitchFamily="49" charset="0"/>
+              </a:rPr>
+              <a:t> Total</a:t>
+            </a:r>
+          </a:p>
+          <a:p>
+            <a:r>
+              <a:rPr lang="en-US" dirty="0">
+                <a:solidFill>
+                  <a:srgbClr val="0000FF"/>
+                </a:solidFill>
+                <a:latin typeface="Consolas" panose="020B0609020204030204" pitchFamily="49" charset="0"/>
+              </a:rPr>
               <a:t>FROM</a:t>
             </a:r>
             <a:r>
@@ -10376,8 +13880,41 @@
                 </a:solidFill>
                 <a:latin typeface="Consolas" panose="020B0609020204030204" pitchFamily="49" charset="0"/>
               </a:rPr>
-              <a:t> Table1</a:t>
-            </a:r>
+              <a:t> </a:t>
+            </a:r>
+            <a:r>
+              <a:rPr lang="en-US" dirty="0" err="1">
+                <a:solidFill>
+                  <a:srgbClr val="000000"/>
+                </a:solidFill>
+                <a:latin typeface="Consolas" panose="020B0609020204030204" pitchFamily="49" charset="0"/>
+              </a:rPr>
+              <a:t>dbo</a:t>
+            </a:r>
+            <a:r>
+              <a:rPr lang="en-US" dirty="0" err="1">
+                <a:solidFill>
+                  <a:srgbClr val="808080"/>
+                </a:solidFill>
+                <a:latin typeface="Consolas" panose="020B0609020204030204" pitchFamily="49" charset="0"/>
+              </a:rPr>
+              <a:t>.</a:t>
+            </a:r>
+            <a:r>
+              <a:rPr lang="en-US" dirty="0" err="1">
+                <a:solidFill>
+                  <a:srgbClr val="000000"/>
+                </a:solidFill>
+                <a:latin typeface="Consolas" panose="020B0609020204030204" pitchFamily="49" charset="0"/>
+              </a:rPr>
+              <a:t>Employee</a:t>
+            </a:r>
+            <a:endParaRPr lang="en-US" dirty="0">
+              <a:solidFill>
+                <a:srgbClr val="000000"/>
+              </a:solidFill>
+              <a:latin typeface="Consolas" panose="020B0609020204030204" pitchFamily="49" charset="0"/>
+            </a:endParaRPr>
           </a:p>
           <a:p>
             <a:r>
@@ -10387,7 +13924,7 @@
                 </a:solidFill>
                 <a:latin typeface="Consolas" panose="020B0609020204030204" pitchFamily="49" charset="0"/>
               </a:rPr>
-              <a:t>WHERE</a:t>
+              <a:t>GROUP</a:t>
             </a:r>
             <a:r>
               <a:rPr lang="en-US" dirty="0">
@@ -10399,50 +13936,12 @@
               <a:t> </a:t>
             </a:r>
             <a:r>
-              <a:rPr lang="en-US" dirty="0" err="1">
-                <a:solidFill>
-                  <a:srgbClr val="000000"/>
-                </a:solidFill>
-                <a:latin typeface="Consolas" panose="020B0609020204030204" pitchFamily="49" charset="0"/>
-              </a:rPr>
-              <a:t>ColumnN</a:t>
-            </a:r>
-            <a:r>
-              <a:rPr lang="en-US" dirty="0">
-                <a:solidFill>
-                  <a:srgbClr val="000000"/>
-                </a:solidFill>
-                <a:latin typeface="Consolas" panose="020B0609020204030204" pitchFamily="49" charset="0"/>
-              </a:rPr>
-              <a:t> condition</a:t>
-            </a:r>
-          </a:p>
-          <a:p>
-            <a:r>
               <a:rPr lang="en-US" dirty="0">
                 <a:solidFill>
                   <a:srgbClr val="0000FF"/>
                 </a:solidFill>
                 <a:latin typeface="Consolas" panose="020B0609020204030204" pitchFamily="49" charset="0"/>
               </a:rPr>
-              <a:t>GROUP</a:t>
-            </a:r>
-            <a:r>
-              <a:rPr lang="en-US" dirty="0">
-                <a:solidFill>
-                  <a:srgbClr val="000000"/>
-                </a:solidFill>
-                <a:latin typeface="Consolas" panose="020B0609020204030204" pitchFamily="49" charset="0"/>
-              </a:rPr>
-              <a:t> </a:t>
-            </a:r>
-            <a:r>
-              <a:rPr lang="en-US" dirty="0">
-                <a:solidFill>
-                  <a:srgbClr val="0000FF"/>
-                </a:solidFill>
-                <a:latin typeface="Consolas" panose="020B0609020204030204" pitchFamily="49" charset="0"/>
-              </a:rPr>
               <a:t>BY</a:t>
             </a:r>
             <a:r>
@@ -10452,72 +13951,7 @@
                 </a:solidFill>
                 <a:latin typeface="Consolas" panose="020B0609020204030204" pitchFamily="49" charset="0"/>
               </a:rPr>
-              <a:t> Column1</a:t>
-            </a:r>
-          </a:p>
-          <a:p>
-            <a:r>
-              <a:rPr lang="en-US" dirty="0">
-                <a:solidFill>
-                  <a:srgbClr val="0000FF"/>
-                </a:solidFill>
-                <a:latin typeface="Consolas" panose="020B0609020204030204" pitchFamily="49" charset="0"/>
-              </a:rPr>
-              <a:t>HAVING</a:t>
-            </a:r>
-            <a:r>
-              <a:rPr lang="en-US" dirty="0">
-                <a:solidFill>
-                  <a:srgbClr val="000000"/>
-                </a:solidFill>
-                <a:latin typeface="Consolas" panose="020B0609020204030204" pitchFamily="49" charset="0"/>
-              </a:rPr>
-              <a:t> </a:t>
-            </a:r>
-            <a:r>
-              <a:rPr lang="en-US" dirty="0" err="1">
-                <a:solidFill>
-                  <a:srgbClr val="000000"/>
-                </a:solidFill>
-                <a:latin typeface="Consolas" panose="020B0609020204030204" pitchFamily="49" charset="0"/>
-              </a:rPr>
-              <a:t>fn</a:t>
-            </a:r>
-            <a:r>
-              <a:rPr lang="en-US" dirty="0">
-                <a:solidFill>
-                  <a:srgbClr val="808080"/>
-                </a:solidFill>
-                <a:latin typeface="Consolas" panose="020B0609020204030204" pitchFamily="49" charset="0"/>
-              </a:rPr>
-              <a:t>(</a:t>
-            </a:r>
-            <a:r>
-              <a:rPr lang="en-US" dirty="0" err="1">
-                <a:solidFill>
-                  <a:srgbClr val="000000"/>
-                </a:solidFill>
-                <a:latin typeface="Consolas" panose="020B0609020204030204" pitchFamily="49" charset="0"/>
-              </a:rPr>
-              <a:t>ColumnN</a:t>
-            </a:r>
-            <a:r>
-              <a:rPr lang="en-US" dirty="0">
-                <a:solidFill>
-                  <a:srgbClr val="808080"/>
-                </a:solidFill>
-                <a:latin typeface="Consolas" panose="020B0609020204030204" pitchFamily="49" charset="0"/>
-              </a:rPr>
-              <a:t>)</a:t>
-            </a:r>
-            <a:r>
-              <a:rPr lang="en-US" dirty="0">
-                <a:solidFill>
-                  <a:srgbClr val="000000"/>
-                </a:solidFill>
-                <a:latin typeface="Consolas" panose="020B0609020204030204" pitchFamily="49" charset="0"/>
-              </a:rPr>
-              <a:t> condition</a:t>
+              <a:t> Gender</a:t>
             </a:r>
             <a:endParaRPr lang="en-US" dirty="0"/>
           </a:p>
@@ -10526,7 +13960,7 @@
     </p:spTree>
     <p:extLst>
       <p:ext uri="{BB962C8B-B14F-4D97-AF65-F5344CB8AC3E}">
-        <p14:creationId xmlns:p14="http://schemas.microsoft.com/office/powerpoint/2010/main" val="3837776098"/>
+        <p14:creationId xmlns:p14="http://schemas.microsoft.com/office/powerpoint/2010/main" val="2683524337"/>
       </p:ext>
     </p:extLst>
   </p:cSld>

--- a/g1/Class 3/Presentation/Database Development and Design - Session 3.pptx
+++ b/g1/Class 3/Presentation/Database Development and Design - Session 3.pptx
@@ -5,7 +5,7 @@
     <p:sldMasterId id="2147483648" r:id="rId1"/>
   </p:sldMasterIdLst>
   <p:notesMasterIdLst>
-    <p:notesMasterId r:id="rId30"/>
+    <p:notesMasterId r:id="rId23"/>
   </p:notesMasterIdLst>
   <p:sldIdLst>
     <p:sldId id="297" r:id="rId2"/>
@@ -24,18 +24,11 @@
     <p:sldId id="393" r:id="rId15"/>
     <p:sldId id="395" r:id="rId16"/>
     <p:sldId id="396" r:id="rId17"/>
-    <p:sldId id="397" r:id="rId18"/>
-    <p:sldId id="398" r:id="rId19"/>
-    <p:sldId id="399" r:id="rId20"/>
-    <p:sldId id="345" r:id="rId21"/>
-    <p:sldId id="281" r:id="rId22"/>
-    <p:sldId id="282" r:id="rId23"/>
-    <p:sldId id="283" r:id="rId24"/>
-    <p:sldId id="400" r:id="rId25"/>
-    <p:sldId id="401" r:id="rId26"/>
-    <p:sldId id="402" r:id="rId27"/>
-    <p:sldId id="403" r:id="rId28"/>
-    <p:sldId id="404" r:id="rId29"/>
+    <p:sldId id="399" r:id="rId18"/>
+    <p:sldId id="345" r:id="rId19"/>
+    <p:sldId id="281" r:id="rId20"/>
+    <p:sldId id="282" r:id="rId21"/>
+    <p:sldId id="283" r:id="rId22"/>
   </p:sldIdLst>
   <p:sldSz cx="12192000" cy="6858000"/>
   <p:notesSz cx="6858000" cy="9144000"/>
@@ -175,8 +168,6 @@
           <p14:sldIdLst>
             <p14:sldId id="395"/>
             <p14:sldId id="396"/>
-            <p14:sldId id="397"/>
-            <p14:sldId id="398"/>
             <p14:sldId id="399"/>
           </p14:sldIdLst>
         </p14:section>
@@ -186,15 +177,6 @@
             <p14:sldId id="281"/>
             <p14:sldId id="282"/>
             <p14:sldId id="283"/>
-          </p14:sldIdLst>
-        </p14:section>
-        <p14:section name="Homework" id="{3638468B-2668-4040-841F-6E04CB1EAC2F}">
-          <p14:sldIdLst>
-            <p14:sldId id="400"/>
-            <p14:sldId id="401"/>
-            <p14:sldId id="402"/>
-            <p14:sldId id="403"/>
-            <p14:sldId id="404"/>
           </p14:sldIdLst>
         </p14:section>
       </p14:sectionLst>
@@ -291,7 +273,7 @@
           <a:p>
             <a:fld id="{080C2AC4-95A3-4C7D-BB88-DA8C525E531F}" type="datetimeFigureOut">
               <a:rPr lang="en-US" smtClean="0"/>
-              <a:t>5/16/2019</a:t>
+              <a:t>18-May-19</a:t>
             </a:fld>
             <a:endParaRPr lang="en-US"/>
           </a:p>
@@ -1450,7 +1432,7 @@
             <a:fld id="{B61BEF0D-F0BB-DE4B-95CE-6DB70DBA9567}" type="datetimeFigureOut">
               <a:rPr lang="en-US" dirty="0"/>
               <a:pPr/>
-              <a:t>5/16/2019</a:t>
+              <a:t>18-May-19</a:t>
             </a:fld>
             <a:endParaRPr lang="en-US" dirty="0"/>
           </a:p>
@@ -1698,7 +1680,7 @@
             <a:fld id="{B61BEF0D-F0BB-DE4B-95CE-6DB70DBA9567}" type="datetimeFigureOut">
               <a:rPr lang="en-US" dirty="0"/>
               <a:pPr/>
-              <a:t>5/16/2019</a:t>
+              <a:t>18-May-19</a:t>
             </a:fld>
             <a:endParaRPr lang="en-US" dirty="0"/>
           </a:p>
@@ -2009,7 +1991,7 @@
             <a:fld id="{B61BEF0D-F0BB-DE4B-95CE-6DB70DBA9567}" type="datetimeFigureOut">
               <a:rPr lang="en-US" dirty="0"/>
               <a:pPr/>
-              <a:t>5/16/2019</a:t>
+              <a:t>18-May-19</a:t>
             </a:fld>
             <a:endParaRPr lang="en-US" dirty="0"/>
           </a:p>
@@ -2347,7 +2329,7 @@
             <a:fld id="{B61BEF0D-F0BB-DE4B-95CE-6DB70DBA9567}" type="datetimeFigureOut">
               <a:rPr lang="en-US" dirty="0"/>
               <a:pPr/>
-              <a:t>5/16/2019</a:t>
+              <a:t>18-May-19</a:t>
             </a:fld>
             <a:endParaRPr lang="en-US" dirty="0"/>
           </a:p>
@@ -2658,7 +2640,7 @@
             <a:fld id="{B61BEF0D-F0BB-DE4B-95CE-6DB70DBA9567}" type="datetimeFigureOut">
               <a:rPr lang="en-US" dirty="0"/>
               <a:pPr/>
-              <a:t>5/16/2019</a:t>
+              <a:t>18-May-19</a:t>
             </a:fld>
             <a:endParaRPr lang="en-US" dirty="0"/>
           </a:p>
@@ -3048,7 +3030,7 @@
             <a:fld id="{B61BEF0D-F0BB-DE4B-95CE-6DB70DBA9567}" type="datetimeFigureOut">
               <a:rPr lang="en-US" dirty="0"/>
               <a:pPr/>
-              <a:t>5/16/2019</a:t>
+              <a:t>18-May-19</a:t>
             </a:fld>
             <a:endParaRPr lang="en-US" dirty="0"/>
           </a:p>
@@ -3214,7 +3196,7 @@
           <a:p>
             <a:fld id="{55C6B4A9-1611-4792-9094-5F34BCA07E0B}" type="datetimeFigureOut">
               <a:rPr lang="en-US" dirty="0"/>
-              <a:t>5/16/2019</a:t>
+              <a:t>18-May-19</a:t>
             </a:fld>
             <a:endParaRPr lang="en-US" dirty="0"/>
           </a:p>
@@ -3390,7 +3372,7 @@
             <a:fld id="{B61BEF0D-F0BB-DE4B-95CE-6DB70DBA9567}" type="datetimeFigureOut">
               <a:rPr lang="en-US" dirty="0"/>
               <a:pPr/>
-              <a:t>5/16/2019</a:t>
+              <a:t>18-May-19</a:t>
             </a:fld>
             <a:endParaRPr lang="en-US" dirty="0"/>
           </a:p>
@@ -3563,7 +3545,7 @@
             <a:fld id="{B61BEF0D-F0BB-DE4B-95CE-6DB70DBA9567}" type="datetimeFigureOut">
               <a:rPr lang="en-US" dirty="0"/>
               <a:pPr/>
-              <a:t>5/16/2019</a:t>
+              <a:t>18-May-19</a:t>
             </a:fld>
             <a:endParaRPr lang="en-US" dirty="0"/>
           </a:p>
@@ -3807,7 +3789,7 @@
             <a:fld id="{B61BEF0D-F0BB-DE4B-95CE-6DB70DBA9567}" type="datetimeFigureOut">
               <a:rPr lang="en-US" dirty="0"/>
               <a:pPr/>
-              <a:t>5/16/2019</a:t>
+              <a:t>18-May-19</a:t>
             </a:fld>
             <a:endParaRPr lang="en-US" dirty="0"/>
           </a:p>
@@ -4035,7 +4017,7 @@
           <a:p>
             <a:fld id="{EB712588-04B1-427B-82EE-E8DB90309F08}" type="datetimeFigureOut">
               <a:rPr lang="en-US" dirty="0"/>
-              <a:t>5/16/2019</a:t>
+              <a:t>18-May-19</a:t>
             </a:fld>
             <a:endParaRPr lang="en-US" dirty="0"/>
           </a:p>
@@ -4405,7 +4387,7 @@
             <a:fld id="{B61BEF0D-F0BB-DE4B-95CE-6DB70DBA9567}" type="datetimeFigureOut">
               <a:rPr lang="en-US" dirty="0"/>
               <a:pPr/>
-              <a:t>5/16/2019</a:t>
+              <a:t>18-May-19</a:t>
             </a:fld>
             <a:endParaRPr lang="en-US" dirty="0"/>
           </a:p>
@@ -4525,7 +4507,7 @@
             <a:fld id="{B61BEF0D-F0BB-DE4B-95CE-6DB70DBA9567}" type="datetimeFigureOut">
               <a:rPr lang="en-US" dirty="0"/>
               <a:pPr/>
-              <a:t>5/16/2019</a:t>
+              <a:t>18-May-19</a:t>
             </a:fld>
             <a:endParaRPr lang="en-US" dirty="0"/>
           </a:p>
@@ -4617,7 +4599,7 @@
             <a:fld id="{B61BEF0D-F0BB-DE4B-95CE-6DB70DBA9567}" type="datetimeFigureOut">
               <a:rPr lang="en-US" dirty="0"/>
               <a:pPr/>
-              <a:t>5/16/2019</a:t>
+              <a:t>18-May-19</a:t>
             </a:fld>
             <a:endParaRPr lang="en-US" dirty="0"/>
           </a:p>
@@ -4868,7 +4850,7 @@
           <a:p>
             <a:fld id="{42A54C80-263E-416B-A8E0-580EDEADCBDC}" type="datetimeFigureOut">
               <a:rPr lang="en-US" dirty="0"/>
-              <a:t>5/16/2019</a:t>
+              <a:t>18-May-19</a:t>
             </a:fld>
             <a:endParaRPr lang="en-US" dirty="0"/>
           </a:p>
@@ -5127,7 +5109,7 @@
             <a:fld id="{B61BEF0D-F0BB-DE4B-95CE-6DB70DBA9567}" type="datetimeFigureOut">
               <a:rPr lang="en-US" dirty="0"/>
               <a:pPr/>
-              <a:t>5/16/2019</a:t>
+              <a:t>18-May-19</a:t>
             </a:fld>
             <a:endParaRPr lang="en-US" dirty="0"/>
           </a:p>
@@ -5867,7 +5849,7 @@
             <a:fld id="{B61BEF0D-F0BB-DE4B-95CE-6DB70DBA9567}" type="datetimeFigureOut">
               <a:rPr lang="en-US" dirty="0"/>
               <a:pPr/>
-              <a:t>5/16/2019</a:t>
+              <a:t>18-May-19</a:t>
             </a:fld>
             <a:endParaRPr lang="en-US" dirty="0"/>
           </a:p>
@@ -8485,785 +8467,6 @@
           <a:p>
             <a:r>
               <a:rPr lang="en-US" dirty="0" smtClean="0"/>
-              <a:t>View additional settings</a:t>
-            </a:r>
-            <a:endParaRPr lang="en-US" dirty="0"/>
-          </a:p>
-        </p:txBody>
-      </p:sp>
-      <p:sp>
-        <p:nvSpPr>
-          <p:cNvPr id="3" name="Content Placeholder 2"/>
-          <p:cNvSpPr>
-            <a:spLocks noGrp="1"/>
-          </p:cNvSpPr>
-          <p:nvPr>
-            <p:ph idx="1"/>
-          </p:nvPr>
-        </p:nvSpPr>
-        <p:spPr>
-          <a:xfrm>
-            <a:off x="677334" y="1474789"/>
-            <a:ext cx="8596668" cy="3880773"/>
-          </a:xfrm>
-        </p:spPr>
-        <p:txBody>
-          <a:bodyPr/>
-          <a:lstStyle/>
-          <a:p>
-            <a:r>
-              <a:rPr lang="en-US" b="1" dirty="0" smtClean="0"/>
-              <a:t>WITH </a:t>
-            </a:r>
-            <a:r>
-              <a:rPr lang="en-US" b="1" dirty="0"/>
-              <a:t>SCHEMABINDING </a:t>
-            </a:r>
-            <a:r>
-              <a:rPr lang="en-US" dirty="0" smtClean="0"/>
-              <a:t>– option guarantees that </a:t>
-            </a:r>
-            <a:r>
-              <a:rPr lang="en-US" dirty="0"/>
-              <a:t>the underlying table structures cannot be altered without dropping the view</a:t>
-            </a:r>
-          </a:p>
-          <a:p>
-            <a:r>
-              <a:rPr lang="en-US" dirty="0" smtClean="0"/>
-              <a:t>To </a:t>
-            </a:r>
-            <a:r>
-              <a:rPr lang="en-US" dirty="0"/>
-              <a:t>create a view, you name the view and then specify the SELECT statement that </a:t>
-            </a:r>
-            <a:r>
-              <a:rPr lang="en-US" dirty="0" smtClean="0"/>
-              <a:t>will constitute </a:t>
-            </a:r>
-            <a:r>
-              <a:rPr lang="en-US" dirty="0"/>
-              <a:t>the view</a:t>
-            </a:r>
-            <a:r>
-              <a:rPr lang="en-US" dirty="0" smtClean="0"/>
-              <a:t>.</a:t>
-            </a:r>
-          </a:p>
-          <a:p>
-            <a:r>
-              <a:rPr lang="en-US" dirty="0" smtClean="0"/>
-              <a:t>Example:</a:t>
-            </a:r>
-          </a:p>
-          <a:p>
-            <a:endParaRPr lang="en-US" dirty="0" smtClean="0"/>
-          </a:p>
-          <a:p>
-            <a:endParaRPr lang="en-US" dirty="0"/>
-          </a:p>
-        </p:txBody>
-      </p:sp>
-      <p:sp>
-        <p:nvSpPr>
-          <p:cNvPr id="6" name="Rectangle 5"/>
-          <p:cNvSpPr/>
-          <p:nvPr/>
-        </p:nvSpPr>
-        <p:spPr>
-          <a:xfrm>
-            <a:off x="1027176" y="3182773"/>
-            <a:ext cx="6096000" cy="1754326"/>
-          </a:xfrm>
-          <a:prstGeom prst="rect">
-            <a:avLst/>
-          </a:prstGeom>
-        </p:spPr>
-        <p:txBody>
-          <a:bodyPr>
-            <a:spAutoFit/>
-          </a:bodyPr>
-          <a:lstStyle/>
-          <a:p>
-            <a:r>
-              <a:rPr lang="en-US" dirty="0">
-                <a:solidFill>
-                  <a:srgbClr val="0000FF"/>
-                </a:solidFill>
-                <a:latin typeface="Consolas" panose="020B0609020204030204" pitchFamily="49" charset="0"/>
-              </a:rPr>
-              <a:t>CREATE</a:t>
-            </a:r>
-            <a:r>
-              <a:rPr lang="en-US" dirty="0">
-                <a:solidFill>
-                  <a:srgbClr val="000000"/>
-                </a:solidFill>
-                <a:latin typeface="Consolas" panose="020B0609020204030204" pitchFamily="49" charset="0"/>
-              </a:rPr>
-              <a:t> </a:t>
-            </a:r>
-            <a:r>
-              <a:rPr lang="en-US" dirty="0">
-                <a:solidFill>
-                  <a:srgbClr val="0000FF"/>
-                </a:solidFill>
-                <a:latin typeface="Consolas" panose="020B0609020204030204" pitchFamily="49" charset="0"/>
-              </a:rPr>
-              <a:t>VIEW</a:t>
-            </a:r>
-            <a:r>
-              <a:rPr lang="en-US" dirty="0">
-                <a:solidFill>
-                  <a:srgbClr val="000000"/>
-                </a:solidFill>
-                <a:latin typeface="Consolas" panose="020B0609020204030204" pitchFamily="49" charset="0"/>
-              </a:rPr>
-              <a:t> </a:t>
-            </a:r>
-            <a:r>
-              <a:rPr lang="en-US" dirty="0" err="1">
-                <a:solidFill>
-                  <a:srgbClr val="000000"/>
-                </a:solidFill>
-                <a:latin typeface="Consolas" panose="020B0609020204030204" pitchFamily="49" charset="0"/>
-              </a:rPr>
-              <a:t>MaleEmployees</a:t>
-            </a:r>
-            <a:endParaRPr lang="en-US" dirty="0">
-              <a:solidFill>
-                <a:srgbClr val="000000"/>
-              </a:solidFill>
-              <a:latin typeface="Consolas" panose="020B0609020204030204" pitchFamily="49" charset="0"/>
-            </a:endParaRPr>
-          </a:p>
-          <a:p>
-            <a:r>
-              <a:rPr lang="en-US" dirty="0">
-                <a:solidFill>
-                  <a:srgbClr val="0000FF"/>
-                </a:solidFill>
-                <a:latin typeface="Consolas" panose="020B0609020204030204" pitchFamily="49" charset="0"/>
-              </a:rPr>
-              <a:t>WITH</a:t>
-            </a:r>
-            <a:r>
-              <a:rPr lang="en-US" dirty="0">
-                <a:solidFill>
-                  <a:srgbClr val="000000"/>
-                </a:solidFill>
-                <a:latin typeface="Consolas" panose="020B0609020204030204" pitchFamily="49" charset="0"/>
-              </a:rPr>
-              <a:t> </a:t>
-            </a:r>
-            <a:r>
-              <a:rPr lang="en-US" dirty="0">
-                <a:solidFill>
-                  <a:srgbClr val="0000FF"/>
-                </a:solidFill>
-                <a:latin typeface="Consolas" panose="020B0609020204030204" pitchFamily="49" charset="0"/>
-              </a:rPr>
-              <a:t>SCHEMABINDING</a:t>
-            </a:r>
-            <a:endParaRPr lang="en-US" dirty="0">
-              <a:solidFill>
-                <a:srgbClr val="000000"/>
-              </a:solidFill>
-              <a:latin typeface="Consolas" panose="020B0609020204030204" pitchFamily="49" charset="0"/>
-            </a:endParaRPr>
-          </a:p>
-          <a:p>
-            <a:r>
-              <a:rPr lang="en-US" dirty="0">
-                <a:solidFill>
-                  <a:srgbClr val="0000FF"/>
-                </a:solidFill>
-                <a:latin typeface="Consolas" panose="020B0609020204030204" pitchFamily="49" charset="0"/>
-              </a:rPr>
-              <a:t>AS</a:t>
-            </a:r>
-            <a:endParaRPr lang="en-US" dirty="0">
-              <a:solidFill>
-                <a:srgbClr val="000000"/>
-              </a:solidFill>
-              <a:latin typeface="Consolas" panose="020B0609020204030204" pitchFamily="49" charset="0"/>
-            </a:endParaRPr>
-          </a:p>
-          <a:p>
-            <a:r>
-              <a:rPr lang="en-US" dirty="0">
-                <a:solidFill>
-                  <a:srgbClr val="0000FF"/>
-                </a:solidFill>
-                <a:latin typeface="Consolas" panose="020B0609020204030204" pitchFamily="49" charset="0"/>
-              </a:rPr>
-              <a:t>SELECT</a:t>
-            </a:r>
-            <a:r>
-              <a:rPr lang="en-US" dirty="0">
-                <a:solidFill>
-                  <a:srgbClr val="000000"/>
-                </a:solidFill>
-                <a:latin typeface="Consolas" panose="020B0609020204030204" pitchFamily="49" charset="0"/>
-              </a:rPr>
-              <a:t> </a:t>
-            </a:r>
-            <a:r>
-              <a:rPr lang="en-US" dirty="0"/>
-              <a:t>Id</a:t>
-            </a:r>
-            <a:r>
-              <a:rPr lang="en-US" dirty="0" smtClean="0"/>
-              <a:t>, </a:t>
-            </a:r>
-            <a:r>
-              <a:rPr lang="en-US" dirty="0" err="1" smtClean="0">
-                <a:solidFill>
-                  <a:srgbClr val="000000"/>
-                </a:solidFill>
-                <a:latin typeface="Consolas" panose="020B0609020204030204" pitchFamily="49" charset="0"/>
-              </a:rPr>
-              <a:t>FirstName</a:t>
-            </a:r>
-            <a:r>
-              <a:rPr lang="en-US" dirty="0" err="1" smtClean="0">
-                <a:solidFill>
-                  <a:srgbClr val="808080"/>
-                </a:solidFill>
-                <a:latin typeface="Consolas" panose="020B0609020204030204" pitchFamily="49" charset="0"/>
-              </a:rPr>
-              <a:t>,</a:t>
-            </a:r>
-            <a:r>
-              <a:rPr lang="en-US" dirty="0" err="1" smtClean="0">
-                <a:solidFill>
-                  <a:srgbClr val="000000"/>
-                </a:solidFill>
-                <a:latin typeface="Consolas" panose="020B0609020204030204" pitchFamily="49" charset="0"/>
-              </a:rPr>
-              <a:t>LastName</a:t>
-            </a:r>
-            <a:r>
-              <a:rPr lang="en-US" dirty="0" err="1" smtClean="0">
-                <a:solidFill>
-                  <a:srgbClr val="808080"/>
-                </a:solidFill>
-                <a:latin typeface="Consolas" panose="020B0609020204030204" pitchFamily="49" charset="0"/>
-              </a:rPr>
-              <a:t>,</a:t>
-            </a:r>
-            <a:r>
-              <a:rPr lang="en-US" dirty="0" err="1" smtClean="0">
-                <a:solidFill>
-                  <a:srgbClr val="000000"/>
-                </a:solidFill>
-                <a:latin typeface="Consolas" panose="020B0609020204030204" pitchFamily="49" charset="0"/>
-              </a:rPr>
-              <a:t>HireDate</a:t>
-            </a:r>
-            <a:r>
-              <a:rPr lang="en-US" dirty="0" smtClean="0">
-                <a:solidFill>
-                  <a:srgbClr val="000000"/>
-                </a:solidFill>
-                <a:latin typeface="Consolas" panose="020B0609020204030204" pitchFamily="49" charset="0"/>
-              </a:rPr>
-              <a:t> </a:t>
-            </a:r>
-            <a:endParaRPr lang="en-US" dirty="0">
-              <a:solidFill>
-                <a:srgbClr val="000000"/>
-              </a:solidFill>
-              <a:latin typeface="Consolas" panose="020B0609020204030204" pitchFamily="49" charset="0"/>
-            </a:endParaRPr>
-          </a:p>
-          <a:p>
-            <a:r>
-              <a:rPr lang="en-US" dirty="0">
-                <a:solidFill>
-                  <a:srgbClr val="0000FF"/>
-                </a:solidFill>
-                <a:latin typeface="Consolas" panose="020B0609020204030204" pitchFamily="49" charset="0"/>
-              </a:rPr>
-              <a:t>FROM</a:t>
-            </a:r>
-            <a:r>
-              <a:rPr lang="en-US" dirty="0">
-                <a:solidFill>
-                  <a:srgbClr val="000000"/>
-                </a:solidFill>
-                <a:latin typeface="Consolas" panose="020B0609020204030204" pitchFamily="49" charset="0"/>
-              </a:rPr>
-              <a:t> </a:t>
-            </a:r>
-            <a:r>
-              <a:rPr lang="en-US" dirty="0" err="1">
-                <a:solidFill>
-                  <a:srgbClr val="000000"/>
-                </a:solidFill>
-                <a:latin typeface="Consolas" panose="020B0609020204030204" pitchFamily="49" charset="0"/>
-              </a:rPr>
-              <a:t>dbo</a:t>
-            </a:r>
-            <a:r>
-              <a:rPr lang="en-US" dirty="0" err="1">
-                <a:solidFill>
-                  <a:srgbClr val="808080"/>
-                </a:solidFill>
-                <a:latin typeface="Consolas" panose="020B0609020204030204" pitchFamily="49" charset="0"/>
-              </a:rPr>
-              <a:t>.</a:t>
-            </a:r>
-            <a:r>
-              <a:rPr lang="en-US" dirty="0" err="1">
-                <a:solidFill>
-                  <a:srgbClr val="000000"/>
-                </a:solidFill>
-                <a:latin typeface="Consolas" panose="020B0609020204030204" pitchFamily="49" charset="0"/>
-              </a:rPr>
-              <a:t>Employee</a:t>
-            </a:r>
-            <a:endParaRPr lang="en-US" dirty="0">
-              <a:solidFill>
-                <a:srgbClr val="000000"/>
-              </a:solidFill>
-              <a:latin typeface="Consolas" panose="020B0609020204030204" pitchFamily="49" charset="0"/>
-            </a:endParaRPr>
-          </a:p>
-          <a:p>
-            <a:r>
-              <a:rPr lang="en-US" dirty="0">
-                <a:solidFill>
-                  <a:srgbClr val="0000FF"/>
-                </a:solidFill>
-                <a:latin typeface="Consolas" panose="020B0609020204030204" pitchFamily="49" charset="0"/>
-              </a:rPr>
-              <a:t>WHERE</a:t>
-            </a:r>
-            <a:r>
-              <a:rPr lang="en-US" dirty="0">
-                <a:solidFill>
-                  <a:srgbClr val="000000"/>
-                </a:solidFill>
-                <a:latin typeface="Consolas" panose="020B0609020204030204" pitchFamily="49" charset="0"/>
-              </a:rPr>
-              <a:t> Gender </a:t>
-            </a:r>
-            <a:r>
-              <a:rPr lang="en-US" dirty="0">
-                <a:solidFill>
-                  <a:srgbClr val="808080"/>
-                </a:solidFill>
-                <a:latin typeface="Consolas" panose="020B0609020204030204" pitchFamily="49" charset="0"/>
-              </a:rPr>
-              <a:t>=</a:t>
-            </a:r>
-            <a:r>
-              <a:rPr lang="en-US" dirty="0">
-                <a:solidFill>
-                  <a:srgbClr val="000000"/>
-                </a:solidFill>
-                <a:latin typeface="Consolas" panose="020B0609020204030204" pitchFamily="49" charset="0"/>
-              </a:rPr>
-              <a:t> </a:t>
-            </a:r>
-            <a:r>
-              <a:rPr lang="en-US" dirty="0">
-                <a:solidFill>
-                  <a:srgbClr val="FF0000"/>
-                </a:solidFill>
-                <a:latin typeface="Consolas" panose="020B0609020204030204" pitchFamily="49" charset="0"/>
-              </a:rPr>
-              <a:t>'M'</a:t>
-            </a:r>
-            <a:endParaRPr lang="en-US" dirty="0"/>
-          </a:p>
-        </p:txBody>
-      </p:sp>
-    </p:spTree>
-    <p:extLst>
-      <p:ext uri="{BB962C8B-B14F-4D97-AF65-F5344CB8AC3E}">
-        <p14:creationId xmlns:p14="http://schemas.microsoft.com/office/powerpoint/2010/main" val="4031006431"/>
-      </p:ext>
-    </p:extLst>
-  </p:cSld>
-  <p:clrMapOvr>
-    <a:masterClrMapping/>
-  </p:clrMapOvr>
-</p:sld>
-</file>
-
-<file path=ppt/slides/slide18.xml><?xml version="1.0" encoding="utf-8"?>
-<p:sld xmlns:a="http://schemas.openxmlformats.org/drawingml/2006/main" xmlns:r="http://schemas.openxmlformats.org/officeDocument/2006/relationships" xmlns:p="http://schemas.openxmlformats.org/presentationml/2006/main">
-  <p:cSld>
-    <p:spTree>
-      <p:nvGrpSpPr>
-        <p:cNvPr id="1" name=""/>
-        <p:cNvGrpSpPr/>
-        <p:nvPr/>
-      </p:nvGrpSpPr>
-      <p:grpSpPr>
-        <a:xfrm>
-          <a:off x="0" y="0"/>
-          <a:ext cx="0" cy="0"/>
-          <a:chOff x="0" y="0"/>
-          <a:chExt cx="0" cy="0"/>
-        </a:xfrm>
-      </p:grpSpPr>
-      <p:sp>
-        <p:nvSpPr>
-          <p:cNvPr id="2" name="Title 1"/>
-          <p:cNvSpPr>
-            <a:spLocks noGrp="1"/>
-          </p:cNvSpPr>
-          <p:nvPr>
-            <p:ph type="title"/>
-          </p:nvPr>
-        </p:nvSpPr>
-        <p:spPr/>
-        <p:txBody>
-          <a:bodyPr/>
-          <a:lstStyle/>
-          <a:p>
-            <a:r>
-              <a:rPr lang="en-GB" dirty="0" smtClean="0"/>
-              <a:t>Indexed </a:t>
-            </a:r>
-            <a:r>
-              <a:rPr lang="en-US" dirty="0" smtClean="0"/>
-              <a:t>View</a:t>
-            </a:r>
-            <a:endParaRPr lang="en-US" dirty="0"/>
-          </a:p>
-        </p:txBody>
-      </p:sp>
-      <p:sp>
-        <p:nvSpPr>
-          <p:cNvPr id="3" name="Content Placeholder 2"/>
-          <p:cNvSpPr>
-            <a:spLocks noGrp="1"/>
-          </p:cNvSpPr>
-          <p:nvPr>
-            <p:ph idx="1"/>
-          </p:nvPr>
-        </p:nvSpPr>
-        <p:spPr>
-          <a:xfrm>
-            <a:off x="677334" y="1474789"/>
-            <a:ext cx="8596668" cy="3880773"/>
-          </a:xfrm>
-        </p:spPr>
-        <p:txBody>
-          <a:bodyPr>
-            <a:normAutofit/>
-          </a:bodyPr>
-          <a:lstStyle/>
-          <a:p>
-            <a:r>
-              <a:rPr lang="en-US" dirty="0" smtClean="0"/>
-              <a:t>View </a:t>
-            </a:r>
-            <a:r>
-              <a:rPr lang="en-US" dirty="0"/>
-              <a:t>is just a definition by a SELECT statement of how the results should be </a:t>
-            </a:r>
-            <a:r>
-              <a:rPr lang="en-US" dirty="0" smtClean="0"/>
-              <a:t>built - no </a:t>
-            </a:r>
-            <a:r>
-              <a:rPr lang="en-US" dirty="0"/>
-              <a:t>data is </a:t>
-            </a:r>
-            <a:r>
-              <a:rPr lang="en-US" dirty="0" smtClean="0"/>
-              <a:t>stored</a:t>
-            </a:r>
-          </a:p>
-          <a:p>
-            <a:r>
-              <a:rPr lang="en-GB" dirty="0" smtClean="0"/>
-              <a:t>It is possible to create view that will keep copy of the data included in the view – it is called indexed view</a:t>
-            </a:r>
-          </a:p>
-          <a:p>
-            <a:r>
-              <a:rPr lang="en-GB" dirty="0" smtClean="0"/>
-              <a:t>Reasons for indexing view:</a:t>
-            </a:r>
-          </a:p>
-          <a:p>
-            <a:pPr lvl="1"/>
-            <a:r>
-              <a:rPr lang="en-GB" dirty="0" smtClean="0"/>
-              <a:t>Improve performance of the query</a:t>
-            </a:r>
-          </a:p>
-          <a:p>
-            <a:r>
-              <a:rPr lang="en-GB" dirty="0" smtClean="0"/>
-              <a:t>Limitations:</a:t>
-            </a:r>
-          </a:p>
-          <a:p>
-            <a:pPr lvl="1"/>
-            <a:r>
-              <a:rPr lang="en-US" dirty="0" smtClean="0"/>
-              <a:t>T-SQL can’t contain COUNT</a:t>
-            </a:r>
-            <a:r>
-              <a:rPr lang="en-US" dirty="0"/>
-              <a:t>, MIN, MAX, TOP, outer </a:t>
-            </a:r>
-            <a:r>
-              <a:rPr lang="en-US" dirty="0" smtClean="0"/>
-              <a:t>joins</a:t>
-            </a:r>
-            <a:endParaRPr lang="en-US" dirty="0"/>
-          </a:p>
-          <a:p>
-            <a:endParaRPr lang="en-US" dirty="0" smtClean="0"/>
-          </a:p>
-          <a:p>
-            <a:r>
-              <a:rPr lang="en-US" dirty="0" smtClean="0"/>
-              <a:t>How to index the view:</a:t>
-            </a:r>
-          </a:p>
-          <a:p>
-            <a:endParaRPr lang="en-US" dirty="0" smtClean="0"/>
-          </a:p>
-          <a:p>
-            <a:endParaRPr lang="en-US" dirty="0" smtClean="0"/>
-          </a:p>
-          <a:p>
-            <a:endParaRPr lang="en-US" dirty="0"/>
-          </a:p>
-        </p:txBody>
-      </p:sp>
-      <p:sp>
-        <p:nvSpPr>
-          <p:cNvPr id="4" name="Rectangle 3"/>
-          <p:cNvSpPr/>
-          <p:nvPr/>
-        </p:nvSpPr>
-        <p:spPr>
-          <a:xfrm>
-            <a:off x="1036320" y="4893897"/>
-            <a:ext cx="6096000" cy="923330"/>
-          </a:xfrm>
-          <a:prstGeom prst="rect">
-            <a:avLst/>
-          </a:prstGeom>
-        </p:spPr>
-        <p:txBody>
-          <a:bodyPr>
-            <a:spAutoFit/>
-          </a:bodyPr>
-          <a:lstStyle/>
-          <a:p>
-            <a:endParaRPr lang="en-US" dirty="0">
-              <a:solidFill>
-                <a:srgbClr val="000000"/>
-              </a:solidFill>
-              <a:latin typeface="Consolas" panose="020B0609020204030204" pitchFamily="49" charset="0"/>
-            </a:endParaRPr>
-          </a:p>
-          <a:p>
-            <a:r>
-              <a:rPr lang="en-US" dirty="0">
-                <a:solidFill>
-                  <a:srgbClr val="0000FF"/>
-                </a:solidFill>
-                <a:latin typeface="Consolas" panose="020B0609020204030204" pitchFamily="49" charset="0"/>
-              </a:rPr>
-              <a:t>CREATE</a:t>
-            </a:r>
-            <a:r>
-              <a:rPr lang="en-US" dirty="0">
-                <a:solidFill>
-                  <a:srgbClr val="000000"/>
-                </a:solidFill>
-                <a:latin typeface="Consolas" panose="020B0609020204030204" pitchFamily="49" charset="0"/>
-              </a:rPr>
-              <a:t> </a:t>
-            </a:r>
-            <a:r>
-              <a:rPr lang="en-US" dirty="0">
-                <a:solidFill>
-                  <a:srgbClr val="0000FF"/>
-                </a:solidFill>
-                <a:latin typeface="Consolas" panose="020B0609020204030204" pitchFamily="49" charset="0"/>
-              </a:rPr>
-              <a:t>UNIQUE</a:t>
-            </a:r>
-            <a:r>
-              <a:rPr lang="en-US" dirty="0">
-                <a:solidFill>
-                  <a:srgbClr val="000000"/>
-                </a:solidFill>
-                <a:latin typeface="Consolas" panose="020B0609020204030204" pitchFamily="49" charset="0"/>
-              </a:rPr>
-              <a:t> </a:t>
-            </a:r>
-            <a:r>
-              <a:rPr lang="en-US" dirty="0">
-                <a:solidFill>
-                  <a:srgbClr val="0000FF"/>
-                </a:solidFill>
-                <a:latin typeface="Consolas" panose="020B0609020204030204" pitchFamily="49" charset="0"/>
-              </a:rPr>
-              <a:t>CLUSTERED</a:t>
-            </a:r>
-            <a:r>
-              <a:rPr lang="en-US" dirty="0">
-                <a:solidFill>
-                  <a:srgbClr val="000000"/>
-                </a:solidFill>
-                <a:latin typeface="Consolas" panose="020B0609020204030204" pitchFamily="49" charset="0"/>
-              </a:rPr>
-              <a:t> </a:t>
-            </a:r>
-            <a:r>
-              <a:rPr lang="en-US" dirty="0">
-                <a:solidFill>
-                  <a:srgbClr val="0000FF"/>
-                </a:solidFill>
-                <a:latin typeface="Consolas" panose="020B0609020204030204" pitchFamily="49" charset="0"/>
-              </a:rPr>
-              <a:t>INDEX</a:t>
-            </a:r>
-            <a:r>
-              <a:rPr lang="en-US" dirty="0">
-                <a:solidFill>
-                  <a:srgbClr val="000000"/>
-                </a:solidFill>
-                <a:latin typeface="Consolas" panose="020B0609020204030204" pitchFamily="49" charset="0"/>
-              </a:rPr>
-              <a:t> </a:t>
-            </a:r>
-            <a:r>
-              <a:rPr lang="en-US" dirty="0" err="1">
-                <a:solidFill>
-                  <a:srgbClr val="000000"/>
-                </a:solidFill>
-                <a:latin typeface="Consolas" panose="020B0609020204030204" pitchFamily="49" charset="0"/>
-              </a:rPr>
-              <a:t>ix_MaleEmployees</a:t>
-            </a:r>
-            <a:endParaRPr lang="en-US" dirty="0">
-              <a:solidFill>
-                <a:srgbClr val="000000"/>
-              </a:solidFill>
-              <a:latin typeface="Consolas" panose="020B0609020204030204" pitchFamily="49" charset="0"/>
-            </a:endParaRPr>
-          </a:p>
-          <a:p>
-            <a:r>
-              <a:rPr lang="en-US" dirty="0">
-                <a:solidFill>
-                  <a:srgbClr val="0000FF"/>
-                </a:solidFill>
-                <a:latin typeface="Consolas" panose="020B0609020204030204" pitchFamily="49" charset="0"/>
-              </a:rPr>
-              <a:t>ON</a:t>
-            </a:r>
-            <a:r>
-              <a:rPr lang="en-US" dirty="0">
-                <a:solidFill>
-                  <a:srgbClr val="000000"/>
-                </a:solidFill>
-                <a:latin typeface="Consolas" panose="020B0609020204030204" pitchFamily="49" charset="0"/>
-              </a:rPr>
-              <a:t> </a:t>
-            </a:r>
-            <a:r>
-              <a:rPr lang="en-US" dirty="0" err="1">
-                <a:solidFill>
-                  <a:srgbClr val="000000"/>
-                </a:solidFill>
-                <a:latin typeface="Consolas" panose="020B0609020204030204" pitchFamily="49" charset="0"/>
-              </a:rPr>
-              <a:t>MaleEmployees</a:t>
-            </a:r>
-            <a:r>
-              <a:rPr lang="en-US" dirty="0">
-                <a:solidFill>
-                  <a:srgbClr val="808080"/>
-                </a:solidFill>
-                <a:latin typeface="Consolas" panose="020B0609020204030204" pitchFamily="49" charset="0"/>
-              </a:rPr>
-              <a:t>(</a:t>
-            </a:r>
-            <a:r>
-              <a:rPr lang="en-US" dirty="0">
-                <a:solidFill>
-                  <a:srgbClr val="000000"/>
-                </a:solidFill>
-                <a:latin typeface="Consolas" panose="020B0609020204030204" pitchFamily="49" charset="0"/>
-              </a:rPr>
-              <a:t>Id</a:t>
-            </a:r>
-            <a:r>
-              <a:rPr lang="en-US" dirty="0">
-                <a:solidFill>
-                  <a:srgbClr val="808080"/>
-                </a:solidFill>
-                <a:latin typeface="Consolas" panose="020B0609020204030204" pitchFamily="49" charset="0"/>
-              </a:rPr>
-              <a:t>)</a:t>
-            </a:r>
-            <a:endParaRPr lang="en-US" dirty="0"/>
-          </a:p>
-        </p:txBody>
-      </p:sp>
-    </p:spTree>
-    <p:extLst>
-      <p:ext uri="{BB962C8B-B14F-4D97-AF65-F5344CB8AC3E}">
-        <p14:creationId xmlns:p14="http://schemas.microsoft.com/office/powerpoint/2010/main" val="906236389"/>
-      </p:ext>
-    </p:extLst>
-  </p:cSld>
-  <p:clrMapOvr>
-    <a:masterClrMapping/>
-  </p:clrMapOvr>
-</p:sld>
-</file>
-
-<file path=ppt/slides/slide19.xml><?xml version="1.0" encoding="utf-8"?>
-<p:sld xmlns:a="http://schemas.openxmlformats.org/drawingml/2006/main" xmlns:r="http://schemas.openxmlformats.org/officeDocument/2006/relationships" xmlns:p="http://schemas.openxmlformats.org/presentationml/2006/main">
-  <p:cSld>
-    <p:spTree>
-      <p:nvGrpSpPr>
-        <p:cNvPr id="1" name=""/>
-        <p:cNvGrpSpPr/>
-        <p:nvPr/>
-      </p:nvGrpSpPr>
-      <p:grpSpPr>
-        <a:xfrm>
-          <a:off x="0" y="0"/>
-          <a:ext cx="0" cy="0"/>
-          <a:chOff x="0" y="0"/>
-          <a:chExt cx="0" cy="0"/>
-        </a:xfrm>
-      </p:grpSpPr>
-      <p:sp>
-        <p:nvSpPr>
-          <p:cNvPr id="2" name="Title 1"/>
-          <p:cNvSpPr>
-            <a:spLocks noGrp="1"/>
-          </p:cNvSpPr>
-          <p:nvPr>
-            <p:ph type="title"/>
-          </p:nvPr>
-        </p:nvSpPr>
-        <p:spPr/>
-        <p:txBody>
-          <a:bodyPr/>
-          <a:lstStyle/>
-          <a:p>
-            <a:r>
-              <a:rPr lang="en-US" dirty="0" smtClean="0"/>
               <a:t>Views - Workshop</a:t>
             </a:r>
             <a:endParaRPr lang="en-US" dirty="0"/>
@@ -9443,6 +8646,413 @@
 </p:sld>
 </file>
 
+<file path=ppt/slides/slide18.xml><?xml version="1.0" encoding="utf-8"?>
+<p:sld xmlns:a="http://schemas.openxmlformats.org/drawingml/2006/main" xmlns:r="http://schemas.openxmlformats.org/officeDocument/2006/relationships" xmlns:p="http://schemas.openxmlformats.org/presentationml/2006/main">
+  <p:cSld>
+    <p:spTree>
+      <p:nvGrpSpPr>
+        <p:cNvPr id="1" name=""/>
+        <p:cNvGrpSpPr/>
+        <p:nvPr/>
+      </p:nvGrpSpPr>
+      <p:grpSpPr>
+        <a:xfrm>
+          <a:off x="0" y="0"/>
+          <a:ext cx="0" cy="0"/>
+          <a:chOff x="0" y="0"/>
+          <a:chExt cx="0" cy="0"/>
+        </a:xfrm>
+      </p:grpSpPr>
+      <p:sp>
+        <p:nvSpPr>
+          <p:cNvPr id="4" name="Title 3"/>
+          <p:cNvSpPr>
+            <a:spLocks noGrp="1"/>
+          </p:cNvSpPr>
+          <p:nvPr>
+            <p:ph type="title"/>
+          </p:nvPr>
+        </p:nvSpPr>
+        <p:spPr/>
+        <p:txBody>
+          <a:bodyPr/>
+          <a:lstStyle/>
+          <a:p>
+            <a:r>
+              <a:rPr lang="en-US" dirty="0" smtClean="0"/>
+              <a:t>Knowledge check</a:t>
+            </a:r>
+            <a:endParaRPr lang="en-US" dirty="0"/>
+          </a:p>
+        </p:txBody>
+      </p:sp>
+      <p:sp>
+        <p:nvSpPr>
+          <p:cNvPr id="2" name="Text Placeholder 1"/>
+          <p:cNvSpPr>
+            <a:spLocks noGrp="1"/>
+          </p:cNvSpPr>
+          <p:nvPr>
+            <p:ph type="body" idx="1"/>
+          </p:nvPr>
+        </p:nvSpPr>
+        <p:spPr/>
+        <p:txBody>
+          <a:bodyPr/>
+          <a:lstStyle/>
+          <a:p>
+            <a:r>
+              <a:rPr lang="en-US" dirty="0"/>
+              <a:t>Quiz, Discussion, Homework</a:t>
+            </a:r>
+          </a:p>
+        </p:txBody>
+      </p:sp>
+    </p:spTree>
+    <p:extLst>
+      <p:ext uri="{BB962C8B-B14F-4D97-AF65-F5344CB8AC3E}">
+        <p14:creationId xmlns:p14="http://schemas.microsoft.com/office/powerpoint/2010/main" val="2257886123"/>
+      </p:ext>
+    </p:extLst>
+  </p:cSld>
+  <p:clrMapOvr>
+    <a:masterClrMapping/>
+  </p:clrMapOvr>
+  <p:timing>
+    <p:tnLst>
+      <p:par>
+        <p:cTn id="1" dur="indefinite" restart="never" nodeType="tmRoot"/>
+      </p:par>
+    </p:tnLst>
+  </p:timing>
+</p:sld>
+</file>
+
+<file path=ppt/slides/slide19.xml><?xml version="1.0" encoding="utf-8"?>
+<p:sld xmlns:a="http://schemas.openxmlformats.org/drawingml/2006/main" xmlns:r="http://schemas.openxmlformats.org/officeDocument/2006/relationships" xmlns:p="http://schemas.openxmlformats.org/presentationml/2006/main">
+  <p:cSld>
+    <p:spTree>
+      <p:nvGrpSpPr>
+        <p:cNvPr id="1" name=""/>
+        <p:cNvGrpSpPr/>
+        <p:nvPr/>
+      </p:nvGrpSpPr>
+      <p:grpSpPr>
+        <a:xfrm>
+          <a:off x="0" y="0"/>
+          <a:ext cx="0" cy="0"/>
+          <a:chOff x="0" y="0"/>
+          <a:chExt cx="0" cy="0"/>
+        </a:xfrm>
+      </p:grpSpPr>
+      <p:sp>
+        <p:nvSpPr>
+          <p:cNvPr id="2" name="Title 1"/>
+          <p:cNvSpPr>
+            <a:spLocks noGrp="1"/>
+          </p:cNvSpPr>
+          <p:nvPr>
+            <p:ph type="title"/>
+          </p:nvPr>
+        </p:nvSpPr>
+        <p:spPr>
+          <a:xfrm>
+            <a:off x="677334" y="609600"/>
+            <a:ext cx="8596668" cy="768439"/>
+          </a:xfrm>
+        </p:spPr>
+        <p:txBody>
+          <a:bodyPr/>
+          <a:lstStyle/>
+          <a:p>
+            <a:r>
+              <a:rPr lang="en-US" dirty="0" smtClean="0"/>
+              <a:t>Quiz</a:t>
+            </a:r>
+            <a:endParaRPr lang="en-US" dirty="0"/>
+          </a:p>
+        </p:txBody>
+      </p:sp>
+      <p:sp>
+        <p:nvSpPr>
+          <p:cNvPr id="3" name="Content Placeholder 2"/>
+          <p:cNvSpPr>
+            <a:spLocks noGrp="1"/>
+          </p:cNvSpPr>
+          <p:nvPr>
+            <p:ph idx="1"/>
+          </p:nvPr>
+        </p:nvSpPr>
+        <p:spPr>
+          <a:xfrm>
+            <a:off x="677334" y="1378039"/>
+            <a:ext cx="8596668" cy="5203065"/>
+          </a:xfrm>
+        </p:spPr>
+        <p:txBody>
+          <a:bodyPr>
+            <a:normAutofit fontScale="85000" lnSpcReduction="10000"/>
+          </a:bodyPr>
+          <a:lstStyle/>
+          <a:p>
+            <a:r>
+              <a:rPr lang="en-US" dirty="0" smtClean="0"/>
+              <a:t>Can we assign multiple values to scalar variable?</a:t>
+            </a:r>
+            <a:endParaRPr lang="en-US" dirty="0"/>
+          </a:p>
+          <a:p>
+            <a:pPr marL="457200" lvl="1" indent="0">
+              <a:buNone/>
+            </a:pPr>
+            <a:r>
+              <a:rPr lang="en-US" b="1" dirty="0" smtClean="0"/>
+              <a:t>a.</a:t>
+            </a:r>
+            <a:r>
+              <a:rPr lang="en-US" dirty="0"/>
+              <a:t> </a:t>
+            </a:r>
+            <a:r>
+              <a:rPr lang="en-US" dirty="0" smtClean="0"/>
+              <a:t>Yes</a:t>
+            </a:r>
+            <a:endParaRPr lang="en-US" dirty="0"/>
+          </a:p>
+          <a:p>
+            <a:pPr marL="457200" lvl="1" indent="0">
+              <a:buNone/>
+            </a:pPr>
+            <a:r>
+              <a:rPr lang="en-US" b="1" dirty="0" smtClean="0"/>
+              <a:t>b. </a:t>
+            </a:r>
+            <a:r>
+              <a:rPr lang="en-US" dirty="0" smtClean="0"/>
+              <a:t>No</a:t>
+            </a:r>
+          </a:p>
+          <a:p>
+            <a:r>
+              <a:rPr lang="en-US" dirty="0"/>
+              <a:t>Can we </a:t>
+            </a:r>
+            <a:r>
+              <a:rPr lang="en-US" dirty="0" smtClean="0"/>
+              <a:t>have WHERE operator in the same statement with GROUP BY operator?</a:t>
+            </a:r>
+          </a:p>
+          <a:p>
+            <a:pPr marL="0" indent="0">
+              <a:buNone/>
+            </a:pPr>
+            <a:r>
+              <a:rPr lang="en-US" dirty="0"/>
+              <a:t>	</a:t>
+            </a:r>
+            <a:r>
+              <a:rPr lang="en-US" b="1" dirty="0" smtClean="0"/>
+              <a:t>a</a:t>
+            </a:r>
+            <a:r>
+              <a:rPr lang="en-US" b="1" dirty="0"/>
+              <a:t>.</a:t>
+            </a:r>
+            <a:r>
+              <a:rPr lang="en-US" dirty="0"/>
+              <a:t> Yes</a:t>
+            </a:r>
+          </a:p>
+          <a:p>
+            <a:pPr marL="457200" lvl="1" indent="0">
+              <a:buNone/>
+            </a:pPr>
+            <a:r>
+              <a:rPr lang="en-US" b="1" dirty="0"/>
+              <a:t>b. </a:t>
+            </a:r>
+            <a:r>
+              <a:rPr lang="en-US" dirty="0"/>
+              <a:t>No</a:t>
+            </a:r>
+          </a:p>
+          <a:p>
+            <a:r>
+              <a:rPr lang="en-US" dirty="0" smtClean="0"/>
+              <a:t>Which SQL function is used to determine number of characters in the string?</a:t>
+            </a:r>
+          </a:p>
+          <a:p>
+            <a:pPr marL="457200" lvl="1" indent="0">
+              <a:buNone/>
+            </a:pPr>
+            <a:r>
+              <a:rPr lang="en-US" b="1" dirty="0" smtClean="0"/>
+              <a:t>a</a:t>
+            </a:r>
+            <a:r>
+              <a:rPr lang="en-US" b="1" dirty="0"/>
+              <a:t>. </a:t>
+            </a:r>
+            <a:r>
+              <a:rPr lang="en-US" dirty="0" smtClean="0"/>
+              <a:t>LEFT</a:t>
+            </a:r>
+            <a:endParaRPr lang="en-US" dirty="0"/>
+          </a:p>
+          <a:p>
+            <a:pPr marL="457200" lvl="1" indent="0">
+              <a:buNone/>
+            </a:pPr>
+            <a:r>
+              <a:rPr lang="en-US" b="1" dirty="0"/>
+              <a:t>b. </a:t>
+            </a:r>
+            <a:r>
+              <a:rPr lang="en-US" dirty="0" smtClean="0"/>
+              <a:t>STRING</a:t>
+            </a:r>
+          </a:p>
+          <a:p>
+            <a:pPr marL="457200" lvl="1" indent="0">
+              <a:buNone/>
+            </a:pPr>
+            <a:r>
+              <a:rPr lang="en-US" b="1" dirty="0" smtClean="0"/>
+              <a:t>c. </a:t>
+            </a:r>
+            <a:r>
+              <a:rPr lang="en-US" dirty="0" smtClean="0"/>
+              <a:t>STRING_SIZE</a:t>
+            </a:r>
+          </a:p>
+          <a:p>
+            <a:pPr marL="457200" lvl="1" indent="0">
+              <a:buNone/>
+            </a:pPr>
+            <a:r>
+              <a:rPr lang="en-US" b="1" dirty="0" smtClean="0"/>
+              <a:t>d</a:t>
+            </a:r>
+            <a:r>
+              <a:rPr lang="en-US" b="1" dirty="0"/>
+              <a:t>. </a:t>
+            </a:r>
+            <a:r>
+              <a:rPr lang="en-US" dirty="0" smtClean="0"/>
+              <a:t>LEN</a:t>
+            </a:r>
+          </a:p>
+          <a:p>
+            <a:r>
+              <a:rPr lang="en-US" dirty="0" smtClean="0"/>
+              <a:t>Which SQL function is used to concatenate multiple string records into single value?</a:t>
+            </a:r>
+          </a:p>
+          <a:p>
+            <a:pPr marL="0" indent="0">
+              <a:buNone/>
+            </a:pPr>
+            <a:r>
+              <a:rPr lang="en-US" dirty="0"/>
+              <a:t> </a:t>
+            </a:r>
+            <a:r>
+              <a:rPr lang="en-US" dirty="0" smtClean="0"/>
+              <a:t>      </a:t>
+            </a:r>
+            <a:r>
+              <a:rPr lang="en-US" b="1" dirty="0" smtClean="0"/>
+              <a:t>a</a:t>
+            </a:r>
+            <a:r>
+              <a:rPr lang="en-US" b="1" dirty="0"/>
+              <a:t>.</a:t>
+            </a:r>
+            <a:r>
+              <a:rPr lang="en-US" dirty="0"/>
+              <a:t> </a:t>
+            </a:r>
+            <a:r>
+              <a:rPr lang="en-US" dirty="0" smtClean="0"/>
+              <a:t>AGG</a:t>
+            </a:r>
+          </a:p>
+          <a:p>
+            <a:pPr marL="0" indent="0">
+              <a:buNone/>
+            </a:pPr>
+            <a:r>
+              <a:rPr lang="en-US" b="1" dirty="0"/>
+              <a:t>	</a:t>
+            </a:r>
+            <a:r>
+              <a:rPr lang="en-US" b="1" dirty="0" smtClean="0"/>
+              <a:t>b</a:t>
+            </a:r>
+            <a:r>
+              <a:rPr lang="en-US" b="1" dirty="0"/>
+              <a:t>. </a:t>
+            </a:r>
+            <a:r>
+              <a:rPr lang="en-US" dirty="0" smtClean="0"/>
+              <a:t>CONCAT </a:t>
+            </a:r>
+            <a:endParaRPr lang="en-US" dirty="0"/>
+          </a:p>
+          <a:p>
+            <a:pPr marL="457200" lvl="1" indent="0">
+              <a:buNone/>
+            </a:pPr>
+            <a:r>
+              <a:rPr lang="en-US" b="1" dirty="0"/>
+              <a:t>c. </a:t>
+            </a:r>
+            <a:r>
+              <a:rPr lang="en-US" dirty="0" smtClean="0"/>
+              <a:t>STRING_AGG</a:t>
+            </a:r>
+            <a:endParaRPr lang="en-US" dirty="0"/>
+          </a:p>
+          <a:p>
+            <a:pPr marL="457200" lvl="1" indent="0">
+              <a:buNone/>
+            </a:pPr>
+            <a:r>
+              <a:rPr lang="en-US" b="1" dirty="0"/>
+              <a:t>d. </a:t>
+            </a:r>
+            <a:r>
+              <a:rPr lang="en-US" dirty="0" smtClean="0"/>
+              <a:t>MERGE</a:t>
+            </a:r>
+            <a:endParaRPr lang="en-US" dirty="0"/>
+          </a:p>
+          <a:p>
+            <a:endParaRPr lang="en-US" dirty="0"/>
+          </a:p>
+        </p:txBody>
+      </p:sp>
+    </p:spTree>
+    <p:extLst>
+      <p:ext uri="{BB962C8B-B14F-4D97-AF65-F5344CB8AC3E}">
+        <p14:creationId xmlns:p14="http://schemas.microsoft.com/office/powerpoint/2010/main" val="36163417"/>
+      </p:ext>
+    </p:extLst>
+  </p:cSld>
+  <p:clrMapOvr>
+    <a:masterClrMapping/>
+  </p:clrMapOvr>
+  <p:timing>
+    <p:tnLst>
+      <p:par>
+        <p:cTn id="1" dur="indefinite" restart="never" nodeType="tmRoot"/>
+      </p:par>
+    </p:tnLst>
+  </p:timing>
+</p:sld>
+</file>
+
 <file path=ppt/slides/slide2.xml><?xml version="1.0" encoding="utf-8"?>
 <p:sld xmlns:a="http://schemas.openxmlformats.org/drawingml/2006/main" xmlns:r="http://schemas.openxmlformats.org/officeDocument/2006/relationships" xmlns:p="http://schemas.openxmlformats.org/presentationml/2006/main">
   <p:cSld>
@@ -9723,7 +9333,7 @@
       </p:grpSpPr>
       <p:sp>
         <p:nvSpPr>
-          <p:cNvPr id="4" name="Title 3"/>
+          <p:cNvPr id="2" name="Title 1"/>
           <p:cNvSpPr>
             <a:spLocks noGrp="1"/>
           </p:cNvSpPr>
@@ -9731,45 +9341,196 @@
             <p:ph type="title"/>
           </p:nvPr>
         </p:nvSpPr>
-        <p:spPr/>
+        <p:spPr>
+          <a:xfrm>
+            <a:off x="677334" y="609600"/>
+            <a:ext cx="8596668" cy="781318"/>
+          </a:xfrm>
+        </p:spPr>
         <p:txBody>
           <a:bodyPr/>
           <a:lstStyle/>
           <a:p>
             <a:r>
+              <a:rPr lang="en-US" dirty="0"/>
+              <a:t>Quiz</a:t>
+            </a:r>
+          </a:p>
+        </p:txBody>
+      </p:sp>
+      <p:sp>
+        <p:nvSpPr>
+          <p:cNvPr id="3" name="Content Placeholder 2"/>
+          <p:cNvSpPr>
+            <a:spLocks noGrp="1"/>
+          </p:cNvSpPr>
+          <p:nvPr>
+            <p:ph idx="1"/>
+          </p:nvPr>
+        </p:nvSpPr>
+        <p:spPr>
+          <a:xfrm>
+            <a:off x="677334" y="1390919"/>
+            <a:ext cx="8596668" cy="5254580"/>
+          </a:xfrm>
+        </p:spPr>
+        <p:txBody>
+          <a:bodyPr>
+            <a:normAutofit/>
+          </a:bodyPr>
+          <a:lstStyle/>
+          <a:p>
+            <a:r>
               <a:rPr lang="en-US" dirty="0" smtClean="0"/>
-              <a:t>Knowledge check</a:t>
-            </a:r>
-            <a:endParaRPr lang="en-US" dirty="0"/>
-          </a:p>
-        </p:txBody>
-      </p:sp>
-      <p:sp>
-        <p:nvSpPr>
-          <p:cNvPr id="2" name="Text Placeholder 1"/>
-          <p:cNvSpPr>
-            <a:spLocks noGrp="1"/>
-          </p:cNvSpPr>
-          <p:nvPr>
-            <p:ph type="body" idx="1"/>
-          </p:nvPr>
-        </p:nvSpPr>
-        <p:spPr/>
-        <p:txBody>
-          <a:bodyPr/>
-          <a:lstStyle/>
-          <a:p>
-            <a:r>
-              <a:rPr lang="en-US" dirty="0"/>
-              <a:t>Quiz, Discussion, Homework</a:t>
-            </a:r>
+              <a:t>Can we group data from multiple records without using GROUP BY function?</a:t>
+            </a:r>
+          </a:p>
+          <a:p>
+            <a:pPr marL="0" indent="0">
+              <a:buNone/>
+            </a:pPr>
+            <a:r>
+              <a:rPr lang="en-US" b="1" dirty="0"/>
+              <a:t> </a:t>
+            </a:r>
+            <a:r>
+              <a:rPr lang="en-US" b="1" dirty="0" smtClean="0"/>
+              <a:t>      a</a:t>
+            </a:r>
+            <a:r>
+              <a:rPr lang="en-US" b="1" dirty="0"/>
+              <a:t>. </a:t>
+            </a:r>
+            <a:r>
+              <a:rPr lang="en-US" dirty="0" smtClean="0"/>
+              <a:t>Yes</a:t>
+            </a:r>
+            <a:endParaRPr lang="en-US" dirty="0"/>
+          </a:p>
+          <a:p>
+            <a:pPr marL="457200" lvl="1" indent="0">
+              <a:buNone/>
+            </a:pPr>
+            <a:r>
+              <a:rPr lang="en-US" b="1" dirty="0"/>
+              <a:t>b. </a:t>
+            </a:r>
+            <a:r>
+              <a:rPr lang="en-US" dirty="0" smtClean="0"/>
+              <a:t>No</a:t>
+            </a:r>
+            <a:endParaRPr lang="en-US" dirty="0"/>
+          </a:p>
+          <a:p>
+            <a:r>
+              <a:rPr lang="en-US" dirty="0" smtClean="0"/>
+              <a:t>Which operator is used to filter the resultset by the result of aggregate function?</a:t>
+            </a:r>
+            <a:endParaRPr lang="en-US" dirty="0"/>
+          </a:p>
+          <a:p>
+            <a:pPr marL="457200" lvl="1" indent="0">
+              <a:buNone/>
+            </a:pPr>
+            <a:r>
+              <a:rPr lang="en-US" b="1" dirty="0" smtClean="0"/>
+              <a:t>a. </a:t>
+            </a:r>
+            <a:r>
+              <a:rPr lang="en-US" dirty="0" smtClean="0"/>
+              <a:t>FILTER</a:t>
+            </a:r>
+          </a:p>
+          <a:p>
+            <a:pPr marL="457200" lvl="1" indent="0">
+              <a:buNone/>
+            </a:pPr>
+            <a:r>
+              <a:rPr lang="en-US" b="1" dirty="0" smtClean="0"/>
+              <a:t>b</a:t>
+            </a:r>
+            <a:r>
+              <a:rPr lang="en-US" b="1" dirty="0"/>
+              <a:t>. </a:t>
+            </a:r>
+            <a:r>
+              <a:rPr lang="en-US" dirty="0" smtClean="0"/>
+              <a:t>CHECK</a:t>
+            </a:r>
+            <a:endParaRPr lang="en-US" dirty="0"/>
+          </a:p>
+          <a:p>
+            <a:pPr marL="457200" lvl="1" indent="0">
+              <a:buNone/>
+            </a:pPr>
+            <a:r>
+              <a:rPr lang="en-US" b="1" dirty="0"/>
+              <a:t>c. </a:t>
+            </a:r>
+            <a:r>
+              <a:rPr lang="en-US" dirty="0" smtClean="0"/>
+              <a:t>WHERE</a:t>
+            </a:r>
+            <a:endParaRPr lang="en-US" dirty="0"/>
+          </a:p>
+          <a:p>
+            <a:pPr marL="457200" lvl="1" indent="0">
+              <a:buNone/>
+            </a:pPr>
+            <a:r>
+              <a:rPr lang="en-US" b="1" dirty="0"/>
+              <a:t>d. </a:t>
+            </a:r>
+            <a:r>
+              <a:rPr lang="en-US" dirty="0" smtClean="0"/>
+              <a:t>HAVING</a:t>
+            </a:r>
+            <a:endParaRPr lang="en-US" dirty="0"/>
+          </a:p>
+          <a:p>
+            <a:r>
+              <a:rPr lang="en-US" dirty="0" smtClean="0"/>
+              <a:t>Can we have ORDER BY and HAVING operator in the same statement?</a:t>
+            </a:r>
+          </a:p>
+          <a:p>
+            <a:pPr marL="457200" lvl="1" indent="0">
+              <a:buNone/>
+            </a:pPr>
+            <a:r>
+              <a:rPr lang="en-US" b="1" dirty="0" smtClean="0"/>
+              <a:t>a</a:t>
+            </a:r>
+            <a:r>
+              <a:rPr lang="en-US" b="1" dirty="0"/>
+              <a:t>. </a:t>
+            </a:r>
+            <a:r>
+              <a:rPr lang="en-US" dirty="0" smtClean="0"/>
+              <a:t>Yes</a:t>
+            </a:r>
+            <a:endParaRPr lang="en-US" dirty="0"/>
+          </a:p>
+          <a:p>
+            <a:pPr marL="457200" lvl="1" indent="0">
+              <a:buNone/>
+            </a:pPr>
+            <a:r>
+              <a:rPr lang="en-US" b="1" dirty="0"/>
+              <a:t>b. </a:t>
+            </a:r>
+            <a:r>
+              <a:rPr lang="en-US" dirty="0" smtClean="0"/>
+              <a:t>No</a:t>
+            </a:r>
+            <a:endParaRPr lang="en-US" dirty="0"/>
           </a:p>
         </p:txBody>
       </p:sp>
     </p:spTree>
     <p:extLst>
       <p:ext uri="{BB962C8B-B14F-4D97-AF65-F5344CB8AC3E}">
-        <p14:creationId xmlns:p14="http://schemas.microsoft.com/office/powerpoint/2010/main" val="2257886123"/>
+        <p14:creationId xmlns:p14="http://schemas.microsoft.com/office/powerpoint/2010/main" val="761919073"/>
       </p:ext>
     </p:extLst>
   </p:cSld>
@@ -9815,564 +9576,6 @@
         </p:nvSpPr>
         <p:spPr>
           <a:xfrm>
-            <a:off x="677334" y="609600"/>
-            <a:ext cx="8596668" cy="768439"/>
-          </a:xfrm>
-        </p:spPr>
-        <p:txBody>
-          <a:bodyPr/>
-          <a:lstStyle/>
-          <a:p>
-            <a:r>
-              <a:rPr lang="en-US" dirty="0" smtClean="0"/>
-              <a:t>Quiz</a:t>
-            </a:r>
-            <a:endParaRPr lang="en-US" dirty="0"/>
-          </a:p>
-        </p:txBody>
-      </p:sp>
-      <p:sp>
-        <p:nvSpPr>
-          <p:cNvPr id="3" name="Content Placeholder 2"/>
-          <p:cNvSpPr>
-            <a:spLocks noGrp="1"/>
-          </p:cNvSpPr>
-          <p:nvPr>
-            <p:ph idx="1"/>
-          </p:nvPr>
-        </p:nvSpPr>
-        <p:spPr>
-          <a:xfrm>
-            <a:off x="677334" y="1378039"/>
-            <a:ext cx="8596668" cy="5203065"/>
-          </a:xfrm>
-        </p:spPr>
-        <p:txBody>
-          <a:bodyPr>
-            <a:normAutofit fontScale="85000" lnSpcReduction="10000"/>
-          </a:bodyPr>
-          <a:lstStyle/>
-          <a:p>
-            <a:r>
-              <a:rPr lang="en-US" dirty="0" smtClean="0"/>
-              <a:t>Can we assign multiple values to scalar variable?</a:t>
-            </a:r>
-            <a:endParaRPr lang="en-US" dirty="0"/>
-          </a:p>
-          <a:p>
-            <a:pPr marL="457200" lvl="1" indent="0">
-              <a:buNone/>
-            </a:pPr>
-            <a:r>
-              <a:rPr lang="en-US" b="1" dirty="0" smtClean="0"/>
-              <a:t>a.</a:t>
-            </a:r>
-            <a:r>
-              <a:rPr lang="en-US" dirty="0"/>
-              <a:t> </a:t>
-            </a:r>
-            <a:r>
-              <a:rPr lang="en-US" dirty="0" smtClean="0"/>
-              <a:t>Yes</a:t>
-            </a:r>
-            <a:endParaRPr lang="en-US" dirty="0"/>
-          </a:p>
-          <a:p>
-            <a:pPr marL="457200" lvl="1" indent="0">
-              <a:buNone/>
-            </a:pPr>
-            <a:r>
-              <a:rPr lang="en-US" b="1" dirty="0" smtClean="0"/>
-              <a:t>b. </a:t>
-            </a:r>
-            <a:r>
-              <a:rPr lang="en-US" dirty="0" smtClean="0"/>
-              <a:t>No</a:t>
-            </a:r>
-          </a:p>
-          <a:p>
-            <a:r>
-              <a:rPr lang="en-US" dirty="0"/>
-              <a:t>Can we </a:t>
-            </a:r>
-            <a:r>
-              <a:rPr lang="en-US" dirty="0" smtClean="0"/>
-              <a:t>have WHERE operator in the same statement with GROUP BY operator?</a:t>
-            </a:r>
-          </a:p>
-          <a:p>
-            <a:pPr marL="0" indent="0">
-              <a:buNone/>
-            </a:pPr>
-            <a:r>
-              <a:rPr lang="en-US" dirty="0"/>
-              <a:t>	</a:t>
-            </a:r>
-            <a:r>
-              <a:rPr lang="en-US" b="1" dirty="0" smtClean="0"/>
-              <a:t>a</a:t>
-            </a:r>
-            <a:r>
-              <a:rPr lang="en-US" b="1" dirty="0"/>
-              <a:t>.</a:t>
-            </a:r>
-            <a:r>
-              <a:rPr lang="en-US" dirty="0"/>
-              <a:t> Yes</a:t>
-            </a:r>
-          </a:p>
-          <a:p>
-            <a:pPr marL="457200" lvl="1" indent="0">
-              <a:buNone/>
-            </a:pPr>
-            <a:r>
-              <a:rPr lang="en-US" b="1" dirty="0"/>
-              <a:t>b. </a:t>
-            </a:r>
-            <a:r>
-              <a:rPr lang="en-US" dirty="0"/>
-              <a:t>No</a:t>
-            </a:r>
-          </a:p>
-          <a:p>
-            <a:r>
-              <a:rPr lang="en-US" dirty="0" smtClean="0"/>
-              <a:t>Which SQL function is used to determine number of characters in the string?</a:t>
-            </a:r>
-          </a:p>
-          <a:p>
-            <a:pPr marL="457200" lvl="1" indent="0">
-              <a:buNone/>
-            </a:pPr>
-            <a:r>
-              <a:rPr lang="en-US" b="1" dirty="0" smtClean="0"/>
-              <a:t>a</a:t>
-            </a:r>
-            <a:r>
-              <a:rPr lang="en-US" b="1" dirty="0"/>
-              <a:t>. </a:t>
-            </a:r>
-            <a:r>
-              <a:rPr lang="en-US" dirty="0" smtClean="0"/>
-              <a:t>LEFT</a:t>
-            </a:r>
-            <a:endParaRPr lang="en-US" dirty="0"/>
-          </a:p>
-          <a:p>
-            <a:pPr marL="457200" lvl="1" indent="0">
-              <a:buNone/>
-            </a:pPr>
-            <a:r>
-              <a:rPr lang="en-US" b="1" dirty="0"/>
-              <a:t>b. </a:t>
-            </a:r>
-            <a:r>
-              <a:rPr lang="en-US" dirty="0" smtClean="0"/>
-              <a:t>STRING</a:t>
-            </a:r>
-          </a:p>
-          <a:p>
-            <a:pPr marL="457200" lvl="1" indent="0">
-              <a:buNone/>
-            </a:pPr>
-            <a:r>
-              <a:rPr lang="en-US" b="1" dirty="0" smtClean="0"/>
-              <a:t>c. </a:t>
-            </a:r>
-            <a:r>
-              <a:rPr lang="en-US" dirty="0" smtClean="0"/>
-              <a:t>STRING_SIZE</a:t>
-            </a:r>
-          </a:p>
-          <a:p>
-            <a:pPr marL="457200" lvl="1" indent="0">
-              <a:buNone/>
-            </a:pPr>
-            <a:r>
-              <a:rPr lang="en-US" b="1" dirty="0" smtClean="0"/>
-              <a:t>d</a:t>
-            </a:r>
-            <a:r>
-              <a:rPr lang="en-US" b="1" dirty="0"/>
-              <a:t>. </a:t>
-            </a:r>
-            <a:r>
-              <a:rPr lang="en-US" dirty="0" smtClean="0"/>
-              <a:t>LEN</a:t>
-            </a:r>
-          </a:p>
-          <a:p>
-            <a:r>
-              <a:rPr lang="en-US" dirty="0" smtClean="0"/>
-              <a:t>Which SQL function is used to concatenate multiple string records into single value?</a:t>
-            </a:r>
-          </a:p>
-          <a:p>
-            <a:pPr marL="0" indent="0">
-              <a:buNone/>
-            </a:pPr>
-            <a:r>
-              <a:rPr lang="en-US" dirty="0"/>
-              <a:t> </a:t>
-            </a:r>
-            <a:r>
-              <a:rPr lang="en-US" dirty="0" smtClean="0"/>
-              <a:t>      </a:t>
-            </a:r>
-            <a:r>
-              <a:rPr lang="en-US" b="1" dirty="0" smtClean="0"/>
-              <a:t>a</a:t>
-            </a:r>
-            <a:r>
-              <a:rPr lang="en-US" b="1" dirty="0"/>
-              <a:t>.</a:t>
-            </a:r>
-            <a:r>
-              <a:rPr lang="en-US" dirty="0"/>
-              <a:t> </a:t>
-            </a:r>
-            <a:r>
-              <a:rPr lang="en-US" dirty="0" smtClean="0"/>
-              <a:t>AGG</a:t>
-            </a:r>
-          </a:p>
-          <a:p>
-            <a:pPr marL="0" indent="0">
-              <a:buNone/>
-            </a:pPr>
-            <a:r>
-              <a:rPr lang="en-US" b="1" dirty="0"/>
-              <a:t>	</a:t>
-            </a:r>
-            <a:r>
-              <a:rPr lang="en-US" b="1" dirty="0" smtClean="0"/>
-              <a:t>b</a:t>
-            </a:r>
-            <a:r>
-              <a:rPr lang="en-US" b="1" dirty="0"/>
-              <a:t>. </a:t>
-            </a:r>
-            <a:r>
-              <a:rPr lang="en-US" dirty="0" smtClean="0"/>
-              <a:t>CONCAT </a:t>
-            </a:r>
-            <a:endParaRPr lang="en-US" dirty="0"/>
-          </a:p>
-          <a:p>
-            <a:pPr marL="457200" lvl="1" indent="0">
-              <a:buNone/>
-            </a:pPr>
-            <a:r>
-              <a:rPr lang="en-US" b="1" dirty="0"/>
-              <a:t>c. </a:t>
-            </a:r>
-            <a:r>
-              <a:rPr lang="en-US" dirty="0" smtClean="0"/>
-              <a:t>STRING_AGG</a:t>
-            </a:r>
-            <a:endParaRPr lang="en-US" dirty="0"/>
-          </a:p>
-          <a:p>
-            <a:pPr marL="457200" lvl="1" indent="0">
-              <a:buNone/>
-            </a:pPr>
-            <a:r>
-              <a:rPr lang="en-US" b="1" dirty="0"/>
-              <a:t>d. </a:t>
-            </a:r>
-            <a:r>
-              <a:rPr lang="en-US" dirty="0" smtClean="0"/>
-              <a:t>MERGE</a:t>
-            </a:r>
-            <a:endParaRPr lang="en-US" dirty="0"/>
-          </a:p>
-          <a:p>
-            <a:endParaRPr lang="en-US" dirty="0"/>
-          </a:p>
-        </p:txBody>
-      </p:sp>
-    </p:spTree>
-    <p:extLst>
-      <p:ext uri="{BB962C8B-B14F-4D97-AF65-F5344CB8AC3E}">
-        <p14:creationId xmlns:p14="http://schemas.microsoft.com/office/powerpoint/2010/main" val="36163417"/>
-      </p:ext>
-    </p:extLst>
-  </p:cSld>
-  <p:clrMapOvr>
-    <a:masterClrMapping/>
-  </p:clrMapOvr>
-  <p:timing>
-    <p:tnLst>
-      <p:par>
-        <p:cTn id="1" dur="indefinite" restart="never" nodeType="tmRoot"/>
-      </p:par>
-    </p:tnLst>
-  </p:timing>
-</p:sld>
-</file>
-
-<file path=ppt/slides/slide22.xml><?xml version="1.0" encoding="utf-8"?>
-<p:sld xmlns:a="http://schemas.openxmlformats.org/drawingml/2006/main" xmlns:r="http://schemas.openxmlformats.org/officeDocument/2006/relationships" xmlns:p="http://schemas.openxmlformats.org/presentationml/2006/main">
-  <p:cSld>
-    <p:spTree>
-      <p:nvGrpSpPr>
-        <p:cNvPr id="1" name=""/>
-        <p:cNvGrpSpPr/>
-        <p:nvPr/>
-      </p:nvGrpSpPr>
-      <p:grpSpPr>
-        <a:xfrm>
-          <a:off x="0" y="0"/>
-          <a:ext cx="0" cy="0"/>
-          <a:chOff x="0" y="0"/>
-          <a:chExt cx="0" cy="0"/>
-        </a:xfrm>
-      </p:grpSpPr>
-      <p:sp>
-        <p:nvSpPr>
-          <p:cNvPr id="2" name="Title 1"/>
-          <p:cNvSpPr>
-            <a:spLocks noGrp="1"/>
-          </p:cNvSpPr>
-          <p:nvPr>
-            <p:ph type="title"/>
-          </p:nvPr>
-        </p:nvSpPr>
-        <p:spPr>
-          <a:xfrm>
-            <a:off x="677334" y="609600"/>
-            <a:ext cx="8596668" cy="781318"/>
-          </a:xfrm>
-        </p:spPr>
-        <p:txBody>
-          <a:bodyPr/>
-          <a:lstStyle/>
-          <a:p>
-            <a:r>
-              <a:rPr lang="en-US" dirty="0"/>
-              <a:t>Quiz</a:t>
-            </a:r>
-          </a:p>
-        </p:txBody>
-      </p:sp>
-      <p:sp>
-        <p:nvSpPr>
-          <p:cNvPr id="3" name="Content Placeholder 2"/>
-          <p:cNvSpPr>
-            <a:spLocks noGrp="1"/>
-          </p:cNvSpPr>
-          <p:nvPr>
-            <p:ph idx="1"/>
-          </p:nvPr>
-        </p:nvSpPr>
-        <p:spPr>
-          <a:xfrm>
-            <a:off x="677334" y="1390919"/>
-            <a:ext cx="8596668" cy="5254580"/>
-          </a:xfrm>
-        </p:spPr>
-        <p:txBody>
-          <a:bodyPr>
-            <a:normAutofit/>
-          </a:bodyPr>
-          <a:lstStyle/>
-          <a:p>
-            <a:r>
-              <a:rPr lang="en-US" dirty="0" smtClean="0"/>
-              <a:t>Can we group data from multiple records without using GROUP BY function?</a:t>
-            </a:r>
-          </a:p>
-          <a:p>
-            <a:pPr marL="0" indent="0">
-              <a:buNone/>
-            </a:pPr>
-            <a:r>
-              <a:rPr lang="en-US" b="1" dirty="0"/>
-              <a:t> </a:t>
-            </a:r>
-            <a:r>
-              <a:rPr lang="en-US" b="1" dirty="0" smtClean="0"/>
-              <a:t>      a</a:t>
-            </a:r>
-            <a:r>
-              <a:rPr lang="en-US" b="1" dirty="0"/>
-              <a:t>. </a:t>
-            </a:r>
-            <a:r>
-              <a:rPr lang="en-US" dirty="0" smtClean="0"/>
-              <a:t>Yes</a:t>
-            </a:r>
-            <a:endParaRPr lang="en-US" dirty="0"/>
-          </a:p>
-          <a:p>
-            <a:pPr marL="457200" lvl="1" indent="0">
-              <a:buNone/>
-            </a:pPr>
-            <a:r>
-              <a:rPr lang="en-US" b="1" dirty="0"/>
-              <a:t>b. </a:t>
-            </a:r>
-            <a:r>
-              <a:rPr lang="en-US" dirty="0" smtClean="0"/>
-              <a:t>No</a:t>
-            </a:r>
-            <a:endParaRPr lang="en-US" dirty="0"/>
-          </a:p>
-          <a:p>
-            <a:r>
-              <a:rPr lang="en-US" dirty="0" smtClean="0"/>
-              <a:t>Which operator is used to filter the resultset by the result of aggregate function?</a:t>
-            </a:r>
-            <a:endParaRPr lang="en-US" dirty="0"/>
-          </a:p>
-          <a:p>
-            <a:pPr marL="457200" lvl="1" indent="0">
-              <a:buNone/>
-            </a:pPr>
-            <a:r>
-              <a:rPr lang="en-US" b="1" dirty="0" smtClean="0"/>
-              <a:t>a. </a:t>
-            </a:r>
-            <a:r>
-              <a:rPr lang="en-US" dirty="0" smtClean="0"/>
-              <a:t>FILTER</a:t>
-            </a:r>
-          </a:p>
-          <a:p>
-            <a:pPr marL="457200" lvl="1" indent="0">
-              <a:buNone/>
-            </a:pPr>
-            <a:r>
-              <a:rPr lang="en-US" b="1" dirty="0" smtClean="0"/>
-              <a:t>b</a:t>
-            </a:r>
-            <a:r>
-              <a:rPr lang="en-US" b="1" dirty="0"/>
-              <a:t>. </a:t>
-            </a:r>
-            <a:r>
-              <a:rPr lang="en-US" dirty="0" smtClean="0"/>
-              <a:t>CHECK</a:t>
-            </a:r>
-            <a:endParaRPr lang="en-US" dirty="0"/>
-          </a:p>
-          <a:p>
-            <a:pPr marL="457200" lvl="1" indent="0">
-              <a:buNone/>
-            </a:pPr>
-            <a:r>
-              <a:rPr lang="en-US" b="1" dirty="0"/>
-              <a:t>c. </a:t>
-            </a:r>
-            <a:r>
-              <a:rPr lang="en-US" dirty="0" smtClean="0"/>
-              <a:t>WHERE</a:t>
-            </a:r>
-            <a:endParaRPr lang="en-US" dirty="0"/>
-          </a:p>
-          <a:p>
-            <a:pPr marL="457200" lvl="1" indent="0">
-              <a:buNone/>
-            </a:pPr>
-            <a:r>
-              <a:rPr lang="en-US" b="1" dirty="0"/>
-              <a:t>d. </a:t>
-            </a:r>
-            <a:r>
-              <a:rPr lang="en-US" dirty="0" smtClean="0"/>
-              <a:t>HAVING</a:t>
-            </a:r>
-            <a:endParaRPr lang="en-US" dirty="0"/>
-          </a:p>
-          <a:p>
-            <a:r>
-              <a:rPr lang="en-US" dirty="0" smtClean="0"/>
-              <a:t>Can we have ORDER BY and HAVING operator in the same statement?</a:t>
-            </a:r>
-          </a:p>
-          <a:p>
-            <a:pPr marL="457200" lvl="1" indent="0">
-              <a:buNone/>
-            </a:pPr>
-            <a:r>
-              <a:rPr lang="en-US" b="1" dirty="0" smtClean="0"/>
-              <a:t>a</a:t>
-            </a:r>
-            <a:r>
-              <a:rPr lang="en-US" b="1" dirty="0"/>
-              <a:t>. </a:t>
-            </a:r>
-            <a:r>
-              <a:rPr lang="en-US" dirty="0" smtClean="0"/>
-              <a:t>Yes</a:t>
-            </a:r>
-            <a:endParaRPr lang="en-US" dirty="0"/>
-          </a:p>
-          <a:p>
-            <a:pPr marL="457200" lvl="1" indent="0">
-              <a:buNone/>
-            </a:pPr>
-            <a:r>
-              <a:rPr lang="en-US" b="1" dirty="0"/>
-              <a:t>b. </a:t>
-            </a:r>
-            <a:r>
-              <a:rPr lang="en-US" dirty="0" smtClean="0"/>
-              <a:t>No</a:t>
-            </a:r>
-            <a:endParaRPr lang="en-US" dirty="0"/>
-          </a:p>
-        </p:txBody>
-      </p:sp>
-    </p:spTree>
-    <p:extLst>
-      <p:ext uri="{BB962C8B-B14F-4D97-AF65-F5344CB8AC3E}">
-        <p14:creationId xmlns:p14="http://schemas.microsoft.com/office/powerpoint/2010/main" val="761919073"/>
-      </p:ext>
-    </p:extLst>
-  </p:cSld>
-  <p:clrMapOvr>
-    <a:masterClrMapping/>
-  </p:clrMapOvr>
-  <p:timing>
-    <p:tnLst>
-      <p:par>
-        <p:cTn id="1" dur="indefinite" restart="never" nodeType="tmRoot"/>
-      </p:par>
-    </p:tnLst>
-  </p:timing>
-</p:sld>
-</file>
-
-<file path=ppt/slides/slide23.xml><?xml version="1.0" encoding="utf-8"?>
-<p:sld xmlns:a="http://schemas.openxmlformats.org/drawingml/2006/main" xmlns:r="http://schemas.openxmlformats.org/officeDocument/2006/relationships" xmlns:p="http://schemas.openxmlformats.org/presentationml/2006/main">
-  <p:cSld>
-    <p:spTree>
-      <p:nvGrpSpPr>
-        <p:cNvPr id="1" name=""/>
-        <p:cNvGrpSpPr/>
-        <p:nvPr/>
-      </p:nvGrpSpPr>
-      <p:grpSpPr>
-        <a:xfrm>
-          <a:off x="0" y="0"/>
-          <a:ext cx="0" cy="0"/>
-          <a:chOff x="0" y="0"/>
-          <a:chExt cx="0" cy="0"/>
-        </a:xfrm>
-      </p:grpSpPr>
-      <p:sp>
-        <p:nvSpPr>
-          <p:cNvPr id="2" name="Title 1"/>
-          <p:cNvSpPr>
-            <a:spLocks noGrp="1"/>
-          </p:cNvSpPr>
-          <p:nvPr>
-            <p:ph type="title"/>
-          </p:nvPr>
-        </p:nvSpPr>
-        <p:spPr>
-          <a:xfrm>
             <a:off x="677334" y="609599"/>
             <a:ext cx="8596668" cy="678288"/>
           </a:xfrm>
@@ -10445,641 +9648,6 @@
       </p:par>
     </p:tnLst>
   </p:timing>
-</p:sld>
-</file>
-
-<file path=ppt/slides/slide24.xml><?xml version="1.0" encoding="utf-8"?>
-<p:sld xmlns:a="http://schemas.openxmlformats.org/drawingml/2006/main" xmlns:r="http://schemas.openxmlformats.org/officeDocument/2006/relationships" xmlns:p="http://schemas.openxmlformats.org/presentationml/2006/main">
-  <p:cSld>
-    <p:spTree>
-      <p:nvGrpSpPr>
-        <p:cNvPr id="1" name=""/>
-        <p:cNvGrpSpPr/>
-        <p:nvPr/>
-      </p:nvGrpSpPr>
-      <p:grpSpPr>
-        <a:xfrm>
-          <a:off x="0" y="0"/>
-          <a:ext cx="0" cy="0"/>
-          <a:chOff x="0" y="0"/>
-          <a:chExt cx="0" cy="0"/>
-        </a:xfrm>
-      </p:grpSpPr>
-      <p:sp>
-        <p:nvSpPr>
-          <p:cNvPr id="4" name="Title 3"/>
-          <p:cNvSpPr>
-            <a:spLocks noGrp="1"/>
-          </p:cNvSpPr>
-          <p:nvPr>
-            <p:ph type="title"/>
-          </p:nvPr>
-        </p:nvSpPr>
-        <p:spPr/>
-        <p:txBody>
-          <a:bodyPr>
-            <a:normAutofit fontScale="90000"/>
-          </a:bodyPr>
-          <a:lstStyle/>
-          <a:p>
-            <a:r>
-              <a:rPr lang="en-US" dirty="0"/>
-              <a:t/>
-            </a:r>
-            <a:br>
-              <a:rPr lang="en-US" dirty="0"/>
-            </a:br>
-            <a:r>
-              <a:rPr lang="en-US" dirty="0"/>
-              <a:t>Homework</a:t>
-            </a:r>
-            <a:br>
-              <a:rPr lang="en-US" dirty="0"/>
-            </a:br>
-            <a:endParaRPr lang="en-US" dirty="0"/>
-          </a:p>
-        </p:txBody>
-      </p:sp>
-    </p:spTree>
-    <p:extLst>
-      <p:ext uri="{BB962C8B-B14F-4D97-AF65-F5344CB8AC3E}">
-        <p14:creationId xmlns:p14="http://schemas.microsoft.com/office/powerpoint/2010/main" val="3948046820"/>
-      </p:ext>
-    </p:extLst>
-  </p:cSld>
-  <p:clrMapOvr>
-    <a:masterClrMapping/>
-  </p:clrMapOvr>
-</p:sld>
-</file>
-
-<file path=ppt/slides/slide25.xml><?xml version="1.0" encoding="utf-8"?>
-<p:sld xmlns:a="http://schemas.openxmlformats.org/drawingml/2006/main" xmlns:r="http://schemas.openxmlformats.org/officeDocument/2006/relationships" xmlns:p="http://schemas.openxmlformats.org/presentationml/2006/main">
-  <p:cSld>
-    <p:spTree>
-      <p:nvGrpSpPr>
-        <p:cNvPr id="1" name=""/>
-        <p:cNvGrpSpPr/>
-        <p:nvPr/>
-      </p:nvGrpSpPr>
-      <p:grpSpPr>
-        <a:xfrm>
-          <a:off x="0" y="0"/>
-          <a:ext cx="0" cy="0"/>
-          <a:chOff x="0" y="0"/>
-          <a:chExt cx="0" cy="0"/>
-        </a:xfrm>
-      </p:grpSpPr>
-      <p:sp>
-        <p:nvSpPr>
-          <p:cNvPr id="4" name="Title 3"/>
-          <p:cNvSpPr>
-            <a:spLocks noGrp="1"/>
-          </p:cNvSpPr>
-          <p:nvPr>
-            <p:ph type="title"/>
-          </p:nvPr>
-        </p:nvSpPr>
-        <p:spPr/>
-        <p:txBody>
-          <a:bodyPr/>
-          <a:lstStyle/>
-          <a:p>
-            <a:r>
-              <a:rPr lang="en-US" dirty="0"/>
-              <a:t>Homework requirement</a:t>
-            </a:r>
-            <a:r>
-              <a:rPr lang="mk-MK" dirty="0"/>
-              <a:t> 1/4</a:t>
-            </a:r>
-            <a:endParaRPr lang="en-US" dirty="0"/>
-          </a:p>
-        </p:txBody>
-      </p:sp>
-      <p:sp>
-        <p:nvSpPr>
-          <p:cNvPr id="5" name="Content Placeholder 4"/>
-          <p:cNvSpPr>
-            <a:spLocks noGrp="1"/>
-          </p:cNvSpPr>
-          <p:nvPr>
-            <p:ph idx="1"/>
-          </p:nvPr>
-        </p:nvSpPr>
-        <p:spPr>
-          <a:xfrm>
-            <a:off x="677333" y="2160589"/>
-            <a:ext cx="9424610" cy="4505387"/>
-          </a:xfrm>
-        </p:spPr>
-        <p:txBody>
-          <a:bodyPr>
-            <a:normAutofit fontScale="92500" lnSpcReduction="10000"/>
-          </a:bodyPr>
-          <a:lstStyle/>
-          <a:p>
-            <a:r>
-              <a:rPr lang="en-US" dirty="0"/>
-              <a:t>Declare scalar variable for storing FirstName values</a:t>
-            </a:r>
-          </a:p>
-          <a:p>
-            <a:r>
-              <a:rPr lang="en-US" dirty="0"/>
-              <a:t>	Assign value 'Antonio' to the FirstName variable</a:t>
-            </a:r>
-          </a:p>
-          <a:p>
-            <a:r>
-              <a:rPr lang="en-US" dirty="0"/>
-              <a:t>	Find all Students having FirstName same as the variable</a:t>
-            </a:r>
-          </a:p>
-          <a:p>
-            <a:endParaRPr lang="en-US" dirty="0"/>
-          </a:p>
-          <a:p>
-            <a:r>
-              <a:rPr lang="en-US" dirty="0"/>
-              <a:t>Declare table variable @</a:t>
-            </a:r>
-            <a:r>
-              <a:rPr lang="en-US" dirty="0" err="1"/>
-              <a:t>StudentList</a:t>
-            </a:r>
-            <a:r>
-              <a:rPr lang="en-US" dirty="0"/>
-              <a:t> that will contain </a:t>
-            </a:r>
-            <a:r>
-              <a:rPr lang="en-US" dirty="0" err="1"/>
-              <a:t>StudentId</a:t>
-            </a:r>
-            <a:r>
-              <a:rPr lang="en-US" dirty="0"/>
-              <a:t>, FirstName and </a:t>
-            </a:r>
-            <a:r>
-              <a:rPr lang="en-US" dirty="0" err="1"/>
-              <a:t>DateOfBirth</a:t>
-            </a:r>
-            <a:endParaRPr lang="en-US" dirty="0"/>
-          </a:p>
-          <a:p>
-            <a:r>
-              <a:rPr lang="en-US" dirty="0"/>
-              <a:t>	Fill the table variable with all Female students</a:t>
-            </a:r>
-          </a:p>
-          <a:p>
-            <a:r>
-              <a:rPr lang="en-US" dirty="0"/>
-              <a:t>	List all Students from table variable</a:t>
-            </a:r>
-          </a:p>
-          <a:p>
-            <a:r>
-              <a:rPr lang="en-US" dirty="0"/>
-              <a:t>	List all Students from table variable younger than 1992-02-22</a:t>
-            </a:r>
-          </a:p>
-          <a:p>
-            <a:endParaRPr lang="en-US" dirty="0"/>
-          </a:p>
-          <a:p>
-            <a:r>
-              <a:rPr lang="en-US" dirty="0"/>
-              <a:t>Declare temp table #</a:t>
-            </a:r>
-            <a:r>
-              <a:rPr lang="en-US" dirty="0" err="1"/>
-              <a:t>StudentList</a:t>
-            </a:r>
-            <a:r>
-              <a:rPr lang="mk-MK" dirty="0"/>
-              <a:t> </a:t>
-            </a:r>
-            <a:r>
-              <a:rPr lang="en-US" dirty="0"/>
-              <a:t>that will contain </a:t>
-            </a:r>
-            <a:r>
-              <a:rPr lang="en-US" dirty="0" err="1"/>
-              <a:t>LastName</a:t>
-            </a:r>
-            <a:r>
-              <a:rPr lang="en-US" dirty="0"/>
-              <a:t> and </a:t>
-            </a:r>
-            <a:r>
-              <a:rPr lang="en-US" dirty="0" err="1"/>
-              <a:t>EnrolledDate</a:t>
-            </a:r>
-            <a:r>
-              <a:rPr lang="en-US" dirty="0"/>
-              <a:t> columns</a:t>
-            </a:r>
-          </a:p>
-          <a:p>
-            <a:r>
-              <a:rPr lang="en-US" dirty="0"/>
-              <a:t>	Fill the temp table with all Male students having First Name starting with ‘A’</a:t>
-            </a:r>
-          </a:p>
-          <a:p>
-            <a:r>
-              <a:rPr lang="en-US" dirty="0"/>
-              <a:t>	List all Students from temp table who have Last Name with length greater than 5</a:t>
-            </a:r>
-          </a:p>
-        </p:txBody>
-      </p:sp>
-    </p:spTree>
-    <p:extLst>
-      <p:ext uri="{BB962C8B-B14F-4D97-AF65-F5344CB8AC3E}">
-        <p14:creationId xmlns:p14="http://schemas.microsoft.com/office/powerpoint/2010/main" val="157966401"/>
-      </p:ext>
-    </p:extLst>
-  </p:cSld>
-  <p:clrMapOvr>
-    <a:masterClrMapping/>
-  </p:clrMapOvr>
-</p:sld>
-</file>
-
-<file path=ppt/slides/slide26.xml><?xml version="1.0" encoding="utf-8"?>
-<p:sld xmlns:a="http://schemas.openxmlformats.org/drawingml/2006/main" xmlns:r="http://schemas.openxmlformats.org/officeDocument/2006/relationships" xmlns:p="http://schemas.openxmlformats.org/presentationml/2006/main">
-  <p:cSld>
-    <p:spTree>
-      <p:nvGrpSpPr>
-        <p:cNvPr id="1" name=""/>
-        <p:cNvGrpSpPr/>
-        <p:nvPr/>
-      </p:nvGrpSpPr>
-      <p:grpSpPr>
-        <a:xfrm>
-          <a:off x="0" y="0"/>
-          <a:ext cx="0" cy="0"/>
-          <a:chOff x="0" y="0"/>
-          <a:chExt cx="0" cy="0"/>
-        </a:xfrm>
-      </p:grpSpPr>
-      <p:sp>
-        <p:nvSpPr>
-          <p:cNvPr id="2" name="Title 1">
-            <a:extLst>
-              <a:ext uri="{FF2B5EF4-FFF2-40B4-BE49-F238E27FC236}">
-                <a16:creationId xmlns:a16="http://schemas.microsoft.com/office/drawing/2014/main" id="{FE5624F9-B711-4FC6-8E9F-742526A0CCC1}"/>
-              </a:ext>
-            </a:extLst>
-          </p:cNvPr>
-          <p:cNvSpPr>
-            <a:spLocks noGrp="1"/>
-          </p:cNvSpPr>
-          <p:nvPr>
-            <p:ph type="title"/>
-          </p:nvPr>
-        </p:nvSpPr>
-        <p:spPr/>
-        <p:txBody>
-          <a:bodyPr/>
-          <a:lstStyle/>
-          <a:p>
-            <a:r>
-              <a:rPr lang="en-US" dirty="0"/>
-              <a:t>Homework requirement</a:t>
-            </a:r>
-            <a:r>
-              <a:rPr lang="mk-MK" dirty="0"/>
-              <a:t> 2/4</a:t>
-            </a:r>
-          </a:p>
-        </p:txBody>
-      </p:sp>
-      <p:sp>
-        <p:nvSpPr>
-          <p:cNvPr id="3" name="Content Placeholder 2">
-            <a:extLst>
-              <a:ext uri="{FF2B5EF4-FFF2-40B4-BE49-F238E27FC236}">
-                <a16:creationId xmlns:a16="http://schemas.microsoft.com/office/drawing/2014/main" id="{F419AFA7-0A3C-4606-9F32-1D2D20C9BD88}"/>
-              </a:ext>
-            </a:extLst>
-          </p:cNvPr>
-          <p:cNvSpPr>
-            <a:spLocks noGrp="1"/>
-          </p:cNvSpPr>
-          <p:nvPr>
-            <p:ph idx="1"/>
-          </p:nvPr>
-        </p:nvSpPr>
-        <p:spPr/>
-        <p:txBody>
-          <a:bodyPr/>
-          <a:lstStyle/>
-          <a:p>
-            <a:r>
-              <a:rPr lang="en-US" dirty="0"/>
-              <a:t>Calculate the count of all grades in the system</a:t>
-            </a:r>
-          </a:p>
-          <a:p>
-            <a:r>
-              <a:rPr lang="en-US" dirty="0"/>
-              <a:t>Calculate the count of all grades per Teacher in the system</a:t>
-            </a:r>
-          </a:p>
-          <a:p>
-            <a:r>
-              <a:rPr lang="en-US" dirty="0"/>
-              <a:t>Calculate the count of all grades per Teacher in the system for first 100 Students (ID &lt; 100)</a:t>
-            </a:r>
-          </a:p>
-          <a:p>
-            <a:r>
-              <a:rPr lang="en-US" dirty="0"/>
-              <a:t>Find the Maximal Grade, and the Average Grade per Student on all grades in the system</a:t>
-            </a:r>
-            <a:endParaRPr lang="mk-MK" dirty="0"/>
-          </a:p>
-        </p:txBody>
-      </p:sp>
-    </p:spTree>
-    <p:extLst>
-      <p:ext uri="{BB962C8B-B14F-4D97-AF65-F5344CB8AC3E}">
-        <p14:creationId xmlns:p14="http://schemas.microsoft.com/office/powerpoint/2010/main" val="3391648878"/>
-      </p:ext>
-    </p:extLst>
-  </p:cSld>
-  <p:clrMapOvr>
-    <a:masterClrMapping/>
-  </p:clrMapOvr>
-</p:sld>
-</file>
-
-<file path=ppt/slides/slide27.xml><?xml version="1.0" encoding="utf-8"?>
-<p:sld xmlns:a="http://schemas.openxmlformats.org/drawingml/2006/main" xmlns:r="http://schemas.openxmlformats.org/officeDocument/2006/relationships" xmlns:p="http://schemas.openxmlformats.org/presentationml/2006/main">
-  <p:cSld>
-    <p:spTree>
-      <p:nvGrpSpPr>
-        <p:cNvPr id="1" name=""/>
-        <p:cNvGrpSpPr/>
-        <p:nvPr/>
-      </p:nvGrpSpPr>
-      <p:grpSpPr>
-        <a:xfrm>
-          <a:off x="0" y="0"/>
-          <a:ext cx="0" cy="0"/>
-          <a:chOff x="0" y="0"/>
-          <a:chExt cx="0" cy="0"/>
-        </a:xfrm>
-      </p:grpSpPr>
-      <p:sp>
-        <p:nvSpPr>
-          <p:cNvPr id="2" name="Title 1">
-            <a:extLst>
-              <a:ext uri="{FF2B5EF4-FFF2-40B4-BE49-F238E27FC236}">
-                <a16:creationId xmlns:a16="http://schemas.microsoft.com/office/drawing/2014/main" id="{FE5624F9-B711-4FC6-8E9F-742526A0CCC1}"/>
-              </a:ext>
-            </a:extLst>
-          </p:cNvPr>
-          <p:cNvSpPr>
-            <a:spLocks noGrp="1"/>
-          </p:cNvSpPr>
-          <p:nvPr>
-            <p:ph type="title"/>
-          </p:nvPr>
-        </p:nvSpPr>
-        <p:spPr/>
-        <p:txBody>
-          <a:bodyPr/>
-          <a:lstStyle/>
-          <a:p>
-            <a:r>
-              <a:rPr lang="en-US" dirty="0"/>
-              <a:t>Homework requirement</a:t>
-            </a:r>
-            <a:r>
-              <a:rPr lang="mk-MK" dirty="0"/>
-              <a:t> 3/4</a:t>
-            </a:r>
-          </a:p>
-        </p:txBody>
-      </p:sp>
-      <p:sp>
-        <p:nvSpPr>
-          <p:cNvPr id="3" name="Content Placeholder 2">
-            <a:extLst>
-              <a:ext uri="{FF2B5EF4-FFF2-40B4-BE49-F238E27FC236}">
-                <a16:creationId xmlns:a16="http://schemas.microsoft.com/office/drawing/2014/main" id="{F419AFA7-0A3C-4606-9F32-1D2D20C9BD88}"/>
-              </a:ext>
-            </a:extLst>
-          </p:cNvPr>
-          <p:cNvSpPr>
-            <a:spLocks noGrp="1"/>
-          </p:cNvSpPr>
-          <p:nvPr>
-            <p:ph idx="1"/>
-          </p:nvPr>
-        </p:nvSpPr>
-        <p:spPr/>
-        <p:txBody>
-          <a:bodyPr/>
-          <a:lstStyle/>
-          <a:p>
-            <a:r>
-              <a:rPr lang="en-US" dirty="0"/>
-              <a:t>Calculate the count of all grades per Teacher in the system and filter only grade count greater then 200</a:t>
-            </a:r>
-          </a:p>
-          <a:p>
-            <a:r>
-              <a:rPr lang="en-US" dirty="0"/>
-              <a:t>Calculate the count of all grades per Teacher in the system for first 100 Students (ID &lt; 100) and filter teachers with more than 50 Grade count</a:t>
-            </a:r>
-          </a:p>
-          <a:p>
-            <a:r>
-              <a:rPr lang="en-US" dirty="0"/>
-              <a:t>Find the Grade Count, Maximal Grade, and the Average Grade per Student on all grades in the system. Filter only records where Maximal Grade is equal to Average Grade</a:t>
-            </a:r>
-          </a:p>
-          <a:p>
-            <a:r>
-              <a:rPr lang="en-US" dirty="0"/>
-              <a:t>List Student First Name and Last Name next to the other details from previous query</a:t>
-            </a:r>
-            <a:endParaRPr lang="mk-MK" dirty="0"/>
-          </a:p>
-        </p:txBody>
-      </p:sp>
-    </p:spTree>
-    <p:extLst>
-      <p:ext uri="{BB962C8B-B14F-4D97-AF65-F5344CB8AC3E}">
-        <p14:creationId xmlns:p14="http://schemas.microsoft.com/office/powerpoint/2010/main" val="3034517589"/>
-      </p:ext>
-    </p:extLst>
-  </p:cSld>
-  <p:clrMapOvr>
-    <a:masterClrMapping/>
-  </p:clrMapOvr>
-</p:sld>
-</file>
-
-<file path=ppt/slides/slide28.xml><?xml version="1.0" encoding="utf-8"?>
-<p:sld xmlns:a="http://schemas.openxmlformats.org/drawingml/2006/main" xmlns:r="http://schemas.openxmlformats.org/officeDocument/2006/relationships" xmlns:p="http://schemas.openxmlformats.org/presentationml/2006/main">
-  <p:cSld>
-    <p:spTree>
-      <p:nvGrpSpPr>
-        <p:cNvPr id="1" name=""/>
-        <p:cNvGrpSpPr/>
-        <p:nvPr/>
-      </p:nvGrpSpPr>
-      <p:grpSpPr>
-        <a:xfrm>
-          <a:off x="0" y="0"/>
-          <a:ext cx="0" cy="0"/>
-          <a:chOff x="0" y="0"/>
-          <a:chExt cx="0" cy="0"/>
-        </a:xfrm>
-      </p:grpSpPr>
-      <p:sp>
-        <p:nvSpPr>
-          <p:cNvPr id="2" name="Title 1">
-            <a:extLst>
-              <a:ext uri="{FF2B5EF4-FFF2-40B4-BE49-F238E27FC236}">
-                <a16:creationId xmlns:a16="http://schemas.microsoft.com/office/drawing/2014/main" id="{0FF7738A-FD6F-49D4-B79B-FD3113CEF07C}"/>
-              </a:ext>
-            </a:extLst>
-          </p:cNvPr>
-          <p:cNvSpPr>
-            <a:spLocks noGrp="1"/>
-          </p:cNvSpPr>
-          <p:nvPr>
-            <p:ph type="title"/>
-          </p:nvPr>
-        </p:nvSpPr>
-        <p:spPr/>
-        <p:txBody>
-          <a:bodyPr/>
-          <a:lstStyle/>
-          <a:p>
-            <a:r>
-              <a:rPr lang="en-US" dirty="0"/>
-              <a:t>Homework requirement</a:t>
-            </a:r>
-            <a:r>
-              <a:rPr lang="mk-MK" dirty="0"/>
-              <a:t> 4/4</a:t>
-            </a:r>
-          </a:p>
-        </p:txBody>
-      </p:sp>
-      <p:sp>
-        <p:nvSpPr>
-          <p:cNvPr id="3" name="Content Placeholder 2">
-            <a:extLst>
-              <a:ext uri="{FF2B5EF4-FFF2-40B4-BE49-F238E27FC236}">
-                <a16:creationId xmlns:a16="http://schemas.microsoft.com/office/drawing/2014/main" id="{41722F95-08C4-464F-A600-DC9066329272}"/>
-              </a:ext>
-            </a:extLst>
-          </p:cNvPr>
-          <p:cNvSpPr>
-            <a:spLocks noGrp="1"/>
-          </p:cNvSpPr>
-          <p:nvPr>
-            <p:ph idx="1"/>
-          </p:nvPr>
-        </p:nvSpPr>
-        <p:spPr/>
-        <p:txBody>
-          <a:bodyPr/>
-          <a:lstStyle/>
-          <a:p>
-            <a:r>
-              <a:rPr lang="en-US" dirty="0"/>
-              <a:t>Create new view (</a:t>
-            </a:r>
-            <a:r>
-              <a:rPr lang="en-US" dirty="0" err="1"/>
-              <a:t>vv_StudentGrades</a:t>
-            </a:r>
-            <a:r>
-              <a:rPr lang="en-US" dirty="0"/>
-              <a:t>) that will List all </a:t>
-            </a:r>
-            <a:r>
-              <a:rPr lang="en-US" dirty="0" err="1"/>
-              <a:t>StudentIds</a:t>
-            </a:r>
-            <a:r>
-              <a:rPr lang="en-US" dirty="0"/>
-              <a:t> and count of Grades per student</a:t>
-            </a:r>
-          </a:p>
-          <a:p>
-            <a:r>
-              <a:rPr lang="en-US" dirty="0"/>
-              <a:t>Change the view to show Student First and Last Names instead of </a:t>
-            </a:r>
-            <a:r>
-              <a:rPr lang="en-US" dirty="0" err="1"/>
-              <a:t>StudentID</a:t>
-            </a:r>
-            <a:endParaRPr lang="en-US" dirty="0"/>
-          </a:p>
-          <a:p>
-            <a:r>
-              <a:rPr lang="en-US" dirty="0"/>
-              <a:t>List all rows from view ordered by biggest Grade Count</a:t>
-            </a:r>
-          </a:p>
-          <a:p>
-            <a:endParaRPr lang="en-US" dirty="0"/>
-          </a:p>
-          <a:p>
-            <a:r>
-              <a:rPr lang="en-US" dirty="0"/>
-              <a:t>Create new view (</a:t>
-            </a:r>
-            <a:r>
-              <a:rPr lang="en-US" dirty="0" err="1"/>
-              <a:t>vv_StudentGradeDetails</a:t>
-            </a:r>
-            <a:r>
-              <a:rPr lang="en-US" dirty="0"/>
-              <a:t>) that will List all Students (FirstName and </a:t>
-            </a:r>
-            <a:r>
-              <a:rPr lang="en-US" dirty="0" err="1"/>
-              <a:t>LastName</a:t>
-            </a:r>
-            <a:r>
-              <a:rPr lang="en-US" dirty="0"/>
-              <a:t>) and Count the courses he passed through the exam(</a:t>
-            </a:r>
-            <a:r>
-              <a:rPr lang="en-US" dirty="0" err="1"/>
-              <a:t>Ispit</a:t>
-            </a:r>
-            <a:r>
-              <a:rPr lang="en-US" dirty="0"/>
-              <a:t>)</a:t>
-            </a:r>
-            <a:endParaRPr lang="mk-MK" dirty="0"/>
-          </a:p>
-        </p:txBody>
-      </p:sp>
-    </p:spTree>
-    <p:extLst>
-      <p:ext uri="{BB962C8B-B14F-4D97-AF65-F5344CB8AC3E}">
-        <p14:creationId xmlns:p14="http://schemas.microsoft.com/office/powerpoint/2010/main" val="4253166879"/>
-      </p:ext>
-    </p:extLst>
-  </p:cSld>
-  <p:clrMapOvr>
-    <a:masterClrMapping/>
-  </p:clrMapOvr>
 </p:sld>
 </file>
 
